--- a/slides/07_LLM_discussion.pptx
+++ b/slides/07_LLM_discussion.pptx
@@ -7,17 +7,18 @@
   <p:sldIdLst>
     <p:sldId id="256" r:id="rId5"/>
     <p:sldId id="817" r:id="rId6"/>
-    <p:sldId id="265" r:id="rId7"/>
-    <p:sldId id="264" r:id="rId8"/>
+    <p:sldId id="264" r:id="rId7"/>
+    <p:sldId id="265" r:id="rId8"/>
     <p:sldId id="257" r:id="rId9"/>
     <p:sldId id="818" r:id="rId10"/>
-    <p:sldId id="259" r:id="rId11"/>
-    <p:sldId id="260" r:id="rId12"/>
-    <p:sldId id="258" r:id="rId13"/>
-    <p:sldId id="263" r:id="rId14"/>
-    <p:sldId id="261" r:id="rId15"/>
-    <p:sldId id="262" r:id="rId16"/>
-    <p:sldId id="266" r:id="rId17"/>
+    <p:sldId id="819" r:id="rId11"/>
+    <p:sldId id="259" r:id="rId12"/>
+    <p:sldId id="260" r:id="rId13"/>
+    <p:sldId id="258" r:id="rId14"/>
+    <p:sldId id="263" r:id="rId15"/>
+    <p:sldId id="261" r:id="rId16"/>
+    <p:sldId id="262" r:id="rId17"/>
+    <p:sldId id="266" r:id="rId18"/>
   </p:sldIdLst>
   <p:sldSz cx="12192000" cy="6858000"/>
   <p:notesSz cx="6858000" cy="9144000"/>
@@ -271,7 +272,7 @@
           <a:p>
             <a:fld id="{A0CF861B-2947-4E74-AAE0-E351222E926D}" type="datetimeFigureOut">
               <a:rPr lang="en-US" smtClean="0"/>
-              <a:t>9/6/2025</a:t>
+              <a:t>9/11/2025</a:t>
             </a:fld>
             <a:endParaRPr lang="en-US"/>
           </a:p>
@@ -469,7 +470,7 @@
           <a:p>
             <a:fld id="{A0CF861B-2947-4E74-AAE0-E351222E926D}" type="datetimeFigureOut">
               <a:rPr lang="en-US" smtClean="0"/>
-              <a:t>9/6/2025</a:t>
+              <a:t>9/11/2025</a:t>
             </a:fld>
             <a:endParaRPr lang="en-US"/>
           </a:p>
@@ -677,7 +678,7 @@
           <a:p>
             <a:fld id="{A0CF861B-2947-4E74-AAE0-E351222E926D}" type="datetimeFigureOut">
               <a:rPr lang="en-US" smtClean="0"/>
-              <a:t>9/6/2025</a:t>
+              <a:t>9/11/2025</a:t>
             </a:fld>
             <a:endParaRPr lang="en-US"/>
           </a:p>
@@ -875,7 +876,7 @@
           <a:p>
             <a:fld id="{A0CF861B-2947-4E74-AAE0-E351222E926D}" type="datetimeFigureOut">
               <a:rPr lang="en-US" smtClean="0"/>
-              <a:t>9/6/2025</a:t>
+              <a:t>9/11/2025</a:t>
             </a:fld>
             <a:endParaRPr lang="en-US"/>
           </a:p>
@@ -1150,7 +1151,7 @@
           <a:p>
             <a:fld id="{A0CF861B-2947-4E74-AAE0-E351222E926D}" type="datetimeFigureOut">
               <a:rPr lang="en-US" smtClean="0"/>
-              <a:t>9/6/2025</a:t>
+              <a:t>9/11/2025</a:t>
             </a:fld>
             <a:endParaRPr lang="en-US"/>
           </a:p>
@@ -1415,7 +1416,7 @@
           <a:p>
             <a:fld id="{A0CF861B-2947-4E74-AAE0-E351222E926D}" type="datetimeFigureOut">
               <a:rPr lang="en-US" smtClean="0"/>
-              <a:t>9/6/2025</a:t>
+              <a:t>9/11/2025</a:t>
             </a:fld>
             <a:endParaRPr lang="en-US"/>
           </a:p>
@@ -1827,7 +1828,7 @@
           <a:p>
             <a:fld id="{A0CF861B-2947-4E74-AAE0-E351222E926D}" type="datetimeFigureOut">
               <a:rPr lang="en-US" smtClean="0"/>
-              <a:t>9/6/2025</a:t>
+              <a:t>9/11/2025</a:t>
             </a:fld>
             <a:endParaRPr lang="en-US"/>
           </a:p>
@@ -1968,7 +1969,7 @@
           <a:p>
             <a:fld id="{A0CF861B-2947-4E74-AAE0-E351222E926D}" type="datetimeFigureOut">
               <a:rPr lang="en-US" smtClean="0"/>
-              <a:t>9/6/2025</a:t>
+              <a:t>9/11/2025</a:t>
             </a:fld>
             <a:endParaRPr lang="en-US"/>
           </a:p>
@@ -2081,7 +2082,7 @@
           <a:p>
             <a:fld id="{A0CF861B-2947-4E74-AAE0-E351222E926D}" type="datetimeFigureOut">
               <a:rPr lang="en-US" smtClean="0"/>
-              <a:t>9/6/2025</a:t>
+              <a:t>9/11/2025</a:t>
             </a:fld>
             <a:endParaRPr lang="en-US"/>
           </a:p>
@@ -2392,7 +2393,7 @@
           <a:p>
             <a:fld id="{A0CF861B-2947-4E74-AAE0-E351222E926D}" type="datetimeFigureOut">
               <a:rPr lang="en-US" smtClean="0"/>
-              <a:t>9/6/2025</a:t>
+              <a:t>9/11/2025</a:t>
             </a:fld>
             <a:endParaRPr lang="en-US"/>
           </a:p>
@@ -2680,7 +2681,7 @@
           <a:p>
             <a:fld id="{A0CF861B-2947-4E74-AAE0-E351222E926D}" type="datetimeFigureOut">
               <a:rPr lang="en-US" smtClean="0"/>
-              <a:t>9/6/2025</a:t>
+              <a:t>9/11/2025</a:t>
             </a:fld>
             <a:endParaRPr lang="en-US"/>
           </a:p>
@@ -2921,7 +2922,7 @@
           <a:p>
             <a:fld id="{A0CF861B-2947-4E74-AAE0-E351222E926D}" type="datetimeFigureOut">
               <a:rPr lang="en-US" smtClean="0"/>
-              <a:t>9/6/2025</a:t>
+              <a:t>9/11/2025</a:t>
             </a:fld>
             <a:endParaRPr lang="en-US"/>
           </a:p>
@@ -4523,6 +4524,316 @@
           </a:p>
         </p:txBody>
       </p:sp>
+      <p:grpSp>
+        <p:nvGrpSpPr>
+          <p:cNvPr id="4" name="Group 3">
+            <a:extLst>
+              <a:ext uri="{FF2B5EF4-FFF2-40B4-BE49-F238E27FC236}">
+                <a16:creationId xmlns:a16="http://schemas.microsoft.com/office/drawing/2014/main" id="{B7699D8E-D1D9-AB62-011A-F01233A3D365}"/>
+              </a:ext>
+            </a:extLst>
+          </p:cNvPr>
+          <p:cNvGrpSpPr/>
+          <p:nvPr/>
+        </p:nvGrpSpPr>
+        <p:grpSpPr>
+          <a:xfrm>
+            <a:off x="331177" y="6241010"/>
+            <a:ext cx="3907906" cy="430887"/>
+            <a:chOff x="328815" y="6324600"/>
+            <a:chExt cx="3907906" cy="430887"/>
+          </a:xfrm>
+        </p:grpSpPr>
+        <p:sp>
+          <p:nvSpPr>
+            <p:cNvPr id="5" name="TextBox 4">
+              <a:extLst>
+                <a:ext uri="{FF2B5EF4-FFF2-40B4-BE49-F238E27FC236}">
+                  <a16:creationId xmlns:a16="http://schemas.microsoft.com/office/drawing/2014/main" id="{1795A5CC-9DBF-D632-60D7-9E3408B7D0DD}"/>
+                </a:ext>
+              </a:extLst>
+            </p:cNvPr>
+            <p:cNvSpPr txBox="1"/>
+            <p:nvPr/>
+          </p:nvSpPr>
+          <p:spPr>
+            <a:xfrm>
+              <a:off x="1219200" y="6324600"/>
+              <a:ext cx="3017521" cy="430887"/>
+            </a:xfrm>
+            <a:prstGeom prst="rect">
+              <a:avLst/>
+            </a:prstGeom>
+            <a:noFill/>
+          </p:spPr>
+          <p:txBody>
+            <a:bodyPr wrap="square">
+              <a:spAutoFit/>
+            </a:bodyPr>
+            <a:lstStyle/>
+            <a:p>
+              <a:r>
+                <a:rPr lang="en-US" sz="1100" b="0" i="0" dirty="0">
+                  <a:effectLst/>
+                  <a:latin typeface="Calibri" panose="020F0502020204030204" pitchFamily="34" charset="0"/>
+                </a:rPr>
+                <a:t>This work is licensed under a </a:t>
+              </a:r>
+              <a:r>
+                <a:rPr lang="en-US" sz="1100" b="0" i="0" strike="noStrike" dirty="0">
+                  <a:effectLst/>
+                  <a:latin typeface="Calibri" panose="020F0502020204030204" pitchFamily="34" charset="0"/>
+                  <a:hlinkClick r:id="rId3">
+                    <a:extLst>
+                      <a:ext uri="{A12FA001-AC4F-418D-AE19-62706E023703}">
+                        <ahyp:hlinkClr xmlns:ahyp="http://schemas.microsoft.com/office/drawing/2018/hyperlinkcolor" val="tx"/>
+                      </a:ext>
+                    </a:extLst>
+                  </a:hlinkClick>
+                </a:rPr>
+                <a:t>Creative Commons Attribution-</a:t>
+              </a:r>
+              <a:r>
+                <a:rPr lang="en-US" sz="1100" b="0" i="0" strike="noStrike" dirty="0" err="1">
+                  <a:effectLst/>
+                  <a:latin typeface="Calibri" panose="020F0502020204030204" pitchFamily="34" charset="0"/>
+                  <a:hlinkClick r:id="rId3">
+                    <a:extLst>
+                      <a:ext uri="{A12FA001-AC4F-418D-AE19-62706E023703}">
+                        <ahyp:hlinkClr xmlns:ahyp="http://schemas.microsoft.com/office/drawing/2018/hyperlinkcolor" val="tx"/>
+                      </a:ext>
+                    </a:extLst>
+                  </a:hlinkClick>
+                </a:rPr>
+                <a:t>ShareAlike</a:t>
+              </a:r>
+              <a:r>
+                <a:rPr lang="en-US" sz="1100" b="0" i="0" strike="noStrike" dirty="0">
+                  <a:effectLst/>
+                  <a:latin typeface="Calibri" panose="020F0502020204030204" pitchFamily="34" charset="0"/>
+                  <a:hlinkClick r:id="rId3">
+                    <a:extLst>
+                      <a:ext uri="{A12FA001-AC4F-418D-AE19-62706E023703}">
+                        <ahyp:hlinkClr xmlns:ahyp="http://schemas.microsoft.com/office/drawing/2018/hyperlinkcolor" val="tx"/>
+                      </a:ext>
+                    </a:extLst>
+                  </a:hlinkClick>
+                </a:rPr>
+                <a:t> 4.0 International License</a:t>
+              </a:r>
+              <a:r>
+                <a:rPr lang="en-US" sz="1100" b="0" i="0" dirty="0">
+                  <a:effectLst/>
+                  <a:latin typeface="Calibri" panose="020F0502020204030204" pitchFamily="34" charset="0"/>
+                </a:rPr>
+                <a:t>.</a:t>
+              </a:r>
+              <a:endParaRPr lang="en-US" sz="1100" dirty="0"/>
+            </a:p>
+          </p:txBody>
+        </p:sp>
+        <p:pic>
+          <p:nvPicPr>
+            <p:cNvPr id="6" name="Picture 2">
+              <a:extLst>
+                <a:ext uri="{FF2B5EF4-FFF2-40B4-BE49-F238E27FC236}">
+                  <a16:creationId xmlns:a16="http://schemas.microsoft.com/office/drawing/2014/main" id="{AA67B341-BD8F-947F-8EDF-E838830CC0AC}"/>
+                </a:ext>
+              </a:extLst>
+            </p:cNvPr>
+            <p:cNvPicPr>
+              <a:picLocks noChangeAspect="1" noChangeArrowheads="1"/>
+            </p:cNvPicPr>
+            <p:nvPr/>
+          </p:nvPicPr>
+          <p:blipFill>
+            <a:blip r:embed="rId4" cstate="print">
+              <a:extLst>
+                <a:ext uri="{28A0092B-C50C-407E-A947-70E740481C1C}">
+                  <a14:useLocalDpi xmlns:a14="http://schemas.microsoft.com/office/drawing/2010/main" val="0"/>
+                </a:ext>
+              </a:extLst>
+            </a:blip>
+            <a:srcRect/>
+            <a:stretch>
+              <a:fillRect/>
+            </a:stretch>
+          </p:blipFill>
+          <p:spPr bwMode="auto">
+            <a:xfrm>
+              <a:off x="328815" y="6396460"/>
+              <a:ext cx="888838" cy="311093"/>
+            </a:xfrm>
+            <a:prstGeom prst="rect">
+              <a:avLst/>
+            </a:prstGeom>
+            <a:noFill/>
+            <a:extLst>
+              <a:ext uri="{909E8E84-426E-40DD-AFC4-6F175D3DCCD1}">
+                <a14:hiddenFill xmlns:a14="http://schemas.microsoft.com/office/drawing/2010/main">
+                  <a:solidFill>
+                    <a:srgbClr val="FFFFFF"/>
+                  </a:solidFill>
+                </a14:hiddenFill>
+              </a:ext>
+            </a:extLst>
+          </p:spPr>
+        </p:pic>
+      </p:grpSp>
+      <p:grpSp>
+        <p:nvGrpSpPr>
+          <p:cNvPr id="7" name="Group 6">
+            <a:extLst>
+              <a:ext uri="{FF2B5EF4-FFF2-40B4-BE49-F238E27FC236}">
+                <a16:creationId xmlns:a16="http://schemas.microsoft.com/office/drawing/2014/main" id="{28E1C6AC-A4EC-3B5D-0EF2-4F4F4517BFF2}"/>
+              </a:ext>
+              <a:ext uri="{C183D7F6-B498-43B3-948B-1728B52AA6E4}">
+                <adec:decorative xmlns:adec="http://schemas.microsoft.com/office/drawing/2017/decorative" val="1"/>
+              </a:ext>
+            </a:extLst>
+          </p:cNvPr>
+          <p:cNvGrpSpPr/>
+          <p:nvPr/>
+        </p:nvGrpSpPr>
+        <p:grpSpPr>
+          <a:xfrm>
+            <a:off x="10651171" y="5134418"/>
+            <a:ext cx="1209652" cy="1440289"/>
+            <a:chOff x="7162800" y="4191000"/>
+            <a:chExt cx="1676400" cy="1981200"/>
+          </a:xfrm>
+        </p:grpSpPr>
+        <p:sp>
+          <p:nvSpPr>
+            <p:cNvPr id="8" name="Rectangle 7">
+              <a:extLst>
+                <a:ext uri="{FF2B5EF4-FFF2-40B4-BE49-F238E27FC236}">
+                  <a16:creationId xmlns:a16="http://schemas.microsoft.com/office/drawing/2014/main" id="{69DD43D1-C3A5-4C24-65EC-B12A7F838B90}"/>
+                </a:ext>
+              </a:extLst>
+            </p:cNvPr>
+            <p:cNvSpPr/>
+            <p:nvPr/>
+          </p:nvSpPr>
+          <p:spPr>
+            <a:xfrm>
+              <a:off x="7162800" y="4191000"/>
+              <a:ext cx="1676400" cy="1981200"/>
+            </a:xfrm>
+            <a:prstGeom prst="rect">
+              <a:avLst/>
+            </a:prstGeom>
+            <a:ln/>
+          </p:spPr>
+          <p:style>
+            <a:lnRef idx="2">
+              <a:schemeClr val="dk1"/>
+            </a:lnRef>
+            <a:fillRef idx="1">
+              <a:schemeClr val="lt1"/>
+            </a:fillRef>
+            <a:effectRef idx="0">
+              <a:schemeClr val="dk1"/>
+            </a:effectRef>
+            <a:fontRef idx="minor">
+              <a:schemeClr val="dk1"/>
+            </a:fontRef>
+          </p:style>
+          <p:txBody>
+            <a:bodyPr rtlCol="0" anchor="ctr"/>
+            <a:lstStyle/>
+            <a:p>
+              <a:pPr algn="ctr"/>
+              <a:endParaRPr lang="en-US"/>
+            </a:p>
+          </p:txBody>
+        </p:sp>
+        <p:pic>
+          <p:nvPicPr>
+            <p:cNvPr id="9" name="Picture 8" descr="A qr code with black dots&#10;&#10;Description automatically generated">
+              <a:extLst>
+                <a:ext uri="{FF2B5EF4-FFF2-40B4-BE49-F238E27FC236}">
+                  <a16:creationId xmlns:a16="http://schemas.microsoft.com/office/drawing/2014/main" id="{46961BC6-AA6B-2A59-D9BF-4FC6D4C5DF6D}"/>
+                </a:ext>
+              </a:extLst>
+            </p:cNvPr>
+            <p:cNvPicPr>
+              <a:picLocks noChangeAspect="1"/>
+            </p:cNvPicPr>
+            <p:nvPr/>
+          </p:nvPicPr>
+          <p:blipFill>
+            <a:blip r:embed="rId5">
+              <a:extLst>
+                <a:ext uri="{28A0092B-C50C-407E-A947-70E740481C1C}">
+                  <a14:useLocalDpi xmlns:a14="http://schemas.microsoft.com/office/drawing/2010/main" val="0"/>
+                </a:ext>
+              </a:extLst>
+            </a:blip>
+            <a:stretch>
+              <a:fillRect/>
+            </a:stretch>
+          </p:blipFill>
+          <p:spPr>
+            <a:xfrm>
+              <a:off x="7184684" y="4213372"/>
+              <a:ext cx="1632631" cy="1632630"/>
+            </a:xfrm>
+            <a:prstGeom prst="rect">
+              <a:avLst/>
+            </a:prstGeom>
+          </p:spPr>
+        </p:pic>
+        <p:sp>
+          <p:nvSpPr>
+            <p:cNvPr id="10" name="Rectangle 9">
+              <a:extLst>
+                <a:ext uri="{FF2B5EF4-FFF2-40B4-BE49-F238E27FC236}">
+                  <a16:creationId xmlns:a16="http://schemas.microsoft.com/office/drawing/2014/main" id="{281C863D-B6A8-D2D1-D952-511A07BAC193}"/>
+                </a:ext>
+              </a:extLst>
+            </p:cNvPr>
+            <p:cNvSpPr/>
+            <p:nvPr/>
+          </p:nvSpPr>
+          <p:spPr>
+            <a:xfrm>
+              <a:off x="7162800" y="5812970"/>
+              <a:ext cx="1664628" cy="359230"/>
+            </a:xfrm>
+            <a:prstGeom prst="rect">
+              <a:avLst/>
+            </a:prstGeom>
+          </p:spPr>
+          <p:style>
+            <a:lnRef idx="2">
+              <a:schemeClr val="dk1">
+                <a:shade val="15000"/>
+              </a:schemeClr>
+            </a:lnRef>
+            <a:fillRef idx="1">
+              <a:schemeClr val="dk1"/>
+            </a:fillRef>
+            <a:effectRef idx="0">
+              <a:schemeClr val="dk1"/>
+            </a:effectRef>
+            <a:fontRef idx="minor">
+              <a:schemeClr val="lt1"/>
+            </a:fontRef>
+          </p:style>
+          <p:txBody>
+            <a:bodyPr rtlCol="0" anchor="ctr"/>
+            <a:lstStyle/>
+            <a:p>
+              <a:pPr algn="ctr"/>
+              <a:r>
+                <a:rPr lang="en-US" sz="1200" dirty="0"/>
+                <a:t>Online Material</a:t>
+              </a:r>
+            </a:p>
+          </p:txBody>
+        </p:sp>
+      </p:grpSp>
     </p:spTree>
     <p:extLst>
       <p:ext uri="{BB962C8B-B14F-4D97-AF65-F5344CB8AC3E}">
@@ -4537,6 +4848,369 @@
 </file>
 
 <file path=ppt/slides/slide10.xml><?xml version="1.0" encoding="utf-8"?>
+<p:sld xmlns:a="http://schemas.openxmlformats.org/drawingml/2006/main" xmlns:r="http://schemas.openxmlformats.org/officeDocument/2006/relationships" xmlns:p="http://schemas.openxmlformats.org/presentationml/2006/main">
+  <p:cSld>
+    <p:spTree>
+      <p:nvGrpSpPr>
+        <p:cNvPr id="1" name=""/>
+        <p:cNvGrpSpPr/>
+        <p:nvPr/>
+      </p:nvGrpSpPr>
+      <p:grpSpPr>
+        <a:xfrm>
+          <a:off x="0" y="0"/>
+          <a:ext cx="0" cy="0"/>
+          <a:chOff x="0" y="0"/>
+          <a:chExt cx="0" cy="0"/>
+        </a:xfrm>
+      </p:grpSpPr>
+      <p:sp>
+        <p:nvSpPr>
+          <p:cNvPr id="2" name="Title 1">
+            <a:extLst>
+              <a:ext uri="{FF2B5EF4-FFF2-40B4-BE49-F238E27FC236}">
+                <a16:creationId xmlns:a16="http://schemas.microsoft.com/office/drawing/2014/main" id="{F7C81EE8-BE9A-D917-529C-02C6E1693206}"/>
+              </a:ext>
+            </a:extLst>
+          </p:cNvPr>
+          <p:cNvSpPr>
+            <a:spLocks noGrp="1"/>
+          </p:cNvSpPr>
+          <p:nvPr>
+            <p:ph type="title"/>
+          </p:nvPr>
+        </p:nvSpPr>
+        <p:spPr/>
+        <p:txBody>
+          <a:bodyPr/>
+          <a:lstStyle/>
+          <a:p>
+            <a:r>
+              <a:rPr lang="en-US" dirty="0"/>
+              <a:t>LLMs that use Tools</a:t>
+            </a:r>
+          </a:p>
+        </p:txBody>
+      </p:sp>
+      <p:sp>
+        <p:nvSpPr>
+          <p:cNvPr id="3" name="Content Placeholder 2">
+            <a:extLst>
+              <a:ext uri="{FF2B5EF4-FFF2-40B4-BE49-F238E27FC236}">
+                <a16:creationId xmlns:a16="http://schemas.microsoft.com/office/drawing/2014/main" id="{2F174EC8-27CC-1E0D-8F02-2C32D1B09842}"/>
+              </a:ext>
+            </a:extLst>
+          </p:cNvPr>
+          <p:cNvSpPr>
+            <a:spLocks noGrp="1"/>
+          </p:cNvSpPr>
+          <p:nvPr>
+            <p:ph idx="1"/>
+          </p:nvPr>
+        </p:nvSpPr>
+        <p:spPr>
+          <a:xfrm>
+            <a:off x="838200" y="1825625"/>
+            <a:ext cx="5007964" cy="4351338"/>
+          </a:xfrm>
+        </p:spPr>
+        <p:txBody>
+          <a:bodyPr>
+            <a:normAutofit fontScale="55000" lnSpcReduction="20000"/>
+          </a:bodyPr>
+          <a:lstStyle/>
+          <a:p>
+            <a:r>
+              <a:rPr lang="en-US" dirty="0"/>
+              <a:t>Enables LLMs to use tools like browsing the web, a calculator, or executing code.</a:t>
+            </a:r>
+          </a:p>
+          <a:p>
+            <a:endParaRPr lang="en-US" dirty="0"/>
+          </a:p>
+          <a:p>
+            <a:r>
+              <a:rPr lang="en-US" b="1" dirty="0"/>
+              <a:t>Training</a:t>
+            </a:r>
+            <a:r>
+              <a:rPr lang="en-US" dirty="0"/>
+              <a:t>: LLMs are finetuned using demonstrations of how the tool is correctly used.</a:t>
+            </a:r>
+          </a:p>
+          <a:p>
+            <a:endParaRPr lang="en-US" b="1" dirty="0"/>
+          </a:p>
+          <a:p>
+            <a:r>
+              <a:rPr lang="en-US" b="1" dirty="0"/>
+              <a:t>Execution</a:t>
+            </a:r>
+            <a:r>
+              <a:rPr lang="en-US" dirty="0"/>
+              <a:t>:</a:t>
+            </a:r>
+          </a:p>
+          <a:p>
+            <a:pPr marL="514350" indent="-514350">
+              <a:buFont typeface="+mj-lt"/>
+              <a:buAutoNum type="arabicPeriod"/>
+            </a:pPr>
+            <a:r>
+              <a:rPr lang="en-US" dirty="0"/>
+              <a:t>The LLM generates a structured output that signals a tool call.</a:t>
+            </a:r>
+          </a:p>
+          <a:p>
+            <a:pPr marL="514350" indent="-514350">
+              <a:buFont typeface="+mj-lt"/>
+              <a:buAutoNum type="arabicPeriod"/>
+            </a:pPr>
+            <a:r>
+              <a:rPr lang="en-US" dirty="0"/>
+              <a:t>The tool call is intercepted by the surrounding program, and the tool is executed. </a:t>
+            </a:r>
+          </a:p>
+          <a:p>
+            <a:pPr marL="514350" indent="-514350">
+              <a:buFont typeface="+mj-lt"/>
+              <a:buAutoNum type="arabicPeriod"/>
+            </a:pPr>
+            <a:r>
+              <a:rPr lang="en-US" dirty="0"/>
+              <a:t>The tool’s result is returned to the LLM to create the final output.</a:t>
+            </a:r>
+          </a:p>
+          <a:p>
+            <a:pPr marL="514350" indent="-514350">
+              <a:buFont typeface="+mj-lt"/>
+              <a:buAutoNum type="arabicPeriod"/>
+            </a:pPr>
+            <a:endParaRPr lang="en-US" dirty="0"/>
+          </a:p>
+          <a:p>
+            <a:r>
+              <a:rPr lang="en-US" b="1" dirty="0"/>
+              <a:t>Frameworks</a:t>
+            </a:r>
+            <a:r>
+              <a:rPr lang="en-US" dirty="0"/>
+              <a:t>: </a:t>
+            </a:r>
+            <a:r>
+              <a:rPr lang="en-US" dirty="0" err="1"/>
+              <a:t>LangChain</a:t>
+            </a:r>
+            <a:r>
+              <a:rPr lang="en-US" dirty="0"/>
+              <a:t>, LangGraph, OpenAI Agents SDK, …</a:t>
+            </a:r>
+          </a:p>
+        </p:txBody>
+      </p:sp>
+      <p:grpSp>
+        <p:nvGrpSpPr>
+          <p:cNvPr id="7" name="Group 6">
+            <a:extLst>
+              <a:ext uri="{FF2B5EF4-FFF2-40B4-BE49-F238E27FC236}">
+                <a16:creationId xmlns:a16="http://schemas.microsoft.com/office/drawing/2014/main" id="{D570A259-7857-4CAE-2196-6F0AE7EEDEEA}"/>
+              </a:ext>
+            </a:extLst>
+          </p:cNvPr>
+          <p:cNvGrpSpPr/>
+          <p:nvPr/>
+        </p:nvGrpSpPr>
+        <p:grpSpPr>
+          <a:xfrm>
+            <a:off x="5726243" y="944380"/>
+            <a:ext cx="6688923" cy="3774203"/>
+            <a:chOff x="5726243" y="944380"/>
+            <a:chExt cx="6688923" cy="3774203"/>
+          </a:xfrm>
+        </p:grpSpPr>
+        <p:grpSp>
+          <p:nvGrpSpPr>
+            <p:cNvPr id="5" name="Group 4">
+              <a:extLst>
+                <a:ext uri="{FF2B5EF4-FFF2-40B4-BE49-F238E27FC236}">
+                  <a16:creationId xmlns:a16="http://schemas.microsoft.com/office/drawing/2014/main" id="{5F49AB2E-5AB0-D019-D397-E5FDF8E5D0CA}"/>
+                </a:ext>
+              </a:extLst>
+            </p:cNvPr>
+            <p:cNvGrpSpPr/>
+            <p:nvPr/>
+          </p:nvGrpSpPr>
+          <p:grpSpPr>
+            <a:xfrm>
+              <a:off x="5726243" y="944380"/>
+              <a:ext cx="6688923" cy="3593554"/>
+              <a:chOff x="5726243" y="944380"/>
+              <a:chExt cx="6688923" cy="3593554"/>
+            </a:xfrm>
+          </p:grpSpPr>
+          <p:pic>
+            <p:nvPicPr>
+              <p:cNvPr id="2050" name="Picture 2" descr="Comprehensive Guide to Integrating Tools and APIs with Language Models">
+                <a:extLst>
+                  <a:ext uri="{FF2B5EF4-FFF2-40B4-BE49-F238E27FC236}">
+                    <a16:creationId xmlns:a16="http://schemas.microsoft.com/office/drawing/2014/main" id="{2E347DCA-C0D2-CEFE-5B81-EC991D65CAED}"/>
+                  </a:ext>
+                </a:extLst>
+              </p:cNvPr>
+              <p:cNvPicPr>
+                <a:picLocks noChangeAspect="1" noChangeArrowheads="1"/>
+              </p:cNvPicPr>
+              <p:nvPr/>
+            </p:nvPicPr>
+            <p:blipFill>
+              <a:blip r:embed="rId2">
+                <a:extLst>
+                  <a:ext uri="{28A0092B-C50C-407E-A947-70E740481C1C}">
+                    <a14:useLocalDpi xmlns:a14="http://schemas.microsoft.com/office/drawing/2010/main" val="0"/>
+                  </a:ext>
+                </a:extLst>
+              </a:blip>
+              <a:srcRect/>
+              <a:stretch>
+                <a:fillRect/>
+              </a:stretch>
+            </p:blipFill>
+            <p:spPr bwMode="auto">
+              <a:xfrm>
+                <a:off x="5726243" y="944380"/>
+                <a:ext cx="6688923" cy="3593554"/>
+              </a:xfrm>
+              <a:prstGeom prst="rect">
+                <a:avLst/>
+              </a:prstGeom>
+              <a:noFill/>
+              <a:extLst>
+                <a:ext uri="{909E8E84-426E-40DD-AFC4-6F175D3DCCD1}">
+                  <a14:hiddenFill xmlns:a14="http://schemas.microsoft.com/office/drawing/2010/main">
+                    <a:solidFill>
+                      <a:srgbClr val="FFFFFF"/>
+                    </a:solidFill>
+                  </a14:hiddenFill>
+                </a:ext>
+              </a:extLst>
+            </p:spPr>
+          </p:pic>
+          <p:sp>
+            <p:nvSpPr>
+              <p:cNvPr id="4" name="TextBox 3">
+                <a:extLst>
+                  <a:ext uri="{FF2B5EF4-FFF2-40B4-BE49-F238E27FC236}">
+                    <a16:creationId xmlns:a16="http://schemas.microsoft.com/office/drawing/2014/main" id="{FA975DA3-83A5-50B9-CB16-0DED99189862}"/>
+                  </a:ext>
+                </a:extLst>
+              </p:cNvPr>
+              <p:cNvSpPr txBox="1"/>
+              <p:nvPr/>
+            </p:nvSpPr>
+            <p:spPr>
+              <a:xfrm>
+                <a:off x="6180859" y="4291713"/>
+                <a:ext cx="5899612" cy="246221"/>
+              </a:xfrm>
+              <a:prstGeom prst="rect">
+                <a:avLst/>
+              </a:prstGeom>
+              <a:noFill/>
+            </p:spPr>
+            <p:txBody>
+              <a:bodyPr wrap="square" rtlCol="0">
+                <a:spAutoFit/>
+              </a:bodyPr>
+              <a:lstStyle/>
+              <a:p>
+                <a:pPr algn="ctr"/>
+                <a:r>
+                  <a:rPr lang="en-US" sz="1000" dirty="0"/>
+                  <a:t>Source: </a:t>
+                </a:r>
+                <a:r>
+                  <a:rPr lang="en-US" sz="1000" dirty="0">
+                    <a:hlinkClick r:id="rId3"/>
+                  </a:rPr>
+                  <a:t>https://www.mercity.ai/blog-post/guide-to-integrating-tools-and-apis-with-language-models</a:t>
+                </a:r>
+                <a:r>
+                  <a:rPr lang="en-US" sz="1000" dirty="0"/>
+                  <a:t> </a:t>
+                </a:r>
+              </a:p>
+            </p:txBody>
+          </p:sp>
+        </p:grpSp>
+        <p:sp>
+          <p:nvSpPr>
+            <p:cNvPr id="6" name="Rectangle 5">
+              <a:extLst>
+                <a:ext uri="{FF2B5EF4-FFF2-40B4-BE49-F238E27FC236}">
+                  <a16:creationId xmlns:a16="http://schemas.microsoft.com/office/drawing/2014/main" id="{FACC561C-9FFA-CE93-AA50-9C86ADC7B693}"/>
+                </a:ext>
+              </a:extLst>
+            </p:cNvPr>
+            <p:cNvSpPr/>
+            <p:nvPr/>
+          </p:nvSpPr>
+          <p:spPr>
+            <a:xfrm>
+              <a:off x="6096000" y="944380"/>
+              <a:ext cx="5984471" cy="3774203"/>
+            </a:xfrm>
+            <a:prstGeom prst="rect">
+              <a:avLst/>
+            </a:prstGeom>
+            <a:noFill/>
+            <a:ln w="9525" cap="flat" cmpd="sng" algn="ctr">
+              <a:solidFill>
+                <a:schemeClr val="dk1"/>
+              </a:solidFill>
+              <a:prstDash val="solid"/>
+              <a:round/>
+              <a:headEnd type="none" w="med" len="med"/>
+              <a:tailEnd type="none" w="med" len="med"/>
+            </a:ln>
+          </p:spPr>
+          <p:style>
+            <a:lnRef idx="0">
+              <a:scrgbClr r="0" g="0" b="0"/>
+            </a:lnRef>
+            <a:fillRef idx="0">
+              <a:scrgbClr r="0" g="0" b="0"/>
+            </a:fillRef>
+            <a:effectRef idx="0">
+              <a:scrgbClr r="0" g="0" b="0"/>
+            </a:effectRef>
+            <a:fontRef idx="minor">
+              <a:schemeClr val="dk1"/>
+            </a:fontRef>
+          </p:style>
+          <p:txBody>
+            <a:bodyPr rtlCol="0" anchor="ctr"/>
+            <a:lstStyle/>
+            <a:p>
+              <a:pPr algn="ctr"/>
+              <a:endParaRPr lang="en-US"/>
+            </a:p>
+          </p:txBody>
+        </p:sp>
+      </p:grpSp>
+    </p:spTree>
+    <p:extLst>
+      <p:ext uri="{BB962C8B-B14F-4D97-AF65-F5344CB8AC3E}">
+        <p14:creationId xmlns:p14="http://schemas.microsoft.com/office/powerpoint/2010/main" val="2048640938"/>
+      </p:ext>
+    </p:extLst>
+  </p:cSld>
+  <p:clrMapOvr>
+    <a:masterClrMapping/>
+  </p:clrMapOvr>
+</p:sld>
+</file>
+
+<file path=ppt/slides/slide11.xml><?xml version="1.0" encoding="utf-8"?>
 <p:sld xmlns:a="http://schemas.openxmlformats.org/drawingml/2006/main" xmlns:r="http://schemas.openxmlformats.org/officeDocument/2006/relationships" xmlns:p="http://schemas.openxmlformats.org/presentationml/2006/main">
   <p:cSld>
     <p:spTree>
@@ -4695,7 +5369,7 @@
 </p:sld>
 </file>
 
-<file path=ppt/slides/slide11.xml><?xml version="1.0" encoding="utf-8"?>
+<file path=ppt/slides/slide12.xml><?xml version="1.0" encoding="utf-8"?>
 <p:sld xmlns:a="http://schemas.openxmlformats.org/drawingml/2006/main" xmlns:r="http://schemas.openxmlformats.org/officeDocument/2006/relationships" xmlns:p="http://schemas.openxmlformats.org/presentationml/2006/main">
   <p:cSld>
     <p:spTree>
@@ -4861,7 +5535,7 @@
 </p:sld>
 </file>
 
-<file path=ppt/slides/slide12.xml><?xml version="1.0" encoding="utf-8"?>
+<file path=ppt/slides/slide13.xml><?xml version="1.0" encoding="utf-8"?>
 <p:sld xmlns:a="http://schemas.openxmlformats.org/drawingml/2006/main" xmlns:r="http://schemas.openxmlformats.org/officeDocument/2006/relationships" xmlns:p="http://schemas.openxmlformats.org/presentationml/2006/main">
   <p:cSld>
     <p:spTree>
@@ -5121,7 +5795,7 @@
 </p:sld>
 </file>
 
-<file path=ppt/slides/slide13.xml><?xml version="1.0" encoding="utf-8"?>
+<file path=ppt/slides/slide14.xml><?xml version="1.0" encoding="utf-8"?>
 <p:sld xmlns:a="http://schemas.openxmlformats.org/drawingml/2006/main" xmlns:r="http://schemas.openxmlformats.org/officeDocument/2006/relationships" xmlns:p="http://schemas.openxmlformats.org/presentationml/2006/main">
   <p:cSld>
     <p:bg>
@@ -6156,712 +6830,6 @@
           <p:cNvPr id="2" name="Title 1">
             <a:extLst>
               <a:ext uri="{FF2B5EF4-FFF2-40B4-BE49-F238E27FC236}">
-                <a16:creationId xmlns:a16="http://schemas.microsoft.com/office/drawing/2014/main" id="{946A0B0C-8C88-A326-0005-27E45A05CE53}"/>
-              </a:ext>
-            </a:extLst>
-          </p:cNvPr>
-          <p:cNvSpPr>
-            <a:spLocks noGrp="1"/>
-          </p:cNvSpPr>
-          <p:nvPr>
-            <p:ph type="title"/>
-          </p:nvPr>
-        </p:nvSpPr>
-        <p:spPr/>
-        <p:txBody>
-          <a:bodyPr/>
-          <a:lstStyle/>
-          <a:p>
-            <a:r>
-              <a:rPr lang="en-US" dirty="0"/>
-              <a:t>What are LLMs</a:t>
-            </a:r>
-          </a:p>
-        </p:txBody>
-      </p:sp>
-      <p:sp>
-        <p:nvSpPr>
-          <p:cNvPr id="3" name="Content Placeholder 2">
-            <a:extLst>
-              <a:ext uri="{FF2B5EF4-FFF2-40B4-BE49-F238E27FC236}">
-                <a16:creationId xmlns:a16="http://schemas.microsoft.com/office/drawing/2014/main" id="{C17030C7-EEBD-36D9-F88D-79F8CB2224F1}"/>
-              </a:ext>
-            </a:extLst>
-          </p:cNvPr>
-          <p:cNvSpPr>
-            <a:spLocks noGrp="1"/>
-          </p:cNvSpPr>
-          <p:nvPr>
-            <p:ph idx="1"/>
-          </p:nvPr>
-        </p:nvSpPr>
-        <p:spPr>
-          <a:xfrm>
-            <a:off x="838200" y="1825625"/>
-            <a:ext cx="5195702" cy="4351338"/>
-          </a:xfrm>
-        </p:spPr>
-        <p:txBody>
-          <a:bodyPr>
-            <a:normAutofit fontScale="70000" lnSpcReduction="20000"/>
-          </a:bodyPr>
-          <a:lstStyle/>
-          <a:p>
-            <a:r>
-              <a:rPr lang="en-US" dirty="0"/>
-              <a:t>Large language models are </a:t>
-            </a:r>
-            <a:r>
-              <a:rPr lang="en-US" b="1" dirty="0"/>
-              <a:t>knowledge-based agents</a:t>
-            </a:r>
-            <a:r>
-              <a:rPr lang="en-US" dirty="0"/>
-              <a:t>.</a:t>
-            </a:r>
-          </a:p>
-          <a:p>
-            <a:r>
-              <a:rPr lang="en-US" dirty="0"/>
-              <a:t>The knowledge base is a large, deep artificial neural network using the </a:t>
-            </a:r>
-            <a:r>
-              <a:rPr lang="en-US" b="1" dirty="0"/>
-              <a:t>transformer architecture</a:t>
-            </a:r>
-            <a:r>
-              <a:rPr lang="en-US" dirty="0"/>
-              <a:t>.</a:t>
-            </a:r>
-          </a:p>
-          <a:p>
-            <a:r>
-              <a:rPr lang="en-US" dirty="0"/>
-              <a:t>The model is </a:t>
-            </a:r>
-            <a:r>
-              <a:rPr lang="en-US" b="1" dirty="0"/>
-              <a:t>pretrained</a:t>
-            </a:r>
-            <a:r>
-              <a:rPr lang="en-US" dirty="0"/>
-              <a:t> for the task of predicting the next word using self-supervised learning on a large text corpus.</a:t>
-            </a:r>
-          </a:p>
-          <a:p>
-            <a:r>
-              <a:rPr lang="en-US" dirty="0"/>
-              <a:t>The pretrained model is specialized for a specific task using </a:t>
-            </a:r>
-            <a:r>
-              <a:rPr lang="en-US" b="1" dirty="0"/>
-              <a:t>fine-tuning </a:t>
-            </a:r>
-            <a:r>
-              <a:rPr lang="en-US" dirty="0"/>
-              <a:t>on examples. For chatbots, this includes supervised instruction training followed by reinforcement learning from human feedback (RLHF).</a:t>
-            </a:r>
-          </a:p>
-          <a:p>
-            <a:r>
-              <a:rPr lang="en-US" dirty="0"/>
-              <a:t>The model can generate text following a “</a:t>
-            </a:r>
-            <a:r>
-              <a:rPr lang="en-US" b="1" dirty="0"/>
-              <a:t>prompt</a:t>
-            </a:r>
-            <a:r>
-              <a:rPr lang="en-US" dirty="0"/>
-              <a:t>.”</a:t>
-            </a:r>
-          </a:p>
-          <a:p>
-            <a:endParaRPr lang="en-US" dirty="0"/>
-          </a:p>
-        </p:txBody>
-      </p:sp>
-      <p:grpSp>
-        <p:nvGrpSpPr>
-          <p:cNvPr id="4" name="Group 3">
-            <a:extLst>
-              <a:ext uri="{FF2B5EF4-FFF2-40B4-BE49-F238E27FC236}">
-                <a16:creationId xmlns:a16="http://schemas.microsoft.com/office/drawing/2014/main" id="{8A1E30F4-E7A2-2D6F-68AD-8FCC1355D550}"/>
-              </a:ext>
-              <a:ext uri="{C183D7F6-B498-43B3-948B-1728B52AA6E4}">
-                <adec:decorative xmlns:adec="http://schemas.microsoft.com/office/drawing/2017/decorative" val="1"/>
-              </a:ext>
-            </a:extLst>
-          </p:cNvPr>
-          <p:cNvGrpSpPr/>
-          <p:nvPr/>
-        </p:nvGrpSpPr>
-        <p:grpSpPr>
-          <a:xfrm>
-            <a:off x="6583507" y="1933501"/>
-            <a:ext cx="5310676" cy="2233067"/>
-            <a:chOff x="721548" y="1293003"/>
-            <a:chExt cx="9322045" cy="2440797"/>
-          </a:xfrm>
-        </p:grpSpPr>
-        <p:sp>
-          <p:nvSpPr>
-            <p:cNvPr id="5" name="Rectangle 4">
-              <a:extLst>
-                <a:ext uri="{FF2B5EF4-FFF2-40B4-BE49-F238E27FC236}">
-                  <a16:creationId xmlns:a16="http://schemas.microsoft.com/office/drawing/2014/main" id="{A37B166E-6650-5C7E-6475-982052BE6823}"/>
-                </a:ext>
-              </a:extLst>
-            </p:cNvPr>
-            <p:cNvSpPr/>
-            <p:nvPr/>
-          </p:nvSpPr>
-          <p:spPr bwMode="auto">
-            <a:xfrm>
-              <a:off x="838200" y="3200400"/>
-              <a:ext cx="2667000" cy="533400"/>
-            </a:xfrm>
-            <a:prstGeom prst="rect">
-              <a:avLst/>
-            </a:prstGeom>
-            <a:ln>
-              <a:headEnd type="none" w="med" len="med"/>
-              <a:tailEnd type="none" w="med" len="med"/>
-            </a:ln>
-          </p:spPr>
-          <p:style>
-            <a:lnRef idx="3">
-              <a:schemeClr val="lt1"/>
-            </a:lnRef>
-            <a:fillRef idx="1">
-              <a:schemeClr val="accent5"/>
-            </a:fillRef>
-            <a:effectRef idx="1">
-              <a:schemeClr val="accent5"/>
-            </a:effectRef>
-            <a:fontRef idx="minor">
-              <a:schemeClr val="lt1"/>
-            </a:fontRef>
-          </p:style>
-          <p:txBody>
-            <a:bodyPr vert="horz" wrap="square" lIns="91440" tIns="45720" rIns="91440" bIns="45720" numCol="1" rtlCol="0" anchor="ctr" anchorCtr="0" compatLnSpc="1">
-              <a:prstTxWarp prst="textNoShape">
-                <a:avLst/>
-              </a:prstTxWarp>
-            </a:bodyPr>
-            <a:lstStyle/>
-            <a:p>
-              <a:pPr marL="0" marR="0" indent="0" algn="ctr" defTabSz="914400" rtl="0" eaLnBrk="1" fontAlgn="base" latinLnBrk="0" hangingPunct="1">
-                <a:lnSpc>
-                  <a:spcPct val="100000"/>
-                </a:lnSpc>
-                <a:spcBef>
-                  <a:spcPct val="0"/>
-                </a:spcBef>
-                <a:spcAft>
-                  <a:spcPct val="0"/>
-                </a:spcAft>
-                <a:buClrTx/>
-                <a:buSzTx/>
-                <a:buFontTx/>
-                <a:buNone/>
-                <a:tabLst/>
-              </a:pPr>
-              <a:r>
-                <a:rPr lang="en-US" sz="1200" dirty="0"/>
-                <a:t>Text Generator</a:t>
-              </a:r>
-            </a:p>
-          </p:txBody>
-        </p:sp>
-        <p:cxnSp>
-          <p:nvCxnSpPr>
-            <p:cNvPr id="6" name="Straight Arrow Connector 5">
-              <a:extLst>
-                <a:ext uri="{FF2B5EF4-FFF2-40B4-BE49-F238E27FC236}">
-                  <a16:creationId xmlns:a16="http://schemas.microsoft.com/office/drawing/2014/main" id="{4EB4A527-E206-ED61-B3CD-4DDE80C6039C}"/>
-                </a:ext>
-              </a:extLst>
-            </p:cNvPr>
-            <p:cNvCxnSpPr/>
-            <p:nvPr/>
-          </p:nvCxnSpPr>
-          <p:spPr bwMode="auto">
-            <a:xfrm>
-              <a:off x="3733800" y="3427412"/>
-              <a:ext cx="1447800" cy="1588"/>
-            </a:xfrm>
-            <a:prstGeom prst="straightConnector1">
-              <a:avLst/>
-            </a:prstGeom>
-            <a:solidFill>
-              <a:schemeClr val="accent1"/>
-            </a:solidFill>
-            <a:ln w="9525" cap="flat" cmpd="sng" algn="ctr">
-              <a:solidFill>
-                <a:schemeClr val="tx1"/>
-              </a:solidFill>
-              <a:prstDash val="solid"/>
-              <a:round/>
-              <a:headEnd type="none" w="med" len="med"/>
-              <a:tailEnd type="arrow"/>
-            </a:ln>
-            <a:effectLst/>
-          </p:spPr>
-        </p:cxnSp>
-        <p:sp>
-          <p:nvSpPr>
-            <p:cNvPr id="7" name="Rectangle 6">
-              <a:extLst>
-                <a:ext uri="{FF2B5EF4-FFF2-40B4-BE49-F238E27FC236}">
-                  <a16:creationId xmlns:a16="http://schemas.microsoft.com/office/drawing/2014/main" id="{E5E9069E-79EE-024A-5D98-E6B639242A35}"/>
-                </a:ext>
-              </a:extLst>
-            </p:cNvPr>
-            <p:cNvSpPr/>
-            <p:nvPr/>
-          </p:nvSpPr>
-          <p:spPr>
-            <a:xfrm>
-              <a:off x="5098576" y="3296153"/>
-              <a:ext cx="4037878" cy="285946"/>
-            </a:xfrm>
-            <a:prstGeom prst="rect">
-              <a:avLst/>
-            </a:prstGeom>
-          </p:spPr>
-          <p:txBody>
-            <a:bodyPr wrap="none">
-              <a:spAutoFit/>
-            </a:bodyPr>
-            <a:lstStyle/>
-            <a:p>
-              <a:pPr algn="ctr"/>
-              <a:r>
-                <a:rPr lang="en-US" sz="1100" b="1" dirty="0">
-                  <a:solidFill>
-                    <a:schemeClr val="accent2"/>
-                  </a:solidFill>
-                </a:rPr>
-                <a:t>Domain-independent algorithms</a:t>
-              </a:r>
-            </a:p>
-          </p:txBody>
-        </p:sp>
-        <p:cxnSp>
-          <p:nvCxnSpPr>
-            <p:cNvPr id="8" name="Straight Arrow Connector 7">
-              <a:extLst>
-                <a:ext uri="{FF2B5EF4-FFF2-40B4-BE49-F238E27FC236}">
-                  <a16:creationId xmlns:a16="http://schemas.microsoft.com/office/drawing/2014/main" id="{D29FEEFB-C953-971D-4C28-1FC450C13BE5}"/>
-                </a:ext>
-              </a:extLst>
-            </p:cNvPr>
-            <p:cNvCxnSpPr>
-              <a:cxnSpLocks/>
-            </p:cNvCxnSpPr>
-            <p:nvPr/>
-          </p:nvCxnSpPr>
-          <p:spPr bwMode="auto">
-            <a:xfrm flipV="1">
-              <a:off x="3695701" y="2754478"/>
-              <a:ext cx="979810" cy="4338"/>
-            </a:xfrm>
-            <a:prstGeom prst="straightConnector1">
-              <a:avLst/>
-            </a:prstGeom>
-            <a:solidFill>
-              <a:schemeClr val="accent1"/>
-            </a:solidFill>
-            <a:ln w="9525" cap="flat" cmpd="sng" algn="ctr">
-              <a:solidFill>
-                <a:schemeClr val="tx1"/>
-              </a:solidFill>
-              <a:prstDash val="solid"/>
-              <a:round/>
-              <a:headEnd type="none" w="med" len="med"/>
-              <a:tailEnd type="arrow"/>
-            </a:ln>
-            <a:effectLst/>
-          </p:spPr>
-        </p:cxnSp>
-        <p:sp>
-          <p:nvSpPr>
-            <p:cNvPr id="9" name="Rectangle 8">
-              <a:extLst>
-                <a:ext uri="{FF2B5EF4-FFF2-40B4-BE49-F238E27FC236}">
-                  <a16:creationId xmlns:a16="http://schemas.microsoft.com/office/drawing/2014/main" id="{E2C69019-DFE1-8C4D-BE7D-F157310CB670}"/>
-                </a:ext>
-              </a:extLst>
-            </p:cNvPr>
-            <p:cNvSpPr/>
-            <p:nvPr/>
-          </p:nvSpPr>
-          <p:spPr>
-            <a:xfrm>
-              <a:off x="5592146" y="2841273"/>
-              <a:ext cx="4151686" cy="277536"/>
-            </a:xfrm>
-            <a:prstGeom prst="rect">
-              <a:avLst/>
-            </a:prstGeom>
-          </p:spPr>
-          <p:txBody>
-            <a:bodyPr wrap="none">
-              <a:spAutoFit/>
-            </a:bodyPr>
-            <a:lstStyle/>
-            <a:p>
-              <a:pPr algn="ctr"/>
-              <a:r>
-                <a:rPr lang="en-US" sz="1050" b="0" dirty="0"/>
-                <a:t>Domain-specific content </a:t>
-              </a:r>
-              <a:r>
-                <a:rPr lang="en-US" sz="1050" dirty="0"/>
-                <a:t>(fine tuning)</a:t>
-              </a:r>
-            </a:p>
-          </p:txBody>
-        </p:sp>
-        <p:sp>
-          <p:nvSpPr>
-            <p:cNvPr id="10" name="Cylinder 9">
-              <a:extLst>
-                <a:ext uri="{FF2B5EF4-FFF2-40B4-BE49-F238E27FC236}">
-                  <a16:creationId xmlns:a16="http://schemas.microsoft.com/office/drawing/2014/main" id="{82A32D59-CB64-0336-B845-565DFD77707B}"/>
-                </a:ext>
-              </a:extLst>
-            </p:cNvPr>
-            <p:cNvSpPr/>
-            <p:nvPr/>
-          </p:nvSpPr>
-          <p:spPr>
-            <a:xfrm>
-              <a:off x="1215794" y="2267103"/>
-              <a:ext cx="1780185" cy="1014123"/>
-            </a:xfrm>
-            <a:prstGeom prst="can">
-              <a:avLst/>
-            </a:prstGeom>
-          </p:spPr>
-          <p:style>
-            <a:lnRef idx="2">
-              <a:schemeClr val="accent6">
-                <a:shade val="50000"/>
-              </a:schemeClr>
-            </a:lnRef>
-            <a:fillRef idx="1">
-              <a:schemeClr val="accent6"/>
-            </a:fillRef>
-            <a:effectRef idx="0">
-              <a:schemeClr val="accent6"/>
-            </a:effectRef>
-            <a:fontRef idx="minor">
-              <a:schemeClr val="lt1"/>
-            </a:fontRef>
-          </p:style>
-          <p:txBody>
-            <a:bodyPr rtlCol="0" anchor="ctr"/>
-            <a:lstStyle/>
-            <a:p>
-              <a:pPr algn="ctr" fontAlgn="base">
-                <a:spcBef>
-                  <a:spcPct val="0"/>
-                </a:spcBef>
-                <a:spcAft>
-                  <a:spcPct val="0"/>
-                </a:spcAft>
-              </a:pPr>
-              <a:r>
-                <a:rPr lang="en-US" sz="1200" dirty="0"/>
-                <a:t>Knowledge base</a:t>
-              </a:r>
-              <a:endParaRPr lang="en-US" sz="1200" b="1" dirty="0">
-                <a:solidFill>
-                  <a:schemeClr val="tx1"/>
-                </a:solidFill>
-                <a:latin typeface="Calibri" panose="020F0502020204030204" pitchFamily="34" charset="0"/>
-              </a:endParaRPr>
-            </a:p>
-          </p:txBody>
-        </p:sp>
-        <p:sp>
-          <p:nvSpPr>
-            <p:cNvPr id="11" name="TextBox 10">
-              <a:extLst>
-                <a:ext uri="{FF2B5EF4-FFF2-40B4-BE49-F238E27FC236}">
-                  <a16:creationId xmlns:a16="http://schemas.microsoft.com/office/drawing/2014/main" id="{E8F2C718-0081-8C9B-EA31-A3FE5D924D7B}"/>
-                </a:ext>
-              </a:extLst>
-            </p:cNvPr>
-            <p:cNvSpPr txBox="1"/>
-            <p:nvPr/>
-          </p:nvSpPr>
-          <p:spPr>
-            <a:xfrm>
-              <a:off x="5098576" y="2463942"/>
-              <a:ext cx="4945017" cy="277536"/>
-            </a:xfrm>
-            <a:prstGeom prst="rect">
-              <a:avLst/>
-            </a:prstGeom>
-            <a:noFill/>
-          </p:spPr>
-          <p:txBody>
-            <a:bodyPr wrap="square" rtlCol="0">
-              <a:spAutoFit/>
-            </a:bodyPr>
-            <a:lstStyle/>
-            <a:p>
-              <a:r>
-                <a:rPr lang="en-US" sz="1050" b="1" dirty="0">
-                  <a:solidFill>
-                    <a:schemeClr val="accent2"/>
-                  </a:solidFill>
-                </a:rPr>
-                <a:t>Domain-independent content </a:t>
-              </a:r>
-              <a:r>
-                <a:rPr lang="en-US" sz="1050" dirty="0"/>
-                <a:t>(pre-training)</a:t>
-              </a:r>
-            </a:p>
-          </p:txBody>
-        </p:sp>
-        <p:sp>
-          <p:nvSpPr>
-            <p:cNvPr id="12" name="TextBox 11">
-              <a:extLst>
-                <a:ext uri="{FF2B5EF4-FFF2-40B4-BE49-F238E27FC236}">
-                  <a16:creationId xmlns:a16="http://schemas.microsoft.com/office/drawing/2014/main" id="{FD7EAD63-2473-E433-9FDB-7ACB2C977FB9}"/>
-                </a:ext>
-              </a:extLst>
-            </p:cNvPr>
-            <p:cNvSpPr txBox="1"/>
-            <p:nvPr/>
-          </p:nvSpPr>
-          <p:spPr>
-            <a:xfrm>
-              <a:off x="6936744" y="2612234"/>
-              <a:ext cx="521236" cy="370048"/>
-            </a:xfrm>
-            <a:prstGeom prst="rect">
-              <a:avLst/>
-            </a:prstGeom>
-            <a:noFill/>
-          </p:spPr>
-          <p:txBody>
-            <a:bodyPr wrap="none" rtlCol="0">
-              <a:spAutoFit/>
-            </a:bodyPr>
-            <a:lstStyle/>
-            <a:p>
-              <a:r>
-                <a:rPr lang="en-US" sz="1600" b="1" dirty="0"/>
-                <a:t>+</a:t>
-              </a:r>
-            </a:p>
-          </p:txBody>
-        </p:sp>
-        <p:sp>
-          <p:nvSpPr>
-            <p:cNvPr id="13" name="Speech Bubble: Rectangle with Corners Rounded 12">
-              <a:extLst>
-                <a:ext uri="{FF2B5EF4-FFF2-40B4-BE49-F238E27FC236}">
-                  <a16:creationId xmlns:a16="http://schemas.microsoft.com/office/drawing/2014/main" id="{7BB4B066-1E33-EB5C-EACF-172F43A7FE98}"/>
-                </a:ext>
-              </a:extLst>
-            </p:cNvPr>
-            <p:cNvSpPr/>
-            <p:nvPr/>
-          </p:nvSpPr>
-          <p:spPr>
-            <a:xfrm>
-              <a:off x="721548" y="1293003"/>
-              <a:ext cx="5058154" cy="669640"/>
-            </a:xfrm>
-            <a:prstGeom prst="wedgeRoundRectCallout">
-              <a:avLst>
-                <a:gd name="adj1" fmla="val -18704"/>
-                <a:gd name="adj2" fmla="val 114087"/>
-                <a:gd name="adj3" fmla="val 16667"/>
-              </a:avLst>
-            </a:prstGeom>
-          </p:spPr>
-          <p:style>
-            <a:lnRef idx="3">
-              <a:schemeClr val="lt1"/>
-            </a:lnRef>
-            <a:fillRef idx="1">
-              <a:schemeClr val="accent2"/>
-            </a:fillRef>
-            <a:effectRef idx="1">
-              <a:schemeClr val="accent2"/>
-            </a:effectRef>
-            <a:fontRef idx="minor">
-              <a:schemeClr val="lt1"/>
-            </a:fontRef>
-          </p:style>
-          <p:txBody>
-            <a:bodyPr rtlCol="0" anchor="ctr"/>
-            <a:lstStyle/>
-            <a:p>
-              <a:pPr algn="ctr"/>
-              <a:r>
-                <a:rPr lang="en-US" sz="1200" dirty="0"/>
-                <a:t>Learned word relationships, grammar, facts, and how to answer questions.</a:t>
-              </a:r>
-            </a:p>
-          </p:txBody>
-        </p:sp>
-        <p:sp>
-          <p:nvSpPr>
-            <p:cNvPr id="14" name="Left Brace 13">
-              <a:extLst>
-                <a:ext uri="{FF2B5EF4-FFF2-40B4-BE49-F238E27FC236}">
-                  <a16:creationId xmlns:a16="http://schemas.microsoft.com/office/drawing/2014/main" id="{30BF9769-02A9-A9B4-5F1D-0FA3403D9665}"/>
-                </a:ext>
-              </a:extLst>
-            </p:cNvPr>
-            <p:cNvSpPr/>
-            <p:nvPr/>
-          </p:nvSpPr>
-          <p:spPr>
-            <a:xfrm>
-              <a:off x="4912276" y="2398637"/>
-              <a:ext cx="108171" cy="711685"/>
-            </a:xfrm>
-            <a:prstGeom prst="leftBrace">
-              <a:avLst/>
-            </a:prstGeom>
-          </p:spPr>
-          <p:style>
-            <a:lnRef idx="1">
-              <a:schemeClr val="dk1"/>
-            </a:lnRef>
-            <a:fillRef idx="0">
-              <a:schemeClr val="dk1"/>
-            </a:fillRef>
-            <a:effectRef idx="0">
-              <a:schemeClr val="dk1"/>
-            </a:effectRef>
-            <a:fontRef idx="minor">
-              <a:schemeClr val="tx1"/>
-            </a:fontRef>
-          </p:style>
-          <p:txBody>
-            <a:bodyPr rtlCol="0" anchor="ctr"/>
-            <a:lstStyle/>
-            <a:p>
-              <a:pPr algn="ctr"/>
-              <a:endParaRPr lang="en-US" sz="1200"/>
-            </a:p>
-          </p:txBody>
-        </p:sp>
-      </p:grpSp>
-      <p:sp>
-        <p:nvSpPr>
-          <p:cNvPr id="15" name="TextBox 14">
-            <a:extLst>
-              <a:ext uri="{FF2B5EF4-FFF2-40B4-BE49-F238E27FC236}">
-                <a16:creationId xmlns:a16="http://schemas.microsoft.com/office/drawing/2014/main" id="{DFA5E9B1-B9E3-2281-2617-F9501FC4074B}"/>
-              </a:ext>
-            </a:extLst>
-          </p:cNvPr>
-          <p:cNvSpPr txBox="1"/>
-          <p:nvPr/>
-        </p:nvSpPr>
-        <p:spPr>
-          <a:xfrm>
-            <a:off x="6806617" y="5214286"/>
-            <a:ext cx="4570778" cy="584775"/>
-          </a:xfrm>
-          <a:prstGeom prst="rect">
-            <a:avLst/>
-          </a:prstGeom>
-          <a:ln/>
-        </p:spPr>
-        <p:style>
-          <a:lnRef idx="2">
-            <a:schemeClr val="accent3"/>
-          </a:lnRef>
-          <a:fillRef idx="1">
-            <a:schemeClr val="lt1"/>
-          </a:fillRef>
-          <a:effectRef idx="0">
-            <a:schemeClr val="accent3"/>
-          </a:effectRef>
-          <a:fontRef idx="minor">
-            <a:schemeClr val="dk1"/>
-          </a:fontRef>
-        </p:style>
-        <p:txBody>
-          <a:bodyPr wrap="square" rtlCol="0">
-            <a:spAutoFit/>
-          </a:bodyPr>
-          <a:lstStyle/>
-          <a:p>
-            <a:pPr algn="ctr"/>
-            <a:r>
-              <a:rPr lang="en-US" sz="1600" dirty="0"/>
-              <a:t>Pretrained models can be downloaded from </a:t>
-            </a:r>
-            <a:br>
-              <a:rPr lang="en-US" sz="1600" dirty="0"/>
-            </a:br>
-            <a:r>
-              <a:rPr lang="en-US" sz="1600" dirty="0"/>
-              <a:t>Hugging Face: </a:t>
-            </a:r>
-            <a:r>
-              <a:rPr lang="en-US" sz="1600" dirty="0">
-                <a:hlinkClick r:id="rId2"/>
-              </a:rPr>
-              <a:t>https://huggingface.co/models</a:t>
-            </a:r>
-            <a:r>
-              <a:rPr lang="en-US" sz="1600" dirty="0"/>
-              <a:t> </a:t>
-            </a:r>
-          </a:p>
-        </p:txBody>
-      </p:sp>
-    </p:spTree>
-    <p:extLst>
-      <p:ext uri="{BB962C8B-B14F-4D97-AF65-F5344CB8AC3E}">
-        <p14:creationId xmlns:p14="http://schemas.microsoft.com/office/powerpoint/2010/main" val="4160847925"/>
-      </p:ext>
-    </p:extLst>
-  </p:cSld>
-  <p:clrMapOvr>
-    <a:masterClrMapping/>
-  </p:clrMapOvr>
-</p:sld>
-</file>
-
-<file path=ppt/slides/slide4.xml><?xml version="1.0" encoding="utf-8"?>
-<p:sld xmlns:a="http://schemas.openxmlformats.org/drawingml/2006/main" xmlns:r="http://schemas.openxmlformats.org/officeDocument/2006/relationships" xmlns:p="http://schemas.openxmlformats.org/presentationml/2006/main">
-  <p:cSld>
-    <p:spTree>
-      <p:nvGrpSpPr>
-        <p:cNvPr id="1" name=""/>
-        <p:cNvGrpSpPr/>
-        <p:nvPr/>
-      </p:nvGrpSpPr>
-      <p:grpSpPr>
-        <a:xfrm>
-          <a:off x="0" y="0"/>
-          <a:ext cx="0" cy="0"/>
-          <a:chOff x="0" y="0"/>
-          <a:chExt cx="0" cy="0"/>
-        </a:xfrm>
-      </p:grpSpPr>
-      <p:sp>
-        <p:nvSpPr>
-          <p:cNvPr id="2" name="Title 1">
-            <a:extLst>
-              <a:ext uri="{FF2B5EF4-FFF2-40B4-BE49-F238E27FC236}">
                 <a16:creationId xmlns:a16="http://schemas.microsoft.com/office/drawing/2014/main" id="{52ACFA10-D4CE-3C52-F4BD-BE3E73982914}"/>
               </a:ext>
             </a:extLst>
@@ -6945,7 +6913,7 @@
             <a:pPr lvl="2"/>
             <a:r>
               <a:rPr lang="en-US" dirty="0"/>
-              <a:t>Text is converted into a sequence of tokens. </a:t>
+              <a:t>Text is converted into a sequence of tokens (ids). </a:t>
             </a:r>
           </a:p>
           <a:p>
@@ -6973,7 +6941,7 @@
             <a:pPr lvl="2"/>
             <a:r>
               <a:rPr lang="en-US" dirty="0"/>
-              <a:t>Tokes are represented as large vectors indicating a position in a large space called the embedding space. </a:t>
+              <a:t>Tokes are converted to large vectors indicating a position in a high-dimensional space called the embedding space. </a:t>
             </a:r>
           </a:p>
           <a:p>
@@ -6989,7 +6957,7 @@
           <a:p>
             <a:r>
               <a:rPr lang="en-US" dirty="0"/>
-              <a:t>Computation is done by calculations (moving around ) in the embedding space. </a:t>
+              <a:t>Computation is done by calculations (moving around) in the embedding space. </a:t>
             </a:r>
             <a:br>
               <a:rPr lang="en-US" dirty="0"/>
@@ -6999,7 +6967,7 @@
           <a:p>
             <a:r>
               <a:rPr lang="en-US" dirty="0"/>
-              <a:t>New words are generated by converting the resulting vectors back to tokens/words.</a:t>
+              <a:t>New words are generated from resulting vectors by learning a function that maps vectors back to tokens.</a:t>
             </a:r>
           </a:p>
         </p:txBody>
@@ -7148,6 +7116,834 @@
     <p:extLst>
       <p:ext uri="{BB962C8B-B14F-4D97-AF65-F5344CB8AC3E}">
         <p14:creationId xmlns:p14="http://schemas.microsoft.com/office/powerpoint/2010/main" val="3438995310"/>
+      </p:ext>
+    </p:extLst>
+  </p:cSld>
+  <p:clrMapOvr>
+    <a:masterClrMapping/>
+  </p:clrMapOvr>
+</p:sld>
+</file>
+
+<file path=ppt/slides/slide4.xml><?xml version="1.0" encoding="utf-8"?>
+<p:sld xmlns:a="http://schemas.openxmlformats.org/drawingml/2006/main" xmlns:r="http://schemas.openxmlformats.org/officeDocument/2006/relationships" xmlns:p="http://schemas.openxmlformats.org/presentationml/2006/main">
+  <p:cSld>
+    <p:spTree>
+      <p:nvGrpSpPr>
+        <p:cNvPr id="1" name=""/>
+        <p:cNvGrpSpPr/>
+        <p:nvPr/>
+      </p:nvGrpSpPr>
+      <p:grpSpPr>
+        <a:xfrm>
+          <a:off x="0" y="0"/>
+          <a:ext cx="0" cy="0"/>
+          <a:chOff x="0" y="0"/>
+          <a:chExt cx="0" cy="0"/>
+        </a:xfrm>
+      </p:grpSpPr>
+      <p:sp>
+        <p:nvSpPr>
+          <p:cNvPr id="2" name="Title 1">
+            <a:extLst>
+              <a:ext uri="{FF2B5EF4-FFF2-40B4-BE49-F238E27FC236}">
+                <a16:creationId xmlns:a16="http://schemas.microsoft.com/office/drawing/2014/main" id="{946A0B0C-8C88-A326-0005-27E45A05CE53}"/>
+              </a:ext>
+            </a:extLst>
+          </p:cNvPr>
+          <p:cNvSpPr>
+            <a:spLocks noGrp="1"/>
+          </p:cNvSpPr>
+          <p:nvPr>
+            <p:ph type="title"/>
+          </p:nvPr>
+        </p:nvSpPr>
+        <p:spPr/>
+        <p:txBody>
+          <a:bodyPr/>
+          <a:lstStyle/>
+          <a:p>
+            <a:r>
+              <a:rPr lang="en-US" dirty="0"/>
+              <a:t>What are LLMs</a:t>
+            </a:r>
+          </a:p>
+        </p:txBody>
+      </p:sp>
+      <p:sp>
+        <p:nvSpPr>
+          <p:cNvPr id="3" name="Content Placeholder 2">
+            <a:extLst>
+              <a:ext uri="{FF2B5EF4-FFF2-40B4-BE49-F238E27FC236}">
+                <a16:creationId xmlns:a16="http://schemas.microsoft.com/office/drawing/2014/main" id="{C17030C7-EEBD-36D9-F88D-79F8CB2224F1}"/>
+              </a:ext>
+            </a:extLst>
+          </p:cNvPr>
+          <p:cNvSpPr>
+            <a:spLocks noGrp="1"/>
+          </p:cNvSpPr>
+          <p:nvPr>
+            <p:ph idx="1"/>
+          </p:nvPr>
+        </p:nvSpPr>
+        <p:spPr>
+          <a:xfrm>
+            <a:off x="838200" y="1825625"/>
+            <a:ext cx="5195702" cy="4351338"/>
+          </a:xfrm>
+        </p:spPr>
+        <p:txBody>
+          <a:bodyPr>
+            <a:normAutofit fontScale="70000" lnSpcReduction="20000"/>
+          </a:bodyPr>
+          <a:lstStyle/>
+          <a:p>
+            <a:r>
+              <a:rPr lang="en-US" dirty="0"/>
+              <a:t>Large language models are </a:t>
+            </a:r>
+            <a:r>
+              <a:rPr lang="en-US" b="1" dirty="0"/>
+              <a:t>knowledge-based agents</a:t>
+            </a:r>
+            <a:r>
+              <a:rPr lang="en-US" dirty="0"/>
+              <a:t>.</a:t>
+            </a:r>
+          </a:p>
+          <a:p>
+            <a:r>
+              <a:rPr lang="en-US" dirty="0"/>
+              <a:t>The knowledge base is a large, deep artificial neural network using the </a:t>
+            </a:r>
+            <a:r>
+              <a:rPr lang="en-US" b="1" dirty="0"/>
+              <a:t>transformer architecture</a:t>
+            </a:r>
+            <a:r>
+              <a:rPr lang="en-US" dirty="0"/>
+              <a:t>.</a:t>
+            </a:r>
+          </a:p>
+          <a:p>
+            <a:r>
+              <a:rPr lang="en-US" dirty="0"/>
+              <a:t>The model is </a:t>
+            </a:r>
+            <a:r>
+              <a:rPr lang="en-US" b="1" dirty="0"/>
+              <a:t>pretrained</a:t>
+            </a:r>
+            <a:r>
+              <a:rPr lang="en-US" dirty="0"/>
+              <a:t> for the task of predicting the next word using self-supervised learning on a large text corpus.</a:t>
+            </a:r>
+          </a:p>
+          <a:p>
+            <a:r>
+              <a:rPr lang="en-US" dirty="0"/>
+              <a:t>The pretrained model is specialized for a specific task using </a:t>
+            </a:r>
+            <a:r>
+              <a:rPr lang="en-US" b="1" dirty="0"/>
+              <a:t>fine-tuning </a:t>
+            </a:r>
+            <a:r>
+              <a:rPr lang="en-US" dirty="0"/>
+              <a:t>on examples. For chatbots, this includes</a:t>
+            </a:r>
+          </a:p>
+          <a:p>
+            <a:pPr lvl="1"/>
+            <a:r>
+              <a:rPr lang="en-US" dirty="0"/>
+              <a:t>supervised instruction training followed by </a:t>
+            </a:r>
+          </a:p>
+          <a:p>
+            <a:pPr lvl="1"/>
+            <a:r>
+              <a:rPr lang="en-US" dirty="0"/>
+              <a:t>reinforcement learning from human feedback (RLHF).</a:t>
+            </a:r>
+          </a:p>
+          <a:p>
+            <a:r>
+              <a:rPr lang="en-US" dirty="0"/>
+              <a:t>The model can generate text following a “</a:t>
+            </a:r>
+            <a:r>
+              <a:rPr lang="en-US" b="1" dirty="0"/>
+              <a:t>prompt</a:t>
+            </a:r>
+            <a:r>
+              <a:rPr lang="en-US" dirty="0"/>
+              <a:t>.”</a:t>
+            </a:r>
+          </a:p>
+          <a:p>
+            <a:endParaRPr lang="en-US" dirty="0"/>
+          </a:p>
+        </p:txBody>
+      </p:sp>
+      <p:sp>
+        <p:nvSpPr>
+          <p:cNvPr id="15" name="TextBox 14">
+            <a:extLst>
+              <a:ext uri="{FF2B5EF4-FFF2-40B4-BE49-F238E27FC236}">
+                <a16:creationId xmlns:a16="http://schemas.microsoft.com/office/drawing/2014/main" id="{DFA5E9B1-B9E3-2281-2617-F9501FC4074B}"/>
+              </a:ext>
+            </a:extLst>
+          </p:cNvPr>
+          <p:cNvSpPr txBox="1"/>
+          <p:nvPr/>
+        </p:nvSpPr>
+        <p:spPr>
+          <a:xfrm>
+            <a:off x="6707045" y="5665404"/>
+            <a:ext cx="4570778" cy="584775"/>
+          </a:xfrm>
+          <a:prstGeom prst="rect">
+            <a:avLst/>
+          </a:prstGeom>
+          <a:ln/>
+        </p:spPr>
+        <p:style>
+          <a:lnRef idx="2">
+            <a:schemeClr val="accent3"/>
+          </a:lnRef>
+          <a:fillRef idx="1">
+            <a:schemeClr val="lt1"/>
+          </a:fillRef>
+          <a:effectRef idx="0">
+            <a:schemeClr val="accent3"/>
+          </a:effectRef>
+          <a:fontRef idx="minor">
+            <a:schemeClr val="dk1"/>
+          </a:fontRef>
+        </p:style>
+        <p:txBody>
+          <a:bodyPr wrap="square" rtlCol="0">
+            <a:spAutoFit/>
+          </a:bodyPr>
+          <a:lstStyle/>
+          <a:p>
+            <a:pPr algn="ctr"/>
+            <a:r>
+              <a:rPr lang="en-US" sz="1600" dirty="0"/>
+              <a:t>Pretrained models can be downloaded from </a:t>
+            </a:r>
+            <a:br>
+              <a:rPr lang="en-US" sz="1600" dirty="0"/>
+            </a:br>
+            <a:r>
+              <a:rPr lang="en-US" sz="1600" dirty="0"/>
+              <a:t>Hugging Face: </a:t>
+            </a:r>
+            <a:r>
+              <a:rPr lang="en-US" sz="1600" dirty="0">
+                <a:hlinkClick r:id="rId2"/>
+              </a:rPr>
+              <a:t>https://huggingface.co/models</a:t>
+            </a:r>
+            <a:r>
+              <a:rPr lang="en-US" sz="1600" dirty="0"/>
+              <a:t> </a:t>
+            </a:r>
+          </a:p>
+        </p:txBody>
+      </p:sp>
+      <p:grpSp>
+        <p:nvGrpSpPr>
+          <p:cNvPr id="35" name="Group 34">
+            <a:extLst>
+              <a:ext uri="{FF2B5EF4-FFF2-40B4-BE49-F238E27FC236}">
+                <a16:creationId xmlns:a16="http://schemas.microsoft.com/office/drawing/2014/main" id="{0F5E9DC1-3194-820E-AFED-41E003397F77}"/>
+              </a:ext>
+            </a:extLst>
+          </p:cNvPr>
+          <p:cNvGrpSpPr/>
+          <p:nvPr/>
+        </p:nvGrpSpPr>
+        <p:grpSpPr>
+          <a:xfrm>
+            <a:off x="6193393" y="1825625"/>
+            <a:ext cx="5598083" cy="2792061"/>
+            <a:chOff x="6184415" y="307127"/>
+            <a:chExt cx="5598083" cy="2792061"/>
+          </a:xfrm>
+        </p:grpSpPr>
+        <p:grpSp>
+          <p:nvGrpSpPr>
+            <p:cNvPr id="4" name="Group 3">
+              <a:extLst>
+                <a:ext uri="{FF2B5EF4-FFF2-40B4-BE49-F238E27FC236}">
+                  <a16:creationId xmlns:a16="http://schemas.microsoft.com/office/drawing/2014/main" id="{8A1E30F4-E7A2-2D6F-68AD-8FCC1355D550}"/>
+                </a:ext>
+                <a:ext uri="{C183D7F6-B498-43B3-948B-1728B52AA6E4}">
+                  <adec:decorative xmlns:adec="http://schemas.microsoft.com/office/drawing/2017/decorative" val="1"/>
+                </a:ext>
+              </a:extLst>
+            </p:cNvPr>
+            <p:cNvGrpSpPr/>
+            <p:nvPr/>
+          </p:nvGrpSpPr>
+          <p:grpSpPr>
+            <a:xfrm>
+              <a:off x="6397232" y="389014"/>
+              <a:ext cx="5310676" cy="2233067"/>
+              <a:chOff x="721548" y="1293003"/>
+              <a:chExt cx="9322045" cy="2440797"/>
+            </a:xfrm>
+          </p:grpSpPr>
+          <p:sp>
+            <p:nvSpPr>
+              <p:cNvPr id="5" name="Rectangle 4">
+                <a:extLst>
+                  <a:ext uri="{FF2B5EF4-FFF2-40B4-BE49-F238E27FC236}">
+                    <a16:creationId xmlns:a16="http://schemas.microsoft.com/office/drawing/2014/main" id="{A37B166E-6650-5C7E-6475-982052BE6823}"/>
+                  </a:ext>
+                </a:extLst>
+              </p:cNvPr>
+              <p:cNvSpPr/>
+              <p:nvPr/>
+            </p:nvSpPr>
+            <p:spPr bwMode="auto">
+              <a:xfrm>
+                <a:off x="838200" y="3200400"/>
+                <a:ext cx="2667000" cy="533400"/>
+              </a:xfrm>
+              <a:prstGeom prst="rect">
+                <a:avLst/>
+              </a:prstGeom>
+              <a:ln>
+                <a:headEnd type="none" w="med" len="med"/>
+                <a:tailEnd type="none" w="med" len="med"/>
+              </a:ln>
+            </p:spPr>
+            <p:style>
+              <a:lnRef idx="3">
+                <a:schemeClr val="lt1"/>
+              </a:lnRef>
+              <a:fillRef idx="1">
+                <a:schemeClr val="accent5"/>
+              </a:fillRef>
+              <a:effectRef idx="1">
+                <a:schemeClr val="accent5"/>
+              </a:effectRef>
+              <a:fontRef idx="minor">
+                <a:schemeClr val="lt1"/>
+              </a:fontRef>
+            </p:style>
+            <p:txBody>
+              <a:bodyPr vert="horz" wrap="square" lIns="91440" tIns="45720" rIns="91440" bIns="45720" numCol="1" rtlCol="0" anchor="ctr" anchorCtr="0" compatLnSpc="1">
+                <a:prstTxWarp prst="textNoShape">
+                  <a:avLst/>
+                </a:prstTxWarp>
+              </a:bodyPr>
+              <a:lstStyle/>
+              <a:p>
+                <a:pPr marL="0" marR="0" indent="0" algn="ctr" defTabSz="914400" rtl="0" eaLnBrk="1" fontAlgn="base" latinLnBrk="0" hangingPunct="1">
+                  <a:lnSpc>
+                    <a:spcPct val="100000"/>
+                  </a:lnSpc>
+                  <a:spcBef>
+                    <a:spcPct val="0"/>
+                  </a:spcBef>
+                  <a:spcAft>
+                    <a:spcPct val="0"/>
+                  </a:spcAft>
+                  <a:buClrTx/>
+                  <a:buSzTx/>
+                  <a:buFontTx/>
+                  <a:buNone/>
+                  <a:tabLst/>
+                </a:pPr>
+                <a:r>
+                  <a:rPr lang="en-US" sz="1200" dirty="0"/>
+                  <a:t>Text Generator</a:t>
+                </a:r>
+              </a:p>
+            </p:txBody>
+          </p:sp>
+          <p:cxnSp>
+            <p:nvCxnSpPr>
+              <p:cNvPr id="6" name="Straight Arrow Connector 5">
+                <a:extLst>
+                  <a:ext uri="{FF2B5EF4-FFF2-40B4-BE49-F238E27FC236}">
+                    <a16:creationId xmlns:a16="http://schemas.microsoft.com/office/drawing/2014/main" id="{4EB4A527-E206-ED61-B3CD-4DDE80C6039C}"/>
+                  </a:ext>
+                </a:extLst>
+              </p:cNvPr>
+              <p:cNvCxnSpPr/>
+              <p:nvPr/>
+            </p:nvCxnSpPr>
+            <p:spPr bwMode="auto">
+              <a:xfrm>
+                <a:off x="3733800" y="3427412"/>
+                <a:ext cx="1447800" cy="1588"/>
+              </a:xfrm>
+              <a:prstGeom prst="straightConnector1">
+                <a:avLst/>
+              </a:prstGeom>
+              <a:solidFill>
+                <a:schemeClr val="accent1"/>
+              </a:solidFill>
+              <a:ln w="9525" cap="flat" cmpd="sng" algn="ctr">
+                <a:solidFill>
+                  <a:schemeClr val="tx1"/>
+                </a:solidFill>
+                <a:prstDash val="solid"/>
+                <a:round/>
+                <a:headEnd type="none" w="med" len="med"/>
+                <a:tailEnd type="arrow"/>
+              </a:ln>
+              <a:effectLst/>
+            </p:spPr>
+          </p:cxnSp>
+          <p:sp>
+            <p:nvSpPr>
+              <p:cNvPr id="7" name="Rectangle 6">
+                <a:extLst>
+                  <a:ext uri="{FF2B5EF4-FFF2-40B4-BE49-F238E27FC236}">
+                    <a16:creationId xmlns:a16="http://schemas.microsoft.com/office/drawing/2014/main" id="{E5E9069E-79EE-024A-5D98-E6B639242A35}"/>
+                  </a:ext>
+                </a:extLst>
+              </p:cNvPr>
+              <p:cNvSpPr/>
+              <p:nvPr/>
+            </p:nvSpPr>
+            <p:spPr>
+              <a:xfrm>
+                <a:off x="5098576" y="3296153"/>
+                <a:ext cx="4037878" cy="285946"/>
+              </a:xfrm>
+              <a:prstGeom prst="rect">
+                <a:avLst/>
+              </a:prstGeom>
+            </p:spPr>
+            <p:txBody>
+              <a:bodyPr wrap="none">
+                <a:spAutoFit/>
+              </a:bodyPr>
+              <a:lstStyle/>
+              <a:p>
+                <a:pPr algn="ctr"/>
+                <a:r>
+                  <a:rPr lang="en-US" sz="1100" b="1" dirty="0">
+                    <a:solidFill>
+                      <a:schemeClr val="accent2"/>
+                    </a:solidFill>
+                  </a:rPr>
+                  <a:t>Domain-independent algorithms</a:t>
+                </a:r>
+              </a:p>
+            </p:txBody>
+          </p:sp>
+          <p:cxnSp>
+            <p:nvCxnSpPr>
+              <p:cNvPr id="8" name="Straight Arrow Connector 7">
+                <a:extLst>
+                  <a:ext uri="{FF2B5EF4-FFF2-40B4-BE49-F238E27FC236}">
+                    <a16:creationId xmlns:a16="http://schemas.microsoft.com/office/drawing/2014/main" id="{D29FEEFB-C953-971D-4C28-1FC450C13BE5}"/>
+                  </a:ext>
+                </a:extLst>
+              </p:cNvPr>
+              <p:cNvCxnSpPr>
+                <a:cxnSpLocks/>
+              </p:cNvCxnSpPr>
+              <p:nvPr/>
+            </p:nvCxnSpPr>
+            <p:spPr bwMode="auto">
+              <a:xfrm flipV="1">
+                <a:off x="3695701" y="2754478"/>
+                <a:ext cx="979810" cy="4338"/>
+              </a:xfrm>
+              <a:prstGeom prst="straightConnector1">
+                <a:avLst/>
+              </a:prstGeom>
+              <a:solidFill>
+                <a:schemeClr val="accent1"/>
+              </a:solidFill>
+              <a:ln w="9525" cap="flat" cmpd="sng" algn="ctr">
+                <a:solidFill>
+                  <a:schemeClr val="tx1"/>
+                </a:solidFill>
+                <a:prstDash val="solid"/>
+                <a:round/>
+                <a:headEnd type="none" w="med" len="med"/>
+                <a:tailEnd type="arrow"/>
+              </a:ln>
+              <a:effectLst/>
+            </p:spPr>
+          </p:cxnSp>
+          <p:sp>
+            <p:nvSpPr>
+              <p:cNvPr id="9" name="Rectangle 8">
+                <a:extLst>
+                  <a:ext uri="{FF2B5EF4-FFF2-40B4-BE49-F238E27FC236}">
+                    <a16:creationId xmlns:a16="http://schemas.microsoft.com/office/drawing/2014/main" id="{E2C69019-DFE1-8C4D-BE7D-F157310CB670}"/>
+                  </a:ext>
+                </a:extLst>
+              </p:cNvPr>
+              <p:cNvSpPr/>
+              <p:nvPr/>
+            </p:nvSpPr>
+            <p:spPr>
+              <a:xfrm>
+                <a:off x="5592146" y="2841273"/>
+                <a:ext cx="4151686" cy="277536"/>
+              </a:xfrm>
+              <a:prstGeom prst="rect">
+                <a:avLst/>
+              </a:prstGeom>
+            </p:spPr>
+            <p:txBody>
+              <a:bodyPr wrap="none">
+                <a:spAutoFit/>
+              </a:bodyPr>
+              <a:lstStyle/>
+              <a:p>
+                <a:pPr algn="ctr"/>
+                <a:r>
+                  <a:rPr lang="en-US" sz="1050" b="0" dirty="0"/>
+                  <a:t>Domain-specific content </a:t>
+                </a:r>
+                <a:r>
+                  <a:rPr lang="en-US" sz="1050" dirty="0"/>
+                  <a:t>(fine tuning)</a:t>
+                </a:r>
+              </a:p>
+            </p:txBody>
+          </p:sp>
+          <p:sp>
+            <p:nvSpPr>
+              <p:cNvPr id="10" name="Cylinder 9">
+                <a:extLst>
+                  <a:ext uri="{FF2B5EF4-FFF2-40B4-BE49-F238E27FC236}">
+                    <a16:creationId xmlns:a16="http://schemas.microsoft.com/office/drawing/2014/main" id="{82A32D59-CB64-0336-B845-565DFD77707B}"/>
+                  </a:ext>
+                </a:extLst>
+              </p:cNvPr>
+              <p:cNvSpPr/>
+              <p:nvPr/>
+            </p:nvSpPr>
+            <p:spPr>
+              <a:xfrm>
+                <a:off x="1215794" y="2267103"/>
+                <a:ext cx="1780185" cy="1014123"/>
+              </a:xfrm>
+              <a:prstGeom prst="can">
+                <a:avLst/>
+              </a:prstGeom>
+            </p:spPr>
+            <p:style>
+              <a:lnRef idx="2">
+                <a:schemeClr val="accent6">
+                  <a:shade val="50000"/>
+                </a:schemeClr>
+              </a:lnRef>
+              <a:fillRef idx="1">
+                <a:schemeClr val="accent6"/>
+              </a:fillRef>
+              <a:effectRef idx="0">
+                <a:schemeClr val="accent6"/>
+              </a:effectRef>
+              <a:fontRef idx="minor">
+                <a:schemeClr val="lt1"/>
+              </a:fontRef>
+            </p:style>
+            <p:txBody>
+              <a:bodyPr rtlCol="0" anchor="ctr"/>
+              <a:lstStyle/>
+              <a:p>
+                <a:pPr algn="ctr" fontAlgn="base">
+                  <a:spcBef>
+                    <a:spcPct val="0"/>
+                  </a:spcBef>
+                  <a:spcAft>
+                    <a:spcPct val="0"/>
+                  </a:spcAft>
+                </a:pPr>
+                <a:r>
+                  <a:rPr lang="en-US" sz="1200" dirty="0"/>
+                  <a:t>Knowledge base</a:t>
+                </a:r>
+                <a:endParaRPr lang="en-US" sz="1200" b="1" dirty="0">
+                  <a:solidFill>
+                    <a:schemeClr val="tx1"/>
+                  </a:solidFill>
+                  <a:latin typeface="Calibri" panose="020F0502020204030204" pitchFamily="34" charset="0"/>
+                </a:endParaRPr>
+              </a:p>
+            </p:txBody>
+          </p:sp>
+          <p:sp>
+            <p:nvSpPr>
+              <p:cNvPr id="11" name="TextBox 10">
+                <a:extLst>
+                  <a:ext uri="{FF2B5EF4-FFF2-40B4-BE49-F238E27FC236}">
+                    <a16:creationId xmlns:a16="http://schemas.microsoft.com/office/drawing/2014/main" id="{E8F2C718-0081-8C9B-EA31-A3FE5D924D7B}"/>
+                  </a:ext>
+                </a:extLst>
+              </p:cNvPr>
+              <p:cNvSpPr txBox="1"/>
+              <p:nvPr/>
+            </p:nvSpPr>
+            <p:spPr>
+              <a:xfrm>
+                <a:off x="5098576" y="2463942"/>
+                <a:ext cx="4945017" cy="277536"/>
+              </a:xfrm>
+              <a:prstGeom prst="rect">
+                <a:avLst/>
+              </a:prstGeom>
+              <a:noFill/>
+            </p:spPr>
+            <p:txBody>
+              <a:bodyPr wrap="square" rtlCol="0">
+                <a:spAutoFit/>
+              </a:bodyPr>
+              <a:lstStyle/>
+              <a:p>
+                <a:r>
+                  <a:rPr lang="en-US" sz="1050" b="1" dirty="0">
+                    <a:solidFill>
+                      <a:schemeClr val="accent2"/>
+                    </a:solidFill>
+                  </a:rPr>
+                  <a:t>Domain-independent content </a:t>
+                </a:r>
+                <a:r>
+                  <a:rPr lang="en-US" sz="1050" dirty="0"/>
+                  <a:t>(pre-training)</a:t>
+                </a:r>
+              </a:p>
+            </p:txBody>
+          </p:sp>
+          <p:sp>
+            <p:nvSpPr>
+              <p:cNvPr id="12" name="TextBox 11">
+                <a:extLst>
+                  <a:ext uri="{FF2B5EF4-FFF2-40B4-BE49-F238E27FC236}">
+                    <a16:creationId xmlns:a16="http://schemas.microsoft.com/office/drawing/2014/main" id="{FD7EAD63-2473-E433-9FDB-7ACB2C977FB9}"/>
+                  </a:ext>
+                </a:extLst>
+              </p:cNvPr>
+              <p:cNvSpPr txBox="1"/>
+              <p:nvPr/>
+            </p:nvSpPr>
+            <p:spPr>
+              <a:xfrm>
+                <a:off x="6936744" y="2612234"/>
+                <a:ext cx="521236" cy="370048"/>
+              </a:xfrm>
+              <a:prstGeom prst="rect">
+                <a:avLst/>
+              </a:prstGeom>
+              <a:noFill/>
+            </p:spPr>
+            <p:txBody>
+              <a:bodyPr wrap="none" rtlCol="0">
+                <a:spAutoFit/>
+              </a:bodyPr>
+              <a:lstStyle/>
+              <a:p>
+                <a:r>
+                  <a:rPr lang="en-US" sz="1600" b="1" dirty="0"/>
+                  <a:t>+</a:t>
+                </a:r>
+              </a:p>
+            </p:txBody>
+          </p:sp>
+          <p:sp>
+            <p:nvSpPr>
+              <p:cNvPr id="13" name="Speech Bubble: Rectangle with Corners Rounded 12">
+                <a:extLst>
+                  <a:ext uri="{FF2B5EF4-FFF2-40B4-BE49-F238E27FC236}">
+                    <a16:creationId xmlns:a16="http://schemas.microsoft.com/office/drawing/2014/main" id="{7BB4B066-1E33-EB5C-EACF-172F43A7FE98}"/>
+                  </a:ext>
+                </a:extLst>
+              </p:cNvPr>
+              <p:cNvSpPr/>
+              <p:nvPr/>
+            </p:nvSpPr>
+            <p:spPr>
+              <a:xfrm>
+                <a:off x="721548" y="1293003"/>
+                <a:ext cx="5058154" cy="669640"/>
+              </a:xfrm>
+              <a:prstGeom prst="wedgeRoundRectCallout">
+                <a:avLst>
+                  <a:gd name="adj1" fmla="val -18704"/>
+                  <a:gd name="adj2" fmla="val 114087"/>
+                  <a:gd name="adj3" fmla="val 16667"/>
+                </a:avLst>
+              </a:prstGeom>
+            </p:spPr>
+            <p:style>
+              <a:lnRef idx="3">
+                <a:schemeClr val="lt1"/>
+              </a:lnRef>
+              <a:fillRef idx="1">
+                <a:schemeClr val="accent2"/>
+              </a:fillRef>
+              <a:effectRef idx="1">
+                <a:schemeClr val="accent2"/>
+              </a:effectRef>
+              <a:fontRef idx="minor">
+                <a:schemeClr val="lt1"/>
+              </a:fontRef>
+            </p:style>
+            <p:txBody>
+              <a:bodyPr rtlCol="0" anchor="ctr"/>
+              <a:lstStyle/>
+              <a:p>
+                <a:pPr algn="ctr"/>
+                <a:r>
+                  <a:rPr lang="en-US" sz="1200" dirty="0"/>
+                  <a:t>Learned word relationships, grammar, facts, and how to answer questions.</a:t>
+                </a:r>
+              </a:p>
+            </p:txBody>
+          </p:sp>
+          <p:sp>
+            <p:nvSpPr>
+              <p:cNvPr id="14" name="Left Brace 13">
+                <a:extLst>
+                  <a:ext uri="{FF2B5EF4-FFF2-40B4-BE49-F238E27FC236}">
+                    <a16:creationId xmlns:a16="http://schemas.microsoft.com/office/drawing/2014/main" id="{30BF9769-02A9-A9B4-5F1D-0FA3403D9665}"/>
+                  </a:ext>
+                </a:extLst>
+              </p:cNvPr>
+              <p:cNvSpPr/>
+              <p:nvPr/>
+            </p:nvSpPr>
+            <p:spPr>
+              <a:xfrm>
+                <a:off x="4912276" y="2398637"/>
+                <a:ext cx="108171" cy="711685"/>
+              </a:xfrm>
+              <a:prstGeom prst="leftBrace">
+                <a:avLst/>
+              </a:prstGeom>
+            </p:spPr>
+            <p:style>
+              <a:lnRef idx="1">
+                <a:schemeClr val="dk1"/>
+              </a:lnRef>
+              <a:fillRef idx="0">
+                <a:schemeClr val="dk1"/>
+              </a:fillRef>
+              <a:effectRef idx="0">
+                <a:schemeClr val="dk1"/>
+              </a:effectRef>
+              <a:fontRef idx="minor">
+                <a:schemeClr val="tx1"/>
+              </a:fontRef>
+            </p:style>
+            <p:txBody>
+              <a:bodyPr rtlCol="0" anchor="ctr"/>
+              <a:lstStyle/>
+              <a:p>
+                <a:pPr algn="ctr"/>
+                <a:endParaRPr lang="en-US" sz="1200"/>
+              </a:p>
+            </p:txBody>
+          </p:sp>
+        </p:grpSp>
+        <p:sp>
+          <p:nvSpPr>
+            <p:cNvPr id="33" name="TextBox 32">
+              <a:extLst>
+                <a:ext uri="{FF2B5EF4-FFF2-40B4-BE49-F238E27FC236}">
+                  <a16:creationId xmlns:a16="http://schemas.microsoft.com/office/drawing/2014/main" id="{0C4078DD-28E2-B8AF-CA37-A203043042A2}"/>
+                </a:ext>
+              </a:extLst>
+            </p:cNvPr>
+            <p:cNvSpPr txBox="1"/>
+            <p:nvPr/>
+          </p:nvSpPr>
+          <p:spPr>
+            <a:xfrm>
+              <a:off x="7612709" y="2709578"/>
+              <a:ext cx="2741841" cy="307777"/>
+            </a:xfrm>
+            <a:prstGeom prst="rect">
+              <a:avLst/>
+            </a:prstGeom>
+            <a:noFill/>
+          </p:spPr>
+          <p:txBody>
+            <a:bodyPr wrap="none" rtlCol="0">
+              <a:spAutoFit/>
+            </a:bodyPr>
+            <a:lstStyle/>
+            <a:p>
+              <a:r>
+                <a:rPr lang="en-US" sz="1400" dirty="0"/>
+                <a:t>LLM as a knowledge-based agent</a:t>
+              </a:r>
+            </a:p>
+          </p:txBody>
+        </p:sp>
+        <p:sp>
+          <p:nvSpPr>
+            <p:cNvPr id="34" name="Rectangle 33">
+              <a:extLst>
+                <a:ext uri="{FF2B5EF4-FFF2-40B4-BE49-F238E27FC236}">
+                  <a16:creationId xmlns:a16="http://schemas.microsoft.com/office/drawing/2014/main" id="{01610E8B-7B14-5BBE-9586-6B148F7AD098}"/>
+                </a:ext>
+              </a:extLst>
+            </p:cNvPr>
+            <p:cNvSpPr/>
+            <p:nvPr/>
+          </p:nvSpPr>
+          <p:spPr>
+            <a:xfrm>
+              <a:off x="6184415" y="307127"/>
+              <a:ext cx="5598083" cy="2792061"/>
+            </a:xfrm>
+            <a:prstGeom prst="rect">
+              <a:avLst/>
+            </a:prstGeom>
+            <a:noFill/>
+            <a:ln>
+              <a:solidFill>
+                <a:schemeClr val="accent2"/>
+              </a:solidFill>
+            </a:ln>
+          </p:spPr>
+          <p:style>
+            <a:lnRef idx="2">
+              <a:schemeClr val="accent1">
+                <a:shade val="15000"/>
+              </a:schemeClr>
+            </a:lnRef>
+            <a:fillRef idx="1">
+              <a:schemeClr val="accent1"/>
+            </a:fillRef>
+            <a:effectRef idx="0">
+              <a:schemeClr val="accent1"/>
+            </a:effectRef>
+            <a:fontRef idx="minor">
+              <a:schemeClr val="lt1"/>
+            </a:fontRef>
+          </p:style>
+          <p:txBody>
+            <a:bodyPr rtlCol="0" anchor="ctr"/>
+            <a:lstStyle/>
+            <a:p>
+              <a:pPr algn="ctr"/>
+              <a:endParaRPr lang="en-US"/>
+            </a:p>
+          </p:txBody>
+        </p:sp>
+      </p:grpSp>
+    </p:spTree>
+    <p:extLst>
+      <p:ext uri="{BB962C8B-B14F-4D97-AF65-F5344CB8AC3E}">
+        <p14:creationId xmlns:p14="http://schemas.microsoft.com/office/powerpoint/2010/main" val="4160847925"/>
       </p:ext>
     </p:extLst>
   </p:cSld>
@@ -7917,8 +8713,8 @@
           </a:p>
         </p:txBody>
       </p:sp>
-      <mc:AlternateContent xmlns:mc="http://schemas.openxmlformats.org/markup-compatibility/2006">
-        <mc:Choice xmlns:a14="http://schemas.microsoft.com/office/drawing/2010/main" Requires="a14">
+      <mc:AlternateContent xmlns:mc="http://schemas.openxmlformats.org/markup-compatibility/2006" xmlns:a14="http://schemas.microsoft.com/office/drawing/2010/main">
+        <mc:Choice Requires="a14">
           <p:sp>
             <p:nvSpPr>
               <p:cNvPr id="3" name="Content Placeholder 2">
@@ -9575,7 +10371,7 @@
             </p:txBody>
           </p:sp>
         </mc:Choice>
-        <mc:Fallback>
+        <mc:Fallback xmlns="">
           <p:sp>
             <p:nvSpPr>
               <p:cNvPr id="3" name="Content Placeholder 2">
@@ -9639,8 +10435,8 @@
             <a:chExt cx="2487685" cy="467297"/>
           </a:xfrm>
         </p:grpSpPr>
-        <mc:AlternateContent xmlns:mc="http://schemas.openxmlformats.org/markup-compatibility/2006">
-          <mc:Choice xmlns:a14="http://schemas.microsoft.com/office/drawing/2010/main" Requires="a14">
+        <mc:AlternateContent xmlns:mc="http://schemas.openxmlformats.org/markup-compatibility/2006" xmlns:a14="http://schemas.microsoft.com/office/drawing/2010/main">
+          <mc:Choice Requires="a14">
             <p:sp>
               <p:nvSpPr>
                 <p:cNvPr id="10" name="TextBox 9">
@@ -9722,7 +10518,7 @@
               </p:txBody>
             </p:sp>
           </mc:Choice>
-          <mc:Fallback>
+          <mc:Fallback xmlns="">
             <p:sp>
               <p:nvSpPr>
                 <p:cNvPr id="10" name="TextBox 9">
@@ -9767,8 +10563,8 @@
             </p:sp>
           </mc:Fallback>
         </mc:AlternateContent>
-        <mc:AlternateContent xmlns:mc="http://schemas.openxmlformats.org/markup-compatibility/2006">
-          <mc:Choice xmlns:a14="http://schemas.microsoft.com/office/drawing/2010/main" Requires="a14">
+        <mc:AlternateContent xmlns:mc="http://schemas.openxmlformats.org/markup-compatibility/2006" xmlns:a14="http://schemas.microsoft.com/office/drawing/2010/main">
+          <mc:Choice Requires="a14">
             <p:sp>
               <p:nvSpPr>
                 <p:cNvPr id="11" name="TextBox 10">
@@ -9859,7 +10655,7 @@
               </p:txBody>
             </p:sp>
           </mc:Choice>
-          <mc:Fallback>
+          <mc:Fallback xmlns="">
             <p:sp>
               <p:nvSpPr>
                 <p:cNvPr id="11" name="TextBox 10">
@@ -9904,8 +10700,8 @@
             </p:sp>
           </mc:Fallback>
         </mc:AlternateContent>
-        <mc:AlternateContent xmlns:mc="http://schemas.openxmlformats.org/markup-compatibility/2006">
-          <mc:Choice xmlns:a14="http://schemas.microsoft.com/office/drawing/2010/main" Requires="a14">
+        <mc:AlternateContent xmlns:mc="http://schemas.openxmlformats.org/markup-compatibility/2006" xmlns:a14="http://schemas.microsoft.com/office/drawing/2010/main">
+          <mc:Choice Requires="a14">
             <p:sp>
               <p:nvSpPr>
                 <p:cNvPr id="12" name="TextBox 11">
@@ -9996,7 +10792,7 @@
               </p:txBody>
             </p:sp>
           </mc:Choice>
-          <mc:Fallback>
+          <mc:Fallback xmlns="">
             <p:sp>
               <p:nvSpPr>
                 <p:cNvPr id="12" name="TextBox 11">
@@ -10041,8 +10837,8 @@
             </p:sp>
           </mc:Fallback>
         </mc:AlternateContent>
-        <mc:AlternateContent xmlns:mc="http://schemas.openxmlformats.org/markup-compatibility/2006">
-          <mc:Choice xmlns:a14="http://schemas.microsoft.com/office/drawing/2010/main" Requires="a14">
+        <mc:AlternateContent xmlns:mc="http://schemas.openxmlformats.org/markup-compatibility/2006" xmlns:a14="http://schemas.microsoft.com/office/drawing/2010/main">
+          <mc:Choice Requires="a14">
             <p:sp>
               <p:nvSpPr>
                 <p:cNvPr id="13" name="TextBox 12">
@@ -10133,7 +10929,7 @@
               </p:txBody>
             </p:sp>
           </mc:Choice>
-          <mc:Fallback>
+          <mc:Fallback xmlns="">
             <p:sp>
               <p:nvSpPr>
                 <p:cNvPr id="13" name="TextBox 12">
@@ -10222,8 +11018,8 @@
             </a:fontRef>
           </p:style>
         </p:cxnSp>
-        <mc:AlternateContent xmlns:mc="http://schemas.openxmlformats.org/markup-compatibility/2006">
-          <mc:Choice xmlns:a14="http://schemas.microsoft.com/office/drawing/2010/main" Requires="a14">
+        <mc:AlternateContent xmlns:mc="http://schemas.openxmlformats.org/markup-compatibility/2006" xmlns:a14="http://schemas.microsoft.com/office/drawing/2010/main">
+          <mc:Choice Requires="a14">
             <p:sp>
               <p:nvSpPr>
                 <p:cNvPr id="17" name="TextBox 16">
@@ -10314,7 +11110,7 @@
               </p:txBody>
             </p:sp>
           </mc:Choice>
-          <mc:Fallback>
+          <mc:Fallback xmlns="">
             <p:sp>
               <p:nvSpPr>
                 <p:cNvPr id="17" name="TextBox 16">
@@ -10608,8 +11404,8 @@
           </a:p>
         </p:txBody>
       </p:sp>
-      <mc:AlternateContent xmlns:mc="http://schemas.openxmlformats.org/markup-compatibility/2006">
-        <mc:Choice xmlns:a14="http://schemas.microsoft.com/office/drawing/2010/main" Requires="a14">
+      <mc:AlternateContent xmlns:mc="http://schemas.openxmlformats.org/markup-compatibility/2006" xmlns:a14="http://schemas.microsoft.com/office/drawing/2010/main">
+        <mc:Choice Requires="a14">
           <p:graphicFrame>
             <p:nvGraphicFramePr>
               <p:cNvPr id="35" name="Table 34">
@@ -11406,7 +12202,7 @@
             </a:graphic>
           </p:graphicFrame>
         </mc:Choice>
-        <mc:Fallback>
+        <mc:Fallback xmlns="">
           <p:graphicFrame>
             <p:nvGraphicFramePr>
               <p:cNvPr id="35" name="Table 34">
@@ -12259,8 +13055,8 @@
           </p:sp>
         </mc:Fallback>
       </mc:AlternateContent>
-      <mc:AlternateContent xmlns:mc="http://schemas.openxmlformats.org/markup-compatibility/2006">
-        <mc:Choice xmlns:a14="http://schemas.microsoft.com/office/drawing/2010/main" Requires="a14">
+      <mc:AlternateContent xmlns:mc="http://schemas.openxmlformats.org/markup-compatibility/2006" xmlns:a14="http://schemas.microsoft.com/office/drawing/2010/main">
+        <mc:Choice Requires="a14">
           <p:sp>
             <p:nvSpPr>
               <p:cNvPr id="43" name="TextBox 42">
@@ -12358,7 +13154,7 @@
             </p:txBody>
           </p:sp>
         </mc:Choice>
-        <mc:Fallback>
+        <mc:Fallback xmlns="">
           <p:sp>
             <p:nvSpPr>
               <p:cNvPr id="43" name="TextBox 42">
@@ -13302,6 +14098,2349 @@
           <p:cNvPr id="2" name="Title 1">
             <a:extLst>
               <a:ext uri="{FF2B5EF4-FFF2-40B4-BE49-F238E27FC236}">
+                <a16:creationId xmlns:a16="http://schemas.microsoft.com/office/drawing/2014/main" id="{6C9E241C-EBF7-6515-B681-99C9650CF13F}"/>
+              </a:ext>
+            </a:extLst>
+          </p:cNvPr>
+          <p:cNvSpPr>
+            <a:spLocks noGrp="1"/>
+          </p:cNvSpPr>
+          <p:nvPr>
+            <p:ph type="title"/>
+          </p:nvPr>
+        </p:nvSpPr>
+        <p:spPr/>
+        <p:txBody>
+          <a:bodyPr/>
+          <a:lstStyle/>
+          <a:p>
+            <a:r>
+              <a:rPr lang="en-US" dirty="0"/>
+              <a:t>Structure of a GPT-type LLM</a:t>
+            </a:r>
+          </a:p>
+        </p:txBody>
+      </p:sp>
+      <p:grpSp>
+        <p:nvGrpSpPr>
+          <p:cNvPr id="49" name="Group 48">
+            <a:extLst>
+              <a:ext uri="{FF2B5EF4-FFF2-40B4-BE49-F238E27FC236}">
+                <a16:creationId xmlns:a16="http://schemas.microsoft.com/office/drawing/2014/main" id="{22B17EA3-EC65-DBEF-A15C-DE7518DD94D2}"/>
+              </a:ext>
+            </a:extLst>
+          </p:cNvPr>
+          <p:cNvGrpSpPr/>
+          <p:nvPr/>
+        </p:nvGrpSpPr>
+        <p:grpSpPr>
+          <a:xfrm>
+            <a:off x="272436" y="1801052"/>
+            <a:ext cx="6875892" cy="4333958"/>
+            <a:chOff x="243919" y="2158917"/>
+            <a:chExt cx="6875892" cy="4333958"/>
+          </a:xfrm>
+        </p:grpSpPr>
+        <p:sp>
+          <p:nvSpPr>
+            <p:cNvPr id="44" name="TextBox 43">
+              <a:extLst>
+                <a:ext uri="{FF2B5EF4-FFF2-40B4-BE49-F238E27FC236}">
+                  <a16:creationId xmlns:a16="http://schemas.microsoft.com/office/drawing/2014/main" id="{A1E60410-B47F-F095-D2F7-496B90E1B1F5}"/>
+                </a:ext>
+              </a:extLst>
+            </p:cNvPr>
+            <p:cNvSpPr txBox="1"/>
+            <p:nvPr/>
+          </p:nvSpPr>
+          <p:spPr>
+            <a:xfrm>
+              <a:off x="243919" y="6185097"/>
+              <a:ext cx="6875892" cy="307778"/>
+            </a:xfrm>
+            <a:prstGeom prst="rect">
+              <a:avLst/>
+            </a:prstGeom>
+            <a:noFill/>
+          </p:spPr>
+          <p:txBody>
+            <a:bodyPr wrap="square" rtlCol="0">
+              <a:spAutoFit/>
+            </a:bodyPr>
+            <a:lstStyle/>
+            <a:p>
+              <a:pPr algn="ctr"/>
+              <a:r>
+                <a:rPr lang="en-US" sz="1400" dirty="0"/>
+                <a:t>Structure of a GPT-type LLM using a decoder only transformer architecture </a:t>
+              </a:r>
+            </a:p>
+          </p:txBody>
+        </p:sp>
+        <p:grpSp>
+          <p:nvGrpSpPr>
+            <p:cNvPr id="48" name="Group 47">
+              <a:extLst>
+                <a:ext uri="{FF2B5EF4-FFF2-40B4-BE49-F238E27FC236}">
+                  <a16:creationId xmlns:a16="http://schemas.microsoft.com/office/drawing/2014/main" id="{C92505A4-00EB-EBEA-ABFF-3D5C2AD766C2}"/>
+                </a:ext>
+              </a:extLst>
+            </p:cNvPr>
+            <p:cNvGrpSpPr/>
+            <p:nvPr/>
+          </p:nvGrpSpPr>
+          <p:grpSpPr>
+            <a:xfrm>
+              <a:off x="1949284" y="2158917"/>
+              <a:ext cx="4685291" cy="3827050"/>
+              <a:chOff x="1949284" y="2158917"/>
+              <a:chExt cx="4685291" cy="3827050"/>
+            </a:xfrm>
+          </p:grpSpPr>
+          <p:sp>
+            <p:nvSpPr>
+              <p:cNvPr id="45" name="TextBox 44">
+                <a:extLst>
+                  <a:ext uri="{FF2B5EF4-FFF2-40B4-BE49-F238E27FC236}">
+                    <a16:creationId xmlns:a16="http://schemas.microsoft.com/office/drawing/2014/main" id="{658AEDBE-D719-A588-F2C0-9E30A27A6410}"/>
+                  </a:ext>
+                </a:extLst>
+              </p:cNvPr>
+              <p:cNvSpPr txBox="1"/>
+              <p:nvPr/>
+            </p:nvSpPr>
+            <p:spPr>
+              <a:xfrm rot="5400000">
+                <a:off x="3173629" y="4364439"/>
+                <a:ext cx="411700" cy="2831356"/>
+              </a:xfrm>
+              <a:prstGeom prst="rect">
+                <a:avLst/>
+              </a:prstGeom>
+            </p:spPr>
+            <p:style>
+              <a:lnRef idx="2">
+                <a:schemeClr val="dk1"/>
+              </a:lnRef>
+              <a:fillRef idx="1">
+                <a:schemeClr val="lt1"/>
+              </a:fillRef>
+              <a:effectRef idx="0">
+                <a:schemeClr val="dk1"/>
+              </a:effectRef>
+              <a:fontRef idx="minor">
+                <a:schemeClr val="dk1"/>
+              </a:fontRef>
+            </p:style>
+            <p:txBody>
+              <a:bodyPr vert="vert270" wrap="square" rtlCol="0">
+                <a:spAutoFit/>
+              </a:bodyPr>
+              <a:lstStyle/>
+              <a:p>
+                <a:pPr algn="ctr"/>
+                <a:r>
+                  <a:rPr lang="en-US" sz="1200" dirty="0"/>
+                  <a:t>Prompt (words)</a:t>
+                </a:r>
+              </a:p>
+            </p:txBody>
+          </p:sp>
+          <p:sp>
+            <p:nvSpPr>
+              <p:cNvPr id="46" name="TextBox 45">
+                <a:extLst>
+                  <a:ext uri="{FF2B5EF4-FFF2-40B4-BE49-F238E27FC236}">
+                    <a16:creationId xmlns:a16="http://schemas.microsoft.com/office/drawing/2014/main" id="{8B5EDAB0-3777-6B94-2901-D84D890F3991}"/>
+                  </a:ext>
+                </a:extLst>
+              </p:cNvPr>
+              <p:cNvSpPr txBox="1"/>
+              <p:nvPr/>
+            </p:nvSpPr>
+            <p:spPr>
+              <a:xfrm rot="5400000">
+                <a:off x="3173629" y="3510605"/>
+                <a:ext cx="411700" cy="2831357"/>
+              </a:xfrm>
+              <a:prstGeom prst="rect">
+                <a:avLst/>
+              </a:prstGeom>
+            </p:spPr>
+            <p:style>
+              <a:lnRef idx="2">
+                <a:schemeClr val="dk1"/>
+              </a:lnRef>
+              <a:fillRef idx="1">
+                <a:schemeClr val="lt1"/>
+              </a:fillRef>
+              <a:effectRef idx="0">
+                <a:schemeClr val="dk1"/>
+              </a:effectRef>
+              <a:fontRef idx="minor">
+                <a:schemeClr val="dk1"/>
+              </a:fontRef>
+            </p:style>
+            <p:txBody>
+              <a:bodyPr vert="vert270" wrap="square" rtlCol="0">
+                <a:spAutoFit/>
+              </a:bodyPr>
+              <a:lstStyle/>
+              <a:p>
+                <a:pPr algn="ctr"/>
+                <a:r>
+                  <a:rPr lang="en-US" sz="1200" dirty="0"/>
+                  <a:t>Token sequence</a:t>
+                </a:r>
+              </a:p>
+            </p:txBody>
+          </p:sp>
+          <p:sp>
+            <p:nvSpPr>
+              <p:cNvPr id="47" name="TextBox 46">
+                <a:extLst>
+                  <a:ext uri="{FF2B5EF4-FFF2-40B4-BE49-F238E27FC236}">
+                    <a16:creationId xmlns:a16="http://schemas.microsoft.com/office/drawing/2014/main" id="{574D7DEA-4976-D2E9-257A-17EFE90E8508}"/>
+                  </a:ext>
+                </a:extLst>
+              </p:cNvPr>
+              <p:cNvSpPr txBox="1"/>
+              <p:nvPr/>
+            </p:nvSpPr>
+            <p:spPr>
+              <a:xfrm rot="5400000">
+                <a:off x="3173629" y="2651116"/>
+                <a:ext cx="411700" cy="2842656"/>
+              </a:xfrm>
+              <a:prstGeom prst="rect">
+                <a:avLst/>
+              </a:prstGeom>
+            </p:spPr>
+            <p:style>
+              <a:lnRef idx="2">
+                <a:schemeClr val="dk1"/>
+              </a:lnRef>
+              <a:fillRef idx="1">
+                <a:schemeClr val="lt1"/>
+              </a:fillRef>
+              <a:effectRef idx="0">
+                <a:schemeClr val="dk1"/>
+              </a:effectRef>
+              <a:fontRef idx="minor">
+                <a:schemeClr val="dk1"/>
+              </a:fontRef>
+            </p:style>
+            <p:txBody>
+              <a:bodyPr vert="vert270" wrap="square" rtlCol="0">
+                <a:spAutoFit/>
+              </a:bodyPr>
+              <a:lstStyle/>
+              <a:p>
+                <a:pPr algn="ctr"/>
+                <a:r>
+                  <a:rPr lang="en-US" sz="1200" dirty="0"/>
+                  <a:t>Vectors (embedding as tensor)</a:t>
+                </a:r>
+              </a:p>
+            </p:txBody>
+          </p:sp>
+          <p:sp>
+            <p:nvSpPr>
+              <p:cNvPr id="50" name="TextBox 49">
+                <a:extLst>
+                  <a:ext uri="{FF2B5EF4-FFF2-40B4-BE49-F238E27FC236}">
+                    <a16:creationId xmlns:a16="http://schemas.microsoft.com/office/drawing/2014/main" id="{232CA9B6-32DA-3AF4-E9E9-757C12F49D83}"/>
+                  </a:ext>
+                </a:extLst>
+              </p:cNvPr>
+              <p:cNvSpPr txBox="1"/>
+              <p:nvPr/>
+            </p:nvSpPr>
+            <p:spPr>
+              <a:xfrm rot="5400000">
+                <a:off x="3173629" y="1797277"/>
+                <a:ext cx="411700" cy="2842657"/>
+              </a:xfrm>
+              <a:prstGeom prst="rect">
+                <a:avLst/>
+              </a:prstGeom>
+            </p:spPr>
+            <p:style>
+              <a:lnRef idx="2">
+                <a:schemeClr val="dk1"/>
+              </a:lnRef>
+              <a:fillRef idx="1">
+                <a:schemeClr val="lt1"/>
+              </a:fillRef>
+              <a:effectRef idx="0">
+                <a:schemeClr val="dk1"/>
+              </a:effectRef>
+              <a:fontRef idx="minor">
+                <a:schemeClr val="dk1"/>
+              </a:fontRef>
+            </p:style>
+            <p:txBody>
+              <a:bodyPr vert="vert270" wrap="square" rtlCol="0">
+                <a:spAutoFit/>
+              </a:bodyPr>
+              <a:lstStyle/>
+              <a:p>
+                <a:pPr algn="ctr"/>
+                <a:r>
+                  <a:rPr lang="en-US" sz="1200" dirty="0"/>
+                  <a:t>Vector (state)</a:t>
+                </a:r>
+              </a:p>
+            </p:txBody>
+          </p:sp>
+          <p:sp>
+            <p:nvSpPr>
+              <p:cNvPr id="51" name="TextBox 50">
+                <a:extLst>
+                  <a:ext uri="{FF2B5EF4-FFF2-40B4-BE49-F238E27FC236}">
+                    <a16:creationId xmlns:a16="http://schemas.microsoft.com/office/drawing/2014/main" id="{FD02DECE-D478-2EBA-D6E0-FC82A5596AC9}"/>
+                  </a:ext>
+                </a:extLst>
+              </p:cNvPr>
+              <p:cNvSpPr txBox="1"/>
+              <p:nvPr/>
+            </p:nvSpPr>
+            <p:spPr>
+              <a:xfrm rot="5400000">
+                <a:off x="3173629" y="934572"/>
+                <a:ext cx="411700" cy="2860389"/>
+              </a:xfrm>
+              <a:prstGeom prst="rect">
+                <a:avLst/>
+              </a:prstGeom>
+            </p:spPr>
+            <p:style>
+              <a:lnRef idx="2">
+                <a:schemeClr val="dk1"/>
+              </a:lnRef>
+              <a:fillRef idx="1">
+                <a:schemeClr val="lt1"/>
+              </a:fillRef>
+              <a:effectRef idx="0">
+                <a:schemeClr val="dk1"/>
+              </a:effectRef>
+              <a:fontRef idx="minor">
+                <a:schemeClr val="dk1"/>
+              </a:fontRef>
+            </p:style>
+            <p:txBody>
+              <a:bodyPr vert="vert270" wrap="square" rtlCol="0">
+                <a:spAutoFit/>
+              </a:bodyPr>
+              <a:lstStyle/>
+              <a:p>
+                <a:pPr algn="ctr"/>
+                <a:r>
+                  <a:rPr lang="en-US" sz="1200" dirty="0"/>
+                  <a:t>Predicted probabilities for next token</a:t>
+                </a:r>
+              </a:p>
+            </p:txBody>
+          </p:sp>
+          <p:sp>
+            <p:nvSpPr>
+              <p:cNvPr id="52" name="Arrow: Right 51">
+                <a:extLst>
+                  <a:ext uri="{FF2B5EF4-FFF2-40B4-BE49-F238E27FC236}">
+                    <a16:creationId xmlns:a16="http://schemas.microsoft.com/office/drawing/2014/main" id="{A5CB2F7A-32B9-6CDA-201E-2DFFA043211E}"/>
+                  </a:ext>
+                </a:extLst>
+              </p:cNvPr>
+              <p:cNvSpPr/>
+              <p:nvPr/>
+            </p:nvSpPr>
+            <p:spPr>
+              <a:xfrm rot="16200000" flipV="1">
+                <a:off x="3211393" y="5163389"/>
+                <a:ext cx="336174" cy="379628"/>
+              </a:xfrm>
+              <a:prstGeom prst="rightArrow">
+                <a:avLst/>
+              </a:prstGeom>
+            </p:spPr>
+            <p:style>
+              <a:lnRef idx="1">
+                <a:schemeClr val="dk1"/>
+              </a:lnRef>
+              <a:fillRef idx="2">
+                <a:schemeClr val="dk1"/>
+              </a:fillRef>
+              <a:effectRef idx="1">
+                <a:schemeClr val="dk1"/>
+              </a:effectRef>
+              <a:fontRef idx="minor">
+                <a:schemeClr val="dk1"/>
+              </a:fontRef>
+            </p:style>
+            <p:txBody>
+              <a:bodyPr rtlCol="0" anchor="ctr"/>
+              <a:lstStyle/>
+              <a:p>
+                <a:pPr algn="ctr"/>
+                <a:endParaRPr lang="en-US" sz="1000" dirty="0"/>
+              </a:p>
+            </p:txBody>
+          </p:sp>
+          <p:sp>
+            <p:nvSpPr>
+              <p:cNvPr id="53" name="Arrow: Right 52">
+                <a:extLst>
+                  <a:ext uri="{FF2B5EF4-FFF2-40B4-BE49-F238E27FC236}">
+                    <a16:creationId xmlns:a16="http://schemas.microsoft.com/office/drawing/2014/main" id="{559A64E7-EB68-F3EC-51D0-AC6D38701EA7}"/>
+                  </a:ext>
+                </a:extLst>
+              </p:cNvPr>
+              <p:cNvSpPr/>
+              <p:nvPr/>
+            </p:nvSpPr>
+            <p:spPr>
+              <a:xfrm rot="16200000" flipV="1">
+                <a:off x="3211393" y="4309550"/>
+                <a:ext cx="336174" cy="379628"/>
+              </a:xfrm>
+              <a:prstGeom prst="rightArrow">
+                <a:avLst/>
+              </a:prstGeom>
+            </p:spPr>
+            <p:style>
+              <a:lnRef idx="2">
+                <a:schemeClr val="accent1">
+                  <a:shade val="15000"/>
+                </a:schemeClr>
+              </a:lnRef>
+              <a:fillRef idx="1">
+                <a:schemeClr val="accent1"/>
+              </a:fillRef>
+              <a:effectRef idx="0">
+                <a:schemeClr val="accent1"/>
+              </a:effectRef>
+              <a:fontRef idx="minor">
+                <a:schemeClr val="lt1"/>
+              </a:fontRef>
+            </p:style>
+            <p:txBody>
+              <a:bodyPr rtlCol="0" anchor="ctr"/>
+              <a:lstStyle/>
+              <a:p>
+                <a:pPr algn="ctr"/>
+                <a:endParaRPr lang="en-US" sz="1000" dirty="0"/>
+              </a:p>
+            </p:txBody>
+          </p:sp>
+          <p:sp>
+            <p:nvSpPr>
+              <p:cNvPr id="54" name="Arrow: Right 53">
+                <a:extLst>
+                  <a:ext uri="{FF2B5EF4-FFF2-40B4-BE49-F238E27FC236}">
+                    <a16:creationId xmlns:a16="http://schemas.microsoft.com/office/drawing/2014/main" id="{22BBF2B9-0FCF-A4D0-FE28-34B1629F855B}"/>
+                  </a:ext>
+                </a:extLst>
+              </p:cNvPr>
+              <p:cNvSpPr/>
+              <p:nvPr/>
+            </p:nvSpPr>
+            <p:spPr>
+              <a:xfrm rot="16200000" flipV="1">
+                <a:off x="3211393" y="2601872"/>
+                <a:ext cx="336174" cy="379628"/>
+              </a:xfrm>
+              <a:prstGeom prst="rightArrow">
+                <a:avLst/>
+              </a:prstGeom>
+            </p:spPr>
+            <p:style>
+              <a:lnRef idx="2">
+                <a:schemeClr val="accent1">
+                  <a:shade val="15000"/>
+                </a:schemeClr>
+              </a:lnRef>
+              <a:fillRef idx="1">
+                <a:schemeClr val="accent1"/>
+              </a:fillRef>
+              <a:effectRef idx="0">
+                <a:schemeClr val="accent1"/>
+              </a:effectRef>
+              <a:fontRef idx="minor">
+                <a:schemeClr val="lt1"/>
+              </a:fontRef>
+            </p:style>
+            <p:txBody>
+              <a:bodyPr rtlCol="0" anchor="ctr"/>
+              <a:lstStyle/>
+              <a:p>
+                <a:pPr algn="ctr"/>
+                <a:endParaRPr lang="en-US" sz="1000" dirty="0"/>
+              </a:p>
+            </p:txBody>
+          </p:sp>
+          <p:sp>
+            <p:nvSpPr>
+              <p:cNvPr id="55" name="TextBox 54">
+                <a:extLst>
+                  <a:ext uri="{FF2B5EF4-FFF2-40B4-BE49-F238E27FC236}">
+                    <a16:creationId xmlns:a16="http://schemas.microsoft.com/office/drawing/2014/main" id="{B96D84A2-EC6D-2421-305C-9BD8D0DE7C6B}"/>
+                  </a:ext>
+                </a:extLst>
+              </p:cNvPr>
+              <p:cNvSpPr txBox="1"/>
+              <p:nvPr/>
+            </p:nvSpPr>
+            <p:spPr>
+              <a:xfrm>
+                <a:off x="3633642" y="5208635"/>
+                <a:ext cx="1068359" cy="291621"/>
+              </a:xfrm>
+              <a:prstGeom prst="rect">
+                <a:avLst/>
+              </a:prstGeom>
+              <a:noFill/>
+            </p:spPr>
+            <p:txBody>
+              <a:bodyPr wrap="square" rtlCol="0">
+                <a:spAutoFit/>
+              </a:bodyPr>
+              <a:lstStyle/>
+              <a:p>
+                <a:r>
+                  <a:rPr lang="en-US" sz="1100" dirty="0"/>
+                  <a:t>Tokenizing</a:t>
+                </a:r>
+              </a:p>
+            </p:txBody>
+          </p:sp>
+          <p:sp>
+            <p:nvSpPr>
+              <p:cNvPr id="56" name="TextBox 55">
+                <a:extLst>
+                  <a:ext uri="{FF2B5EF4-FFF2-40B4-BE49-F238E27FC236}">
+                    <a16:creationId xmlns:a16="http://schemas.microsoft.com/office/drawing/2014/main" id="{C7B3F2F7-EBE0-BC4D-92D1-25A2C9D01429}"/>
+                  </a:ext>
+                </a:extLst>
+              </p:cNvPr>
+              <p:cNvSpPr txBox="1"/>
+              <p:nvPr/>
+            </p:nvSpPr>
+            <p:spPr>
+              <a:xfrm>
+                <a:off x="3589513" y="4375830"/>
+                <a:ext cx="1580905" cy="261610"/>
+              </a:xfrm>
+              <a:prstGeom prst="rect">
+                <a:avLst/>
+              </a:prstGeom>
+              <a:noFill/>
+            </p:spPr>
+            <p:txBody>
+              <a:bodyPr wrap="square" rtlCol="0">
+                <a:spAutoFit/>
+              </a:bodyPr>
+              <a:lstStyle/>
+              <a:p>
+                <a:r>
+                  <a:rPr lang="en-US" sz="1100" dirty="0"/>
+                  <a:t>Positional embedding</a:t>
+                </a:r>
+              </a:p>
+            </p:txBody>
+          </p:sp>
+          <mc:AlternateContent xmlns:mc="http://schemas.openxmlformats.org/markup-compatibility/2006">
+            <mc:Choice xmlns:a14="http://schemas.microsoft.com/office/drawing/2010/main" Requires="a14">
+              <p:sp>
+                <p:nvSpPr>
+                  <p:cNvPr id="57" name="TextBox 56">
+                    <a:extLst>
+                      <a:ext uri="{FF2B5EF4-FFF2-40B4-BE49-F238E27FC236}">
+                        <a16:creationId xmlns:a16="http://schemas.microsoft.com/office/drawing/2014/main" id="{DBA34F5E-3E9E-8343-3FF2-E98803459047}"/>
+                      </a:ext>
+                    </a:extLst>
+                  </p:cNvPr>
+                  <p:cNvSpPr txBox="1"/>
+                  <p:nvPr/>
+                </p:nvSpPr>
+                <p:spPr>
+                  <a:xfrm>
+                    <a:off x="3583617" y="3418462"/>
+                    <a:ext cx="1580907" cy="430887"/>
+                  </a:xfrm>
+                  <a:prstGeom prst="rect">
+                    <a:avLst/>
+                  </a:prstGeom>
+                  <a:noFill/>
+                </p:spPr>
+                <p:txBody>
+                  <a:bodyPr wrap="square" rtlCol="0">
+                    <a:spAutoFit/>
+                  </a:bodyPr>
+                  <a:lstStyle/>
+                  <a:p>
+                    <a14:m>
+                      <m:oMath xmlns:m="http://schemas.openxmlformats.org/officeDocument/2006/math">
+                        <m:r>
+                          <a:rPr lang="en-US" sz="1100" b="0" i="1" dirty="0" smtClean="0">
+                            <a:latin typeface="Cambria Math" panose="02040503050406030204" pitchFamily="18" charset="0"/>
+                          </a:rPr>
+                          <m:t>𝑛</m:t>
+                        </m:r>
+                      </m:oMath>
+                    </a14:m>
+                    <a:r>
+                      <a:rPr lang="en-US" sz="1100" dirty="0"/>
+                      <a:t> transformer blocks</a:t>
+                    </a:r>
+                    <a:br>
+                      <a:rPr lang="en-US" sz="1100" dirty="0"/>
+                    </a:br>
+                    <a:r>
+                      <a:rPr lang="en-US" sz="1100" dirty="0"/>
+                      <a:t>   with self-attention</a:t>
+                    </a:r>
+                  </a:p>
+                </p:txBody>
+              </p:sp>
+            </mc:Choice>
+            <mc:Fallback>
+              <p:sp>
+                <p:nvSpPr>
+                  <p:cNvPr id="57" name="TextBox 56">
+                    <a:extLst>
+                      <a:ext uri="{FF2B5EF4-FFF2-40B4-BE49-F238E27FC236}">
+                        <a16:creationId xmlns:a16="http://schemas.microsoft.com/office/drawing/2014/main" id="{DBA34F5E-3E9E-8343-3FF2-E98803459047}"/>
+                      </a:ext>
+                    </a:extLst>
+                  </p:cNvPr>
+                  <p:cNvSpPr txBox="1">
+                    <a:spLocks noRot="1" noChangeAspect="1" noMove="1" noResize="1" noEditPoints="1" noAdjustHandles="1" noChangeArrowheads="1" noChangeShapeType="1" noTextEdit="1"/>
+                  </p:cNvSpPr>
+                  <p:nvPr/>
+                </p:nvSpPr>
+                <p:spPr>
+                  <a:xfrm>
+                    <a:off x="3583617" y="3418462"/>
+                    <a:ext cx="1580907" cy="430887"/>
+                  </a:xfrm>
+                  <a:prstGeom prst="rect">
+                    <a:avLst/>
+                  </a:prstGeom>
+                  <a:blipFill>
+                    <a:blip r:embed="rId2"/>
+                    <a:stretch>
+                      <a:fillRect t="-1408" b="-8451"/>
+                    </a:stretch>
+                  </a:blipFill>
+                </p:spPr>
+                <p:txBody>
+                  <a:bodyPr/>
+                  <a:lstStyle/>
+                  <a:p>
+                    <a:r>
+                      <a:rPr lang="en-US">
+                        <a:noFill/>
+                      </a:rPr>
+                      <a:t> </a:t>
+                    </a:r>
+                  </a:p>
+                </p:txBody>
+              </p:sp>
+            </mc:Fallback>
+          </mc:AlternateContent>
+          <p:sp>
+            <p:nvSpPr>
+              <p:cNvPr id="58" name="TextBox 57">
+                <a:extLst>
+                  <a:ext uri="{FF2B5EF4-FFF2-40B4-BE49-F238E27FC236}">
+                    <a16:creationId xmlns:a16="http://schemas.microsoft.com/office/drawing/2014/main" id="{3F3298B2-C999-6590-0FD0-EA2156882510}"/>
+                  </a:ext>
+                </a:extLst>
+              </p:cNvPr>
+              <p:cNvSpPr txBox="1"/>
+              <p:nvPr/>
+            </p:nvSpPr>
+            <p:spPr>
+              <a:xfrm>
+                <a:off x="3569293" y="2645875"/>
+                <a:ext cx="974377" cy="291621"/>
+              </a:xfrm>
+              <a:prstGeom prst="rect">
+                <a:avLst/>
+              </a:prstGeom>
+              <a:noFill/>
+            </p:spPr>
+            <p:txBody>
+              <a:bodyPr wrap="square" rtlCol="0">
+                <a:spAutoFit/>
+              </a:bodyPr>
+              <a:lstStyle/>
+              <a:p>
+                <a:r>
+                  <a:rPr lang="en-US" sz="1100" dirty="0"/>
+                  <a:t>classifier</a:t>
+                </a:r>
+              </a:p>
+            </p:txBody>
+          </p:sp>
+          <p:grpSp>
+            <p:nvGrpSpPr>
+              <p:cNvPr id="59" name="Group 58">
+                <a:extLst>
+                  <a:ext uri="{FF2B5EF4-FFF2-40B4-BE49-F238E27FC236}">
+                    <a16:creationId xmlns:a16="http://schemas.microsoft.com/office/drawing/2014/main" id="{27D4C078-74BC-E43E-3AFF-13C40369FC1B}"/>
+                  </a:ext>
+                </a:extLst>
+              </p:cNvPr>
+              <p:cNvGrpSpPr/>
+              <p:nvPr/>
+            </p:nvGrpSpPr>
+            <p:grpSpPr>
+              <a:xfrm>
+                <a:off x="5262871" y="2183540"/>
+                <a:ext cx="1371704" cy="769441"/>
+                <a:chOff x="5262871" y="2183540"/>
+                <a:chExt cx="1371704" cy="769441"/>
+              </a:xfrm>
+            </p:grpSpPr>
+            <p:sp>
+              <p:nvSpPr>
+                <p:cNvPr id="64" name="Arrow: Right 63">
+                  <a:extLst>
+                    <a:ext uri="{FF2B5EF4-FFF2-40B4-BE49-F238E27FC236}">
+                      <a16:creationId xmlns:a16="http://schemas.microsoft.com/office/drawing/2014/main" id="{CC036597-18A1-D454-5A3C-950AAC9A958B}"/>
+                    </a:ext>
+                  </a:extLst>
+                </p:cNvPr>
+                <p:cNvSpPr/>
+                <p:nvPr/>
+              </p:nvSpPr>
+              <p:spPr>
+                <a:xfrm rot="16200000" flipV="1">
+                  <a:off x="5284598" y="2161813"/>
+                  <a:ext cx="336174" cy="379628"/>
+                </a:xfrm>
+                <a:prstGeom prst="rightArrow">
+                  <a:avLst/>
+                </a:prstGeom>
+              </p:spPr>
+              <p:style>
+                <a:lnRef idx="2">
+                  <a:schemeClr val="accent1">
+                    <a:shade val="15000"/>
+                  </a:schemeClr>
+                </a:lnRef>
+                <a:fillRef idx="1">
+                  <a:schemeClr val="accent1"/>
+                </a:fillRef>
+                <a:effectRef idx="0">
+                  <a:schemeClr val="accent1"/>
+                </a:effectRef>
+                <a:fontRef idx="minor">
+                  <a:schemeClr val="lt1"/>
+                </a:fontRef>
+              </p:style>
+              <p:txBody>
+                <a:bodyPr rtlCol="0" anchor="ctr"/>
+                <a:lstStyle/>
+                <a:p>
+                  <a:pPr algn="ctr"/>
+                  <a:endParaRPr lang="en-US" sz="1000" dirty="0"/>
+                </a:p>
+              </p:txBody>
+            </p:sp>
+            <p:sp>
+              <p:nvSpPr>
+                <p:cNvPr id="65" name="Arrow: Right 64">
+                  <a:extLst>
+                    <a:ext uri="{FF2B5EF4-FFF2-40B4-BE49-F238E27FC236}">
+                      <a16:creationId xmlns:a16="http://schemas.microsoft.com/office/drawing/2014/main" id="{68A3ACB3-AD43-83F5-8F5D-96109E05ABAF}"/>
+                    </a:ext>
+                  </a:extLst>
+                </p:cNvPr>
+                <p:cNvSpPr/>
+                <p:nvPr/>
+              </p:nvSpPr>
+              <p:spPr>
+                <a:xfrm rot="16200000" flipV="1">
+                  <a:off x="5301513" y="2573268"/>
+                  <a:ext cx="336174" cy="379628"/>
+                </a:xfrm>
+                <a:prstGeom prst="rightArrow">
+                  <a:avLst/>
+                </a:prstGeom>
+              </p:spPr>
+              <p:style>
+                <a:lnRef idx="2">
+                  <a:schemeClr val="accent2">
+                    <a:shade val="15000"/>
+                  </a:schemeClr>
+                </a:lnRef>
+                <a:fillRef idx="1">
+                  <a:schemeClr val="accent2"/>
+                </a:fillRef>
+                <a:effectRef idx="0">
+                  <a:schemeClr val="accent2"/>
+                </a:effectRef>
+                <a:fontRef idx="minor">
+                  <a:schemeClr val="lt1"/>
+                </a:fontRef>
+              </p:style>
+              <p:txBody>
+                <a:bodyPr rtlCol="0" anchor="ctr"/>
+                <a:lstStyle/>
+                <a:p>
+                  <a:pPr algn="ctr"/>
+                  <a:endParaRPr lang="en-US" sz="1000" dirty="0"/>
+                </a:p>
+              </p:txBody>
+            </p:sp>
+            <p:sp>
+              <p:nvSpPr>
+                <p:cNvPr id="66" name="TextBox 65">
+                  <a:extLst>
+                    <a:ext uri="{FF2B5EF4-FFF2-40B4-BE49-F238E27FC236}">
+                      <a16:creationId xmlns:a16="http://schemas.microsoft.com/office/drawing/2014/main" id="{CE80B21E-1E07-6DE1-D0E2-D9D2EEFEB202}"/>
+                    </a:ext>
+                  </a:extLst>
+                </p:cNvPr>
+                <p:cNvSpPr txBox="1"/>
+                <p:nvPr/>
+              </p:nvSpPr>
+              <p:spPr>
+                <a:xfrm>
+                  <a:off x="5660198" y="2183540"/>
+                  <a:ext cx="974377" cy="769441"/>
+                </a:xfrm>
+                <a:prstGeom prst="rect">
+                  <a:avLst/>
+                </a:prstGeom>
+                <a:noFill/>
+              </p:spPr>
+              <p:txBody>
+                <a:bodyPr wrap="square" rtlCol="0">
+                  <a:spAutoFit/>
+                </a:bodyPr>
+                <a:lstStyle/>
+                <a:p>
+                  <a:r>
+                    <a:rPr lang="en-US" sz="1100" dirty="0"/>
+                    <a:t>Trainable artificial neural networks</a:t>
+                  </a:r>
+                </a:p>
+              </p:txBody>
+            </p:sp>
+          </p:grpSp>
+          <p:grpSp>
+            <p:nvGrpSpPr>
+              <p:cNvPr id="60" name="Group 59">
+                <a:extLst>
+                  <a:ext uri="{FF2B5EF4-FFF2-40B4-BE49-F238E27FC236}">
+                    <a16:creationId xmlns:a16="http://schemas.microsoft.com/office/drawing/2014/main" id="{69738BD0-7079-744B-8A4E-CB0A8F3A4FCC}"/>
+                  </a:ext>
+                </a:extLst>
+              </p:cNvPr>
+              <p:cNvGrpSpPr/>
+              <p:nvPr/>
+            </p:nvGrpSpPr>
+            <p:grpSpPr>
+              <a:xfrm>
+                <a:off x="3175804" y="3414619"/>
+                <a:ext cx="428389" cy="468315"/>
+                <a:chOff x="3175804" y="3414619"/>
+                <a:chExt cx="428389" cy="468315"/>
+              </a:xfrm>
+            </p:grpSpPr>
+            <p:sp>
+              <p:nvSpPr>
+                <p:cNvPr id="61" name="Arrow: Right 60">
+                  <a:extLst>
+                    <a:ext uri="{FF2B5EF4-FFF2-40B4-BE49-F238E27FC236}">
+                      <a16:creationId xmlns:a16="http://schemas.microsoft.com/office/drawing/2014/main" id="{514ACEBD-9807-2057-0F2B-0666CC2C9ED6}"/>
+                    </a:ext>
+                  </a:extLst>
+                </p:cNvPr>
+                <p:cNvSpPr/>
+                <p:nvPr/>
+              </p:nvSpPr>
+              <p:spPr>
+                <a:xfrm rot="16200000" flipV="1">
+                  <a:off x="3246292" y="3392892"/>
+                  <a:ext cx="336174" cy="379628"/>
+                </a:xfrm>
+                <a:prstGeom prst="rightArrow">
+                  <a:avLst/>
+                </a:prstGeom>
+              </p:spPr>
+              <p:style>
+                <a:lnRef idx="2">
+                  <a:schemeClr val="accent2">
+                    <a:shade val="15000"/>
+                  </a:schemeClr>
+                </a:lnRef>
+                <a:fillRef idx="1">
+                  <a:schemeClr val="accent2"/>
+                </a:fillRef>
+                <a:effectRef idx="0">
+                  <a:schemeClr val="accent2"/>
+                </a:effectRef>
+                <a:fontRef idx="minor">
+                  <a:schemeClr val="lt1"/>
+                </a:fontRef>
+              </p:style>
+              <p:txBody>
+                <a:bodyPr rtlCol="0" anchor="ctr"/>
+                <a:lstStyle/>
+                <a:p>
+                  <a:pPr algn="ctr"/>
+                  <a:endParaRPr lang="en-US" sz="1000" dirty="0"/>
+                </a:p>
+              </p:txBody>
+            </p:sp>
+            <p:sp>
+              <p:nvSpPr>
+                <p:cNvPr id="62" name="Arrow: Right 61">
+                  <a:extLst>
+                    <a:ext uri="{FF2B5EF4-FFF2-40B4-BE49-F238E27FC236}">
+                      <a16:creationId xmlns:a16="http://schemas.microsoft.com/office/drawing/2014/main" id="{20AAD393-41D3-F056-32FE-EABF8239A063}"/>
+                    </a:ext>
+                  </a:extLst>
+                </p:cNvPr>
+                <p:cNvSpPr/>
+                <p:nvPr/>
+              </p:nvSpPr>
+              <p:spPr>
+                <a:xfrm rot="16200000" flipV="1">
+                  <a:off x="3225716" y="3461617"/>
+                  <a:ext cx="336174" cy="379628"/>
+                </a:xfrm>
+                <a:prstGeom prst="rightArrow">
+                  <a:avLst/>
+                </a:prstGeom>
+              </p:spPr>
+              <p:style>
+                <a:lnRef idx="2">
+                  <a:schemeClr val="accent2">
+                    <a:shade val="15000"/>
+                  </a:schemeClr>
+                </a:lnRef>
+                <a:fillRef idx="1">
+                  <a:schemeClr val="accent2"/>
+                </a:fillRef>
+                <a:effectRef idx="0">
+                  <a:schemeClr val="accent2"/>
+                </a:effectRef>
+                <a:fontRef idx="minor">
+                  <a:schemeClr val="lt1"/>
+                </a:fontRef>
+              </p:style>
+              <p:txBody>
+                <a:bodyPr rtlCol="0" anchor="ctr"/>
+                <a:lstStyle/>
+                <a:p>
+                  <a:pPr algn="ctr"/>
+                  <a:endParaRPr lang="en-US" sz="1000" dirty="0"/>
+                </a:p>
+              </p:txBody>
+            </p:sp>
+            <p:sp>
+              <p:nvSpPr>
+                <p:cNvPr id="63" name="Arrow: Right 62">
+                  <a:extLst>
+                    <a:ext uri="{FF2B5EF4-FFF2-40B4-BE49-F238E27FC236}">
+                      <a16:creationId xmlns:a16="http://schemas.microsoft.com/office/drawing/2014/main" id="{9C1990CA-F963-5A1D-8E49-E49054FB1B03}"/>
+                    </a:ext>
+                  </a:extLst>
+                </p:cNvPr>
+                <p:cNvSpPr/>
+                <p:nvPr/>
+              </p:nvSpPr>
+              <p:spPr>
+                <a:xfrm rot="16200000" flipV="1">
+                  <a:off x="3197531" y="3525033"/>
+                  <a:ext cx="336174" cy="379628"/>
+                </a:xfrm>
+                <a:prstGeom prst="rightArrow">
+                  <a:avLst/>
+                </a:prstGeom>
+              </p:spPr>
+              <p:style>
+                <a:lnRef idx="2">
+                  <a:schemeClr val="accent2">
+                    <a:shade val="15000"/>
+                  </a:schemeClr>
+                </a:lnRef>
+                <a:fillRef idx="1">
+                  <a:schemeClr val="accent2"/>
+                </a:fillRef>
+                <a:effectRef idx="0">
+                  <a:schemeClr val="accent2"/>
+                </a:effectRef>
+                <a:fontRef idx="minor">
+                  <a:schemeClr val="lt1"/>
+                </a:fontRef>
+              </p:style>
+              <p:txBody>
+                <a:bodyPr rtlCol="0" anchor="ctr"/>
+                <a:lstStyle/>
+                <a:p>
+                  <a:pPr algn="ctr"/>
+                  <a:endParaRPr lang="en-US" sz="1000" dirty="0"/>
+                </a:p>
+              </p:txBody>
+            </p:sp>
+          </p:grpSp>
+        </p:grpSp>
+      </p:grpSp>
+      <p:grpSp>
+        <p:nvGrpSpPr>
+          <p:cNvPr id="79" name="Group 78">
+            <a:extLst>
+              <a:ext uri="{FF2B5EF4-FFF2-40B4-BE49-F238E27FC236}">
+                <a16:creationId xmlns:a16="http://schemas.microsoft.com/office/drawing/2014/main" id="{D034C4E1-7D9E-CF3C-F195-A70D81E4E564}"/>
+              </a:ext>
+            </a:extLst>
+          </p:cNvPr>
+          <p:cNvGrpSpPr/>
+          <p:nvPr/>
+        </p:nvGrpSpPr>
+        <p:grpSpPr>
+          <a:xfrm>
+            <a:off x="7733403" y="2270639"/>
+            <a:ext cx="3808199" cy="3821622"/>
+            <a:chOff x="7343660" y="2207818"/>
+            <a:chExt cx="3808199" cy="3821622"/>
+          </a:xfrm>
+        </p:grpSpPr>
+        <p:sp>
+          <p:nvSpPr>
+            <p:cNvPr id="15" name="TextBox 14">
+              <a:extLst>
+                <a:ext uri="{FF2B5EF4-FFF2-40B4-BE49-F238E27FC236}">
+                  <a16:creationId xmlns:a16="http://schemas.microsoft.com/office/drawing/2014/main" id="{44E89313-A594-97AD-CA85-9FDE2B2683A1}"/>
+                </a:ext>
+              </a:extLst>
+            </p:cNvPr>
+            <p:cNvSpPr txBox="1"/>
+            <p:nvPr/>
+          </p:nvSpPr>
+          <p:spPr>
+            <a:xfrm>
+              <a:off x="7957101" y="5660108"/>
+              <a:ext cx="1683923" cy="369332"/>
+            </a:xfrm>
+            <a:prstGeom prst="rect">
+              <a:avLst/>
+            </a:prstGeom>
+            <a:noFill/>
+          </p:spPr>
+          <p:txBody>
+            <a:bodyPr wrap="none" rtlCol="0">
+              <a:spAutoFit/>
+            </a:bodyPr>
+            <a:lstStyle/>
+            <a:p>
+              <a:r>
+                <a:rPr lang="en-US" dirty="0">
+                  <a:highlight>
+                    <a:srgbClr val="FFFF00"/>
+                  </a:highlight>
+                </a:rPr>
+                <a:t>Today</a:t>
+              </a:r>
+              <a:r>
+                <a:rPr lang="en-US" dirty="0"/>
+                <a:t> </a:t>
+              </a:r>
+              <a:r>
+                <a:rPr lang="en-US" dirty="0">
+                  <a:highlight>
+                    <a:srgbClr val="FF00FF"/>
+                  </a:highlight>
+                </a:rPr>
+                <a:t>is</a:t>
+              </a:r>
+              <a:r>
+                <a:rPr lang="en-US" dirty="0"/>
+                <a:t> </a:t>
+              </a:r>
+              <a:r>
+                <a:rPr lang="en-US" dirty="0">
+                  <a:highlight>
+                    <a:srgbClr val="00FFFF"/>
+                  </a:highlight>
+                </a:rPr>
+                <a:t>a</a:t>
+              </a:r>
+              <a:r>
+                <a:rPr lang="en-US" dirty="0"/>
+                <a:t> </a:t>
+              </a:r>
+              <a:r>
+                <a:rPr lang="en-US" dirty="0">
+                  <a:highlight>
+                    <a:srgbClr val="00FF00"/>
+                  </a:highlight>
+                </a:rPr>
+                <a:t>good</a:t>
+              </a:r>
+            </a:p>
+          </p:txBody>
+        </p:sp>
+        <p:sp>
+          <p:nvSpPr>
+            <p:cNvPr id="23" name="TextBox 22">
+              <a:extLst>
+                <a:ext uri="{FF2B5EF4-FFF2-40B4-BE49-F238E27FC236}">
+                  <a16:creationId xmlns:a16="http://schemas.microsoft.com/office/drawing/2014/main" id="{6992AACC-9652-AFB9-744C-69D290D1E0F9}"/>
+                </a:ext>
+              </a:extLst>
+            </p:cNvPr>
+            <p:cNvSpPr txBox="1"/>
+            <p:nvPr/>
+          </p:nvSpPr>
+          <p:spPr>
+            <a:xfrm>
+              <a:off x="7403641" y="4887076"/>
+              <a:ext cx="2633263" cy="369332"/>
+            </a:xfrm>
+            <a:prstGeom prst="rect">
+              <a:avLst/>
+            </a:prstGeom>
+            <a:noFill/>
+          </p:spPr>
+          <p:txBody>
+            <a:bodyPr wrap="square">
+              <a:spAutoFit/>
+            </a:bodyPr>
+            <a:lstStyle/>
+            <a:p>
+              <a:r>
+                <a:rPr lang="en-US" dirty="0"/>
+                <a:t>[18449, 382, 261, 1899]</a:t>
+              </a:r>
+            </a:p>
+          </p:txBody>
+        </p:sp>
+        <mc:AlternateContent xmlns:mc="http://schemas.openxmlformats.org/markup-compatibility/2006">
+          <mc:Choice xmlns:a14="http://schemas.microsoft.com/office/drawing/2010/main" Requires="a14">
+            <p:sp>
+              <p:nvSpPr>
+                <p:cNvPr id="34" name="TextBox 33">
+                  <a:extLst>
+                    <a:ext uri="{FF2B5EF4-FFF2-40B4-BE49-F238E27FC236}">
+                      <a16:creationId xmlns:a16="http://schemas.microsoft.com/office/drawing/2014/main" id="{5058C7B1-4B33-24C8-C617-6670C765752A}"/>
+                    </a:ext>
+                  </a:extLst>
+                </p:cNvPr>
+                <p:cNvSpPr txBox="1"/>
+                <p:nvPr/>
+              </p:nvSpPr>
+              <p:spPr>
+                <a:xfrm>
+                  <a:off x="7466214" y="3874952"/>
+                  <a:ext cx="2388157" cy="662104"/>
+                </a:xfrm>
+                <a:prstGeom prst="rect">
+                  <a:avLst/>
+                </a:prstGeom>
+                <a:noFill/>
+              </p:spPr>
+              <p:txBody>
+                <a:bodyPr wrap="square" rtlCol="0">
+                  <a:spAutoFit/>
+                </a:bodyPr>
+                <a:lstStyle/>
+                <a:p>
+                  <a14:m>
+                    <m:oMathPara xmlns:m="http://schemas.openxmlformats.org/officeDocument/2006/math">
+                      <m:oMathParaPr>
+                        <m:jc m:val="centerGroup"/>
+                      </m:oMathParaPr>
+                      <m:oMath xmlns:m="http://schemas.openxmlformats.org/officeDocument/2006/math">
+                        <m:d>
+                          <m:dPr>
+                            <m:ctrlPr>
+                              <a:rPr lang="en-US" sz="1400" i="1" smtClean="0">
+                                <a:latin typeface="Cambria Math" panose="02040503050406030204" pitchFamily="18" charset="0"/>
+                              </a:rPr>
+                            </m:ctrlPr>
+                          </m:dPr>
+                          <m:e>
+                            <m:m>
+                              <m:mPr>
+                                <m:mcs>
+                                  <m:mc>
+                                    <m:mcPr>
+                                      <m:count m:val="3"/>
+                                      <m:mcJc m:val="center"/>
+                                    </m:mcPr>
+                                  </m:mc>
+                                </m:mcs>
+                                <m:ctrlPr>
+                                  <a:rPr lang="en-US" sz="1400" i="1" smtClean="0">
+                                    <a:latin typeface="Cambria Math" panose="02040503050406030204" pitchFamily="18" charset="0"/>
+                                  </a:rPr>
+                                </m:ctrlPr>
+                              </m:mPr>
+                              <m:mr>
+                                <m:e>
+                                  <m:r>
+                                    <m:rPr>
+                                      <m:brk m:alnAt="7"/>
+                                    </m:rPr>
+                                    <a:rPr lang="en-US" sz="1400" b="0" i="1" smtClean="0">
+                                      <a:latin typeface="Cambria Math" panose="02040503050406030204" pitchFamily="18" charset="0"/>
+                                    </a:rPr>
+                                    <m:t>13.12</m:t>
+                                  </m:r>
+                                </m:e>
+                                <m:e>
+                                  <m:r>
+                                    <a:rPr lang="en-US" sz="1400" i="1" smtClean="0">
+                                      <a:latin typeface="Cambria Math" panose="02040503050406030204" pitchFamily="18" charset="0"/>
+                                    </a:rPr>
+                                    <m:t>⋯</m:t>
+                                  </m:r>
+                                </m:e>
+                                <m:e>
+                                  <m:r>
+                                    <a:rPr lang="en-US" sz="1400" b="0" i="1" smtClean="0">
+                                      <a:latin typeface="Cambria Math" panose="02040503050406030204" pitchFamily="18" charset="0"/>
+                                    </a:rPr>
+                                    <m:t>12.01</m:t>
+                                  </m:r>
+                                </m:e>
+                              </m:mr>
+                              <m:mr>
+                                <m:e>
+                                  <m:r>
+                                    <a:rPr lang="en-US" sz="1400" i="1" smtClean="0">
+                                      <a:latin typeface="Cambria Math" panose="02040503050406030204" pitchFamily="18" charset="0"/>
+                                    </a:rPr>
+                                    <m:t>⋮</m:t>
+                                  </m:r>
+                                </m:e>
+                                <m:e>
+                                  <m:r>
+                                    <a:rPr lang="en-US" sz="1400" i="1" smtClean="0">
+                                      <a:latin typeface="Cambria Math" panose="02040503050406030204" pitchFamily="18" charset="0"/>
+                                    </a:rPr>
+                                    <m:t>⋱</m:t>
+                                  </m:r>
+                                </m:e>
+                                <m:e>
+                                  <m:r>
+                                    <a:rPr lang="en-US" sz="1400" i="1" smtClean="0">
+                                      <a:latin typeface="Cambria Math" panose="02040503050406030204" pitchFamily="18" charset="0"/>
+                                    </a:rPr>
+                                    <m:t>⋮</m:t>
+                                  </m:r>
+                                </m:e>
+                              </m:mr>
+                              <m:mr>
+                                <m:e>
+                                  <m:r>
+                                    <a:rPr lang="en-US" sz="1400" b="0" i="1" smtClean="0">
+                                      <a:latin typeface="Cambria Math" panose="02040503050406030204" pitchFamily="18" charset="0"/>
+                                    </a:rPr>
+                                    <m:t>67.34</m:t>
+                                  </m:r>
+                                </m:e>
+                                <m:e>
+                                  <m:r>
+                                    <a:rPr lang="en-US" sz="1400" i="1" smtClean="0">
+                                      <a:latin typeface="Cambria Math" panose="02040503050406030204" pitchFamily="18" charset="0"/>
+                                    </a:rPr>
+                                    <m:t>⋯</m:t>
+                                  </m:r>
+                                </m:e>
+                                <m:e>
+                                  <m:r>
+                                    <a:rPr lang="en-US" sz="1400" b="0" i="1" smtClean="0">
+                                      <a:latin typeface="Cambria Math" panose="02040503050406030204" pitchFamily="18" charset="0"/>
+                                    </a:rPr>
+                                    <m:t>676.32</m:t>
+                                  </m:r>
+                                </m:e>
+                              </m:mr>
+                            </m:m>
+                          </m:e>
+                        </m:d>
+                      </m:oMath>
+                    </m:oMathPara>
+                  </a14:m>
+                  <a:endParaRPr lang="en-US" sz="1400" dirty="0"/>
+                </a:p>
+              </p:txBody>
+            </p:sp>
+          </mc:Choice>
+          <mc:Fallback>
+            <p:sp>
+              <p:nvSpPr>
+                <p:cNvPr id="34" name="TextBox 33">
+                  <a:extLst>
+                    <a:ext uri="{FF2B5EF4-FFF2-40B4-BE49-F238E27FC236}">
+                      <a16:creationId xmlns:a16="http://schemas.microsoft.com/office/drawing/2014/main" id="{5058C7B1-4B33-24C8-C617-6670C765752A}"/>
+                    </a:ext>
+                  </a:extLst>
+                </p:cNvPr>
+                <p:cNvSpPr txBox="1">
+                  <a:spLocks noRot="1" noChangeAspect="1" noMove="1" noResize="1" noEditPoints="1" noAdjustHandles="1" noChangeArrowheads="1" noChangeShapeType="1" noTextEdit="1"/>
+                </p:cNvSpPr>
+                <p:nvPr/>
+              </p:nvSpPr>
+              <p:spPr>
+                <a:xfrm>
+                  <a:off x="7466214" y="3874952"/>
+                  <a:ext cx="2388157" cy="662104"/>
+                </a:xfrm>
+                <a:prstGeom prst="rect">
+                  <a:avLst/>
+                </a:prstGeom>
+                <a:blipFill>
+                  <a:blip r:embed="rId3"/>
+                  <a:stretch>
+                    <a:fillRect/>
+                  </a:stretch>
+                </a:blipFill>
+              </p:spPr>
+              <p:txBody>
+                <a:bodyPr/>
+                <a:lstStyle/>
+                <a:p>
+                  <a:r>
+                    <a:rPr lang="en-US">
+                      <a:noFill/>
+                    </a:rPr>
+                    <a:t> </a:t>
+                  </a:r>
+                </a:p>
+              </p:txBody>
+            </p:sp>
+          </mc:Fallback>
+        </mc:AlternateContent>
+        <mc:AlternateContent xmlns:mc="http://schemas.openxmlformats.org/markup-compatibility/2006">
+          <mc:Choice xmlns:a14="http://schemas.microsoft.com/office/drawing/2010/main" Requires="a14">
+            <p:sp>
+              <p:nvSpPr>
+                <p:cNvPr id="35" name="TextBox 34">
+                  <a:extLst>
+                    <a:ext uri="{FF2B5EF4-FFF2-40B4-BE49-F238E27FC236}">
+                      <a16:creationId xmlns:a16="http://schemas.microsoft.com/office/drawing/2014/main" id="{FBB0D185-A720-453A-AB56-178C7B9BA777}"/>
+                    </a:ext>
+                  </a:extLst>
+                </p:cNvPr>
+                <p:cNvSpPr txBox="1"/>
+                <p:nvPr/>
+              </p:nvSpPr>
+              <p:spPr>
+                <a:xfrm>
+                  <a:off x="7343660" y="2207818"/>
+                  <a:ext cx="2633263" cy="369332"/>
+                </a:xfrm>
+                <a:prstGeom prst="rect">
+                  <a:avLst/>
+                </a:prstGeom>
+                <a:noFill/>
+              </p:spPr>
+              <p:txBody>
+                <a:bodyPr wrap="square">
+                  <a:spAutoFit/>
+                </a:bodyPr>
+                <a:lstStyle/>
+                <a:p>
+                  <a14:m>
+                    <m:oMathPara xmlns:m="http://schemas.openxmlformats.org/officeDocument/2006/math">
+                      <m:oMathParaPr>
+                        <m:jc m:val="centerGroup"/>
+                      </m:oMathParaPr>
+                      <m:oMath xmlns:m="http://schemas.openxmlformats.org/officeDocument/2006/math">
+                        <m:r>
+                          <a:rPr lang="en-US" b="0" i="1" dirty="0" smtClean="0">
+                            <a:latin typeface="Cambria Math" panose="02040503050406030204" pitchFamily="18" charset="0"/>
+                          </a:rPr>
+                          <m:t>(0, …,.63,…,</m:t>
+                        </m:r>
+                        <m:r>
+                          <a:rPr lang="en-US" i="1" dirty="0" smtClean="0">
+                            <a:latin typeface="Cambria Math" panose="02040503050406030204" pitchFamily="18" charset="0"/>
+                          </a:rPr>
+                          <m:t> </m:t>
+                        </m:r>
+                        <m:r>
+                          <a:rPr lang="en-US" b="0" i="1" dirty="0" smtClean="0">
+                            <a:latin typeface="Cambria Math" panose="02040503050406030204" pitchFamily="18" charset="0"/>
+                          </a:rPr>
+                          <m:t>0</m:t>
+                        </m:r>
+                        <m:r>
+                          <a:rPr lang="en-US" b="0" i="1" dirty="0" smtClean="0">
+                            <a:latin typeface="Cambria Math" panose="02040503050406030204" pitchFamily="18" charset="0"/>
+                          </a:rPr>
+                          <m:t>)</m:t>
+                        </m:r>
+                      </m:oMath>
+                    </m:oMathPara>
+                  </a14:m>
+                  <a:endParaRPr lang="en-US" dirty="0"/>
+                </a:p>
+              </p:txBody>
+            </p:sp>
+          </mc:Choice>
+          <mc:Fallback>
+            <p:sp>
+              <p:nvSpPr>
+                <p:cNvPr id="35" name="TextBox 34">
+                  <a:extLst>
+                    <a:ext uri="{FF2B5EF4-FFF2-40B4-BE49-F238E27FC236}">
+                      <a16:creationId xmlns:a16="http://schemas.microsoft.com/office/drawing/2014/main" id="{FBB0D185-A720-453A-AB56-178C7B9BA777}"/>
+                    </a:ext>
+                  </a:extLst>
+                </p:cNvPr>
+                <p:cNvSpPr txBox="1">
+                  <a:spLocks noRot="1" noChangeAspect="1" noMove="1" noResize="1" noEditPoints="1" noAdjustHandles="1" noChangeArrowheads="1" noChangeShapeType="1" noTextEdit="1"/>
+                </p:cNvSpPr>
+                <p:nvPr/>
+              </p:nvSpPr>
+              <p:spPr>
+                <a:xfrm>
+                  <a:off x="7343660" y="2207818"/>
+                  <a:ext cx="2633263" cy="369332"/>
+                </a:xfrm>
+                <a:prstGeom prst="rect">
+                  <a:avLst/>
+                </a:prstGeom>
+                <a:blipFill>
+                  <a:blip r:embed="rId4"/>
+                  <a:stretch>
+                    <a:fillRect b="-13115"/>
+                  </a:stretch>
+                </a:blipFill>
+              </p:spPr>
+              <p:txBody>
+                <a:bodyPr/>
+                <a:lstStyle/>
+                <a:p>
+                  <a:r>
+                    <a:rPr lang="en-US">
+                      <a:noFill/>
+                    </a:rPr>
+                    <a:t> </a:t>
+                  </a:r>
+                </a:p>
+              </p:txBody>
+            </p:sp>
+          </mc:Fallback>
+        </mc:AlternateContent>
+        <mc:AlternateContent xmlns:mc="http://schemas.openxmlformats.org/markup-compatibility/2006">
+          <mc:Choice xmlns:a14="http://schemas.microsoft.com/office/drawing/2010/main" Requires="a14">
+            <p:sp>
+              <p:nvSpPr>
+                <p:cNvPr id="43" name="TextBox 42">
+                  <a:extLst>
+                    <a:ext uri="{FF2B5EF4-FFF2-40B4-BE49-F238E27FC236}">
+                      <a16:creationId xmlns:a16="http://schemas.microsoft.com/office/drawing/2014/main" id="{3A2ABF14-9C4C-E077-4C91-389CB23867CD}"/>
+                    </a:ext>
+                  </a:extLst>
+                </p:cNvPr>
+                <p:cNvSpPr txBox="1"/>
+                <p:nvPr/>
+              </p:nvSpPr>
+              <p:spPr>
+                <a:xfrm>
+                  <a:off x="7379439" y="3037866"/>
+                  <a:ext cx="2633263" cy="369332"/>
+                </a:xfrm>
+                <a:prstGeom prst="rect">
+                  <a:avLst/>
+                </a:prstGeom>
+                <a:noFill/>
+              </p:spPr>
+              <p:txBody>
+                <a:bodyPr wrap="square">
+                  <a:spAutoFit/>
+                </a:bodyPr>
+                <a:lstStyle/>
+                <a:p>
+                  <a14:m>
+                    <m:oMathPara xmlns:m="http://schemas.openxmlformats.org/officeDocument/2006/math">
+                      <m:oMathParaPr>
+                        <m:jc m:val="centerGroup"/>
+                      </m:oMathParaPr>
+                      <m:oMath xmlns:m="http://schemas.openxmlformats.org/officeDocument/2006/math">
+                        <m:r>
+                          <a:rPr lang="en-US" b="0" i="1" dirty="0" smtClean="0">
+                            <a:latin typeface="Cambria Math" panose="02040503050406030204" pitchFamily="18" charset="0"/>
+                          </a:rPr>
+                          <m:t>(32432.23, …,</m:t>
+                        </m:r>
+                        <m:r>
+                          <a:rPr lang="en-US" i="1" dirty="0" smtClean="0">
+                            <a:latin typeface="Cambria Math" panose="02040503050406030204" pitchFamily="18" charset="0"/>
+                          </a:rPr>
+                          <m:t> 89</m:t>
+                        </m:r>
+                        <m:r>
+                          <a:rPr lang="en-US" i="1" dirty="0" smtClean="0">
+                            <a:latin typeface="Cambria Math" panose="02040503050406030204" pitchFamily="18" charset="0"/>
+                          </a:rPr>
+                          <m:t>9</m:t>
+                        </m:r>
+                        <m:r>
+                          <a:rPr lang="en-US" b="0" i="1" dirty="0" smtClean="0">
+                            <a:latin typeface="Cambria Math" panose="02040503050406030204" pitchFamily="18" charset="0"/>
+                          </a:rPr>
+                          <m:t>.12)</m:t>
+                        </m:r>
+                      </m:oMath>
+                    </m:oMathPara>
+                  </a14:m>
+                  <a:endParaRPr lang="en-US" dirty="0"/>
+                </a:p>
+              </p:txBody>
+            </p:sp>
+          </mc:Choice>
+          <mc:Fallback>
+            <p:sp>
+              <p:nvSpPr>
+                <p:cNvPr id="43" name="TextBox 42">
+                  <a:extLst>
+                    <a:ext uri="{FF2B5EF4-FFF2-40B4-BE49-F238E27FC236}">
+                      <a16:creationId xmlns:a16="http://schemas.microsoft.com/office/drawing/2014/main" id="{3A2ABF14-9C4C-E077-4C91-389CB23867CD}"/>
+                    </a:ext>
+                  </a:extLst>
+                </p:cNvPr>
+                <p:cNvSpPr txBox="1">
+                  <a:spLocks noRot="1" noChangeAspect="1" noMove="1" noResize="1" noEditPoints="1" noAdjustHandles="1" noChangeArrowheads="1" noChangeShapeType="1" noTextEdit="1"/>
+                </p:cNvSpPr>
+                <p:nvPr/>
+              </p:nvSpPr>
+              <p:spPr>
+                <a:xfrm>
+                  <a:off x="7379439" y="3037866"/>
+                  <a:ext cx="2633263" cy="369332"/>
+                </a:xfrm>
+                <a:prstGeom prst="rect">
+                  <a:avLst/>
+                </a:prstGeom>
+                <a:blipFill>
+                  <a:blip r:embed="rId5"/>
+                  <a:stretch>
+                    <a:fillRect b="-13333"/>
+                  </a:stretch>
+                </a:blipFill>
+              </p:spPr>
+              <p:txBody>
+                <a:bodyPr/>
+                <a:lstStyle/>
+                <a:p>
+                  <a:r>
+                    <a:rPr lang="en-US">
+                      <a:noFill/>
+                    </a:rPr>
+                    <a:t> </a:t>
+                  </a:r>
+                </a:p>
+              </p:txBody>
+            </p:sp>
+          </mc:Fallback>
+        </mc:AlternateContent>
+        <p:grpSp>
+          <p:nvGrpSpPr>
+            <p:cNvPr id="67" name="Group 66">
+              <a:extLst>
+                <a:ext uri="{FF2B5EF4-FFF2-40B4-BE49-F238E27FC236}">
+                  <a16:creationId xmlns:a16="http://schemas.microsoft.com/office/drawing/2014/main" id="{757D7563-126B-BE3A-CACB-2CA8E582B3F6}"/>
+                </a:ext>
+              </a:extLst>
+            </p:cNvPr>
+            <p:cNvGrpSpPr/>
+            <p:nvPr/>
+          </p:nvGrpSpPr>
+          <p:grpSpPr>
+            <a:xfrm>
+              <a:off x="8486505" y="2645875"/>
+              <a:ext cx="2665354" cy="2897691"/>
+              <a:chOff x="8626628" y="2775999"/>
+              <a:chExt cx="2665354" cy="2897691"/>
+            </a:xfrm>
+          </p:grpSpPr>
+          <p:sp>
+            <p:nvSpPr>
+              <p:cNvPr id="68" name="Arrow: Right 67">
+                <a:extLst>
+                  <a:ext uri="{FF2B5EF4-FFF2-40B4-BE49-F238E27FC236}">
+                    <a16:creationId xmlns:a16="http://schemas.microsoft.com/office/drawing/2014/main" id="{D7830F1B-4BD7-133F-A713-AF641056CD72}"/>
+                  </a:ext>
+                </a:extLst>
+              </p:cNvPr>
+              <p:cNvSpPr/>
+              <p:nvPr/>
+            </p:nvSpPr>
+            <p:spPr>
+              <a:xfrm rot="16200000" flipV="1">
+                <a:off x="8662217" y="5315789"/>
+                <a:ext cx="336174" cy="379628"/>
+              </a:xfrm>
+              <a:prstGeom prst="rightArrow">
+                <a:avLst/>
+              </a:prstGeom>
+            </p:spPr>
+            <p:style>
+              <a:lnRef idx="1">
+                <a:schemeClr val="dk1"/>
+              </a:lnRef>
+              <a:fillRef idx="2">
+                <a:schemeClr val="dk1"/>
+              </a:fillRef>
+              <a:effectRef idx="1">
+                <a:schemeClr val="dk1"/>
+              </a:effectRef>
+              <a:fontRef idx="minor">
+                <a:schemeClr val="dk1"/>
+              </a:fontRef>
+            </p:style>
+            <p:txBody>
+              <a:bodyPr rtlCol="0" anchor="ctr"/>
+              <a:lstStyle/>
+              <a:p>
+                <a:pPr algn="ctr"/>
+                <a:endParaRPr lang="en-US" sz="1000" dirty="0"/>
+              </a:p>
+            </p:txBody>
+          </p:sp>
+          <p:sp>
+            <p:nvSpPr>
+              <p:cNvPr id="69" name="Arrow: Right 68">
+                <a:extLst>
+                  <a:ext uri="{FF2B5EF4-FFF2-40B4-BE49-F238E27FC236}">
+                    <a16:creationId xmlns:a16="http://schemas.microsoft.com/office/drawing/2014/main" id="{A2E4670B-814A-6488-2E90-E62C7D51B60E}"/>
+                  </a:ext>
+                </a:extLst>
+              </p:cNvPr>
+              <p:cNvSpPr/>
+              <p:nvPr/>
+            </p:nvSpPr>
+            <p:spPr>
+              <a:xfrm rot="16200000" flipV="1">
+                <a:off x="8648355" y="4653224"/>
+                <a:ext cx="336174" cy="379628"/>
+              </a:xfrm>
+              <a:prstGeom prst="rightArrow">
+                <a:avLst/>
+              </a:prstGeom>
+            </p:spPr>
+            <p:style>
+              <a:lnRef idx="2">
+                <a:schemeClr val="accent1">
+                  <a:shade val="15000"/>
+                </a:schemeClr>
+              </a:lnRef>
+              <a:fillRef idx="1">
+                <a:schemeClr val="accent1"/>
+              </a:fillRef>
+              <a:effectRef idx="0">
+                <a:schemeClr val="accent1"/>
+              </a:effectRef>
+              <a:fontRef idx="minor">
+                <a:schemeClr val="lt1"/>
+              </a:fontRef>
+            </p:style>
+            <p:txBody>
+              <a:bodyPr rtlCol="0" anchor="ctr"/>
+              <a:lstStyle/>
+              <a:p>
+                <a:pPr algn="ctr"/>
+                <a:endParaRPr lang="en-US" sz="1000" dirty="0"/>
+              </a:p>
+            </p:txBody>
+          </p:sp>
+          <p:sp>
+            <p:nvSpPr>
+              <p:cNvPr id="70" name="Arrow: Right 69">
+                <a:extLst>
+                  <a:ext uri="{FF2B5EF4-FFF2-40B4-BE49-F238E27FC236}">
+                    <a16:creationId xmlns:a16="http://schemas.microsoft.com/office/drawing/2014/main" id="{F1346027-19BF-2ADB-282E-455F9079F8AF}"/>
+                  </a:ext>
+                </a:extLst>
+              </p:cNvPr>
+              <p:cNvSpPr/>
+              <p:nvPr/>
+            </p:nvSpPr>
+            <p:spPr>
+              <a:xfrm rot="16200000" flipV="1">
+                <a:off x="8662217" y="2754272"/>
+                <a:ext cx="336174" cy="379628"/>
+              </a:xfrm>
+              <a:prstGeom prst="rightArrow">
+                <a:avLst/>
+              </a:prstGeom>
+            </p:spPr>
+            <p:style>
+              <a:lnRef idx="2">
+                <a:schemeClr val="accent1">
+                  <a:shade val="15000"/>
+                </a:schemeClr>
+              </a:lnRef>
+              <a:fillRef idx="1">
+                <a:schemeClr val="accent1"/>
+              </a:fillRef>
+              <a:effectRef idx="0">
+                <a:schemeClr val="accent1"/>
+              </a:effectRef>
+              <a:fontRef idx="minor">
+                <a:schemeClr val="lt1"/>
+              </a:fontRef>
+            </p:style>
+            <p:txBody>
+              <a:bodyPr rtlCol="0" anchor="ctr"/>
+              <a:lstStyle/>
+              <a:p>
+                <a:pPr algn="ctr"/>
+                <a:endParaRPr lang="en-US" sz="1000" dirty="0"/>
+              </a:p>
+            </p:txBody>
+          </p:sp>
+          <p:sp>
+            <p:nvSpPr>
+              <p:cNvPr id="71" name="TextBox 70">
+                <a:extLst>
+                  <a:ext uri="{FF2B5EF4-FFF2-40B4-BE49-F238E27FC236}">
+                    <a16:creationId xmlns:a16="http://schemas.microsoft.com/office/drawing/2014/main" id="{47654251-5B0D-A851-5BFE-5000316AEC4F}"/>
+                  </a:ext>
+                </a:extLst>
+              </p:cNvPr>
+              <p:cNvSpPr txBox="1"/>
+              <p:nvPr/>
+            </p:nvSpPr>
+            <p:spPr>
+              <a:xfrm>
+                <a:off x="9084466" y="5361035"/>
+                <a:ext cx="1068359" cy="291621"/>
+              </a:xfrm>
+              <a:prstGeom prst="rect">
+                <a:avLst/>
+              </a:prstGeom>
+              <a:noFill/>
+            </p:spPr>
+            <p:txBody>
+              <a:bodyPr wrap="square" rtlCol="0">
+                <a:spAutoFit/>
+              </a:bodyPr>
+              <a:lstStyle/>
+              <a:p>
+                <a:r>
+                  <a:rPr lang="en-US" sz="1100" dirty="0"/>
+                  <a:t>Tokenizing</a:t>
+                </a:r>
+              </a:p>
+            </p:txBody>
+          </p:sp>
+          <p:sp>
+            <p:nvSpPr>
+              <p:cNvPr id="72" name="TextBox 71">
+                <a:extLst>
+                  <a:ext uri="{FF2B5EF4-FFF2-40B4-BE49-F238E27FC236}">
+                    <a16:creationId xmlns:a16="http://schemas.microsoft.com/office/drawing/2014/main" id="{177990ED-C1F5-BEFD-54CC-9A327C28C74D}"/>
+                  </a:ext>
+                </a:extLst>
+              </p:cNvPr>
+              <p:cNvSpPr txBox="1"/>
+              <p:nvPr/>
+            </p:nvSpPr>
+            <p:spPr>
+              <a:xfrm>
+                <a:off x="9020117" y="4667180"/>
+                <a:ext cx="2271865" cy="430887"/>
+              </a:xfrm>
+              <a:prstGeom prst="rect">
+                <a:avLst/>
+              </a:prstGeom>
+              <a:noFill/>
+            </p:spPr>
+            <p:txBody>
+              <a:bodyPr wrap="square" rtlCol="0">
+                <a:spAutoFit/>
+              </a:bodyPr>
+              <a:lstStyle/>
+              <a:p>
+                <a:r>
+                  <a:rPr lang="en-US" sz="1100" dirty="0"/>
+                  <a:t>Positional embedding </a:t>
+                </a:r>
+                <a:br>
+                  <a:rPr lang="en-US" sz="1100" dirty="0"/>
+                </a:br>
+                <a:r>
+                  <a:rPr lang="en-US" sz="1100" dirty="0"/>
+                  <a:t>(a single connected layer)</a:t>
+                </a:r>
+              </a:p>
+            </p:txBody>
+          </p:sp>
+          <mc:AlternateContent xmlns:mc="http://schemas.openxmlformats.org/markup-compatibility/2006">
+            <mc:Choice xmlns:a14="http://schemas.microsoft.com/office/drawing/2010/main" Requires="a14">
+              <p:sp>
+                <p:nvSpPr>
+                  <p:cNvPr id="73" name="TextBox 72">
+                    <a:extLst>
+                      <a:ext uri="{FF2B5EF4-FFF2-40B4-BE49-F238E27FC236}">
+                        <a16:creationId xmlns:a16="http://schemas.microsoft.com/office/drawing/2014/main" id="{C26CC13D-EEF6-2091-5017-5E7C9394F2FA}"/>
+                      </a:ext>
+                    </a:extLst>
+                  </p:cNvPr>
+                  <p:cNvSpPr txBox="1"/>
+                  <p:nvPr/>
+                </p:nvSpPr>
+                <p:spPr>
+                  <a:xfrm>
+                    <a:off x="9034441" y="3570862"/>
+                    <a:ext cx="1580907" cy="430887"/>
+                  </a:xfrm>
+                  <a:prstGeom prst="rect">
+                    <a:avLst/>
+                  </a:prstGeom>
+                  <a:noFill/>
+                </p:spPr>
+                <p:txBody>
+                  <a:bodyPr wrap="square" rtlCol="0">
+                    <a:spAutoFit/>
+                  </a:bodyPr>
+                  <a:lstStyle/>
+                  <a:p>
+                    <a14:m>
+                      <m:oMath xmlns:m="http://schemas.openxmlformats.org/officeDocument/2006/math">
+                        <m:r>
+                          <a:rPr lang="en-US" sz="1100" b="0" i="1" dirty="0" smtClean="0">
+                            <a:latin typeface="Cambria Math" panose="02040503050406030204" pitchFamily="18" charset="0"/>
+                          </a:rPr>
+                          <m:t>𝑛</m:t>
+                        </m:r>
+                      </m:oMath>
+                    </a14:m>
+                    <a:r>
+                      <a:rPr lang="en-US" sz="1100" dirty="0"/>
+                      <a:t> transformer blocks</a:t>
+                    </a:r>
+                    <a:br>
+                      <a:rPr lang="en-US" sz="1100" dirty="0"/>
+                    </a:br>
+                    <a:r>
+                      <a:rPr lang="en-US" sz="1100" dirty="0"/>
+                      <a:t>   with self-attention</a:t>
+                    </a:r>
+                  </a:p>
+                </p:txBody>
+              </p:sp>
+            </mc:Choice>
+            <mc:Fallback>
+              <p:sp>
+                <p:nvSpPr>
+                  <p:cNvPr id="73" name="TextBox 72">
+                    <a:extLst>
+                      <a:ext uri="{FF2B5EF4-FFF2-40B4-BE49-F238E27FC236}">
+                        <a16:creationId xmlns:a16="http://schemas.microsoft.com/office/drawing/2014/main" id="{C26CC13D-EEF6-2091-5017-5E7C9394F2FA}"/>
+                      </a:ext>
+                    </a:extLst>
+                  </p:cNvPr>
+                  <p:cNvSpPr txBox="1">
+                    <a:spLocks noRot="1" noChangeAspect="1" noMove="1" noResize="1" noEditPoints="1" noAdjustHandles="1" noChangeArrowheads="1" noChangeShapeType="1" noTextEdit="1"/>
+                  </p:cNvSpPr>
+                  <p:nvPr/>
+                </p:nvSpPr>
+                <p:spPr>
+                  <a:xfrm>
+                    <a:off x="9034441" y="3570862"/>
+                    <a:ext cx="1580907" cy="430887"/>
+                  </a:xfrm>
+                  <a:prstGeom prst="rect">
+                    <a:avLst/>
+                  </a:prstGeom>
+                  <a:blipFill>
+                    <a:blip r:embed="rId6"/>
+                    <a:stretch>
+                      <a:fillRect t="-1429" b="-10000"/>
+                    </a:stretch>
+                  </a:blipFill>
+                </p:spPr>
+                <p:txBody>
+                  <a:bodyPr/>
+                  <a:lstStyle/>
+                  <a:p>
+                    <a:r>
+                      <a:rPr lang="en-US">
+                        <a:noFill/>
+                      </a:rPr>
+                      <a:t> </a:t>
+                    </a:r>
+                  </a:p>
+                </p:txBody>
+              </p:sp>
+            </mc:Fallback>
+          </mc:AlternateContent>
+          <p:sp>
+            <p:nvSpPr>
+              <p:cNvPr id="74" name="TextBox 73">
+                <a:extLst>
+                  <a:ext uri="{FF2B5EF4-FFF2-40B4-BE49-F238E27FC236}">
+                    <a16:creationId xmlns:a16="http://schemas.microsoft.com/office/drawing/2014/main" id="{D0CAE62C-AB78-731C-6D86-DD4492286520}"/>
+                  </a:ext>
+                </a:extLst>
+              </p:cNvPr>
+              <p:cNvSpPr txBox="1"/>
+              <p:nvPr/>
+            </p:nvSpPr>
+            <p:spPr>
+              <a:xfrm>
+                <a:off x="9020117" y="2798275"/>
+                <a:ext cx="1991314" cy="261610"/>
+              </a:xfrm>
+              <a:prstGeom prst="rect">
+                <a:avLst/>
+              </a:prstGeom>
+              <a:noFill/>
+            </p:spPr>
+            <p:txBody>
+              <a:bodyPr wrap="square" rtlCol="0">
+                <a:spAutoFit/>
+              </a:bodyPr>
+              <a:lstStyle/>
+              <a:p>
+                <a:r>
+                  <a:rPr lang="en-US" sz="1100" dirty="0"/>
+                  <a:t>Classifier (a soft-max layer)</a:t>
+                </a:r>
+              </a:p>
+            </p:txBody>
+          </p:sp>
+          <p:grpSp>
+            <p:nvGrpSpPr>
+              <p:cNvPr id="75" name="Group 74">
+                <a:extLst>
+                  <a:ext uri="{FF2B5EF4-FFF2-40B4-BE49-F238E27FC236}">
+                    <a16:creationId xmlns:a16="http://schemas.microsoft.com/office/drawing/2014/main" id="{DCC71A0A-EA8D-CF7D-BBB1-6210FE08A318}"/>
+                  </a:ext>
+                </a:extLst>
+              </p:cNvPr>
+              <p:cNvGrpSpPr/>
+              <p:nvPr/>
+            </p:nvGrpSpPr>
+            <p:grpSpPr>
+              <a:xfrm>
+                <a:off x="8626628" y="3567019"/>
+                <a:ext cx="428389" cy="468315"/>
+                <a:chOff x="3175804" y="3414619"/>
+                <a:chExt cx="428389" cy="468315"/>
+              </a:xfrm>
+            </p:grpSpPr>
+            <p:sp>
+              <p:nvSpPr>
+                <p:cNvPr id="76" name="Arrow: Right 75">
+                  <a:extLst>
+                    <a:ext uri="{FF2B5EF4-FFF2-40B4-BE49-F238E27FC236}">
+                      <a16:creationId xmlns:a16="http://schemas.microsoft.com/office/drawing/2014/main" id="{F8E14A8C-7BB2-0723-A9FD-6B6EF2FD3E6E}"/>
+                    </a:ext>
+                  </a:extLst>
+                </p:cNvPr>
+                <p:cNvSpPr/>
+                <p:nvPr/>
+              </p:nvSpPr>
+              <p:spPr>
+                <a:xfrm rot="16200000" flipV="1">
+                  <a:off x="3246292" y="3392892"/>
+                  <a:ext cx="336174" cy="379628"/>
+                </a:xfrm>
+                <a:prstGeom prst="rightArrow">
+                  <a:avLst/>
+                </a:prstGeom>
+              </p:spPr>
+              <p:style>
+                <a:lnRef idx="2">
+                  <a:schemeClr val="accent2">
+                    <a:shade val="15000"/>
+                  </a:schemeClr>
+                </a:lnRef>
+                <a:fillRef idx="1">
+                  <a:schemeClr val="accent2"/>
+                </a:fillRef>
+                <a:effectRef idx="0">
+                  <a:schemeClr val="accent2"/>
+                </a:effectRef>
+                <a:fontRef idx="minor">
+                  <a:schemeClr val="lt1"/>
+                </a:fontRef>
+              </p:style>
+              <p:txBody>
+                <a:bodyPr rtlCol="0" anchor="ctr"/>
+                <a:lstStyle/>
+                <a:p>
+                  <a:pPr algn="ctr"/>
+                  <a:endParaRPr lang="en-US" sz="1000" dirty="0"/>
+                </a:p>
+              </p:txBody>
+            </p:sp>
+            <p:sp>
+              <p:nvSpPr>
+                <p:cNvPr id="77" name="Arrow: Right 76">
+                  <a:extLst>
+                    <a:ext uri="{FF2B5EF4-FFF2-40B4-BE49-F238E27FC236}">
+                      <a16:creationId xmlns:a16="http://schemas.microsoft.com/office/drawing/2014/main" id="{70BA4503-4EFB-C45F-936C-2B6E68D0B90C}"/>
+                    </a:ext>
+                  </a:extLst>
+                </p:cNvPr>
+                <p:cNvSpPr/>
+                <p:nvPr/>
+              </p:nvSpPr>
+              <p:spPr>
+                <a:xfrm rot="16200000" flipV="1">
+                  <a:off x="3225716" y="3461617"/>
+                  <a:ext cx="336174" cy="379628"/>
+                </a:xfrm>
+                <a:prstGeom prst="rightArrow">
+                  <a:avLst/>
+                </a:prstGeom>
+              </p:spPr>
+              <p:style>
+                <a:lnRef idx="2">
+                  <a:schemeClr val="accent2">
+                    <a:shade val="15000"/>
+                  </a:schemeClr>
+                </a:lnRef>
+                <a:fillRef idx="1">
+                  <a:schemeClr val="accent2"/>
+                </a:fillRef>
+                <a:effectRef idx="0">
+                  <a:schemeClr val="accent2"/>
+                </a:effectRef>
+                <a:fontRef idx="minor">
+                  <a:schemeClr val="lt1"/>
+                </a:fontRef>
+              </p:style>
+              <p:txBody>
+                <a:bodyPr rtlCol="0" anchor="ctr"/>
+                <a:lstStyle/>
+                <a:p>
+                  <a:pPr algn="ctr"/>
+                  <a:endParaRPr lang="en-US" sz="1000" dirty="0"/>
+                </a:p>
+              </p:txBody>
+            </p:sp>
+            <p:sp>
+              <p:nvSpPr>
+                <p:cNvPr id="78" name="Arrow: Right 77">
+                  <a:extLst>
+                    <a:ext uri="{FF2B5EF4-FFF2-40B4-BE49-F238E27FC236}">
+                      <a16:creationId xmlns:a16="http://schemas.microsoft.com/office/drawing/2014/main" id="{440C038B-E006-8A2C-6E1D-CCAA43D6FDC7}"/>
+                    </a:ext>
+                  </a:extLst>
+                </p:cNvPr>
+                <p:cNvSpPr/>
+                <p:nvPr/>
+              </p:nvSpPr>
+              <p:spPr>
+                <a:xfrm rot="16200000" flipV="1">
+                  <a:off x="3197531" y="3525033"/>
+                  <a:ext cx="336174" cy="379628"/>
+                </a:xfrm>
+                <a:prstGeom prst="rightArrow">
+                  <a:avLst/>
+                </a:prstGeom>
+              </p:spPr>
+              <p:style>
+                <a:lnRef idx="2">
+                  <a:schemeClr val="accent2">
+                    <a:shade val="15000"/>
+                  </a:schemeClr>
+                </a:lnRef>
+                <a:fillRef idx="1">
+                  <a:schemeClr val="accent2"/>
+                </a:fillRef>
+                <a:effectRef idx="0">
+                  <a:schemeClr val="accent2"/>
+                </a:effectRef>
+                <a:fontRef idx="minor">
+                  <a:schemeClr val="lt1"/>
+                </a:fontRef>
+              </p:style>
+              <p:txBody>
+                <a:bodyPr rtlCol="0" anchor="ctr"/>
+                <a:lstStyle/>
+                <a:p>
+                  <a:pPr algn="ctr"/>
+                  <a:endParaRPr lang="en-US" sz="1000" dirty="0"/>
+                </a:p>
+              </p:txBody>
+            </p:sp>
+          </p:grpSp>
+        </p:grpSp>
+      </p:grpSp>
+      <p:sp>
+        <p:nvSpPr>
+          <p:cNvPr id="80" name="TextBox 79">
+            <a:extLst>
+              <a:ext uri="{FF2B5EF4-FFF2-40B4-BE49-F238E27FC236}">
+                <a16:creationId xmlns:a16="http://schemas.microsoft.com/office/drawing/2014/main" id="{0240959E-3CBA-B6A0-FFA1-F24614135DD6}"/>
+              </a:ext>
+            </a:extLst>
+          </p:cNvPr>
+          <p:cNvSpPr txBox="1"/>
+          <p:nvPr/>
+        </p:nvSpPr>
+        <p:spPr>
+          <a:xfrm>
+            <a:off x="8247966" y="1487764"/>
+            <a:ext cx="1724098" cy="461665"/>
+          </a:xfrm>
+          <a:prstGeom prst="rect">
+            <a:avLst/>
+          </a:prstGeom>
+          <a:noFill/>
+        </p:spPr>
+        <p:txBody>
+          <a:bodyPr wrap="square" rtlCol="0">
+            <a:spAutoFit/>
+          </a:bodyPr>
+          <a:lstStyle/>
+          <a:p>
+            <a:pPr algn="ctr"/>
+            <a:r>
+              <a:rPr lang="en-US" sz="2400" b="1" dirty="0"/>
+              <a:t>Example</a:t>
+            </a:r>
+          </a:p>
+        </p:txBody>
+      </p:sp>
+      <p:sp>
+        <p:nvSpPr>
+          <p:cNvPr id="81" name="Speech Bubble: Rectangle with Corners Rounded 80">
+            <a:extLst>
+              <a:ext uri="{FF2B5EF4-FFF2-40B4-BE49-F238E27FC236}">
+                <a16:creationId xmlns:a16="http://schemas.microsoft.com/office/drawing/2014/main" id="{EB442860-41B0-500C-4D57-097233E54322}"/>
+              </a:ext>
+            </a:extLst>
+          </p:cNvPr>
+          <p:cNvSpPr/>
+          <p:nvPr/>
+        </p:nvSpPr>
+        <p:spPr>
+          <a:xfrm>
+            <a:off x="9941973" y="1746505"/>
+            <a:ext cx="2094046" cy="320284"/>
+          </a:xfrm>
+          <a:prstGeom prst="wedgeRoundRectCallout">
+            <a:avLst>
+              <a:gd name="adj1" fmla="val -85812"/>
+              <a:gd name="adj2" fmla="val 139144"/>
+              <a:gd name="adj3" fmla="val 16667"/>
+            </a:avLst>
+          </a:prstGeom>
+        </p:spPr>
+        <p:style>
+          <a:lnRef idx="2">
+            <a:schemeClr val="accent3">
+              <a:shade val="15000"/>
+            </a:schemeClr>
+          </a:lnRef>
+          <a:fillRef idx="1">
+            <a:schemeClr val="accent3"/>
+          </a:fillRef>
+          <a:effectRef idx="0">
+            <a:schemeClr val="accent3"/>
+          </a:effectRef>
+          <a:fontRef idx="minor">
+            <a:schemeClr val="lt1"/>
+          </a:fontRef>
+        </p:style>
+        <p:txBody>
+          <a:bodyPr rtlCol="0" anchor="ctr"/>
+          <a:lstStyle/>
+          <a:p>
+            <a:pPr algn="ctr"/>
+            <a:r>
+              <a:rPr lang="en-US" sz="1200" dirty="0"/>
+              <a:t>Probability for token “day”</a:t>
+            </a:r>
+          </a:p>
+        </p:txBody>
+      </p:sp>
+      <p:sp>
+        <p:nvSpPr>
+          <p:cNvPr id="82" name="Speech Bubble: Rectangle with Corners Rounded 81">
+            <a:extLst>
+              <a:ext uri="{FF2B5EF4-FFF2-40B4-BE49-F238E27FC236}">
+                <a16:creationId xmlns:a16="http://schemas.microsoft.com/office/drawing/2014/main" id="{803EE8E4-C4CD-F5F0-1AE9-A66CDFEAC13B}"/>
+              </a:ext>
+            </a:extLst>
+          </p:cNvPr>
+          <p:cNvSpPr/>
+          <p:nvPr/>
+        </p:nvSpPr>
+        <p:spPr>
+          <a:xfrm>
+            <a:off x="10233849" y="4026716"/>
+            <a:ext cx="1580905" cy="320284"/>
+          </a:xfrm>
+          <a:prstGeom prst="wedgeRoundRectCallout">
+            <a:avLst>
+              <a:gd name="adj1" fmla="val -81227"/>
+              <a:gd name="adj2" fmla="val 25817"/>
+              <a:gd name="adj3" fmla="val 16667"/>
+            </a:avLst>
+          </a:prstGeom>
+        </p:spPr>
+        <p:style>
+          <a:lnRef idx="2">
+            <a:schemeClr val="accent3">
+              <a:shade val="15000"/>
+            </a:schemeClr>
+          </a:lnRef>
+          <a:fillRef idx="1">
+            <a:schemeClr val="accent3"/>
+          </a:fillRef>
+          <a:effectRef idx="0">
+            <a:schemeClr val="accent3"/>
+          </a:effectRef>
+          <a:fontRef idx="minor">
+            <a:schemeClr val="lt1"/>
+          </a:fontRef>
+        </p:style>
+        <p:txBody>
+          <a:bodyPr rtlCol="0" anchor="ctr"/>
+          <a:lstStyle/>
+          <a:p>
+            <a:pPr algn="ctr"/>
+            <a:r>
+              <a:rPr lang="en-US" sz="1200" dirty="0"/>
+              <a:t>Token by embedding size matrix</a:t>
+            </a:r>
+          </a:p>
+        </p:txBody>
+      </p:sp>
+      <p:sp>
+        <p:nvSpPr>
+          <p:cNvPr id="83" name="Speech Bubble: Rectangle with Corners Rounded 82">
+            <a:extLst>
+              <a:ext uri="{FF2B5EF4-FFF2-40B4-BE49-F238E27FC236}">
+                <a16:creationId xmlns:a16="http://schemas.microsoft.com/office/drawing/2014/main" id="{30D819F0-0671-6362-2260-BCEE111B1158}"/>
+              </a:ext>
+            </a:extLst>
+          </p:cNvPr>
+          <p:cNvSpPr/>
+          <p:nvPr/>
+        </p:nvSpPr>
+        <p:spPr>
+          <a:xfrm>
+            <a:off x="10402445" y="2991257"/>
+            <a:ext cx="1580905" cy="320284"/>
+          </a:xfrm>
+          <a:prstGeom prst="wedgeRoundRectCallout">
+            <a:avLst>
+              <a:gd name="adj1" fmla="val -81227"/>
+              <a:gd name="adj2" fmla="val 25817"/>
+              <a:gd name="adj3" fmla="val 16667"/>
+            </a:avLst>
+          </a:prstGeom>
+        </p:spPr>
+        <p:style>
+          <a:lnRef idx="2">
+            <a:schemeClr val="accent3">
+              <a:shade val="15000"/>
+            </a:schemeClr>
+          </a:lnRef>
+          <a:fillRef idx="1">
+            <a:schemeClr val="accent3"/>
+          </a:fillRef>
+          <a:effectRef idx="0">
+            <a:schemeClr val="accent3"/>
+          </a:effectRef>
+          <a:fontRef idx="minor">
+            <a:schemeClr val="lt1"/>
+          </a:fontRef>
+        </p:style>
+        <p:txBody>
+          <a:bodyPr rtlCol="0" anchor="ctr"/>
+          <a:lstStyle/>
+          <a:p>
+            <a:pPr algn="ctr"/>
+            <a:r>
+              <a:rPr lang="en-US" sz="1200" dirty="0"/>
+              <a:t>Single embedding size vector.</a:t>
+            </a:r>
+          </a:p>
+        </p:txBody>
+      </p:sp>
+      <p:cxnSp>
+        <p:nvCxnSpPr>
+          <p:cNvPr id="92" name="Straight Connector 91">
+            <a:extLst>
+              <a:ext uri="{FF2B5EF4-FFF2-40B4-BE49-F238E27FC236}">
+                <a16:creationId xmlns:a16="http://schemas.microsoft.com/office/drawing/2014/main" id="{1F74E6EE-20A0-9D70-DE59-BB3007B561E7}"/>
+              </a:ext>
+            </a:extLst>
+          </p:cNvPr>
+          <p:cNvCxnSpPr/>
+          <p:nvPr/>
+        </p:nvCxnSpPr>
+        <p:spPr>
+          <a:xfrm>
+            <a:off x="7315200" y="1493756"/>
+            <a:ext cx="0" cy="4844226"/>
+          </a:xfrm>
+          <a:prstGeom prst="line">
+            <a:avLst/>
+          </a:prstGeom>
+        </p:spPr>
+        <p:style>
+          <a:lnRef idx="2">
+            <a:schemeClr val="dk1"/>
+          </a:lnRef>
+          <a:fillRef idx="0">
+            <a:schemeClr val="dk1"/>
+          </a:fillRef>
+          <a:effectRef idx="1">
+            <a:schemeClr val="dk1"/>
+          </a:effectRef>
+          <a:fontRef idx="minor">
+            <a:schemeClr val="tx1"/>
+          </a:fontRef>
+        </p:style>
+      </p:cxnSp>
+    </p:spTree>
+    <p:extLst>
+      <p:ext uri="{BB962C8B-B14F-4D97-AF65-F5344CB8AC3E}">
+        <p14:creationId xmlns:p14="http://schemas.microsoft.com/office/powerpoint/2010/main" val="1284397526"/>
+      </p:ext>
+    </p:extLst>
+  </p:cSld>
+  <p:clrMapOvr>
+    <a:masterClrMapping/>
+  </p:clrMapOvr>
+</p:sld>
+</file>
+
+<file path=ppt/slides/slide8.xml><?xml version="1.0" encoding="utf-8"?>
+<p:sld xmlns:a="http://schemas.openxmlformats.org/drawingml/2006/main" xmlns:r="http://schemas.openxmlformats.org/officeDocument/2006/relationships" xmlns:p="http://schemas.openxmlformats.org/presentationml/2006/main">
+  <p:cSld>
+    <p:spTree>
+      <p:nvGrpSpPr>
+        <p:cNvPr id="1" name=""/>
+        <p:cNvGrpSpPr/>
+        <p:nvPr/>
+      </p:nvGrpSpPr>
+      <p:grpSpPr>
+        <a:xfrm>
+          <a:off x="0" y="0"/>
+          <a:ext cx="0" cy="0"/>
+          <a:chOff x="0" y="0"/>
+          <a:chExt cx="0" cy="0"/>
+        </a:xfrm>
+      </p:grpSpPr>
+      <p:sp>
+        <p:nvSpPr>
+          <p:cNvPr id="2" name="Title 1">
+            <a:extLst>
+              <a:ext uri="{FF2B5EF4-FFF2-40B4-BE49-F238E27FC236}">
                 <a16:creationId xmlns:a16="http://schemas.microsoft.com/office/drawing/2014/main" id="{114D385A-D658-061C-3FF8-9E8697E85247}"/>
               </a:ext>
             </a:extLst>
@@ -13737,7 +16876,7 @@
 </p:sld>
 </file>
 
-<file path=ppt/slides/slide8.xml><?xml version="1.0" encoding="utf-8"?>
+<file path=ppt/slides/slide9.xml><?xml version="1.0" encoding="utf-8"?>
 <p:sld xmlns:a="http://schemas.openxmlformats.org/drawingml/2006/main" xmlns:r="http://schemas.openxmlformats.org/officeDocument/2006/relationships" xmlns:p="http://schemas.openxmlformats.org/presentationml/2006/main">
   <p:cSld>
     <p:spTree>
@@ -14085,369 +17224,6 @@
     <p:extLst>
       <p:ext uri="{BB962C8B-B14F-4D97-AF65-F5344CB8AC3E}">
         <p14:creationId xmlns:p14="http://schemas.microsoft.com/office/powerpoint/2010/main" val="3742212942"/>
-      </p:ext>
-    </p:extLst>
-  </p:cSld>
-  <p:clrMapOvr>
-    <a:masterClrMapping/>
-  </p:clrMapOvr>
-</p:sld>
-</file>
-
-<file path=ppt/slides/slide9.xml><?xml version="1.0" encoding="utf-8"?>
-<p:sld xmlns:a="http://schemas.openxmlformats.org/drawingml/2006/main" xmlns:r="http://schemas.openxmlformats.org/officeDocument/2006/relationships" xmlns:p="http://schemas.openxmlformats.org/presentationml/2006/main">
-  <p:cSld>
-    <p:spTree>
-      <p:nvGrpSpPr>
-        <p:cNvPr id="1" name=""/>
-        <p:cNvGrpSpPr/>
-        <p:nvPr/>
-      </p:nvGrpSpPr>
-      <p:grpSpPr>
-        <a:xfrm>
-          <a:off x="0" y="0"/>
-          <a:ext cx="0" cy="0"/>
-          <a:chOff x="0" y="0"/>
-          <a:chExt cx="0" cy="0"/>
-        </a:xfrm>
-      </p:grpSpPr>
-      <p:sp>
-        <p:nvSpPr>
-          <p:cNvPr id="2" name="Title 1">
-            <a:extLst>
-              <a:ext uri="{FF2B5EF4-FFF2-40B4-BE49-F238E27FC236}">
-                <a16:creationId xmlns:a16="http://schemas.microsoft.com/office/drawing/2014/main" id="{F7C81EE8-BE9A-D917-529C-02C6E1693206}"/>
-              </a:ext>
-            </a:extLst>
-          </p:cNvPr>
-          <p:cNvSpPr>
-            <a:spLocks noGrp="1"/>
-          </p:cNvSpPr>
-          <p:nvPr>
-            <p:ph type="title"/>
-          </p:nvPr>
-        </p:nvSpPr>
-        <p:spPr/>
-        <p:txBody>
-          <a:bodyPr/>
-          <a:lstStyle/>
-          <a:p>
-            <a:r>
-              <a:rPr lang="en-US" dirty="0"/>
-              <a:t>LLMs that use Tools</a:t>
-            </a:r>
-          </a:p>
-        </p:txBody>
-      </p:sp>
-      <p:sp>
-        <p:nvSpPr>
-          <p:cNvPr id="3" name="Content Placeholder 2">
-            <a:extLst>
-              <a:ext uri="{FF2B5EF4-FFF2-40B4-BE49-F238E27FC236}">
-                <a16:creationId xmlns:a16="http://schemas.microsoft.com/office/drawing/2014/main" id="{2F174EC8-27CC-1E0D-8F02-2C32D1B09842}"/>
-              </a:ext>
-            </a:extLst>
-          </p:cNvPr>
-          <p:cNvSpPr>
-            <a:spLocks noGrp="1"/>
-          </p:cNvSpPr>
-          <p:nvPr>
-            <p:ph idx="1"/>
-          </p:nvPr>
-        </p:nvSpPr>
-        <p:spPr>
-          <a:xfrm>
-            <a:off x="838200" y="1825625"/>
-            <a:ext cx="5007964" cy="4351338"/>
-          </a:xfrm>
-        </p:spPr>
-        <p:txBody>
-          <a:bodyPr>
-            <a:normAutofit fontScale="55000" lnSpcReduction="20000"/>
-          </a:bodyPr>
-          <a:lstStyle/>
-          <a:p>
-            <a:r>
-              <a:rPr lang="en-US" dirty="0"/>
-              <a:t>Enables LLMs to use tools like browsing the web, a calculator, or executing code.</a:t>
-            </a:r>
-          </a:p>
-          <a:p>
-            <a:endParaRPr lang="en-US" dirty="0"/>
-          </a:p>
-          <a:p>
-            <a:r>
-              <a:rPr lang="en-US" b="1" dirty="0"/>
-              <a:t>Training</a:t>
-            </a:r>
-            <a:r>
-              <a:rPr lang="en-US" dirty="0"/>
-              <a:t>: LLMs are finetuned using demonstrations of how the tool is correctly used.</a:t>
-            </a:r>
-          </a:p>
-          <a:p>
-            <a:endParaRPr lang="en-US" b="1" dirty="0"/>
-          </a:p>
-          <a:p>
-            <a:r>
-              <a:rPr lang="en-US" b="1" dirty="0"/>
-              <a:t>Execution</a:t>
-            </a:r>
-            <a:r>
-              <a:rPr lang="en-US" dirty="0"/>
-              <a:t>:</a:t>
-            </a:r>
-          </a:p>
-          <a:p>
-            <a:pPr marL="514350" indent="-514350">
-              <a:buFont typeface="+mj-lt"/>
-              <a:buAutoNum type="arabicPeriod"/>
-            </a:pPr>
-            <a:r>
-              <a:rPr lang="en-US" dirty="0"/>
-              <a:t>The LLM generates a structured output that signals a tool call.</a:t>
-            </a:r>
-          </a:p>
-          <a:p>
-            <a:pPr marL="514350" indent="-514350">
-              <a:buFont typeface="+mj-lt"/>
-              <a:buAutoNum type="arabicPeriod"/>
-            </a:pPr>
-            <a:r>
-              <a:rPr lang="en-US" dirty="0"/>
-              <a:t>The tool call is intercepted by the surrounding program, and the tool is executed. </a:t>
-            </a:r>
-          </a:p>
-          <a:p>
-            <a:pPr marL="514350" indent="-514350">
-              <a:buFont typeface="+mj-lt"/>
-              <a:buAutoNum type="arabicPeriod"/>
-            </a:pPr>
-            <a:r>
-              <a:rPr lang="en-US" dirty="0"/>
-              <a:t>The tool’s result is returned to the LLM to create the final output.</a:t>
-            </a:r>
-          </a:p>
-          <a:p>
-            <a:pPr marL="514350" indent="-514350">
-              <a:buFont typeface="+mj-lt"/>
-              <a:buAutoNum type="arabicPeriod"/>
-            </a:pPr>
-            <a:endParaRPr lang="en-US" dirty="0"/>
-          </a:p>
-          <a:p>
-            <a:r>
-              <a:rPr lang="en-US" b="1" dirty="0"/>
-              <a:t>Frameworks</a:t>
-            </a:r>
-            <a:r>
-              <a:rPr lang="en-US" dirty="0"/>
-              <a:t>: </a:t>
-            </a:r>
-            <a:r>
-              <a:rPr lang="en-US" dirty="0" err="1"/>
-              <a:t>LangChain</a:t>
-            </a:r>
-            <a:r>
-              <a:rPr lang="en-US" dirty="0"/>
-              <a:t>, LangGraph, OpenAI Agents SDK, …</a:t>
-            </a:r>
-          </a:p>
-        </p:txBody>
-      </p:sp>
-      <p:grpSp>
-        <p:nvGrpSpPr>
-          <p:cNvPr id="7" name="Group 6">
-            <a:extLst>
-              <a:ext uri="{FF2B5EF4-FFF2-40B4-BE49-F238E27FC236}">
-                <a16:creationId xmlns:a16="http://schemas.microsoft.com/office/drawing/2014/main" id="{D570A259-7857-4CAE-2196-6F0AE7EEDEEA}"/>
-              </a:ext>
-            </a:extLst>
-          </p:cNvPr>
-          <p:cNvGrpSpPr/>
-          <p:nvPr/>
-        </p:nvGrpSpPr>
-        <p:grpSpPr>
-          <a:xfrm>
-            <a:off x="5726243" y="944380"/>
-            <a:ext cx="6688923" cy="3774203"/>
-            <a:chOff x="5726243" y="944380"/>
-            <a:chExt cx="6688923" cy="3774203"/>
-          </a:xfrm>
-        </p:grpSpPr>
-        <p:grpSp>
-          <p:nvGrpSpPr>
-            <p:cNvPr id="5" name="Group 4">
-              <a:extLst>
-                <a:ext uri="{FF2B5EF4-FFF2-40B4-BE49-F238E27FC236}">
-                  <a16:creationId xmlns:a16="http://schemas.microsoft.com/office/drawing/2014/main" id="{5F49AB2E-5AB0-D019-D397-E5FDF8E5D0CA}"/>
-                </a:ext>
-              </a:extLst>
-            </p:cNvPr>
-            <p:cNvGrpSpPr/>
-            <p:nvPr/>
-          </p:nvGrpSpPr>
-          <p:grpSpPr>
-            <a:xfrm>
-              <a:off x="5726243" y="944380"/>
-              <a:ext cx="6688923" cy="3593554"/>
-              <a:chOff x="5726243" y="944380"/>
-              <a:chExt cx="6688923" cy="3593554"/>
-            </a:xfrm>
-          </p:grpSpPr>
-          <p:pic>
-            <p:nvPicPr>
-              <p:cNvPr id="2050" name="Picture 2" descr="Comprehensive Guide to Integrating Tools and APIs with Language Models">
-                <a:extLst>
-                  <a:ext uri="{FF2B5EF4-FFF2-40B4-BE49-F238E27FC236}">
-                    <a16:creationId xmlns:a16="http://schemas.microsoft.com/office/drawing/2014/main" id="{2E347DCA-C0D2-CEFE-5B81-EC991D65CAED}"/>
-                  </a:ext>
-                </a:extLst>
-              </p:cNvPr>
-              <p:cNvPicPr>
-                <a:picLocks noChangeAspect="1" noChangeArrowheads="1"/>
-              </p:cNvPicPr>
-              <p:nvPr/>
-            </p:nvPicPr>
-            <p:blipFill>
-              <a:blip r:embed="rId2">
-                <a:extLst>
-                  <a:ext uri="{28A0092B-C50C-407E-A947-70E740481C1C}">
-                    <a14:useLocalDpi xmlns:a14="http://schemas.microsoft.com/office/drawing/2010/main" val="0"/>
-                  </a:ext>
-                </a:extLst>
-              </a:blip>
-              <a:srcRect/>
-              <a:stretch>
-                <a:fillRect/>
-              </a:stretch>
-            </p:blipFill>
-            <p:spPr bwMode="auto">
-              <a:xfrm>
-                <a:off x="5726243" y="944380"/>
-                <a:ext cx="6688923" cy="3593554"/>
-              </a:xfrm>
-              <a:prstGeom prst="rect">
-                <a:avLst/>
-              </a:prstGeom>
-              <a:noFill/>
-              <a:extLst>
-                <a:ext uri="{909E8E84-426E-40DD-AFC4-6F175D3DCCD1}">
-                  <a14:hiddenFill xmlns:a14="http://schemas.microsoft.com/office/drawing/2010/main">
-                    <a:solidFill>
-                      <a:srgbClr val="FFFFFF"/>
-                    </a:solidFill>
-                  </a14:hiddenFill>
-                </a:ext>
-              </a:extLst>
-            </p:spPr>
-          </p:pic>
-          <p:sp>
-            <p:nvSpPr>
-              <p:cNvPr id="4" name="TextBox 3">
-                <a:extLst>
-                  <a:ext uri="{FF2B5EF4-FFF2-40B4-BE49-F238E27FC236}">
-                    <a16:creationId xmlns:a16="http://schemas.microsoft.com/office/drawing/2014/main" id="{FA975DA3-83A5-50B9-CB16-0DED99189862}"/>
-                  </a:ext>
-                </a:extLst>
-              </p:cNvPr>
-              <p:cNvSpPr txBox="1"/>
-              <p:nvPr/>
-            </p:nvSpPr>
-            <p:spPr>
-              <a:xfrm>
-                <a:off x="6180859" y="4291713"/>
-                <a:ext cx="5899612" cy="246221"/>
-              </a:xfrm>
-              <a:prstGeom prst="rect">
-                <a:avLst/>
-              </a:prstGeom>
-              <a:noFill/>
-            </p:spPr>
-            <p:txBody>
-              <a:bodyPr wrap="square" rtlCol="0">
-                <a:spAutoFit/>
-              </a:bodyPr>
-              <a:lstStyle/>
-              <a:p>
-                <a:pPr algn="ctr"/>
-                <a:r>
-                  <a:rPr lang="en-US" sz="1000" dirty="0"/>
-                  <a:t>Source: </a:t>
-                </a:r>
-                <a:r>
-                  <a:rPr lang="en-US" sz="1000" dirty="0">
-                    <a:hlinkClick r:id="rId3"/>
-                  </a:rPr>
-                  <a:t>https://www.mercity.ai/blog-post/guide-to-integrating-tools-and-apis-with-language-models</a:t>
-                </a:r>
-                <a:r>
-                  <a:rPr lang="en-US" sz="1000" dirty="0"/>
-                  <a:t> </a:t>
-                </a:r>
-              </a:p>
-            </p:txBody>
-          </p:sp>
-        </p:grpSp>
-        <p:sp>
-          <p:nvSpPr>
-            <p:cNvPr id="6" name="Rectangle 5">
-              <a:extLst>
-                <a:ext uri="{FF2B5EF4-FFF2-40B4-BE49-F238E27FC236}">
-                  <a16:creationId xmlns:a16="http://schemas.microsoft.com/office/drawing/2014/main" id="{FACC561C-9FFA-CE93-AA50-9C86ADC7B693}"/>
-                </a:ext>
-              </a:extLst>
-            </p:cNvPr>
-            <p:cNvSpPr/>
-            <p:nvPr/>
-          </p:nvSpPr>
-          <p:spPr>
-            <a:xfrm>
-              <a:off x="6096000" y="944380"/>
-              <a:ext cx="5984471" cy="3774203"/>
-            </a:xfrm>
-            <a:prstGeom prst="rect">
-              <a:avLst/>
-            </a:prstGeom>
-            <a:noFill/>
-            <a:ln w="9525" cap="flat" cmpd="sng" algn="ctr">
-              <a:solidFill>
-                <a:schemeClr val="dk1"/>
-              </a:solidFill>
-              <a:prstDash val="solid"/>
-              <a:round/>
-              <a:headEnd type="none" w="med" len="med"/>
-              <a:tailEnd type="none" w="med" len="med"/>
-            </a:ln>
-          </p:spPr>
-          <p:style>
-            <a:lnRef idx="0">
-              <a:scrgbClr r="0" g="0" b="0"/>
-            </a:lnRef>
-            <a:fillRef idx="0">
-              <a:scrgbClr r="0" g="0" b="0"/>
-            </a:fillRef>
-            <a:effectRef idx="0">
-              <a:scrgbClr r="0" g="0" b="0"/>
-            </a:effectRef>
-            <a:fontRef idx="minor">
-              <a:schemeClr val="dk1"/>
-            </a:fontRef>
-          </p:style>
-          <p:txBody>
-            <a:bodyPr rtlCol="0" anchor="ctr"/>
-            <a:lstStyle/>
-            <a:p>
-              <a:pPr algn="ctr"/>
-              <a:endParaRPr lang="en-US"/>
-            </a:p>
-          </p:txBody>
-        </p:sp>
-      </p:grpSp>
-    </p:spTree>
-    <p:extLst>
-      <p:ext uri="{BB962C8B-B14F-4D97-AF65-F5344CB8AC3E}">
-        <p14:creationId xmlns:p14="http://schemas.microsoft.com/office/powerpoint/2010/main" val="2048640938"/>
       </p:ext>
     </p:extLst>
   </p:cSld>
@@ -14773,6 +17549,23 @@
 </file>
 
 <file path=customXml/item1.xml><?xml version="1.0" encoding="utf-8"?>
+<?mso-contentType ?>
+<FormTemplates xmlns="http://schemas.microsoft.com/sharepoint/v3/contenttype/forms">
+  <Display>DocumentLibraryForm</Display>
+  <Edit>DocumentLibraryForm</Edit>
+  <New>DocumentLibraryForm</New>
+</FormTemplates>
+</file>
+
+<file path=customXml/item2.xml><?xml version="1.0" encoding="utf-8"?>
+<p:properties xmlns:p="http://schemas.microsoft.com/office/2006/metadata/properties" xmlns:xsi="http://www.w3.org/2001/XMLSchema-instance" xmlns:pc="http://schemas.microsoft.com/office/infopath/2007/PartnerControls">
+  <documentManagement>
+    <_activity xmlns="49eab711-90d1-4c0f-9775-bfb7f5e5a799" xsi:nil="true"/>
+  </documentManagement>
+</p:properties>
+</file>
+
+<file path=customXml/item3.xml><?xml version="1.0" encoding="utf-8"?>
 <ct:contentTypeSchema xmlns:ct="http://schemas.microsoft.com/office/2006/metadata/contentType" xmlns:ma="http://schemas.microsoft.com/office/2006/metadata/properties/metaAttributes" ct:_="" ma:_="" ma:contentTypeName="Document" ma:contentTypeID="0x010100E62C0C88D39C234FAEC96AAE0F671565" ma:contentTypeVersion="14" ma:contentTypeDescription="Create a new document." ma:contentTypeScope="" ma:versionID="aacf67911b4e5100e6e89812ee2bd0a3">
   <xsd:schema xmlns:xsd="http://www.w3.org/2001/XMLSchema" xmlns:xs="http://www.w3.org/2001/XMLSchema" xmlns:p="http://schemas.microsoft.com/office/2006/metadata/properties" xmlns:ns3="49eab711-90d1-4c0f-9775-bfb7f5e5a799" xmlns:ns4="609867d6-2629-4535-86dd-ac3b97a3ffd8" targetNamespace="http://schemas.microsoft.com/office/2006/metadata/properties" ma:root="true" ma:fieldsID="8f1a028f5fcafea802f1bbbd0ccd48f9" ns3:_="" ns4:_="">
     <xsd:import namespace="49eab711-90d1-4c0f-9775-bfb7f5e5a799"/>
@@ -14997,24 +17790,32 @@
 </ct:contentTypeSchema>
 </file>
 
-<file path=customXml/item2.xml><?xml version="1.0" encoding="utf-8"?>
-<?mso-contentType ?>
-<FormTemplates xmlns="http://schemas.microsoft.com/sharepoint/v3/contenttype/forms">
-  <Display>DocumentLibraryForm</Display>
-  <Edit>DocumentLibraryForm</Edit>
-  <New>DocumentLibraryForm</New>
-</FormTemplates>
+<file path=customXml/itemProps1.xml><?xml version="1.0" encoding="utf-8"?>
+<ds:datastoreItem xmlns:ds="http://schemas.openxmlformats.org/officeDocument/2006/customXml" ds:itemID="{7EAB5880-6DEB-490E-8068-CD3C9FC7A3FA}">
+  <ds:schemaRefs>
+    <ds:schemaRef ds:uri="http://schemas.microsoft.com/sharepoint/v3/contenttype/forms"/>
+  </ds:schemaRefs>
+</ds:datastoreItem>
 </file>
 
-<file path=customXml/item3.xml><?xml version="1.0" encoding="utf-8"?>
-<p:properties xmlns:p="http://schemas.microsoft.com/office/2006/metadata/properties" xmlns:xsi="http://www.w3.org/2001/XMLSchema-instance" xmlns:pc="http://schemas.microsoft.com/office/infopath/2007/PartnerControls">
-  <documentManagement>
-    <_activity xmlns="49eab711-90d1-4c0f-9775-bfb7f5e5a799" xsi:nil="true"/>
-  </documentManagement>
-</p:properties>
+<file path=customXml/itemProps2.xml><?xml version="1.0" encoding="utf-8"?>
+<ds:datastoreItem xmlns:ds="http://schemas.openxmlformats.org/officeDocument/2006/customXml" ds:itemID="{11B526AB-E763-48A9-8676-6358C5544126}">
+  <ds:schemaRefs>
+    <ds:schemaRef ds:uri="http://purl.org/dc/dcmitype/"/>
+    <ds:schemaRef ds:uri="http://schemas.microsoft.com/office/infopath/2007/PartnerControls"/>
+    <ds:schemaRef ds:uri="http://www.w3.org/XML/1998/namespace"/>
+    <ds:schemaRef ds:uri="http://schemas.microsoft.com/office/2006/metadata/properties"/>
+    <ds:schemaRef ds:uri="http://schemas.microsoft.com/office/2006/documentManagement/types"/>
+    <ds:schemaRef ds:uri="http://purl.org/dc/elements/1.1/"/>
+    <ds:schemaRef ds:uri="http://schemas.openxmlformats.org/package/2006/metadata/core-properties"/>
+    <ds:schemaRef ds:uri="609867d6-2629-4535-86dd-ac3b97a3ffd8"/>
+    <ds:schemaRef ds:uri="49eab711-90d1-4c0f-9775-bfb7f5e5a799"/>
+    <ds:schemaRef ds:uri="http://purl.org/dc/terms/"/>
+  </ds:schemaRefs>
+</ds:datastoreItem>
 </file>
 
-<file path=customXml/itemProps1.xml><?xml version="1.0" encoding="utf-8"?>
+<file path=customXml/itemProps3.xml><?xml version="1.0" encoding="utf-8"?>
 <ds:datastoreItem xmlns:ds="http://schemas.openxmlformats.org/officeDocument/2006/customXml" ds:itemID="{C9830ED9-A146-440C-B934-C557D3AC1812}">
   <ds:schemaRefs>
     <ds:schemaRef ds:uri="http://schemas.microsoft.com/office/2006/metadata/contentType"/>
@@ -15031,29 +17832,4 @@
     <ds:schemaRef ds:uri="http://schemas.microsoft.com/internal/obd"/>
   </ds:schemaRefs>
 </ds:datastoreItem>
-</file>
-
-<file path=customXml/itemProps2.xml><?xml version="1.0" encoding="utf-8"?>
-<ds:datastoreItem xmlns:ds="http://schemas.openxmlformats.org/officeDocument/2006/customXml" ds:itemID="{7EAB5880-6DEB-490E-8068-CD3C9FC7A3FA}">
-  <ds:schemaRefs>
-    <ds:schemaRef ds:uri="http://schemas.microsoft.com/sharepoint/v3/contenttype/forms"/>
-  </ds:schemaRefs>
-</ds:datastoreItem>
-</file>
-
-<file path=customXml/itemProps3.xml><?xml version="1.0" encoding="utf-8"?>
-<ds:datastoreItem xmlns:ds="http://schemas.openxmlformats.org/officeDocument/2006/customXml" ds:itemID="{11B526AB-E763-48A9-8676-6358C5544126}">
-  <ds:schemaRefs>
-    <ds:schemaRef ds:uri="http://purl.org/dc/dcmitype/"/>
-    <ds:schemaRef ds:uri="http://schemas.microsoft.com/office/infopath/2007/PartnerControls"/>
-    <ds:schemaRef ds:uri="http://www.w3.org/XML/1998/namespace"/>
-    <ds:schemaRef ds:uri="http://schemas.microsoft.com/office/2006/metadata/properties"/>
-    <ds:schemaRef ds:uri="http://schemas.microsoft.com/office/2006/documentManagement/types"/>
-    <ds:schemaRef ds:uri="http://purl.org/dc/elements/1.1/"/>
-    <ds:schemaRef ds:uri="http://schemas.openxmlformats.org/package/2006/metadata/core-properties"/>
-    <ds:schemaRef ds:uri="609867d6-2629-4535-86dd-ac3b97a3ffd8"/>
-    <ds:schemaRef ds:uri="49eab711-90d1-4c0f-9775-bfb7f5e5a799"/>
-    <ds:schemaRef ds:uri="http://purl.org/dc/terms/"/>
-  </ds:schemaRefs>
-</ds:datastoreItem>
 </file>
--- a/slides/07_LLM_discussion.pptx
+++ b/slides/07_LLM_discussion.pptx
@@ -7,18 +7,19 @@
   <p:sldIdLst>
     <p:sldId id="256" r:id="rId5"/>
     <p:sldId id="817" r:id="rId6"/>
-    <p:sldId id="264" r:id="rId7"/>
+    <p:sldId id="384" r:id="rId7"/>
     <p:sldId id="265" r:id="rId8"/>
-    <p:sldId id="257" r:id="rId9"/>
-    <p:sldId id="818" r:id="rId10"/>
-    <p:sldId id="819" r:id="rId11"/>
-    <p:sldId id="259" r:id="rId12"/>
-    <p:sldId id="260" r:id="rId13"/>
-    <p:sldId id="258" r:id="rId14"/>
-    <p:sldId id="263" r:id="rId15"/>
-    <p:sldId id="261" r:id="rId16"/>
-    <p:sldId id="262" r:id="rId17"/>
-    <p:sldId id="266" r:id="rId18"/>
+    <p:sldId id="264" r:id="rId9"/>
+    <p:sldId id="257" r:id="rId10"/>
+    <p:sldId id="818" r:id="rId11"/>
+    <p:sldId id="819" r:id="rId12"/>
+    <p:sldId id="259" r:id="rId13"/>
+    <p:sldId id="260" r:id="rId14"/>
+    <p:sldId id="258" r:id="rId15"/>
+    <p:sldId id="263" r:id="rId16"/>
+    <p:sldId id="261" r:id="rId17"/>
+    <p:sldId id="262" r:id="rId18"/>
+    <p:sldId id="266" r:id="rId19"/>
   </p:sldIdLst>
   <p:sldSz cx="12192000" cy="6858000"/>
   <p:notesSz cx="6858000" cy="9144000"/>
@@ -272,7 +273,7 @@
           <a:p>
             <a:fld id="{A0CF861B-2947-4E74-AAE0-E351222E926D}" type="datetimeFigureOut">
               <a:rPr lang="en-US" smtClean="0"/>
-              <a:t>9/11/2025</a:t>
+              <a:t>11/6/2025</a:t>
             </a:fld>
             <a:endParaRPr lang="en-US"/>
           </a:p>
@@ -470,7 +471,7 @@
           <a:p>
             <a:fld id="{A0CF861B-2947-4E74-AAE0-E351222E926D}" type="datetimeFigureOut">
               <a:rPr lang="en-US" smtClean="0"/>
-              <a:t>9/11/2025</a:t>
+              <a:t>11/6/2025</a:t>
             </a:fld>
             <a:endParaRPr lang="en-US"/>
           </a:p>
@@ -678,7 +679,7 @@
           <a:p>
             <a:fld id="{A0CF861B-2947-4E74-AAE0-E351222E926D}" type="datetimeFigureOut">
               <a:rPr lang="en-US" smtClean="0"/>
-              <a:t>9/11/2025</a:t>
+              <a:t>11/6/2025</a:t>
             </a:fld>
             <a:endParaRPr lang="en-US"/>
           </a:p>
@@ -876,7 +877,7 @@
           <a:p>
             <a:fld id="{A0CF861B-2947-4E74-AAE0-E351222E926D}" type="datetimeFigureOut">
               <a:rPr lang="en-US" smtClean="0"/>
-              <a:t>9/11/2025</a:t>
+              <a:t>11/6/2025</a:t>
             </a:fld>
             <a:endParaRPr lang="en-US"/>
           </a:p>
@@ -1151,7 +1152,7 @@
           <a:p>
             <a:fld id="{A0CF861B-2947-4E74-AAE0-E351222E926D}" type="datetimeFigureOut">
               <a:rPr lang="en-US" smtClean="0"/>
-              <a:t>9/11/2025</a:t>
+              <a:t>11/6/2025</a:t>
             </a:fld>
             <a:endParaRPr lang="en-US"/>
           </a:p>
@@ -1416,7 +1417,7 @@
           <a:p>
             <a:fld id="{A0CF861B-2947-4E74-AAE0-E351222E926D}" type="datetimeFigureOut">
               <a:rPr lang="en-US" smtClean="0"/>
-              <a:t>9/11/2025</a:t>
+              <a:t>11/6/2025</a:t>
             </a:fld>
             <a:endParaRPr lang="en-US"/>
           </a:p>
@@ -1828,7 +1829,7 @@
           <a:p>
             <a:fld id="{A0CF861B-2947-4E74-AAE0-E351222E926D}" type="datetimeFigureOut">
               <a:rPr lang="en-US" smtClean="0"/>
-              <a:t>9/11/2025</a:t>
+              <a:t>11/6/2025</a:t>
             </a:fld>
             <a:endParaRPr lang="en-US"/>
           </a:p>
@@ -1969,7 +1970,7 @@
           <a:p>
             <a:fld id="{A0CF861B-2947-4E74-AAE0-E351222E926D}" type="datetimeFigureOut">
               <a:rPr lang="en-US" smtClean="0"/>
-              <a:t>9/11/2025</a:t>
+              <a:t>11/6/2025</a:t>
             </a:fld>
             <a:endParaRPr lang="en-US"/>
           </a:p>
@@ -2082,7 +2083,7 @@
           <a:p>
             <a:fld id="{A0CF861B-2947-4E74-AAE0-E351222E926D}" type="datetimeFigureOut">
               <a:rPr lang="en-US" smtClean="0"/>
-              <a:t>9/11/2025</a:t>
+              <a:t>11/6/2025</a:t>
             </a:fld>
             <a:endParaRPr lang="en-US"/>
           </a:p>
@@ -2393,7 +2394,7 @@
           <a:p>
             <a:fld id="{A0CF861B-2947-4E74-AAE0-E351222E926D}" type="datetimeFigureOut">
               <a:rPr lang="en-US" smtClean="0"/>
-              <a:t>9/11/2025</a:t>
+              <a:t>11/6/2025</a:t>
             </a:fld>
             <a:endParaRPr lang="en-US"/>
           </a:p>
@@ -2681,7 +2682,7 @@
           <a:p>
             <a:fld id="{A0CF861B-2947-4E74-AAE0-E351222E926D}" type="datetimeFigureOut">
               <a:rPr lang="en-US" smtClean="0"/>
-              <a:t>9/11/2025</a:t>
+              <a:t>11/6/2025</a:t>
             </a:fld>
             <a:endParaRPr lang="en-US"/>
           </a:p>
@@ -2922,7 +2923,7 @@
           <a:p>
             <a:fld id="{A0CF861B-2947-4E74-AAE0-E351222E926D}" type="datetimeFigureOut">
               <a:rPr lang="en-US" smtClean="0"/>
-              <a:t>9/11/2025</a:t>
+              <a:t>11/6/2025</a:t>
             </a:fld>
             <a:endParaRPr lang="en-US"/>
           </a:p>
@@ -4869,6 +4870,363 @@
           <p:cNvPr id="2" name="Title 1">
             <a:extLst>
               <a:ext uri="{FF2B5EF4-FFF2-40B4-BE49-F238E27FC236}">
+                <a16:creationId xmlns:a16="http://schemas.microsoft.com/office/drawing/2014/main" id="{90D10DB1-D016-962B-05B5-14E467C87273}"/>
+              </a:ext>
+            </a:extLst>
+          </p:cNvPr>
+          <p:cNvSpPr>
+            <a:spLocks noGrp="1"/>
+          </p:cNvSpPr>
+          <p:nvPr>
+            <p:ph type="title"/>
+          </p:nvPr>
+        </p:nvSpPr>
+        <p:spPr/>
+        <p:txBody>
+          <a:bodyPr/>
+          <a:lstStyle/>
+          <a:p>
+            <a:r>
+              <a:rPr lang="en-US" dirty="0"/>
+              <a:t>Retrieval Augmented Generation (RAG)</a:t>
+            </a:r>
+          </a:p>
+        </p:txBody>
+      </p:sp>
+      <p:sp>
+        <p:nvSpPr>
+          <p:cNvPr id="3" name="Content Placeholder 2">
+            <a:extLst>
+              <a:ext uri="{FF2B5EF4-FFF2-40B4-BE49-F238E27FC236}">
+                <a16:creationId xmlns:a16="http://schemas.microsoft.com/office/drawing/2014/main" id="{8627F2F3-19BA-9759-7B24-F24A77190033}"/>
+              </a:ext>
+            </a:extLst>
+          </p:cNvPr>
+          <p:cNvSpPr>
+            <a:spLocks noGrp="1"/>
+          </p:cNvSpPr>
+          <p:nvPr>
+            <p:ph idx="1"/>
+          </p:nvPr>
+        </p:nvSpPr>
+        <p:spPr>
+          <a:xfrm>
+            <a:off x="838200" y="1825625"/>
+            <a:ext cx="4358640" cy="4351338"/>
+          </a:xfrm>
+        </p:spPr>
+        <p:txBody>
+          <a:bodyPr>
+            <a:normAutofit fontScale="62500" lnSpcReduction="20000"/>
+          </a:bodyPr>
+          <a:lstStyle/>
+          <a:p>
+            <a:r>
+              <a:rPr lang="en-US" dirty="0"/>
+              <a:t>RAG combines an information retrieval component with a text generator model.</a:t>
+            </a:r>
+          </a:p>
+          <a:p>
+            <a:r>
+              <a:rPr lang="en-US" dirty="0"/>
+              <a:t>Approach:</a:t>
+            </a:r>
+          </a:p>
+          <a:p>
+            <a:pPr marL="914400" lvl="1" indent="-457200">
+              <a:buFont typeface="+mj-lt"/>
+              <a:buAutoNum type="arabicPeriod"/>
+            </a:pPr>
+            <a:r>
+              <a:rPr lang="en-US" dirty="0"/>
+              <a:t>RAG takes an input and retrieves a set of relevant/supporting documents given a source (e.g., Wikipedia). </a:t>
+            </a:r>
+          </a:p>
+          <a:p>
+            <a:pPr marL="914400" lvl="1" indent="-457200">
+              <a:buFont typeface="+mj-lt"/>
+              <a:buAutoNum type="arabicPeriod"/>
+            </a:pPr>
+            <a:r>
+              <a:rPr lang="en-US" dirty="0"/>
+              <a:t>The documents are concatenated as context with the original input prompt and fed to the text generator LLM.</a:t>
+            </a:r>
+          </a:p>
+          <a:p>
+            <a:pPr marL="914400" lvl="1" indent="-457200">
+              <a:buFont typeface="+mj-lt"/>
+              <a:buAutoNum type="arabicPeriod"/>
+            </a:pPr>
+            <a:r>
+              <a:rPr lang="en-US" dirty="0"/>
+              <a:t>The LLM produces the final output.</a:t>
+            </a:r>
+          </a:p>
+          <a:p>
+            <a:endParaRPr lang="en-US" dirty="0"/>
+          </a:p>
+          <a:p>
+            <a:r>
+              <a:rPr lang="en-US" dirty="0"/>
+              <a:t>This approach can reduce issues with hallucination and introduce information that was not in the training data.</a:t>
+            </a:r>
+          </a:p>
+          <a:p>
+            <a:r>
+              <a:rPr lang="en-US" dirty="0"/>
+              <a:t>Tools: </a:t>
+            </a:r>
+            <a:r>
+              <a:rPr lang="en-US" dirty="0" err="1"/>
+              <a:t>LangChain</a:t>
+            </a:r>
+            <a:r>
+              <a:rPr lang="en-US" dirty="0"/>
+              <a:t>, </a:t>
+            </a:r>
+            <a:r>
+              <a:rPr lang="en-US" dirty="0" err="1"/>
+              <a:t>LambdaIndex</a:t>
+            </a:r>
+            <a:r>
+              <a:rPr lang="en-US" dirty="0"/>
+              <a:t>, </a:t>
+            </a:r>
+            <a:r>
+              <a:rPr lang="en-US" dirty="0" err="1"/>
+              <a:t>Flowise</a:t>
+            </a:r>
+            <a:r>
+              <a:rPr lang="en-US" dirty="0"/>
+              <a:t>,…</a:t>
+            </a:r>
+          </a:p>
+        </p:txBody>
+      </p:sp>
+      <p:grpSp>
+        <p:nvGrpSpPr>
+          <p:cNvPr id="8" name="Group 7">
+            <a:extLst>
+              <a:ext uri="{FF2B5EF4-FFF2-40B4-BE49-F238E27FC236}">
+                <a16:creationId xmlns:a16="http://schemas.microsoft.com/office/drawing/2014/main" id="{70EF5B99-7F95-309B-1CF2-9CA200AF629D}"/>
+              </a:ext>
+            </a:extLst>
+          </p:cNvPr>
+          <p:cNvGrpSpPr/>
+          <p:nvPr/>
+        </p:nvGrpSpPr>
+        <p:grpSpPr>
+          <a:xfrm>
+            <a:off x="5312845" y="1825625"/>
+            <a:ext cx="6281189" cy="3563053"/>
+            <a:chOff x="5312845" y="1825625"/>
+            <a:chExt cx="6281189" cy="3563053"/>
+          </a:xfrm>
+        </p:grpSpPr>
+        <p:grpSp>
+          <p:nvGrpSpPr>
+            <p:cNvPr id="6" name="Group 5">
+              <a:extLst>
+                <a:ext uri="{FF2B5EF4-FFF2-40B4-BE49-F238E27FC236}">
+                  <a16:creationId xmlns:a16="http://schemas.microsoft.com/office/drawing/2014/main" id="{C23B5F4B-997E-0996-C305-70B36523ADA0}"/>
+                </a:ext>
+              </a:extLst>
+            </p:cNvPr>
+            <p:cNvGrpSpPr/>
+            <p:nvPr/>
+          </p:nvGrpSpPr>
+          <p:grpSpPr>
+            <a:xfrm>
+              <a:off x="5312845" y="1965379"/>
+              <a:ext cx="6156960" cy="3243731"/>
+              <a:chOff x="5312845" y="1965379"/>
+              <a:chExt cx="6156960" cy="3243731"/>
+            </a:xfrm>
+          </p:grpSpPr>
+          <p:pic>
+            <p:nvPicPr>
+              <p:cNvPr id="1026" name="Picture 2" descr="llamaindex_rag_overview">
+                <a:extLst>
+                  <a:ext uri="{FF2B5EF4-FFF2-40B4-BE49-F238E27FC236}">
+                    <a16:creationId xmlns:a16="http://schemas.microsoft.com/office/drawing/2014/main" id="{732BDF57-20DA-B85C-D52B-C3DF4DFC7D23}"/>
+                  </a:ext>
+                </a:extLst>
+              </p:cNvPr>
+              <p:cNvPicPr>
+                <a:picLocks noChangeAspect="1" noChangeArrowheads="1"/>
+              </p:cNvPicPr>
+              <p:nvPr/>
+            </p:nvPicPr>
+            <p:blipFill>
+              <a:blip r:embed="rId2">
+                <a:extLst>
+                  <a:ext uri="{28A0092B-C50C-407E-A947-70E740481C1C}">
+                    <a14:useLocalDpi xmlns:a14="http://schemas.microsoft.com/office/drawing/2010/main" val="0"/>
+                  </a:ext>
+                </a:extLst>
+              </a:blip>
+              <a:srcRect/>
+              <a:stretch>
+                <a:fillRect/>
+              </a:stretch>
+            </p:blipFill>
+            <p:spPr bwMode="auto">
+              <a:xfrm>
+                <a:off x="5312845" y="1965379"/>
+                <a:ext cx="6156960" cy="2997510"/>
+              </a:xfrm>
+              <a:prstGeom prst="rect">
+                <a:avLst/>
+              </a:prstGeom>
+              <a:noFill/>
+              <a:extLst>
+                <a:ext uri="{909E8E84-426E-40DD-AFC4-6F175D3DCCD1}">
+                  <a14:hiddenFill xmlns:a14="http://schemas.microsoft.com/office/drawing/2010/main">
+                    <a:solidFill>
+                      <a:srgbClr val="FFFFFF"/>
+                    </a:solidFill>
+                  </a14:hiddenFill>
+                </a:ext>
+              </a:extLst>
+            </p:spPr>
+          </p:pic>
+          <p:sp>
+            <p:nvSpPr>
+              <p:cNvPr id="4" name="TextBox 3">
+                <a:extLst>
+                  <a:ext uri="{FF2B5EF4-FFF2-40B4-BE49-F238E27FC236}">
+                    <a16:creationId xmlns:a16="http://schemas.microsoft.com/office/drawing/2014/main" id="{588E5CA6-37FB-00E5-8826-C2474404AB5E}"/>
+                  </a:ext>
+                </a:extLst>
+              </p:cNvPr>
+              <p:cNvSpPr txBox="1"/>
+              <p:nvPr/>
+            </p:nvSpPr>
+            <p:spPr>
+              <a:xfrm>
+                <a:off x="5598082" y="4962889"/>
+                <a:ext cx="5755718" cy="246221"/>
+              </a:xfrm>
+              <a:prstGeom prst="rect">
+                <a:avLst/>
+              </a:prstGeom>
+              <a:noFill/>
+            </p:spPr>
+            <p:txBody>
+              <a:bodyPr wrap="square" rtlCol="0">
+                <a:spAutoFit/>
+              </a:bodyPr>
+              <a:lstStyle/>
+              <a:p>
+                <a:pPr algn="ctr"/>
+                <a:r>
+                  <a:rPr lang="en-US" sz="1000" dirty="0"/>
+                  <a:t>Source: </a:t>
+                </a:r>
+                <a:r>
+                  <a:rPr lang="en-US" sz="1000" dirty="0">
+                    <a:hlinkClick r:id="rId3"/>
+                  </a:rPr>
+                  <a:t>https://codingscape.com/blog/rag-101-what-is-rag-and-why-does-it-matter</a:t>
+                </a:r>
+                <a:r>
+                  <a:rPr lang="en-US" sz="1000" dirty="0"/>
+                  <a:t> </a:t>
+                </a:r>
+              </a:p>
+            </p:txBody>
+          </p:sp>
+        </p:grpSp>
+        <p:sp>
+          <p:nvSpPr>
+            <p:cNvPr id="7" name="Rectangle 6">
+              <a:extLst>
+                <a:ext uri="{FF2B5EF4-FFF2-40B4-BE49-F238E27FC236}">
+                  <a16:creationId xmlns:a16="http://schemas.microsoft.com/office/drawing/2014/main" id="{B0C3515D-D1E4-C2A4-BFE8-9B360FD83283}"/>
+                </a:ext>
+              </a:extLst>
+            </p:cNvPr>
+            <p:cNvSpPr/>
+            <p:nvPr/>
+          </p:nvSpPr>
+          <p:spPr>
+            <a:xfrm>
+              <a:off x="5312845" y="1825625"/>
+              <a:ext cx="6281189" cy="3563053"/>
+            </a:xfrm>
+            <a:prstGeom prst="rect">
+              <a:avLst/>
+            </a:prstGeom>
+            <a:noFill/>
+            <a:ln w="9525" cap="flat" cmpd="sng" algn="ctr">
+              <a:solidFill>
+                <a:schemeClr val="dk1"/>
+              </a:solidFill>
+              <a:prstDash val="solid"/>
+              <a:round/>
+              <a:headEnd type="none" w="med" len="med"/>
+              <a:tailEnd type="none" w="med" len="med"/>
+            </a:ln>
+          </p:spPr>
+          <p:style>
+            <a:lnRef idx="0">
+              <a:scrgbClr r="0" g="0" b="0"/>
+            </a:lnRef>
+            <a:fillRef idx="0">
+              <a:scrgbClr r="0" g="0" b="0"/>
+            </a:fillRef>
+            <a:effectRef idx="0">
+              <a:scrgbClr r="0" g="0" b="0"/>
+            </a:effectRef>
+            <a:fontRef idx="minor">
+              <a:schemeClr val="dk1"/>
+            </a:fontRef>
+          </p:style>
+          <p:txBody>
+            <a:bodyPr rtlCol="0" anchor="ctr"/>
+            <a:lstStyle/>
+            <a:p>
+              <a:pPr algn="ctr"/>
+              <a:endParaRPr lang="en-US"/>
+            </a:p>
+          </p:txBody>
+        </p:sp>
+      </p:grpSp>
+    </p:spTree>
+    <p:extLst>
+      <p:ext uri="{BB962C8B-B14F-4D97-AF65-F5344CB8AC3E}">
+        <p14:creationId xmlns:p14="http://schemas.microsoft.com/office/powerpoint/2010/main" val="3742212942"/>
+      </p:ext>
+    </p:extLst>
+  </p:cSld>
+  <p:clrMapOvr>
+    <a:masterClrMapping/>
+  </p:clrMapOvr>
+</p:sld>
+</file>
+
+<file path=ppt/slides/slide11.xml><?xml version="1.0" encoding="utf-8"?>
+<p:sld xmlns:a="http://schemas.openxmlformats.org/drawingml/2006/main" xmlns:r="http://schemas.openxmlformats.org/officeDocument/2006/relationships" xmlns:p="http://schemas.openxmlformats.org/presentationml/2006/main">
+  <p:cSld>
+    <p:spTree>
+      <p:nvGrpSpPr>
+        <p:cNvPr id="1" name=""/>
+        <p:cNvGrpSpPr/>
+        <p:nvPr/>
+      </p:nvGrpSpPr>
+      <p:grpSpPr>
+        <a:xfrm>
+          <a:off x="0" y="0"/>
+          <a:ext cx="0" cy="0"/>
+          <a:chOff x="0" y="0"/>
+          <a:chExt cx="0" cy="0"/>
+        </a:xfrm>
+      </p:grpSpPr>
+      <p:sp>
+        <p:nvSpPr>
+          <p:cNvPr id="2" name="Title 1">
+            <a:extLst>
+              <a:ext uri="{FF2B5EF4-FFF2-40B4-BE49-F238E27FC236}">
                 <a16:creationId xmlns:a16="http://schemas.microsoft.com/office/drawing/2014/main" id="{F7C81EE8-BE9A-D917-529C-02C6E1693206}"/>
               </a:ext>
             </a:extLst>
@@ -4958,7 +5316,7 @@
             </a:pPr>
             <a:r>
               <a:rPr lang="en-US" dirty="0"/>
-              <a:t>The LLM generates a structured output that signals a tool call.</a:t>
+              <a:t>The LLM generates a structured output that signals a tool call. E.g.: “browser(http://…”</a:t>
             </a:r>
           </a:p>
           <a:p>
@@ -5210,7 +5568,7 @@
 </p:sld>
 </file>
 
-<file path=ppt/slides/slide11.xml><?xml version="1.0" encoding="utf-8"?>
+<file path=ppt/slides/slide12.xml><?xml version="1.0" encoding="utf-8"?>
 <p:sld xmlns:a="http://schemas.openxmlformats.org/drawingml/2006/main" xmlns:r="http://schemas.openxmlformats.org/officeDocument/2006/relationships" xmlns:p="http://schemas.openxmlformats.org/presentationml/2006/main">
   <p:cSld>
     <p:spTree>
@@ -5291,7 +5649,15 @@
             <a:pPr lvl="1"/>
             <a:r>
               <a:rPr lang="en-US" dirty="0"/>
-              <a:t>LLMs convert visual data into locations in the embedding space (using image encoders and multimodal alignment). </a:t>
+              <a:t>LLMs </a:t>
+            </a:r>
+            <a:r>
+              <a:rPr lang="en-US" b="1" dirty="0"/>
+              <a:t>convert visual data into locations in the embedding space </a:t>
+            </a:r>
+            <a:r>
+              <a:rPr lang="en-US" dirty="0"/>
+              <a:t>(using image encoders and multimodal alignment). </a:t>
             </a:r>
           </a:p>
           <a:p>
@@ -5369,7 +5735,7 @@
 </p:sld>
 </file>
 
-<file path=ppt/slides/slide12.xml><?xml version="1.0" encoding="utf-8"?>
+<file path=ppt/slides/slide13.xml><?xml version="1.0" encoding="utf-8"?>
 <p:sld xmlns:a="http://schemas.openxmlformats.org/drawingml/2006/main" xmlns:r="http://schemas.openxmlformats.org/officeDocument/2006/relationships" xmlns:p="http://schemas.openxmlformats.org/presentationml/2006/main">
   <p:cSld>
     <p:spTree>
@@ -5535,7 +5901,7 @@
 </p:sld>
 </file>
 
-<file path=ppt/slides/slide13.xml><?xml version="1.0" encoding="utf-8"?>
+<file path=ppt/slides/slide14.xml><?xml version="1.0" encoding="utf-8"?>
 <p:sld xmlns:a="http://schemas.openxmlformats.org/drawingml/2006/main" xmlns:r="http://schemas.openxmlformats.org/officeDocument/2006/relationships" xmlns:p="http://schemas.openxmlformats.org/presentationml/2006/main">
   <p:cSld>
     <p:spTree>
@@ -5795,7 +6161,7 @@
 </p:sld>
 </file>
 
-<file path=ppt/slides/slide14.xml><?xml version="1.0" encoding="utf-8"?>
+<file path=ppt/slides/slide15.xml><?xml version="1.0" encoding="utf-8"?>
 <p:sld xmlns:a="http://schemas.openxmlformats.org/drawingml/2006/main" xmlns:r="http://schemas.openxmlformats.org/officeDocument/2006/relationships" xmlns:p="http://schemas.openxmlformats.org/presentationml/2006/main">
   <p:cSld>
     <p:bg>
@@ -5939,7 +6305,7 @@
         </p:spPr>
         <p:txBody>
           <a:bodyPr>
-            <a:normAutofit lnSpcReduction="10000"/>
+            <a:normAutofit fontScale="92500" lnSpcReduction="20000"/>
           </a:bodyPr>
           <a:lstStyle/>
           <a:p>
@@ -6036,7 +6402,26 @@
             </a:r>
             <a:r>
               <a:rPr lang="en-US" sz="1400" dirty="0"/>
-              <a:t>when the LLM is hosted by a third party.</a:t>
+              <a:t>when a third party hosts the LLM. Training data can be poisoned.</a:t>
+            </a:r>
+          </a:p>
+          <a:p>
+            <a:pPr lvl="1"/>
+            <a:r>
+              <a:rPr lang="en-US" sz="1400" b="1" dirty="0"/>
+              <a:t>Safety</a:t>
+            </a:r>
+            <a:r>
+              <a:rPr lang="en-US" sz="1400" dirty="0"/>
+              <a:t>: It is easy to avoid guardrails (i.e., </a:t>
+            </a:r>
+            <a:r>
+              <a:rPr lang="en-US" sz="1400" dirty="0" err="1"/>
+              <a:t>jailbrake</a:t>
+            </a:r>
+            <a:r>
+              <a:rPr lang="en-US" sz="1400" dirty="0"/>
+              <a:t>) leading to unsafe responses.</a:t>
             </a:r>
           </a:p>
           <a:p>
@@ -6058,7 +6443,7 @@
             <a:pPr lvl="1"/>
             <a:r>
               <a:rPr lang="en-US" sz="1400" dirty="0"/>
-              <a:t> LLMs’ performance is influenced by small prompt changes. The results are not very </a:t>
+              <a:t>LLMs’ performance is influenced by small prompt changes. The results are not very </a:t>
             </a:r>
             <a:r>
               <a:rPr lang="en-US" sz="1400" b="1" dirty="0"/>
@@ -6795,6 +7180,100 @@
           </a:p>
         </p:txBody>
       </p:sp>
+      <p:sp>
+        <p:nvSpPr>
+          <p:cNvPr id="2" name="Right Brace 1">
+            <a:extLst>
+              <a:ext uri="{FF2B5EF4-FFF2-40B4-BE49-F238E27FC236}">
+                <a16:creationId xmlns:a16="http://schemas.microsoft.com/office/drawing/2014/main" id="{9DFBAD7D-77A1-6AFF-0C81-2651AFAE54AF}"/>
+              </a:ext>
+            </a:extLst>
+          </p:cNvPr>
+          <p:cNvSpPr/>
+          <p:nvPr/>
+        </p:nvSpPr>
+        <p:spPr>
+          <a:xfrm>
+            <a:off x="8648409" y="3783243"/>
+            <a:ext cx="495591" cy="2142907"/>
+          </a:xfrm>
+          <a:prstGeom prst="rightBrace">
+            <a:avLst/>
+          </a:prstGeom>
+        </p:spPr>
+        <p:style>
+          <a:lnRef idx="2">
+            <a:schemeClr val="accent3"/>
+          </a:lnRef>
+          <a:fillRef idx="0">
+            <a:schemeClr val="accent3"/>
+          </a:fillRef>
+          <a:effectRef idx="1">
+            <a:schemeClr val="accent3"/>
+          </a:effectRef>
+          <a:fontRef idx="minor">
+            <a:schemeClr val="tx1"/>
+          </a:fontRef>
+        </p:style>
+        <p:txBody>
+          <a:bodyPr rtlCol="0" anchor="ctr"/>
+          <a:lstStyle/>
+          <a:p>
+            <a:pPr algn="ctr"/>
+            <a:endParaRPr lang="en-US"/>
+          </a:p>
+        </p:txBody>
+      </p:sp>
+      <p:sp>
+        <p:nvSpPr>
+          <p:cNvPr id="3" name="TextBox 2">
+            <a:extLst>
+              <a:ext uri="{FF2B5EF4-FFF2-40B4-BE49-F238E27FC236}">
+                <a16:creationId xmlns:a16="http://schemas.microsoft.com/office/drawing/2014/main" id="{210E5D93-7548-9ED3-6254-6F28AA677C1A}"/>
+              </a:ext>
+            </a:extLst>
+          </p:cNvPr>
+          <p:cNvSpPr txBox="1"/>
+          <p:nvPr/>
+        </p:nvSpPr>
+        <p:spPr>
+          <a:xfrm>
+            <a:off x="9381325" y="4200102"/>
+            <a:ext cx="1891622" cy="1200329"/>
+          </a:xfrm>
+          <a:prstGeom prst="rect">
+            <a:avLst/>
+          </a:prstGeom>
+        </p:spPr>
+        <p:style>
+          <a:lnRef idx="2">
+            <a:schemeClr val="accent3">
+              <a:shade val="15000"/>
+            </a:schemeClr>
+          </a:lnRef>
+          <a:fillRef idx="1">
+            <a:schemeClr val="accent3"/>
+          </a:fillRef>
+          <a:effectRef idx="0">
+            <a:schemeClr val="accent3"/>
+          </a:effectRef>
+          <a:fontRef idx="minor">
+            <a:schemeClr val="lt1"/>
+          </a:fontRef>
+        </p:style>
+        <p:txBody>
+          <a:bodyPr wrap="square" rtlCol="0">
+            <a:spAutoFit/>
+          </a:bodyPr>
+          <a:lstStyle/>
+          <a:p>
+            <a:r>
+              <a:rPr lang="en-US" dirty="0"/>
+              <a:t>This knowledge has to come from somewhere!</a:t>
+            </a:r>
+          </a:p>
+        </p:txBody>
+      </p:sp>
     </p:spTree>
     <p:extLst>
       <p:ext uri="{BB962C8B-B14F-4D97-AF65-F5344CB8AC3E}">
@@ -6830,7 +7309,7 @@
           <p:cNvPr id="2" name="Title 1">
             <a:extLst>
               <a:ext uri="{FF2B5EF4-FFF2-40B4-BE49-F238E27FC236}">
-                <a16:creationId xmlns:a16="http://schemas.microsoft.com/office/drawing/2014/main" id="{52ACFA10-D4CE-3C52-F4BD-BE3E73982914}"/>
+                <a16:creationId xmlns:a16="http://schemas.microsoft.com/office/drawing/2014/main" id="{5A59C578-9625-44B8-AF64-9CEF4228327D}"/>
               </a:ext>
             </a:extLst>
           </p:cNvPr>
@@ -6841,14 +7320,21 @@
             <p:ph type="title"/>
           </p:nvPr>
         </p:nvSpPr>
-        <p:spPr/>
+        <p:spPr>
+          <a:xfrm>
+            <a:off x="2057400" y="365127"/>
+            <a:ext cx="8153400" cy="558076"/>
+          </a:xfrm>
+        </p:spPr>
         <p:txBody>
-          <a:bodyPr/>
+          <a:bodyPr>
+            <a:normAutofit/>
+          </a:bodyPr>
           <a:lstStyle/>
           <a:p>
             <a:r>
-              <a:rPr lang="en-US" dirty="0"/>
-              <a:t>How LLMs Understand Text</a:t>
+              <a:rPr lang="en-US" sz="2800" dirty="0"/>
+              <a:t>Using Natural Language for Knowledge Representation</a:t>
             </a:r>
           </a:p>
         </p:txBody>
@@ -6858,7 +7344,7 @@
           <p:cNvPr id="3" name="Content Placeholder 2">
             <a:extLst>
               <a:ext uri="{FF2B5EF4-FFF2-40B4-BE49-F238E27FC236}">
-                <a16:creationId xmlns:a16="http://schemas.microsoft.com/office/drawing/2014/main" id="{2A489801-C8CF-5519-CF41-BEDB62A10BE9}"/>
+                <a16:creationId xmlns:a16="http://schemas.microsoft.com/office/drawing/2014/main" id="{3F765D05-68B7-4A70-8C8D-AFBC2F08BBEC}"/>
               </a:ext>
             </a:extLst>
           </p:cNvPr>
@@ -6871,113 +7357,65 @@
         </p:nvSpPr>
         <p:spPr>
           <a:xfrm>
-            <a:off x="838200" y="1825625"/>
-            <a:ext cx="7046626" cy="4351338"/>
+            <a:off x="2152650" y="4918847"/>
+            <a:ext cx="7886700" cy="1612921"/>
           </a:xfrm>
         </p:spPr>
         <p:txBody>
           <a:bodyPr>
-            <a:normAutofit fontScale="70000" lnSpcReduction="20000"/>
+            <a:normAutofit fontScale="62500" lnSpcReduction="20000"/>
           </a:bodyPr>
           <a:lstStyle/>
           <a:p>
             <a:r>
               <a:rPr lang="en-US" dirty="0"/>
-              <a:t>LLMs can only compute with numbers!</a:t>
-            </a:r>
-          </a:p>
-          <a:p>
-            <a:endParaRPr lang="en-US" dirty="0"/>
-          </a:p>
-          <a:p>
+              <a:t>The user formulates a question about the real world as a natural language </a:t>
+            </a:r>
+            <a:r>
+              <a:rPr lang="en-US" b="1" dirty="0"/>
+              <a:t>prompt</a:t>
+            </a:r>
             <a:r>
               <a:rPr lang="en-US" dirty="0"/>
-              <a:t>Prompts are converted into numbers:</a:t>
-            </a:r>
-          </a:p>
-          <a:p>
-            <a:pPr marL="914400" lvl="1" indent="-457200">
-              <a:buFont typeface="+mj-lt"/>
-              <a:buAutoNum type="arabicPeriod"/>
-            </a:pPr>
+              <a:t> (a sequence of tokens).</a:t>
+            </a:r>
+          </a:p>
+          <a:p>
+            <a:r>
+              <a:rPr lang="en-US" dirty="0"/>
+              <a:t>The LLM </a:t>
+            </a:r>
             <a:r>
               <a:rPr lang="en-US" b="1" dirty="0"/>
-              <a:t>Tokenization</a:t>
+              <a:t>generates text </a:t>
             </a:r>
             <a:r>
               <a:rPr lang="en-US" dirty="0"/>
-              <a:t>:</a:t>
-            </a:r>
-          </a:p>
-          <a:p>
-            <a:pPr lvl="2"/>
+              <a:t>using a pretrained model that represents its knowledge base.</a:t>
+            </a:r>
+          </a:p>
+          <a:p>
             <a:r>
               <a:rPr lang="en-US" dirty="0"/>
-              <a:t>Text is converted into a sequence of tokens (ids). </a:t>
-            </a:r>
-          </a:p>
-          <a:p>
-            <a:pPr lvl="2"/>
+              <a:t>The text (hopefully) is useful in the real world. The </a:t>
+            </a:r>
+            <a:r>
+              <a:rPr lang="en-US" b="1" dirty="0"/>
+              <a:t>objective function </a:t>
+            </a:r>
             <a:r>
               <a:rPr lang="en-US" dirty="0"/>
-              <a:t>Tokens represent words, parts of words, parts of numbers, etc.</a:t>
-            </a:r>
-          </a:p>
-          <a:p>
-            <a:pPr marL="914400" lvl="1" indent="-457200">
-              <a:buFont typeface="+mj-lt"/>
-              <a:buAutoNum type="arabicPeriod"/>
-            </a:pPr>
-            <a:r>
-              <a:rPr lang="en-US" b="1" dirty="0"/>
-              <a:t>Embedding</a:t>
-            </a:r>
-            <a:r>
-              <a:rPr lang="en-US" dirty="0"/>
-              <a:t>:</a:t>
-            </a:r>
-          </a:p>
-          <a:p>
-            <a:pPr lvl="2"/>
-            <a:r>
-              <a:rPr lang="en-US" dirty="0"/>
-              <a:t>Tokes are converted to large vectors indicating a position in a high-dimensional space called the embedding space. </a:t>
-            </a:r>
-          </a:p>
-          <a:p>
-            <a:pPr lvl="2"/>
-            <a:r>
-              <a:rPr lang="en-US" dirty="0"/>
-              <a:t>Positions in this space have meaning.</a:t>
-            </a:r>
-          </a:p>
-          <a:p>
-            <a:endParaRPr lang="en-US" dirty="0"/>
-          </a:p>
-          <a:p>
-            <a:r>
-              <a:rPr lang="en-US" dirty="0"/>
-              <a:t>Computation is done by calculations (moving around) in the embedding space. </a:t>
-            </a:r>
-            <a:br>
-              <a:rPr lang="en-US" dirty="0"/>
-            </a:br>
-            <a:endParaRPr lang="en-US" dirty="0"/>
-          </a:p>
-          <a:p>
-            <a:r>
-              <a:rPr lang="en-US" dirty="0"/>
-              <a:t>New words are generated from resulting vectors by learning a function that maps vectors back to tokens.</a:t>
+              <a:t>is not clear. Maybe it is implied in the prompt?</a:t>
             </a:r>
           </a:p>
         </p:txBody>
       </p:sp>
       <p:grpSp>
         <p:nvGrpSpPr>
-          <p:cNvPr id="6" name="Group 5">
+          <p:cNvPr id="9" name="Group 8">
             <a:extLst>
               <a:ext uri="{FF2B5EF4-FFF2-40B4-BE49-F238E27FC236}">
-                <a16:creationId xmlns:a16="http://schemas.microsoft.com/office/drawing/2014/main" id="{9F879D49-1DC0-9973-934B-90D098D317D3}"/>
+                <a16:creationId xmlns:a16="http://schemas.microsoft.com/office/drawing/2014/main" id="{C7855321-8D1D-90A5-586C-7D82C0312A11}"/>
               </a:ext>
             </a:extLst>
           </p:cNvPr>
@@ -6986,128 +7424,785 @@
         </p:nvGrpSpPr>
         <p:grpSpPr>
           <a:xfrm>
-            <a:off x="8067207" y="2590123"/>
-            <a:ext cx="3877456" cy="3166139"/>
-            <a:chOff x="8112177" y="1825625"/>
-            <a:chExt cx="3877456" cy="3166139"/>
+            <a:off x="1828800" y="1105360"/>
+            <a:ext cx="8458200" cy="3813486"/>
+            <a:chOff x="304800" y="1105360"/>
+            <a:chExt cx="8458200" cy="3813486"/>
           </a:xfrm>
         </p:grpSpPr>
-        <p:pic>
-          <p:nvPicPr>
-            <p:cNvPr id="5122" name="Picture 2" descr="From Words to Vectors: Understanding Word2Vec in NLP">
+        <p:grpSp>
+          <p:nvGrpSpPr>
+            <p:cNvPr id="5" name="Group 4" descr="A diagram showing how LLMs fit the structure knowledge representation used by knowledge-based agents.">
               <a:extLst>
                 <a:ext uri="{FF2B5EF4-FFF2-40B4-BE49-F238E27FC236}">
-                  <a16:creationId xmlns:a16="http://schemas.microsoft.com/office/drawing/2014/main" id="{0639C443-65B5-49F3-F42E-9C72535161E4}"/>
+                  <a16:creationId xmlns:a16="http://schemas.microsoft.com/office/drawing/2014/main" id="{B266BC1B-424E-E5E2-C00B-C85CCB7C6F6F}"/>
                 </a:ext>
               </a:extLst>
             </p:cNvPr>
-            <p:cNvPicPr>
-              <a:picLocks noChangeAspect="1" noChangeArrowheads="1"/>
-            </p:cNvPicPr>
+            <p:cNvGrpSpPr/>
             <p:nvPr/>
-          </p:nvPicPr>
-          <p:blipFill>
-            <a:blip r:embed="rId2">
-              <a:extLst>
-                <a:ext uri="{28A0092B-C50C-407E-A947-70E740481C1C}">
-                  <a14:useLocalDpi xmlns:a14="http://schemas.microsoft.com/office/drawing/2010/main" val="0"/>
-                </a:ext>
-              </a:extLst>
-            </a:blip>
-            <a:srcRect/>
-            <a:stretch>
-              <a:fillRect/>
-            </a:stretch>
-          </p:blipFill>
-          <p:spPr bwMode="auto">
+          </p:nvGrpSpPr>
+          <p:grpSpPr>
             <a:xfrm>
-              <a:off x="8112177" y="1825625"/>
-              <a:ext cx="3877456" cy="2908092"/>
+              <a:off x="304800" y="1105360"/>
+              <a:ext cx="8458200" cy="3813486"/>
+              <a:chOff x="304800" y="1105360"/>
+              <a:chExt cx="8458200" cy="3813486"/>
             </a:xfrm>
-            <a:prstGeom prst="rect">
-              <a:avLst/>
-            </a:prstGeom>
-            <a:noFill/>
-            <a:extLst>
-              <a:ext uri="{909E8E84-426E-40DD-AFC4-6F175D3DCCD1}">
-                <a14:hiddenFill xmlns:a14="http://schemas.microsoft.com/office/drawing/2010/main">
-                  <a:solidFill>
-                    <a:srgbClr val="FFFFFF"/>
-                  </a:solidFill>
-                </a14:hiddenFill>
-              </a:ext>
-            </a:extLst>
-          </p:spPr>
-        </p:pic>
-        <p:sp>
-          <p:nvSpPr>
-            <p:cNvPr id="5" name="TextBox 4">
+          </p:grpSpPr>
+          <p:pic>
+            <p:nvPicPr>
+              <p:cNvPr id="4" name="Picture 3">
+                <a:extLst>
+                  <a:ext uri="{FF2B5EF4-FFF2-40B4-BE49-F238E27FC236}">
+                    <a16:creationId xmlns:a16="http://schemas.microsoft.com/office/drawing/2014/main" id="{9BF91B6D-86A1-4EC3-86B7-31180718A531}"/>
+                  </a:ext>
+                </a:extLst>
+              </p:cNvPr>
+              <p:cNvPicPr>
+                <a:picLocks noChangeAspect="1"/>
+              </p:cNvPicPr>
+              <p:nvPr/>
+            </p:nvPicPr>
+            <p:blipFill>
+              <a:blip r:embed="rId2"/>
+              <a:stretch>
+                <a:fillRect/>
+              </a:stretch>
+            </p:blipFill>
+            <p:spPr>
+              <a:xfrm>
+                <a:off x="304800" y="2020164"/>
+                <a:ext cx="8458200" cy="2792908"/>
+              </a:xfrm>
+              <a:prstGeom prst="rect">
+                <a:avLst/>
+              </a:prstGeom>
+            </p:spPr>
+          </p:pic>
+          <p:cxnSp>
+            <p:nvCxnSpPr>
+              <p:cNvPr id="7" name="Straight Arrow Connector 6">
+                <a:extLst>
+                  <a:ext uri="{FF2B5EF4-FFF2-40B4-BE49-F238E27FC236}">
+                    <a16:creationId xmlns:a16="http://schemas.microsoft.com/office/drawing/2014/main" id="{87C76E13-1940-4A02-9752-8E2F6CD8EAEB}"/>
+                  </a:ext>
+                </a:extLst>
+              </p:cNvPr>
+              <p:cNvCxnSpPr>
+                <a:cxnSpLocks/>
+              </p:cNvCxnSpPr>
+              <p:nvPr/>
+            </p:nvCxnSpPr>
+            <p:spPr>
+              <a:xfrm flipV="1">
+                <a:off x="3500792" y="2562548"/>
+                <a:ext cx="0" cy="366111"/>
+              </a:xfrm>
+              <a:prstGeom prst="straightConnector1">
+                <a:avLst/>
+              </a:prstGeom>
+              <a:ln>
+                <a:tailEnd type="triangle"/>
+              </a:ln>
+            </p:spPr>
+            <p:style>
+              <a:lnRef idx="3">
+                <a:schemeClr val="accent2"/>
+              </a:lnRef>
+              <a:fillRef idx="0">
+                <a:schemeClr val="accent2"/>
+              </a:fillRef>
+              <a:effectRef idx="2">
+                <a:schemeClr val="accent2"/>
+              </a:effectRef>
+              <a:fontRef idx="minor">
+                <a:schemeClr val="tx1"/>
+              </a:fontRef>
+            </p:style>
+          </p:cxnSp>
+          <p:sp>
+            <p:nvSpPr>
+              <p:cNvPr id="14" name="Flowchart: Multidocument 13">
+                <a:extLst>
+                  <a:ext uri="{FF2B5EF4-FFF2-40B4-BE49-F238E27FC236}">
+                    <a16:creationId xmlns:a16="http://schemas.microsoft.com/office/drawing/2014/main" id="{587D664C-62DD-B249-E25E-723233B2179A}"/>
+                  </a:ext>
+                </a:extLst>
+              </p:cNvPr>
+              <p:cNvSpPr/>
+              <p:nvPr/>
+            </p:nvSpPr>
+            <p:spPr>
+              <a:xfrm>
+                <a:off x="2929292" y="3039254"/>
+                <a:ext cx="1143000" cy="610191"/>
+              </a:xfrm>
+              <a:prstGeom prst="flowChartMultidocument">
+                <a:avLst/>
+              </a:prstGeom>
+            </p:spPr>
+            <p:style>
+              <a:lnRef idx="3">
+                <a:schemeClr val="lt1"/>
+              </a:lnRef>
+              <a:fillRef idx="1">
+                <a:schemeClr val="accent2"/>
+              </a:fillRef>
+              <a:effectRef idx="1">
+                <a:schemeClr val="accent2"/>
+              </a:effectRef>
+              <a:fontRef idx="minor">
+                <a:schemeClr val="lt1"/>
+              </a:fontRef>
+            </p:style>
+            <p:txBody>
+              <a:bodyPr rtlCol="0" anchor="ctr"/>
+              <a:lstStyle/>
+              <a:p>
+                <a:pPr algn="ctr"/>
+                <a:r>
+                  <a:rPr lang="en-US" sz="1600" dirty="0"/>
+                  <a:t>Prompts</a:t>
+                </a:r>
+              </a:p>
+            </p:txBody>
+          </p:sp>
+          <p:cxnSp>
+            <p:nvCxnSpPr>
+              <p:cNvPr id="16" name="Straight Arrow Connector 15">
+                <a:extLst>
+                  <a:ext uri="{FF2B5EF4-FFF2-40B4-BE49-F238E27FC236}">
+                    <a16:creationId xmlns:a16="http://schemas.microsoft.com/office/drawing/2014/main" id="{C7D32E6D-586F-B355-E331-F1089D35FED0}"/>
+                  </a:ext>
+                </a:extLst>
+              </p:cNvPr>
+              <p:cNvCxnSpPr>
+                <a:cxnSpLocks/>
+              </p:cNvCxnSpPr>
+              <p:nvPr/>
+            </p:nvCxnSpPr>
+            <p:spPr>
+              <a:xfrm flipV="1">
+                <a:off x="3516704" y="3649445"/>
+                <a:ext cx="0" cy="366111"/>
+              </a:xfrm>
+              <a:prstGeom prst="straightConnector1">
+                <a:avLst/>
+              </a:prstGeom>
+              <a:ln>
+                <a:tailEnd type="triangle"/>
+              </a:ln>
+            </p:spPr>
+            <p:style>
+              <a:lnRef idx="3">
+                <a:schemeClr val="accent2"/>
+              </a:lnRef>
+              <a:fillRef idx="0">
+                <a:schemeClr val="accent2"/>
+              </a:fillRef>
+              <a:effectRef idx="2">
+                <a:schemeClr val="accent2"/>
+              </a:effectRef>
+              <a:fontRef idx="minor">
+                <a:schemeClr val="tx1"/>
+              </a:fontRef>
+            </p:style>
+          </p:cxnSp>
+          <p:sp>
+            <p:nvSpPr>
+              <p:cNvPr id="17" name="Flowchart: Multidocument 16">
+                <a:extLst>
+                  <a:ext uri="{FF2B5EF4-FFF2-40B4-BE49-F238E27FC236}">
+                    <a16:creationId xmlns:a16="http://schemas.microsoft.com/office/drawing/2014/main" id="{D4139DBB-ACD7-C8DA-CB8D-D19E855EB49C}"/>
+                  </a:ext>
+                </a:extLst>
+              </p:cNvPr>
+              <p:cNvSpPr/>
+              <p:nvPr/>
+            </p:nvSpPr>
+            <p:spPr>
+              <a:xfrm>
+                <a:off x="5861235" y="2857772"/>
+                <a:ext cx="1143000" cy="903574"/>
+              </a:xfrm>
+              <a:prstGeom prst="flowChartMultidocument">
+                <a:avLst/>
+              </a:prstGeom>
+            </p:spPr>
+            <p:style>
+              <a:lnRef idx="3">
+                <a:schemeClr val="lt1"/>
+              </a:lnRef>
+              <a:fillRef idx="1">
+                <a:schemeClr val="accent2"/>
+              </a:fillRef>
+              <a:effectRef idx="1">
+                <a:schemeClr val="accent2"/>
+              </a:effectRef>
+              <a:fontRef idx="minor">
+                <a:schemeClr val="lt1"/>
+              </a:fontRef>
+            </p:style>
+            <p:txBody>
+              <a:bodyPr rtlCol="0" anchor="ctr"/>
+              <a:lstStyle/>
+              <a:p>
+                <a:pPr algn="ctr"/>
+                <a:r>
+                  <a:rPr lang="en-US" dirty="0"/>
+                  <a:t>Text</a:t>
+                </a:r>
+              </a:p>
+            </p:txBody>
+          </p:sp>
+          <p:sp>
+            <p:nvSpPr>
+              <p:cNvPr id="21" name="TextBox 20">
+                <a:extLst>
+                  <a:ext uri="{FF2B5EF4-FFF2-40B4-BE49-F238E27FC236}">
+                    <a16:creationId xmlns:a16="http://schemas.microsoft.com/office/drawing/2014/main" id="{697A8A1B-AF90-62D1-5F1B-1F50136C3B7C}"/>
+                  </a:ext>
+                </a:extLst>
+              </p:cNvPr>
+              <p:cNvSpPr txBox="1"/>
+              <p:nvPr/>
+            </p:nvSpPr>
+            <p:spPr>
+              <a:xfrm>
+                <a:off x="4136197" y="2606150"/>
+                <a:ext cx="1270028" cy="369332"/>
+              </a:xfrm>
+              <a:prstGeom prst="rect">
+                <a:avLst/>
+              </a:prstGeom>
+              <a:noFill/>
+            </p:spPr>
+            <p:txBody>
+              <a:bodyPr wrap="none" rtlCol="0">
+                <a:spAutoFit/>
+              </a:bodyPr>
+              <a:lstStyle/>
+              <a:p>
+                <a:r>
+                  <a:rPr lang="en-US" b="1" dirty="0">
+                    <a:solidFill>
+                      <a:schemeClr val="accent2"/>
+                    </a:solidFill>
+                  </a:rPr>
+                  <a:t>Generates</a:t>
+                </a:r>
+              </a:p>
+            </p:txBody>
+          </p:sp>
+          <p:cxnSp>
+            <p:nvCxnSpPr>
+              <p:cNvPr id="22" name="Straight Arrow Connector 21">
+                <a:extLst>
+                  <a:ext uri="{FF2B5EF4-FFF2-40B4-BE49-F238E27FC236}">
+                    <a16:creationId xmlns:a16="http://schemas.microsoft.com/office/drawing/2014/main" id="{CE970966-C578-FE62-E5B4-343595585FB7}"/>
+                  </a:ext>
+                </a:extLst>
+              </p:cNvPr>
+              <p:cNvCxnSpPr>
+                <a:cxnSpLocks/>
+              </p:cNvCxnSpPr>
+              <p:nvPr/>
+            </p:nvCxnSpPr>
+            <p:spPr>
+              <a:xfrm>
+                <a:off x="6477000" y="3696493"/>
+                <a:ext cx="0" cy="389898"/>
+              </a:xfrm>
+              <a:prstGeom prst="straightConnector1">
+                <a:avLst/>
+              </a:prstGeom>
+              <a:ln>
+                <a:tailEnd type="triangle"/>
+              </a:ln>
+            </p:spPr>
+            <p:style>
+              <a:lnRef idx="3">
+                <a:schemeClr val="accent2"/>
+              </a:lnRef>
+              <a:fillRef idx="0">
+                <a:schemeClr val="accent2"/>
+              </a:fillRef>
+              <a:effectRef idx="2">
+                <a:schemeClr val="accent2"/>
+              </a:effectRef>
+              <a:fontRef idx="minor">
+                <a:schemeClr val="tx1"/>
+              </a:fontRef>
+            </p:style>
+          </p:cxnSp>
+          <p:grpSp>
+            <p:nvGrpSpPr>
+              <p:cNvPr id="31" name="Group 30">
+                <a:extLst>
+                  <a:ext uri="{FF2B5EF4-FFF2-40B4-BE49-F238E27FC236}">
+                    <a16:creationId xmlns:a16="http://schemas.microsoft.com/office/drawing/2014/main" id="{9649024D-198D-0681-81BD-6BE64DAD75A7}"/>
+                  </a:ext>
+                </a:extLst>
+              </p:cNvPr>
+              <p:cNvGrpSpPr/>
+              <p:nvPr/>
+            </p:nvGrpSpPr>
+            <p:grpSpPr>
+              <a:xfrm>
+                <a:off x="4136197" y="2400536"/>
+                <a:ext cx="1224990" cy="305455"/>
+                <a:chOff x="5867400" y="1524000"/>
+                <a:chExt cx="936306" cy="566145"/>
+              </a:xfrm>
+            </p:grpSpPr>
+            <p:cxnSp>
+              <p:nvCxnSpPr>
+                <p:cNvPr id="25" name="Straight Connector 24">
+                  <a:extLst>
+                    <a:ext uri="{FF2B5EF4-FFF2-40B4-BE49-F238E27FC236}">
+                      <a16:creationId xmlns:a16="http://schemas.microsoft.com/office/drawing/2014/main" id="{3C19A48D-5C1C-807E-C6A8-7757A8BA999E}"/>
+                    </a:ext>
+                  </a:extLst>
+                </p:cNvPr>
+                <p:cNvCxnSpPr>
+                  <a:cxnSpLocks/>
+                </p:cNvCxnSpPr>
+                <p:nvPr/>
+              </p:nvCxnSpPr>
+              <p:spPr>
+                <a:xfrm>
+                  <a:off x="5867400" y="1528600"/>
+                  <a:ext cx="936306" cy="545017"/>
+                </a:xfrm>
+                <a:prstGeom prst="line">
+                  <a:avLst/>
+                </a:prstGeom>
+              </p:spPr>
+              <p:style>
+                <a:lnRef idx="3">
+                  <a:schemeClr val="accent2"/>
+                </a:lnRef>
+                <a:fillRef idx="0">
+                  <a:schemeClr val="accent2"/>
+                </a:fillRef>
+                <a:effectRef idx="2">
+                  <a:schemeClr val="accent2"/>
+                </a:effectRef>
+                <a:fontRef idx="minor">
+                  <a:schemeClr val="tx1"/>
+                </a:fontRef>
+              </p:style>
+            </p:cxnSp>
+            <p:cxnSp>
+              <p:nvCxnSpPr>
+                <p:cNvPr id="26" name="Straight Connector 25">
+                  <a:extLst>
+                    <a:ext uri="{FF2B5EF4-FFF2-40B4-BE49-F238E27FC236}">
+                      <a16:creationId xmlns:a16="http://schemas.microsoft.com/office/drawing/2014/main" id="{F6DBA013-DF20-0788-AE43-DE9F383864E2}"/>
+                    </a:ext>
+                  </a:extLst>
+                </p:cNvPr>
+                <p:cNvCxnSpPr>
+                  <a:cxnSpLocks/>
+                </p:cNvCxnSpPr>
+                <p:nvPr/>
+              </p:nvCxnSpPr>
+              <p:spPr>
+                <a:xfrm flipV="1">
+                  <a:off x="5901955" y="1524000"/>
+                  <a:ext cx="901751" cy="566145"/>
+                </a:xfrm>
+                <a:prstGeom prst="line">
+                  <a:avLst/>
+                </a:prstGeom>
+              </p:spPr>
+              <p:style>
+                <a:lnRef idx="3">
+                  <a:schemeClr val="accent2"/>
+                </a:lnRef>
+                <a:fillRef idx="0">
+                  <a:schemeClr val="accent2"/>
+                </a:fillRef>
+                <a:effectRef idx="2">
+                  <a:schemeClr val="accent2"/>
+                </a:effectRef>
+                <a:fontRef idx="minor">
+                  <a:schemeClr val="tx1"/>
+                </a:fontRef>
+              </p:style>
+            </p:cxnSp>
+          </p:grpSp>
+          <p:sp>
+            <p:nvSpPr>
+              <p:cNvPr id="6" name="Flowchart: Magnetic Disk 5">
+                <a:extLst>
+                  <a:ext uri="{FF2B5EF4-FFF2-40B4-BE49-F238E27FC236}">
+                    <a16:creationId xmlns:a16="http://schemas.microsoft.com/office/drawing/2014/main" id="{3C351FF7-F61B-1563-9441-F70A4B3FD7C1}"/>
+                  </a:ext>
+                </a:extLst>
+              </p:cNvPr>
+              <p:cNvSpPr/>
+              <p:nvPr/>
+            </p:nvSpPr>
+            <p:spPr>
+              <a:xfrm>
+                <a:off x="964414" y="2190097"/>
+                <a:ext cx="757533" cy="533400"/>
+              </a:xfrm>
+              <a:prstGeom prst="flowChartMagneticDisk">
+                <a:avLst/>
+              </a:prstGeom>
+            </p:spPr>
+            <p:style>
+              <a:lnRef idx="2">
+                <a:schemeClr val="accent6">
+                  <a:shade val="15000"/>
+                </a:schemeClr>
+              </a:lnRef>
+              <a:fillRef idx="1">
+                <a:schemeClr val="accent6"/>
+              </a:fillRef>
+              <a:effectRef idx="0">
+                <a:schemeClr val="accent6"/>
+              </a:effectRef>
+              <a:fontRef idx="minor">
+                <a:schemeClr val="lt1"/>
+              </a:fontRef>
+            </p:style>
+            <p:txBody>
+              <a:bodyPr rtlCol="0" anchor="ctr"/>
+              <a:lstStyle/>
+              <a:p>
+                <a:pPr algn="ctr"/>
+                <a:r>
+                  <a:rPr lang="en-US" dirty="0"/>
+                  <a:t>KB</a:t>
+                </a:r>
+              </a:p>
+            </p:txBody>
+          </p:sp>
+          <p:cxnSp>
+            <p:nvCxnSpPr>
+              <p:cNvPr id="10" name="Straight Arrow Connector 9">
+                <a:extLst>
+                  <a:ext uri="{FF2B5EF4-FFF2-40B4-BE49-F238E27FC236}">
+                    <a16:creationId xmlns:a16="http://schemas.microsoft.com/office/drawing/2014/main" id="{B61D950E-E7EF-DC8A-C21E-B0E434EC17DD}"/>
+                  </a:ext>
+                </a:extLst>
+              </p:cNvPr>
+              <p:cNvCxnSpPr>
+                <a:cxnSpLocks/>
+              </p:cNvCxnSpPr>
+              <p:nvPr/>
+            </p:nvCxnSpPr>
+            <p:spPr>
+              <a:xfrm>
+                <a:off x="6477000" y="2514600"/>
+                <a:ext cx="10391" cy="294395"/>
+              </a:xfrm>
+              <a:prstGeom prst="straightConnector1">
+                <a:avLst/>
+              </a:prstGeom>
+              <a:ln>
+                <a:tailEnd type="triangle"/>
+              </a:ln>
+            </p:spPr>
+            <p:style>
+              <a:lnRef idx="3">
+                <a:schemeClr val="accent2"/>
+              </a:lnRef>
+              <a:fillRef idx="0">
+                <a:schemeClr val="accent2"/>
+              </a:fillRef>
+              <a:effectRef idx="2">
+                <a:schemeClr val="accent2"/>
+              </a:effectRef>
+              <a:fontRef idx="minor">
+                <a:schemeClr val="tx1"/>
+              </a:fontRef>
+            </p:style>
+          </p:cxnSp>
+          <p:grpSp>
+            <p:nvGrpSpPr>
+              <p:cNvPr id="13" name="Group 12">
+                <a:extLst>
+                  <a:ext uri="{FF2B5EF4-FFF2-40B4-BE49-F238E27FC236}">
+                    <a16:creationId xmlns:a16="http://schemas.microsoft.com/office/drawing/2014/main" id="{84CB2650-18BF-5E77-72FF-746A963C41EB}"/>
+                  </a:ext>
+                </a:extLst>
+              </p:cNvPr>
+              <p:cNvGrpSpPr/>
+              <p:nvPr/>
+            </p:nvGrpSpPr>
+            <p:grpSpPr>
+              <a:xfrm>
+                <a:off x="4072292" y="4334377"/>
+                <a:ext cx="1224990" cy="305455"/>
+                <a:chOff x="5867400" y="1524000"/>
+                <a:chExt cx="936306" cy="566145"/>
+              </a:xfrm>
+            </p:grpSpPr>
+            <p:cxnSp>
+              <p:nvCxnSpPr>
+                <p:cNvPr id="15" name="Straight Connector 14">
+                  <a:extLst>
+                    <a:ext uri="{FF2B5EF4-FFF2-40B4-BE49-F238E27FC236}">
+                      <a16:creationId xmlns:a16="http://schemas.microsoft.com/office/drawing/2014/main" id="{5DB55F67-8628-B3C2-DD28-003667B6C6E1}"/>
+                    </a:ext>
+                  </a:extLst>
+                </p:cNvPr>
+                <p:cNvCxnSpPr>
+                  <a:cxnSpLocks/>
+                </p:cNvCxnSpPr>
+                <p:nvPr/>
+              </p:nvCxnSpPr>
+              <p:spPr>
+                <a:xfrm>
+                  <a:off x="5867400" y="1528600"/>
+                  <a:ext cx="936306" cy="545017"/>
+                </a:xfrm>
+                <a:prstGeom prst="line">
+                  <a:avLst/>
+                </a:prstGeom>
+              </p:spPr>
+              <p:style>
+                <a:lnRef idx="3">
+                  <a:schemeClr val="accent2"/>
+                </a:lnRef>
+                <a:fillRef idx="0">
+                  <a:schemeClr val="accent2"/>
+                </a:fillRef>
+                <a:effectRef idx="2">
+                  <a:schemeClr val="accent2"/>
+                </a:effectRef>
+                <a:fontRef idx="minor">
+                  <a:schemeClr val="tx1"/>
+                </a:fontRef>
+              </p:style>
+            </p:cxnSp>
+            <p:cxnSp>
+              <p:nvCxnSpPr>
+                <p:cNvPr id="19" name="Straight Connector 18">
+                  <a:extLst>
+                    <a:ext uri="{FF2B5EF4-FFF2-40B4-BE49-F238E27FC236}">
+                      <a16:creationId xmlns:a16="http://schemas.microsoft.com/office/drawing/2014/main" id="{0B43803D-A81E-4123-00F0-7D67D1A0CA29}"/>
+                    </a:ext>
+                  </a:extLst>
+                </p:cNvPr>
+                <p:cNvCxnSpPr>
+                  <a:cxnSpLocks/>
+                </p:cNvCxnSpPr>
+                <p:nvPr/>
+              </p:nvCxnSpPr>
+              <p:spPr>
+                <a:xfrm flipV="1">
+                  <a:off x="5901955" y="1524000"/>
+                  <a:ext cx="901751" cy="566145"/>
+                </a:xfrm>
+                <a:prstGeom prst="line">
+                  <a:avLst/>
+                </a:prstGeom>
+              </p:spPr>
+              <p:style>
+                <a:lnRef idx="3">
+                  <a:schemeClr val="accent2"/>
+                </a:lnRef>
+                <a:fillRef idx="0">
+                  <a:schemeClr val="accent2"/>
+                </a:fillRef>
+                <a:effectRef idx="2">
+                  <a:schemeClr val="accent2"/>
+                </a:effectRef>
+                <a:fontRef idx="minor">
+                  <a:schemeClr val="tx1"/>
+                </a:fontRef>
+              </p:style>
+            </p:cxnSp>
+          </p:grpSp>
+          <p:sp>
+            <p:nvSpPr>
+              <p:cNvPr id="20" name="TextBox 19">
+                <a:extLst>
+                  <a:ext uri="{FF2B5EF4-FFF2-40B4-BE49-F238E27FC236}">
+                    <a16:creationId xmlns:a16="http://schemas.microsoft.com/office/drawing/2014/main" id="{DC9567E1-1F33-CD80-A6FF-2B7E24C4BB52}"/>
+                  </a:ext>
+                </a:extLst>
+              </p:cNvPr>
+              <p:cNvSpPr txBox="1"/>
+              <p:nvPr/>
+            </p:nvSpPr>
+            <p:spPr>
+              <a:xfrm>
+                <a:off x="4278703" y="4549514"/>
+                <a:ext cx="991810" cy="369332"/>
+              </a:xfrm>
+              <a:prstGeom prst="rect">
+                <a:avLst/>
+              </a:prstGeom>
+              <a:noFill/>
+            </p:spPr>
+            <p:txBody>
+              <a:bodyPr wrap="none" rtlCol="0">
+                <a:spAutoFit/>
+              </a:bodyPr>
+              <a:lstStyle/>
+              <a:p>
+                <a:r>
+                  <a:rPr lang="en-US" b="1" dirty="0">
+                    <a:solidFill>
+                      <a:schemeClr val="accent2"/>
+                    </a:solidFill>
+                  </a:rPr>
+                  <a:t>Useful?</a:t>
+                </a:r>
+              </a:p>
+            </p:txBody>
+          </p:sp>
+          <p:sp>
+            <p:nvSpPr>
+              <p:cNvPr id="32" name="Speech Bubble: Rectangle with Corners Rounded 31">
+                <a:extLst>
+                  <a:ext uri="{FF2B5EF4-FFF2-40B4-BE49-F238E27FC236}">
+                    <a16:creationId xmlns:a16="http://schemas.microsoft.com/office/drawing/2014/main" id="{3B77A4D0-1B69-8099-AA4C-9EE2F0618A4C}"/>
+                  </a:ext>
+                </a:extLst>
+              </p:cNvPr>
+              <p:cNvSpPr/>
+              <p:nvPr/>
+            </p:nvSpPr>
+            <p:spPr>
+              <a:xfrm>
+                <a:off x="762000" y="1105360"/>
+                <a:ext cx="3810000" cy="936173"/>
+              </a:xfrm>
+              <a:prstGeom prst="wedgeRoundRectCallout">
+                <a:avLst>
+                  <a:gd name="adj1" fmla="val -36361"/>
+                  <a:gd name="adj2" fmla="val 75333"/>
+                  <a:gd name="adj3" fmla="val 16667"/>
+                </a:avLst>
+              </a:prstGeom>
+            </p:spPr>
+            <p:style>
+              <a:lnRef idx="3">
+                <a:schemeClr val="lt1"/>
+              </a:lnRef>
+              <a:fillRef idx="1">
+                <a:schemeClr val="accent2"/>
+              </a:fillRef>
+              <a:effectRef idx="1">
+                <a:schemeClr val="accent2"/>
+              </a:effectRef>
+              <a:fontRef idx="minor">
+                <a:schemeClr val="lt1"/>
+              </a:fontRef>
+            </p:style>
+            <p:txBody>
+              <a:bodyPr rtlCol="0" anchor="ctr"/>
+              <a:lstStyle/>
+              <a:p>
+                <a:pPr algn="ctr"/>
+                <a:r>
+                  <a:rPr lang="en-US" dirty="0"/>
+                  <a:t>Pretrained model knows words relationship, grammar, and facts stored as parameters in a network.</a:t>
+                </a:r>
+              </a:p>
+            </p:txBody>
+          </p:sp>
+        </p:grpSp>
+        <p:cxnSp>
+          <p:nvCxnSpPr>
+            <p:cNvPr id="8" name="Straight Arrow Connector 7">
               <a:extLst>
                 <a:ext uri="{FF2B5EF4-FFF2-40B4-BE49-F238E27FC236}">
-                  <a16:creationId xmlns:a16="http://schemas.microsoft.com/office/drawing/2014/main" id="{95933749-B8D1-DAE5-13EB-B07CB562E8F6}"/>
+                  <a16:creationId xmlns:a16="http://schemas.microsoft.com/office/drawing/2014/main" id="{226C09F6-1C95-E0CD-22D8-7F75C715994B}"/>
                 </a:ext>
               </a:extLst>
             </p:cNvPr>
-            <p:cNvSpPr txBox="1"/>
+            <p:cNvCxnSpPr>
+              <a:cxnSpLocks/>
+            </p:cNvCxnSpPr>
             <p:nvPr/>
-          </p:nvSpPr>
+          </p:nvCxnSpPr>
           <p:spPr>
             <a:xfrm>
-              <a:off x="8385287" y="4745543"/>
-              <a:ext cx="3331235" cy="246221"/>
+              <a:off x="3969223" y="2286000"/>
+              <a:ext cx="1804182" cy="0"/>
             </a:xfrm>
-            <a:prstGeom prst="rect">
+            <a:prstGeom prst="straightConnector1">
               <a:avLst/>
             </a:prstGeom>
-            <a:noFill/>
+            <a:ln w="57150">
+              <a:tailEnd type="triangle"/>
+            </a:ln>
           </p:spPr>
-          <p:txBody>
-            <a:bodyPr wrap="square">
-              <a:spAutoFit/>
-            </a:bodyPr>
-            <a:lstStyle/>
-            <a:p>
-              <a:pPr algn="ctr"/>
-              <a:r>
-                <a:rPr lang="en-US" sz="1000" dirty="0"/>
-                <a:t>Source: https://zilliz.com/glossary/word2vec</a:t>
-              </a:r>
-            </a:p>
-          </p:txBody>
-        </p:sp>
+          <p:style>
+            <a:lnRef idx="3">
+              <a:schemeClr val="accent2"/>
+            </a:lnRef>
+            <a:fillRef idx="0">
+              <a:schemeClr val="accent2"/>
+            </a:fillRef>
+            <a:effectRef idx="2">
+              <a:schemeClr val="accent2"/>
+            </a:effectRef>
+            <a:fontRef idx="minor">
+              <a:schemeClr val="tx1"/>
+            </a:fontRef>
+          </p:style>
+        </p:cxnSp>
       </p:grpSp>
       <p:sp>
         <p:nvSpPr>
-          <p:cNvPr id="4" name="TextBox 3">
+          <p:cNvPr id="12" name="Callout: Line 11">
             <a:extLst>
               <a:ext uri="{FF2B5EF4-FFF2-40B4-BE49-F238E27FC236}">
-                <a16:creationId xmlns:a16="http://schemas.microsoft.com/office/drawing/2014/main" id="{AB3ABC39-3DB7-3F72-2BE3-A931C82B666E}"/>
+                <a16:creationId xmlns:a16="http://schemas.microsoft.com/office/drawing/2014/main" id="{3B9826D5-DE6B-1048-5906-6CE912E7E20E}"/>
               </a:ext>
             </a:extLst>
           </p:cNvPr>
-          <p:cNvSpPr txBox="1"/>
+          <p:cNvSpPr/>
           <p:nvPr/>
         </p:nvSpPr>
         <p:spPr>
           <a:xfrm>
-            <a:off x="8094162" y="2128947"/>
-            <a:ext cx="3877456" cy="369332"/>
+            <a:off x="9341015" y="971980"/>
+            <a:ext cx="2036634" cy="866027"/>
           </a:xfrm>
-          <a:prstGeom prst="rect">
-            <a:avLst/>
+          <a:prstGeom prst="borderCallout1">
+            <a:avLst>
+              <a:gd name="adj1" fmla="val 18750"/>
+              <a:gd name="adj2" fmla="val -8333"/>
+              <a:gd name="adj3" fmla="val 173756"/>
+              <a:gd name="adj4" fmla="val -29079"/>
+            </a:avLst>
           </a:prstGeom>
-          <a:noFill/>
         </p:spPr>
+        <p:style>
+          <a:lnRef idx="2">
+            <a:schemeClr val="accent1">
+              <a:shade val="15000"/>
+            </a:schemeClr>
+          </a:lnRef>
+          <a:fillRef idx="1">
+            <a:schemeClr val="accent1"/>
+          </a:fillRef>
+          <a:effectRef idx="0">
+            <a:schemeClr val="accent1"/>
+          </a:effectRef>
+          <a:fontRef idx="minor">
+            <a:schemeClr val="lt1"/>
+          </a:fontRef>
+        </p:style>
         <p:txBody>
-          <a:bodyPr wrap="square" rtlCol="0">
-            <a:spAutoFit/>
-          </a:bodyPr>
+          <a:bodyPr rtlCol="0" anchor="ctr"/>
           <a:lstStyle/>
           <a:p>
             <a:pPr algn="ctr"/>
             <a:r>
-              <a:rPr lang="en-US" dirty="0"/>
-              <a:t>Natural Language Processing (NLP)</a:t>
+              <a:rPr lang="en-US" sz="1400" dirty="0"/>
+              <a:t>Modified version of knowledge represented using logic.</a:t>
             </a:r>
           </a:p>
         </p:txBody>
@@ -7115,7 +8210,7 @@
     </p:spTree>
     <p:extLst>
       <p:ext uri="{BB962C8B-B14F-4D97-AF65-F5344CB8AC3E}">
-        <p14:creationId xmlns:p14="http://schemas.microsoft.com/office/powerpoint/2010/main" val="3438995310"/>
+        <p14:creationId xmlns:p14="http://schemas.microsoft.com/office/powerpoint/2010/main" val="3148554670"/>
       </p:ext>
     </p:extLst>
   </p:cSld>
@@ -7975,6 +9070,323 @@
           <p:cNvPr id="2" name="Title 1">
             <a:extLst>
               <a:ext uri="{FF2B5EF4-FFF2-40B4-BE49-F238E27FC236}">
+                <a16:creationId xmlns:a16="http://schemas.microsoft.com/office/drawing/2014/main" id="{52ACFA10-D4CE-3C52-F4BD-BE3E73982914}"/>
+              </a:ext>
+            </a:extLst>
+          </p:cNvPr>
+          <p:cNvSpPr>
+            <a:spLocks noGrp="1"/>
+          </p:cNvSpPr>
+          <p:nvPr>
+            <p:ph type="title"/>
+          </p:nvPr>
+        </p:nvSpPr>
+        <p:spPr/>
+        <p:txBody>
+          <a:bodyPr/>
+          <a:lstStyle/>
+          <a:p>
+            <a:r>
+              <a:rPr lang="en-US" dirty="0"/>
+              <a:t>How LLMs Understand Text</a:t>
+            </a:r>
+          </a:p>
+        </p:txBody>
+      </p:sp>
+      <p:sp>
+        <p:nvSpPr>
+          <p:cNvPr id="3" name="Content Placeholder 2">
+            <a:extLst>
+              <a:ext uri="{FF2B5EF4-FFF2-40B4-BE49-F238E27FC236}">
+                <a16:creationId xmlns:a16="http://schemas.microsoft.com/office/drawing/2014/main" id="{2A489801-C8CF-5519-CF41-BEDB62A10BE9}"/>
+              </a:ext>
+            </a:extLst>
+          </p:cNvPr>
+          <p:cNvSpPr>
+            <a:spLocks noGrp="1"/>
+          </p:cNvSpPr>
+          <p:nvPr>
+            <p:ph idx="1"/>
+          </p:nvPr>
+        </p:nvSpPr>
+        <p:spPr>
+          <a:xfrm>
+            <a:off x="838200" y="1825625"/>
+            <a:ext cx="7046626" cy="4351338"/>
+          </a:xfrm>
+        </p:spPr>
+        <p:txBody>
+          <a:bodyPr>
+            <a:normAutofit fontScale="70000" lnSpcReduction="20000"/>
+          </a:bodyPr>
+          <a:lstStyle/>
+          <a:p>
+            <a:r>
+              <a:rPr lang="en-US" dirty="0"/>
+              <a:t>LLMs can only compute with numbers!</a:t>
+            </a:r>
+          </a:p>
+          <a:p>
+            <a:endParaRPr lang="en-US" dirty="0"/>
+          </a:p>
+          <a:p>
+            <a:r>
+              <a:rPr lang="en-US" dirty="0"/>
+              <a:t>Prompts are converted into numbers:</a:t>
+            </a:r>
+          </a:p>
+          <a:p>
+            <a:pPr marL="914400" lvl="1" indent="-457200">
+              <a:buFont typeface="+mj-lt"/>
+              <a:buAutoNum type="arabicPeriod"/>
+            </a:pPr>
+            <a:r>
+              <a:rPr lang="en-US" b="1" dirty="0"/>
+              <a:t>Tokenization</a:t>
+            </a:r>
+            <a:r>
+              <a:rPr lang="en-US" dirty="0"/>
+              <a:t>:</a:t>
+            </a:r>
+          </a:p>
+          <a:p>
+            <a:pPr lvl="2"/>
+            <a:r>
+              <a:rPr lang="en-US" dirty="0"/>
+              <a:t>Text is converted into a sequence of tokens (ids). </a:t>
+            </a:r>
+          </a:p>
+          <a:p>
+            <a:pPr lvl="2"/>
+            <a:r>
+              <a:rPr lang="en-US" dirty="0"/>
+              <a:t>Tokens represent words, parts of words, parts of numbers, etc.</a:t>
+            </a:r>
+          </a:p>
+          <a:p>
+            <a:pPr marL="914400" lvl="1" indent="-457200">
+              <a:buFont typeface="+mj-lt"/>
+              <a:buAutoNum type="arabicPeriod"/>
+            </a:pPr>
+            <a:r>
+              <a:rPr lang="en-US" b="1" dirty="0"/>
+              <a:t>Embedding</a:t>
+            </a:r>
+            <a:r>
+              <a:rPr lang="en-US" dirty="0"/>
+              <a:t>:</a:t>
+            </a:r>
+          </a:p>
+          <a:p>
+            <a:pPr lvl="2"/>
+            <a:r>
+              <a:rPr lang="en-US" dirty="0"/>
+              <a:t>Tokes are converted to large vectors indicating a position in a high-dimensional space called the embedding space. </a:t>
+            </a:r>
+          </a:p>
+          <a:p>
+            <a:pPr lvl="2"/>
+            <a:r>
+              <a:rPr lang="en-US" dirty="0"/>
+              <a:t>Positions in this space have meaning.</a:t>
+            </a:r>
+          </a:p>
+          <a:p>
+            <a:endParaRPr lang="en-US" dirty="0"/>
+          </a:p>
+          <a:p>
+            <a:r>
+              <a:rPr lang="en-US" dirty="0"/>
+              <a:t>Computation is done by calculations (moving around) in the embedding space. </a:t>
+            </a:r>
+            <a:br>
+              <a:rPr lang="en-US" dirty="0"/>
+            </a:br>
+            <a:endParaRPr lang="en-US" dirty="0"/>
+          </a:p>
+          <a:p>
+            <a:r>
+              <a:rPr lang="en-US" dirty="0"/>
+              <a:t>New words are generated from resulting vectors by learning a function that maps vectors back to tokens.</a:t>
+            </a:r>
+          </a:p>
+        </p:txBody>
+      </p:sp>
+      <p:grpSp>
+        <p:nvGrpSpPr>
+          <p:cNvPr id="6" name="Group 5">
+            <a:extLst>
+              <a:ext uri="{FF2B5EF4-FFF2-40B4-BE49-F238E27FC236}">
+                <a16:creationId xmlns:a16="http://schemas.microsoft.com/office/drawing/2014/main" id="{9F879D49-1DC0-9973-934B-90D098D317D3}"/>
+              </a:ext>
+            </a:extLst>
+          </p:cNvPr>
+          <p:cNvGrpSpPr/>
+          <p:nvPr/>
+        </p:nvGrpSpPr>
+        <p:grpSpPr>
+          <a:xfrm>
+            <a:off x="8067207" y="2590123"/>
+            <a:ext cx="3877456" cy="3166139"/>
+            <a:chOff x="8112177" y="1825625"/>
+            <a:chExt cx="3877456" cy="3166139"/>
+          </a:xfrm>
+        </p:grpSpPr>
+        <p:pic>
+          <p:nvPicPr>
+            <p:cNvPr id="5122" name="Picture 2" descr="From Words to Vectors: Understanding Word2Vec in NLP">
+              <a:extLst>
+                <a:ext uri="{FF2B5EF4-FFF2-40B4-BE49-F238E27FC236}">
+                  <a16:creationId xmlns:a16="http://schemas.microsoft.com/office/drawing/2014/main" id="{0639C443-65B5-49F3-F42E-9C72535161E4}"/>
+                </a:ext>
+              </a:extLst>
+            </p:cNvPr>
+            <p:cNvPicPr>
+              <a:picLocks noChangeAspect="1" noChangeArrowheads="1"/>
+            </p:cNvPicPr>
+            <p:nvPr/>
+          </p:nvPicPr>
+          <p:blipFill>
+            <a:blip r:embed="rId2">
+              <a:extLst>
+                <a:ext uri="{28A0092B-C50C-407E-A947-70E740481C1C}">
+                  <a14:useLocalDpi xmlns:a14="http://schemas.microsoft.com/office/drawing/2010/main" val="0"/>
+                </a:ext>
+              </a:extLst>
+            </a:blip>
+            <a:srcRect/>
+            <a:stretch>
+              <a:fillRect/>
+            </a:stretch>
+          </p:blipFill>
+          <p:spPr bwMode="auto">
+            <a:xfrm>
+              <a:off x="8112177" y="1825625"/>
+              <a:ext cx="3877456" cy="2908092"/>
+            </a:xfrm>
+            <a:prstGeom prst="rect">
+              <a:avLst/>
+            </a:prstGeom>
+            <a:noFill/>
+            <a:extLst>
+              <a:ext uri="{909E8E84-426E-40DD-AFC4-6F175D3DCCD1}">
+                <a14:hiddenFill xmlns:a14="http://schemas.microsoft.com/office/drawing/2010/main">
+                  <a:solidFill>
+                    <a:srgbClr val="FFFFFF"/>
+                  </a:solidFill>
+                </a14:hiddenFill>
+              </a:ext>
+            </a:extLst>
+          </p:spPr>
+        </p:pic>
+        <p:sp>
+          <p:nvSpPr>
+            <p:cNvPr id="5" name="TextBox 4">
+              <a:extLst>
+                <a:ext uri="{FF2B5EF4-FFF2-40B4-BE49-F238E27FC236}">
+                  <a16:creationId xmlns:a16="http://schemas.microsoft.com/office/drawing/2014/main" id="{95933749-B8D1-DAE5-13EB-B07CB562E8F6}"/>
+                </a:ext>
+              </a:extLst>
+            </p:cNvPr>
+            <p:cNvSpPr txBox="1"/>
+            <p:nvPr/>
+          </p:nvSpPr>
+          <p:spPr>
+            <a:xfrm>
+              <a:off x="8385287" y="4745543"/>
+              <a:ext cx="3331235" cy="246221"/>
+            </a:xfrm>
+            <a:prstGeom prst="rect">
+              <a:avLst/>
+            </a:prstGeom>
+            <a:noFill/>
+          </p:spPr>
+          <p:txBody>
+            <a:bodyPr wrap="square">
+              <a:spAutoFit/>
+            </a:bodyPr>
+            <a:lstStyle/>
+            <a:p>
+              <a:pPr algn="ctr"/>
+              <a:r>
+                <a:rPr lang="en-US" sz="1000" dirty="0"/>
+                <a:t>Source: https://zilliz.com/glossary/word2vec</a:t>
+              </a:r>
+            </a:p>
+          </p:txBody>
+        </p:sp>
+      </p:grpSp>
+      <p:sp>
+        <p:nvSpPr>
+          <p:cNvPr id="4" name="TextBox 3">
+            <a:extLst>
+              <a:ext uri="{FF2B5EF4-FFF2-40B4-BE49-F238E27FC236}">
+                <a16:creationId xmlns:a16="http://schemas.microsoft.com/office/drawing/2014/main" id="{AB3ABC39-3DB7-3F72-2BE3-A931C82B666E}"/>
+              </a:ext>
+            </a:extLst>
+          </p:cNvPr>
+          <p:cNvSpPr txBox="1"/>
+          <p:nvPr/>
+        </p:nvSpPr>
+        <p:spPr>
+          <a:xfrm>
+            <a:off x="8094162" y="2128947"/>
+            <a:ext cx="3877456" cy="369332"/>
+          </a:xfrm>
+          <a:prstGeom prst="rect">
+            <a:avLst/>
+          </a:prstGeom>
+          <a:noFill/>
+        </p:spPr>
+        <p:txBody>
+          <a:bodyPr wrap="square" rtlCol="0">
+            <a:spAutoFit/>
+          </a:bodyPr>
+          <a:lstStyle/>
+          <a:p>
+            <a:pPr algn="ctr"/>
+            <a:r>
+              <a:rPr lang="en-US" dirty="0"/>
+              <a:t>Natural Language Processing (NLP)</a:t>
+            </a:r>
+          </a:p>
+        </p:txBody>
+      </p:sp>
+    </p:spTree>
+    <p:extLst>
+      <p:ext uri="{BB962C8B-B14F-4D97-AF65-F5344CB8AC3E}">
+        <p14:creationId xmlns:p14="http://schemas.microsoft.com/office/powerpoint/2010/main" val="3438995310"/>
+      </p:ext>
+    </p:extLst>
+  </p:cSld>
+  <p:clrMapOvr>
+    <a:masterClrMapping/>
+  </p:clrMapOvr>
+</p:sld>
+</file>
+
+<file path=ppt/slides/slide6.xml><?xml version="1.0" encoding="utf-8"?>
+<p:sld xmlns:a="http://schemas.openxmlformats.org/drawingml/2006/main" xmlns:r="http://schemas.openxmlformats.org/officeDocument/2006/relationships" xmlns:p="http://schemas.openxmlformats.org/presentationml/2006/main">
+  <p:cSld>
+    <p:spTree>
+      <p:nvGrpSpPr>
+        <p:cNvPr id="1" name=""/>
+        <p:cNvGrpSpPr/>
+        <p:nvPr/>
+      </p:nvGrpSpPr>
+      <p:grpSpPr>
+        <a:xfrm>
+          <a:off x="0" y="0"/>
+          <a:ext cx="0" cy="0"/>
+          <a:chOff x="0" y="0"/>
+          <a:chExt cx="0" cy="0"/>
+        </a:xfrm>
+      </p:grpSpPr>
+      <p:sp>
+        <p:nvSpPr>
+          <p:cNvPr id="2" name="Title 1">
+            <a:extLst>
+              <a:ext uri="{FF2B5EF4-FFF2-40B4-BE49-F238E27FC236}">
                 <a16:creationId xmlns:a16="http://schemas.microsoft.com/office/drawing/2014/main" id="{1BD914E1-7CB1-4F78-40CA-04C37EEF866D}"/>
               </a:ext>
             </a:extLst>
@@ -7993,7 +9405,7 @@
           <a:p>
             <a:r>
               <a:rPr lang="en-US" dirty="0"/>
-              <a:t>LLMs</a:t>
+              <a:t>Prompts and Generation</a:t>
             </a:r>
           </a:p>
         </p:txBody>
@@ -8661,7 +10073,7 @@
 </p:sld>
 </file>
 
-<file path=ppt/slides/slide6.xml><?xml version="1.0" encoding="utf-8"?>
+<file path=ppt/slides/slide7.xml><?xml version="1.0" encoding="utf-8"?>
 <p:sld xmlns:a="http://schemas.openxmlformats.org/drawingml/2006/main" xmlns:r="http://schemas.openxmlformats.org/officeDocument/2006/relationships" xmlns:p="http://schemas.openxmlformats.org/presentationml/2006/main">
   <p:cSld>
     <p:spTree>
@@ -8713,8 +10125,8 @@
           </a:p>
         </p:txBody>
       </p:sp>
-      <mc:AlternateContent xmlns:mc="http://schemas.openxmlformats.org/markup-compatibility/2006" xmlns:a14="http://schemas.microsoft.com/office/drawing/2010/main">
-        <mc:Choice Requires="a14">
+      <mc:AlternateContent xmlns:mc="http://schemas.openxmlformats.org/markup-compatibility/2006">
+        <mc:Choice xmlns:a14="http://schemas.microsoft.com/office/drawing/2010/main" Requires="a14">
           <p:sp>
             <p:nvSpPr>
               <p:cNvPr id="3" name="Content Placeholder 2">
@@ -8734,12 +10146,12 @@
             <p:spPr>
               <a:xfrm>
                 <a:off x="838200" y="1340553"/>
-                <a:ext cx="10515600" cy="4837933"/>
+                <a:ext cx="10515600" cy="4612657"/>
               </a:xfrm>
             </p:spPr>
             <p:txBody>
               <a:bodyPr>
-                <a:normAutofit/>
+                <a:normAutofit lnSpcReduction="10000"/>
               </a:bodyPr>
               <a:lstStyle/>
               <a:p>
@@ -9997,7 +11409,21 @@
                 </a14:m>
                 <a:r>
                   <a:rPr lang="en-US" sz="2000" dirty="0"/>
-                  <a:t> -&gt;  </a:t>
+                  <a:t> </a:t>
+                </a:r>
+                <a14:m>
+                  <m:oMath xmlns:m="http://schemas.openxmlformats.org/officeDocument/2006/math">
+                    <m:r>
+                      <a:rPr lang="en-US" sz="2000" b="0" i="1" dirty="0" smtClean="0">
+                        <a:latin typeface="Cambria Math" panose="02040503050406030204" pitchFamily="18" charset="0"/>
+                      </a:rPr>
+                      <m:t>→</m:t>
+                    </m:r>
+                  </m:oMath>
+                </a14:m>
+                <a:r>
+                  <a:rPr lang="en-US" sz="2000" dirty="0"/>
+                  <a:t> </a:t>
                 </a:r>
                 <a14:m>
                   <m:oMath xmlns:m="http://schemas.openxmlformats.org/officeDocument/2006/math">
@@ -10057,28 +11483,35 @@
                   <a:rPr lang="en-US" sz="2000" dirty="0"/>
                   <a:t>: </a:t>
                 </a:r>
+              </a:p>
+              <a:p>
+                <a:pPr lvl="1"/>
+                <a:r>
+                  <a:rPr lang="en-US" sz="1600" dirty="0"/>
+                  <a:t>Naïve version: </a:t>
+                </a:r>
                 <a14:m>
                   <m:oMath xmlns:m="http://schemas.openxmlformats.org/officeDocument/2006/math">
                     <m:r>
-                      <a:rPr lang="en-US" sz="2000" i="1" dirty="0" smtClean="0">
+                      <a:rPr lang="en-US" sz="1600" i="1" dirty="0" smtClean="0">
                         <a:latin typeface="Cambria Math" panose="02040503050406030204" pitchFamily="18" charset="0"/>
                       </a:rPr>
                       <m:t>𝑑</m:t>
                     </m:r>
                     <m:r>
-                      <a:rPr lang="en-US" sz="2000" i="1" dirty="0" smtClean="0">
+                      <a:rPr lang="en-US" sz="1600" i="1" dirty="0" smtClean="0">
                         <a:latin typeface="Cambria Math" panose="02040503050406030204" pitchFamily="18" charset="0"/>
                       </a:rPr>
                       <m:t> = 50,000, </m:t>
                     </m:r>
                     <m:r>
-                      <a:rPr lang="en-US" sz="2000" i="1" dirty="0" smtClean="0">
+                      <a:rPr lang="en-US" sz="1600" i="1" dirty="0" smtClean="0">
                         <a:latin typeface="Cambria Math" panose="02040503050406030204" pitchFamily="18" charset="0"/>
                       </a:rPr>
                       <m:t>𝑙</m:t>
                     </m:r>
                     <m:r>
-                      <a:rPr lang="en-US" sz="2000" i="1" dirty="0" smtClean="0">
+                      <a:rPr lang="en-US" sz="1600" i="1" dirty="0" smtClean="0">
                         <a:latin typeface="Cambria Math" panose="02040503050406030204" pitchFamily="18" charset="0"/>
                       </a:rPr>
                       <m:t> = 2000</m:t>
@@ -10086,13 +11519,27 @@
                   </m:oMath>
                 </a14:m>
                 <a:r>
-                  <a:rPr lang="en-US" sz="2000" dirty="0"/>
-                  <a:t> -&gt; </a:t>
+                  <a:rPr lang="en-US" sz="1600" dirty="0"/>
+                  <a:t> </a:t>
                 </a:r>
                 <a14:m>
                   <m:oMath xmlns:m="http://schemas.openxmlformats.org/officeDocument/2006/math">
                     <m:r>
-                      <a:rPr lang="en-US" sz="2000" b="0" i="1" smtClean="0">
+                      <a:rPr lang="en-US" sz="1600" i="1" dirty="0">
+                        <a:latin typeface="Cambria Math" panose="02040503050406030204" pitchFamily="18" charset="0"/>
+                      </a:rPr>
+                      <m:t>→</m:t>
+                    </m:r>
+                  </m:oMath>
+                </a14:m>
+                <a:r>
+                  <a:rPr lang="en-US" sz="1600" dirty="0"/>
+                  <a:t> </a:t>
+                </a:r>
+                <a14:m>
+                  <m:oMath xmlns:m="http://schemas.openxmlformats.org/officeDocument/2006/math">
+                    <m:r>
+                      <a:rPr lang="en-US" sz="1600" b="0" i="1" smtClean="0">
                         <a:latin typeface="Cambria Math" panose="02040503050406030204" pitchFamily="18" charset="0"/>
                       </a:rPr>
                       <m:t>𝑂</m:t>
@@ -10100,7 +11547,7 @@
                     <m:d>
                       <m:dPr>
                         <m:ctrlPr>
-                          <a:rPr lang="en-US" sz="2000" b="0" i="1" smtClean="0">
+                          <a:rPr lang="en-US" sz="1600" b="0" i="1" smtClean="0">
                             <a:latin typeface="Cambria Math" panose="02040503050406030204" pitchFamily="18" charset="0"/>
                           </a:rPr>
                         </m:ctrlPr>
@@ -10109,14 +11556,14 @@
                         <m:sSup>
                           <m:sSupPr>
                             <m:ctrlPr>
-                              <a:rPr lang="en-US" sz="2000" i="1" smtClean="0">
+                              <a:rPr lang="en-US" sz="1600" i="1" smtClean="0">
                                 <a:latin typeface="Cambria Math" panose="02040503050406030204" pitchFamily="18" charset="0"/>
                               </a:rPr>
                             </m:ctrlPr>
                           </m:sSupPr>
                           <m:e>
                             <m:r>
-                              <a:rPr lang="en-US" sz="2000" b="0" i="1" smtClean="0">
+                              <a:rPr lang="en-US" sz="1600" b="0" i="1" smtClean="0">
                                 <a:latin typeface="Cambria Math" panose="02040503050406030204" pitchFamily="18" charset="0"/>
                               </a:rPr>
                               <m:t>50000</m:t>
@@ -10124,7 +11571,7 @@
                           </m:e>
                           <m:sup>
                             <m:r>
-                              <a:rPr lang="en-US" sz="2000" b="0" i="1" smtClean="0">
+                              <a:rPr lang="en-US" sz="1600" b="0" i="1" smtClean="0">
                                 <a:latin typeface="Cambria Math" panose="02040503050406030204" pitchFamily="18" charset="0"/>
                               </a:rPr>
                               <m:t>2000</m:t>
@@ -10134,14 +11581,14 @@
                       </m:e>
                     </m:d>
                     <m:r>
-                      <a:rPr lang="en-US" sz="2000" b="0" i="1" smtClean="0">
+                      <a:rPr lang="en-US" sz="1600" b="0" i="1" smtClean="0">
                         <a:latin typeface="Cambria Math" panose="02040503050406030204" pitchFamily="18" charset="0"/>
                         <a:ea typeface="Cambria Math" panose="02040503050406030204" pitchFamily="18" charset="0"/>
                       </a:rPr>
                       <m:t>≈</m:t>
                     </m:r>
                     <m:r>
-                      <a:rPr lang="en-US" sz="2000" b="0" i="1" smtClean="0">
+                      <a:rPr lang="en-US" sz="1600" b="0" i="1" smtClean="0">
                         <a:latin typeface="Cambria Math" panose="02040503050406030204" pitchFamily="18" charset="0"/>
                         <a:ea typeface="Cambria Math" panose="02040503050406030204" pitchFamily="18" charset="0"/>
                       </a:rPr>
@@ -10150,7 +11597,7 @@
                     <m:d>
                       <m:dPr>
                         <m:ctrlPr>
-                          <a:rPr lang="en-US" sz="2000" b="0" i="1" smtClean="0">
+                          <a:rPr lang="en-US" sz="1600" b="0" i="1" smtClean="0">
                             <a:latin typeface="Cambria Math" panose="02040503050406030204" pitchFamily="18" charset="0"/>
                             <a:ea typeface="Cambria Math" panose="02040503050406030204" pitchFamily="18" charset="0"/>
                           </a:rPr>
@@ -10160,7 +11607,7 @@
                         <m:sSup>
                           <m:sSupPr>
                             <m:ctrlPr>
-                              <a:rPr lang="en-US" sz="2000" b="0" i="1" smtClean="0">
+                              <a:rPr lang="en-US" sz="1600" b="0" i="1" smtClean="0">
                                 <a:latin typeface="Cambria Math" panose="02040503050406030204" pitchFamily="18" charset="0"/>
                                 <a:ea typeface="Cambria Math" panose="02040503050406030204" pitchFamily="18" charset="0"/>
                               </a:rPr>
@@ -10168,7 +11615,7 @@
                           </m:sSupPr>
                           <m:e>
                             <m:r>
-                              <a:rPr lang="en-US" sz="2000" b="0" i="1" smtClean="0">
+                              <a:rPr lang="en-US" sz="1600" b="0" i="1" smtClean="0">
                                 <a:latin typeface="Cambria Math" panose="02040503050406030204" pitchFamily="18" charset="0"/>
                                 <a:ea typeface="Cambria Math" panose="02040503050406030204" pitchFamily="18" charset="0"/>
                               </a:rPr>
@@ -10177,7 +11624,7 @@
                           </m:e>
                           <m:sup>
                             <m:r>
-                              <a:rPr lang="en-US" sz="2000" b="0" i="1" smtClean="0">
+                              <a:rPr lang="en-US" sz="1600" b="0" i="1" smtClean="0">
                                 <a:latin typeface="Cambria Math" panose="02040503050406030204" pitchFamily="18" charset="0"/>
                                 <a:ea typeface="Cambria Math" panose="02040503050406030204" pitchFamily="18" charset="0"/>
                               </a:rPr>
@@ -10189,19 +11636,20 @@
                     </m:d>
                   </m:oMath>
                 </a14:m>
-                <a:endParaRPr lang="en-US" sz="2000" b="0" dirty="0">
+                <a:endParaRPr lang="en-US" sz="1600" b="0" dirty="0">
                   <a:ea typeface="Cambria Math" panose="02040503050406030204" pitchFamily="18" charset="0"/>
                 </a:endParaRPr>
               </a:p>
               <a:p>
+                <a:pPr lvl="1"/>
                 <a:r>
-                  <a:rPr lang="en-US" sz="2000" dirty="0"/>
-                  <a:t>Models </a:t>
+                  <a:rPr lang="en-US" sz="1600" dirty="0"/>
+                  <a:t>GPT 3 models </a:t>
                 </a:r>
                 <a14:m>
                   <m:oMath xmlns:m="http://schemas.openxmlformats.org/officeDocument/2006/math">
                     <m:r>
-                      <a:rPr lang="en-US" sz="2000" b="1" i="1">
+                      <a:rPr lang="en-US" sz="1600" b="1" i="1">
                         <a:latin typeface="Cambria Math" panose="02040503050406030204" pitchFamily="18" charset="0"/>
                       </a:rPr>
                       <m:t>𝑷</m:t>
@@ -10209,7 +11657,7 @@
                     <m:d>
                       <m:dPr>
                         <m:ctrlPr>
-                          <a:rPr lang="en-US" sz="2000" i="1">
+                          <a:rPr lang="en-US" sz="1600" i="1">
                             <a:latin typeface="Cambria Math" panose="02040503050406030204" pitchFamily="18" charset="0"/>
                           </a:rPr>
                         </m:ctrlPr>
@@ -10218,14 +11666,14 @@
                         <m:sSub>
                           <m:sSubPr>
                             <m:ctrlPr>
-                              <a:rPr lang="en-US" sz="2000" i="1">
+                              <a:rPr lang="en-US" sz="1600" i="1">
                                 <a:latin typeface="Cambria Math" panose="02040503050406030204" pitchFamily="18" charset="0"/>
                               </a:rPr>
                             </m:ctrlPr>
                           </m:sSubPr>
                           <m:e>
                             <m:r>
-                              <a:rPr lang="en-US" sz="2000" i="1">
+                              <a:rPr lang="en-US" sz="1600" i="1">
                                 <a:latin typeface="Cambria Math" panose="02040503050406030204" pitchFamily="18" charset="0"/>
                               </a:rPr>
                               <m:t>𝑋</m:t>
@@ -10233,7 +11681,7 @@
                           </m:e>
                           <m:sub>
                             <m:r>
-                              <a:rPr lang="en-US" sz="2000" i="1">
+                              <a:rPr lang="en-US" sz="1600" i="1">
                                 <a:latin typeface="Cambria Math" panose="02040503050406030204" pitchFamily="18" charset="0"/>
                               </a:rPr>
                               <m:t>𝑖</m:t>
@@ -10245,14 +11693,14 @@
                         <m:sSub>
                           <m:sSubPr>
                             <m:ctrlPr>
-                              <a:rPr lang="en-US" sz="2000" i="1">
+                              <a:rPr lang="en-US" sz="1600" i="1">
                                 <a:latin typeface="Cambria Math" panose="02040503050406030204" pitchFamily="18" charset="0"/>
                               </a:rPr>
                             </m:ctrlPr>
                           </m:sSubPr>
                           <m:e>
                             <m:r>
-                              <a:rPr lang="en-US" sz="2000" i="1">
+                              <a:rPr lang="en-US" sz="1600" i="1">
                                 <a:latin typeface="Cambria Math" panose="02040503050406030204" pitchFamily="18" charset="0"/>
                               </a:rPr>
                               <m:t>𝑋</m:t>
@@ -10260,13 +11708,13 @@
                           </m:e>
                           <m:sub>
                             <m:r>
-                              <a:rPr lang="en-US" sz="2000" i="1">
+                              <a:rPr lang="en-US" sz="1600" i="1">
                                 <a:latin typeface="Cambria Math" panose="02040503050406030204" pitchFamily="18" charset="0"/>
                               </a:rPr>
                               <m:t>𝑖</m:t>
                             </m:r>
                             <m:r>
-                              <a:rPr lang="en-US" sz="2000" i="1">
+                              <a:rPr lang="en-US" sz="1600" i="1">
                                 <a:latin typeface="Cambria Math" panose="02040503050406030204" pitchFamily="18" charset="0"/>
                               </a:rPr>
                               <m:t>−1</m:t>
@@ -10274,7 +11722,7 @@
                           </m:sub>
                         </m:sSub>
                         <m:r>
-                          <a:rPr lang="en-US" sz="2000" i="1">
+                          <a:rPr lang="en-US" sz="1600" i="1">
                             <a:latin typeface="Cambria Math" panose="02040503050406030204" pitchFamily="18" charset="0"/>
                           </a:rPr>
                           <m:t>, </m:t>
@@ -10282,14 +11730,14 @@
                         <m:sSub>
                           <m:sSubPr>
                             <m:ctrlPr>
-                              <a:rPr lang="en-US" sz="2000" i="1">
+                              <a:rPr lang="en-US" sz="1600" i="1">
                                 <a:latin typeface="Cambria Math" panose="02040503050406030204" pitchFamily="18" charset="0"/>
                               </a:rPr>
                             </m:ctrlPr>
                           </m:sSubPr>
                           <m:e>
                             <m:r>
-                              <a:rPr lang="en-US" sz="2000" i="1">
+                              <a:rPr lang="en-US" sz="1600" i="1">
                                 <a:latin typeface="Cambria Math" panose="02040503050406030204" pitchFamily="18" charset="0"/>
                               </a:rPr>
                               <m:t>𝑋</m:t>
@@ -10297,13 +11745,13 @@
                           </m:e>
                           <m:sub>
                             <m:r>
-                              <a:rPr lang="en-US" sz="2000" i="1">
+                              <a:rPr lang="en-US" sz="1600" i="1">
                                 <a:latin typeface="Cambria Math" panose="02040503050406030204" pitchFamily="18" charset="0"/>
                               </a:rPr>
                               <m:t>𝑖</m:t>
                             </m:r>
                             <m:r>
-                              <a:rPr lang="en-US" sz="2000" i="1">
+                              <a:rPr lang="en-US" sz="1600" i="1">
                                 <a:latin typeface="Cambria Math" panose="02040503050406030204" pitchFamily="18" charset="0"/>
                               </a:rPr>
                               <m:t>−2</m:t>
@@ -10311,7 +11759,7 @@
                           </m:sub>
                         </m:sSub>
                         <m:r>
-                          <a:rPr lang="en-US" sz="2000" i="1">
+                          <a:rPr lang="en-US" sz="1600" i="1">
                             <a:latin typeface="Cambria Math" panose="02040503050406030204" pitchFamily="18" charset="0"/>
                           </a:rPr>
                           <m:t>, …, </m:t>
@@ -10319,14 +11767,14 @@
                         <m:sSub>
                           <m:sSubPr>
                             <m:ctrlPr>
-                              <a:rPr lang="en-US" sz="2000" i="1">
+                              <a:rPr lang="en-US" sz="1600" i="1">
                                 <a:latin typeface="Cambria Math" panose="02040503050406030204" pitchFamily="18" charset="0"/>
                               </a:rPr>
                             </m:ctrlPr>
                           </m:sSubPr>
                           <m:e>
                             <m:r>
-                              <a:rPr lang="en-US" sz="2000" i="1">
+                              <a:rPr lang="en-US" sz="1600" i="1">
                                 <a:latin typeface="Cambria Math" panose="02040503050406030204" pitchFamily="18" charset="0"/>
                               </a:rPr>
                               <m:t>𝑋</m:t>
@@ -10334,25 +11782,25 @@
                           </m:e>
                           <m:sub>
                             <m:r>
-                              <a:rPr lang="en-US" sz="2000" i="1">
+                              <a:rPr lang="en-US" sz="1600" i="1">
                                 <a:latin typeface="Cambria Math" panose="02040503050406030204" pitchFamily="18" charset="0"/>
                               </a:rPr>
                               <m:t>𝑖</m:t>
                             </m:r>
                             <m:r>
-                              <a:rPr lang="en-US" sz="2000" i="1">
+                              <a:rPr lang="en-US" sz="1600" i="1">
                                 <a:latin typeface="Cambria Math" panose="02040503050406030204" pitchFamily="18" charset="0"/>
                               </a:rPr>
                               <m:t>−</m:t>
                             </m:r>
                             <m:r>
-                              <a:rPr lang="en-US" sz="2000" i="1">
+                              <a:rPr lang="en-US" sz="1600" i="1">
                                 <a:latin typeface="Cambria Math" panose="02040503050406030204" pitchFamily="18" charset="0"/>
                               </a:rPr>
                               <m:t>𝑙</m:t>
                             </m:r>
                             <m:r>
-                              <a:rPr lang="en-US" sz="2000" i="1">
+                              <a:rPr lang="en-US" sz="1600" i="1">
                                 <a:latin typeface="Cambria Math" panose="02040503050406030204" pitchFamily="18" charset="0"/>
                               </a:rPr>
                               <m:t> </m:t>
@@ -10364,14 +11812,69 @@
                   </m:oMath>
                 </a14:m>
                 <a:r>
-                  <a:rPr lang="en-US" sz="2000" dirty="0"/>
-                  <a:t> with only 175 billion parameters</a:t>
+                  <a:rPr lang="en-US" sz="1600" dirty="0"/>
+                  <a:t> with only 175 billion parameters (</a:t>
+                </a:r>
+                <a14:m>
+                  <m:oMath xmlns:m="http://schemas.openxmlformats.org/officeDocument/2006/math">
+                    <m:r>
+                      <a:rPr lang="en-US" sz="1600" i="1">
+                        <a:latin typeface="Cambria Math" panose="02040503050406030204" pitchFamily="18" charset="0"/>
+                        <a:ea typeface="Cambria Math" panose="02040503050406030204" pitchFamily="18" charset="0"/>
+                      </a:rPr>
+                      <m:t>𝑂</m:t>
+                    </m:r>
+                    <m:d>
+                      <m:dPr>
+                        <m:ctrlPr>
+                          <a:rPr lang="en-US" sz="1600" i="1">
+                            <a:latin typeface="Cambria Math" panose="02040503050406030204" pitchFamily="18" charset="0"/>
+                            <a:ea typeface="Cambria Math" panose="02040503050406030204" pitchFamily="18" charset="0"/>
+                          </a:rPr>
+                        </m:ctrlPr>
+                      </m:dPr>
+                      <m:e>
+                        <m:sSup>
+                          <m:sSupPr>
+                            <m:ctrlPr>
+                              <a:rPr lang="en-US" sz="1600" i="1">
+                                <a:latin typeface="Cambria Math" panose="02040503050406030204" pitchFamily="18" charset="0"/>
+                                <a:ea typeface="Cambria Math" panose="02040503050406030204" pitchFamily="18" charset="0"/>
+                              </a:rPr>
+                            </m:ctrlPr>
+                          </m:sSupPr>
+                          <m:e>
+                            <m:r>
+                              <a:rPr lang="en-US" sz="1600" i="1">
+                                <a:latin typeface="Cambria Math" panose="02040503050406030204" pitchFamily="18" charset="0"/>
+                                <a:ea typeface="Cambria Math" panose="02040503050406030204" pitchFamily="18" charset="0"/>
+                              </a:rPr>
+                              <m:t>10</m:t>
+                            </m:r>
+                          </m:e>
+                          <m:sup>
+                            <m:r>
+                              <a:rPr lang="en-US" sz="1600" b="0" i="1" smtClean="0">
+                                <a:latin typeface="Cambria Math" panose="02040503050406030204" pitchFamily="18" charset="0"/>
+                                <a:ea typeface="Cambria Math" panose="02040503050406030204" pitchFamily="18" charset="0"/>
+                              </a:rPr>
+                              <m:t>11</m:t>
+                            </m:r>
+                          </m:sup>
+                        </m:sSup>
+                      </m:e>
+                    </m:d>
+                  </m:oMath>
+                </a14:m>
+                <a:r>
+                  <a:rPr lang="en-US" sz="1600" dirty="0"/>
+                  <a:t>)</a:t>
                 </a:r>
               </a:p>
             </p:txBody>
           </p:sp>
         </mc:Choice>
-        <mc:Fallback xmlns="">
+        <mc:Fallback>
           <p:sp>
             <p:nvSpPr>
               <p:cNvPr id="3" name="Content Placeholder 2">
@@ -10391,12 +11894,12 @@
             <p:spPr>
               <a:xfrm>
                 <a:off x="838200" y="1340553"/>
-                <a:ext cx="10515600" cy="4837933"/>
+                <a:ext cx="10515600" cy="4612657"/>
               </a:xfrm>
               <a:blipFill>
                 <a:blip r:embed="rId2"/>
                 <a:stretch>
-                  <a:fillRect l="-522" t="-1259"/>
+                  <a:fillRect l="-522" t="-1849"/>
                 </a:stretch>
               </a:blipFill>
             </p:spPr>
@@ -11316,13 +12819,13 @@
         </p:nvSpPr>
         <p:spPr>
           <a:xfrm>
-            <a:off x="7727029" y="4632073"/>
-            <a:ext cx="1226819" cy="419456"/>
+            <a:off x="7238419" y="4453338"/>
+            <a:ext cx="1696177" cy="663114"/>
           </a:xfrm>
           <a:prstGeom prst="wedgeRoundRectCallout">
             <a:avLst>
-              <a:gd name="adj1" fmla="val -24538"/>
-              <a:gd name="adj2" fmla="val 96716"/>
+              <a:gd name="adj1" fmla="val -57198"/>
+              <a:gd name="adj2" fmla="val 49181"/>
               <a:gd name="adj3" fmla="val 16667"/>
             </a:avLst>
           </a:prstGeom>
@@ -11348,7 +12851,7 @@
             <a:pPr algn="ctr"/>
             <a:r>
               <a:rPr lang="en-US" sz="1000" dirty="0"/>
-              <a:t>This does not fit in memory</a:t>
+              <a:t>This does not fit in memory and we cannot estimate that many numbers!</a:t>
             </a:r>
           </a:p>
         </p:txBody>
@@ -11367,7 +12870,7 @@
         </p:nvSpPr>
         <p:spPr>
           <a:xfrm>
-            <a:off x="6499974" y="6084688"/>
+            <a:off x="6593746" y="5902139"/>
             <a:ext cx="1616277" cy="419456"/>
           </a:xfrm>
           <a:prstGeom prst="wedgeRoundRectCallout">
@@ -11404,8 +12907,8 @@
           </a:p>
         </p:txBody>
       </p:sp>
-      <mc:AlternateContent xmlns:mc="http://schemas.openxmlformats.org/markup-compatibility/2006" xmlns:a14="http://schemas.microsoft.com/office/drawing/2010/main">
-        <mc:Choice Requires="a14">
+      <mc:AlternateContent xmlns:mc="http://schemas.openxmlformats.org/markup-compatibility/2006">
+        <mc:Choice xmlns:a14="http://schemas.microsoft.com/office/drawing/2010/main" Requires="a14">
           <p:graphicFrame>
             <p:nvGraphicFramePr>
               <p:cNvPr id="35" name="Table 34">
@@ -11421,13 +12924,13 @@
               <p:nvPr>
                 <p:extLst>
                   <p:ext uri="{D42A27DB-BD31-4B8C-83A1-F6EECF244321}">
-                    <p14:modId xmlns:p14="http://schemas.microsoft.com/office/powerpoint/2010/main" val="956073658"/>
+                    <p14:modId xmlns:p14="http://schemas.microsoft.com/office/powerpoint/2010/main" val="2438416708"/>
                   </p:ext>
                 </p:extLst>
               </p:nvPr>
             </p:nvGraphicFramePr>
             <p:xfrm>
-              <a:off x="8962516" y="4845361"/>
+              <a:off x="8934596" y="4293931"/>
               <a:ext cx="3146472" cy="1198840"/>
             </p:xfrm>
             <a:graphic>
@@ -12202,7 +13705,7 @@
             </a:graphic>
           </p:graphicFrame>
         </mc:Choice>
-        <mc:Fallback xmlns="">
+        <mc:Fallback>
           <p:graphicFrame>
             <p:nvGraphicFramePr>
               <p:cNvPr id="35" name="Table 34">
@@ -12218,13 +13721,13 @@
               <p:nvPr>
                 <p:extLst>
                   <p:ext uri="{D42A27DB-BD31-4B8C-83A1-F6EECF244321}">
-                    <p14:modId xmlns:p14="http://schemas.microsoft.com/office/powerpoint/2010/main" val="956073658"/>
+                    <p14:modId xmlns:p14="http://schemas.microsoft.com/office/powerpoint/2010/main" val="2438416708"/>
                   </p:ext>
                 </p:extLst>
               </p:nvPr>
             </p:nvGraphicFramePr>
             <p:xfrm>
-              <a:off x="8962516" y="4845361"/>
+              <a:off x="8934596" y="4293931"/>
               <a:ext cx="3146472" cy="1198840"/>
             </p:xfrm>
             <a:graphic>
@@ -12723,8 +14226,8 @@
           </p:graphicFrame>
         </mc:Fallback>
       </mc:AlternateContent>
-      <mc:AlternateContent xmlns:mc="http://schemas.openxmlformats.org/markup-compatibility/2006" xmlns:a14="http://schemas.microsoft.com/office/drawing/2010/main">
-        <mc:Choice Requires="a14">
+      <mc:AlternateContent xmlns:mc="http://schemas.openxmlformats.org/markup-compatibility/2006">
+        <mc:Choice xmlns:a14="http://schemas.microsoft.com/office/drawing/2010/main" Requires="a14">
           <p:sp>
             <p:nvSpPr>
               <p:cNvPr id="42" name="TextBox 41">
@@ -12739,7 +14242,7 @@
             </p:nvSpPr>
             <p:spPr>
               <a:xfrm>
-                <a:off x="9647748" y="4122438"/>
+                <a:off x="9619828" y="3571008"/>
                 <a:ext cx="1926321" cy="646331"/>
               </a:xfrm>
               <a:prstGeom prst="rect">
@@ -13010,7 +14513,7 @@
             </p:txBody>
           </p:sp>
         </mc:Choice>
-        <mc:Fallback xmlns="">
+        <mc:Fallback>
           <p:sp>
             <p:nvSpPr>
               <p:cNvPr id="42" name="TextBox 41">
@@ -13027,7 +14530,7 @@
             </p:nvSpPr>
             <p:spPr>
               <a:xfrm>
-                <a:off x="9647748" y="4122438"/>
+                <a:off x="9619828" y="3571008"/>
                 <a:ext cx="1926321" cy="646331"/>
               </a:xfrm>
               <a:prstGeom prst="rect">
@@ -13036,7 +14539,7 @@
               <a:blipFill>
                 <a:blip r:embed="rId10"/>
                 <a:stretch>
-                  <a:fillRect r="-633" b="-2830"/>
+                  <a:fillRect t="-943" r="-949" b="-2830"/>
                 </a:stretch>
               </a:blipFill>
             </p:spPr>
@@ -13055,8 +14558,8 @@
           </p:sp>
         </mc:Fallback>
       </mc:AlternateContent>
-      <mc:AlternateContent xmlns:mc="http://schemas.openxmlformats.org/markup-compatibility/2006" xmlns:a14="http://schemas.microsoft.com/office/drawing/2010/main">
-        <mc:Choice Requires="a14">
+      <mc:AlternateContent xmlns:mc="http://schemas.openxmlformats.org/markup-compatibility/2006">
+        <mc:Choice xmlns:a14="http://schemas.microsoft.com/office/drawing/2010/main" Requires="a14">
           <p:sp>
             <p:nvSpPr>
               <p:cNvPr id="43" name="TextBox 42">
@@ -13071,7 +14574,7 @@
             </p:nvSpPr>
             <p:spPr>
               <a:xfrm>
-                <a:off x="9985881" y="5837934"/>
+                <a:off x="9957961" y="5286504"/>
                 <a:ext cx="1367919" cy="374270"/>
               </a:xfrm>
               <a:prstGeom prst="rect">
@@ -13154,7 +14657,7 @@
             </p:txBody>
           </p:sp>
         </mc:Choice>
-        <mc:Fallback xmlns="">
+        <mc:Fallback>
           <p:sp>
             <p:nvSpPr>
               <p:cNvPr id="43" name="TextBox 42">
@@ -13171,7 +14674,7 @@
             </p:nvSpPr>
             <p:spPr>
               <a:xfrm>
-                <a:off x="9985881" y="5837934"/>
+                <a:off x="9957961" y="5286504"/>
                 <a:ext cx="1367919" cy="374270"/>
               </a:xfrm>
               <a:prstGeom prst="rect">
@@ -13180,7 +14683,7 @@
               <a:blipFill>
                 <a:blip r:embed="rId11"/>
                 <a:stretch>
-                  <a:fillRect t="-3077" r="-1310" b="-23077"/>
+                  <a:fillRect t="-1515" r="-1316" b="-21212"/>
                 </a:stretch>
               </a:blipFill>
             </p:spPr>
@@ -13213,7 +14716,7 @@
         </p:nvSpPr>
         <p:spPr>
           <a:xfrm>
-            <a:off x="9297402" y="2883925"/>
+            <a:off x="9537613" y="2678871"/>
             <a:ext cx="1926322" cy="359259"/>
           </a:xfrm>
           <a:prstGeom prst="wedgeRoundRectCallout">
@@ -13264,7 +14767,7 @@
         </p:nvSpPr>
         <p:spPr>
           <a:xfrm>
-            <a:off x="2826962" y="6092719"/>
+            <a:off x="2694331" y="5843960"/>
             <a:ext cx="3114107" cy="457752"/>
           </a:xfrm>
           <a:prstGeom prst="wedgeRoundRectCallout">
@@ -13539,6 +15042,9 @@
                     <p:cTn id="3" fill="hold">
                       <p:stCondLst>
                         <p:cond delay="indefinite"/>
+                        <p:cond evt="onBegin" delay="0">
+                          <p:tn val="2"/>
+                        </p:cond>
                       </p:stCondLst>
                       <p:childTnLst>
                         <p:par>
@@ -13548,7 +15054,7 @@
                             </p:stCondLst>
                             <p:childTnLst>
                               <p:par>
-                                <p:cTn id="5" presetID="1" presetClass="entr" presetSubtype="0" fill="hold" nodeType="clickEffect">
+                                <p:cTn id="5" presetID="1" presetClass="entr" presetSubtype="0" fill="hold" grpId="0" nodeType="withEffect">
                                   <p:stCondLst>
                                     <p:cond delay="0"/>
                                   </p:stCondLst>
@@ -13556,6 +15062,33 @@
                                     <p:set>
                                       <p:cBhvr>
                                         <p:cTn id="6" dur="1" fill="hold">
+                                          <p:stCondLst>
+                                            <p:cond delay="0"/>
+                                          </p:stCondLst>
+                                        </p:cTn>
+                                        <p:tgtEl>
+                                          <p:spTgt spid="18"/>
+                                        </p:tgtEl>
+                                        <p:attrNameLst>
+                                          <p:attrName>style.visibility</p:attrName>
+                                        </p:attrNameLst>
+                                      </p:cBhvr>
+                                      <p:to>
+                                        <p:strVal val="visible"/>
+                                      </p:to>
+                                    </p:set>
+                                  </p:childTnLst>
+                                </p:cTn>
+                              </p:par>
+                              <p:par>
+                                <p:cTn id="7" presetID="1" presetClass="entr" presetSubtype="0" fill="hold" nodeType="withEffect">
+                                  <p:stCondLst>
+                                    <p:cond delay="0"/>
+                                  </p:stCondLst>
+                                  <p:childTnLst>
+                                    <p:set>
+                                      <p:cBhvr>
+                                        <p:cTn id="8" dur="1" fill="hold">
                                           <p:stCondLst>
                                             <p:cond delay="0"/>
                                           </p:stCondLst>
@@ -13575,20 +15108,20 @@
                                 </p:cTn>
                               </p:par>
                               <p:par>
-                                <p:cTn id="7" presetID="1" presetClass="entr" presetSubtype="0" fill="hold" grpId="0" nodeType="withEffect">
+                                <p:cTn id="9" presetID="1" presetClass="entr" presetSubtype="0" fill="hold" grpId="0" nodeType="withEffect">
                                   <p:stCondLst>
                                     <p:cond delay="0"/>
                                   </p:stCondLst>
                                   <p:childTnLst>
                                     <p:set>
                                       <p:cBhvr>
-                                        <p:cTn id="8" dur="1" fill="hold">
+                                        <p:cTn id="10" dur="1" fill="hold">
                                           <p:stCondLst>
                                             <p:cond delay="0"/>
                                           </p:stCondLst>
                                         </p:cTn>
                                         <p:tgtEl>
-                                          <p:spTgt spid="18"/>
+                                          <p:spTgt spid="42"/>
                                         </p:tgtEl>
                                         <p:attrNameLst>
                                           <p:attrName>style.visibility</p:attrName>
@@ -13601,26 +15134,8 @@
                                   </p:childTnLst>
                                 </p:cTn>
                               </p:par>
-                            </p:childTnLst>
-                          </p:cTn>
-                        </p:par>
-                      </p:childTnLst>
-                    </p:cTn>
-                  </p:par>
-                  <p:par>
-                    <p:cTn id="9" fill="hold">
-                      <p:stCondLst>
-                        <p:cond delay="indefinite"/>
-                      </p:stCondLst>
-                      <p:childTnLst>
-                        <p:par>
-                          <p:cTn id="10" fill="hold">
-                            <p:stCondLst>
-                              <p:cond delay="0"/>
-                            </p:stCondLst>
-                            <p:childTnLst>
                               <p:par>
-                                <p:cTn id="11" presetID="1" presetClass="entr" presetSubtype="0" fill="hold" grpId="0" nodeType="clickEffect">
+                                <p:cTn id="11" presetID="1" presetClass="entr" presetSubtype="0" fill="hold" nodeType="withEffect">
                                   <p:stCondLst>
                                     <p:cond delay="0"/>
                                   </p:stCondLst>
@@ -13633,11 +15148,7 @@
                                           </p:stCondLst>
                                         </p:cTn>
                                         <p:tgtEl>
-                                          <p:spTgt spid="3">
-                                            <p:txEl>
-                                              <p:pRg st="2" end="2"/>
-                                            </p:txEl>
-                                          </p:spTgt>
+                                          <p:spTgt spid="35"/>
                                         </p:tgtEl>
                                         <p:attrNameLst>
                                           <p:attrName>style.visibility</p:attrName>
@@ -13650,26 +15161,35 @@
                                   </p:childTnLst>
                                 </p:cTn>
                               </p:par>
-                            </p:childTnLst>
-                          </p:cTn>
-                        </p:par>
-                      </p:childTnLst>
-                    </p:cTn>
-                  </p:par>
-                  <p:par>
-                    <p:cTn id="13" fill="hold">
-                      <p:stCondLst>
-                        <p:cond delay="indefinite"/>
-                      </p:stCondLst>
-                      <p:childTnLst>
-                        <p:par>
-                          <p:cTn id="14" fill="hold">
-                            <p:stCondLst>
-                              <p:cond delay="0"/>
-                            </p:stCondLst>
-                            <p:childTnLst>
                               <p:par>
-                                <p:cTn id="15" presetID="1" presetClass="entr" presetSubtype="0" fill="hold" grpId="0" nodeType="clickEffect">
+                                <p:cTn id="13" presetID="1" presetClass="entr" presetSubtype="0" fill="hold" grpId="0" nodeType="withEffect">
+                                  <p:stCondLst>
+                                    <p:cond delay="0"/>
+                                  </p:stCondLst>
+                                  <p:childTnLst>
+                                    <p:set>
+                                      <p:cBhvr>
+                                        <p:cTn id="14" dur="1" fill="hold">
+                                          <p:stCondLst>
+                                            <p:cond delay="0"/>
+                                          </p:stCondLst>
+                                        </p:cTn>
+                                        <p:tgtEl>
+                                          <p:spTgt spid="44"/>
+                                        </p:tgtEl>
+                                        <p:attrNameLst>
+                                          <p:attrName>style.visibility</p:attrName>
+                                        </p:attrNameLst>
+                                      </p:cBhvr>
+                                      <p:to>
+                                        <p:strVal val="visible"/>
+                                      </p:to>
+                                    </p:set>
+                                  </p:childTnLst>
+                                </p:cTn>
+                              </p:par>
+                              <p:par>
+                                <p:cTn id="15" presetID="1" presetClass="entr" presetSubtype="0" fill="hold" grpId="0" nodeType="withEffect">
                                   <p:stCondLst>
                                     <p:cond delay="0"/>
                                   </p:stCondLst>
@@ -13682,11 +15202,7 @@
                                           </p:stCondLst>
                                         </p:cTn>
                                         <p:tgtEl>
-                                          <p:spTgt spid="3">
-                                            <p:txEl>
-                                              <p:pRg st="4" end="4"/>
-                                            </p:txEl>
-                                          </p:spTgt>
+                                          <p:spTgt spid="43"/>
                                         </p:tgtEl>
                                         <p:attrNameLst>
                                           <p:attrName>style.visibility</p:attrName>
@@ -13713,56 +15229,7 @@
                                           </p:stCondLst>
                                         </p:cTn>
                                         <p:tgtEl>
-                                          <p:spTgt spid="44"/>
-                                        </p:tgtEl>
-                                        <p:attrNameLst>
-                                          <p:attrName>style.visibility</p:attrName>
-                                        </p:attrNameLst>
-                                      </p:cBhvr>
-                                      <p:to>
-                                        <p:strVal val="visible"/>
-                                      </p:to>
-                                    </p:set>
-                                  </p:childTnLst>
-                                </p:cTn>
-                              </p:par>
-                            </p:childTnLst>
-                          </p:cTn>
-                        </p:par>
-                      </p:childTnLst>
-                    </p:cTn>
-                  </p:par>
-                  <p:par>
-                    <p:cTn id="19" fill="hold">
-                      <p:stCondLst>
-                        <p:cond delay="indefinite"/>
-                      </p:stCondLst>
-                      <p:childTnLst>
-                        <p:par>
-                          <p:cTn id="20" fill="hold">
-                            <p:stCondLst>
-                              <p:cond delay="0"/>
-                            </p:stCondLst>
-                            <p:childTnLst>
-                              <p:par>
-                                <p:cTn id="21" presetID="1" presetClass="entr" presetSubtype="0" fill="hold" grpId="0" nodeType="clickEffect">
-                                  <p:stCondLst>
-                                    <p:cond delay="0"/>
-                                  </p:stCondLst>
-                                  <p:childTnLst>
-                                    <p:set>
-                                      <p:cBhvr>
-                                        <p:cTn id="22" dur="1" fill="hold">
-                                          <p:stCondLst>
-                                            <p:cond delay="0"/>
-                                          </p:stCondLst>
-                                        </p:cTn>
-                                        <p:tgtEl>
-                                          <p:spTgt spid="3">
-                                            <p:txEl>
-                                              <p:pRg st="5" end="5"/>
-                                            </p:txEl>
-                                          </p:spTgt>
+                                          <p:spTgt spid="32"/>
                                         </p:tgtEl>
                                         <p:attrNameLst>
                                           <p:attrName>style.visibility</p:attrName>
@@ -13776,220 +15243,14 @@
                                 </p:cTn>
                               </p:par>
                               <p:par>
-                                <p:cTn id="23" presetID="1" presetClass="entr" presetSubtype="0" fill="hold" nodeType="withEffect">
+                                <p:cTn id="19" presetID="1" presetClass="entr" presetSubtype="0" fill="hold" grpId="0" nodeType="withEffect">
                                   <p:stCondLst>
                                     <p:cond delay="0"/>
                                   </p:stCondLst>
                                   <p:childTnLst>
                                     <p:set>
                                       <p:cBhvr>
-                                        <p:cTn id="24" dur="1" fill="hold">
-                                          <p:stCondLst>
-                                            <p:cond delay="0"/>
-                                          </p:stCondLst>
-                                        </p:cTn>
-                                        <p:tgtEl>
-                                          <p:spTgt spid="35"/>
-                                        </p:tgtEl>
-                                        <p:attrNameLst>
-                                          <p:attrName>style.visibility</p:attrName>
-                                        </p:attrNameLst>
-                                      </p:cBhvr>
-                                      <p:to>
-                                        <p:strVal val="visible"/>
-                                      </p:to>
-                                    </p:set>
-                                  </p:childTnLst>
-                                </p:cTn>
-                              </p:par>
-                              <p:par>
-                                <p:cTn id="25" presetID="1" presetClass="entr" presetSubtype="0" fill="hold" grpId="0" nodeType="withEffect">
-                                  <p:stCondLst>
-                                    <p:cond delay="0"/>
-                                  </p:stCondLst>
-                                  <p:childTnLst>
-                                    <p:set>
-                                      <p:cBhvr>
-                                        <p:cTn id="26" dur="1" fill="hold">
-                                          <p:stCondLst>
-                                            <p:cond delay="0"/>
-                                          </p:stCondLst>
-                                        </p:cTn>
-                                        <p:tgtEl>
-                                          <p:spTgt spid="43"/>
-                                        </p:tgtEl>
-                                        <p:attrNameLst>
-                                          <p:attrName>style.visibility</p:attrName>
-                                        </p:attrNameLst>
-                                      </p:cBhvr>
-                                      <p:to>
-                                        <p:strVal val="visible"/>
-                                      </p:to>
-                                    </p:set>
-                                  </p:childTnLst>
-                                </p:cTn>
-                              </p:par>
-                              <p:par>
-                                <p:cTn id="27" presetID="1" presetClass="entr" presetSubtype="0" fill="hold" grpId="0" nodeType="withEffect">
-                                  <p:stCondLst>
-                                    <p:cond delay="0"/>
-                                  </p:stCondLst>
-                                  <p:childTnLst>
-                                    <p:set>
-                                      <p:cBhvr>
-                                        <p:cTn id="28" dur="1" fill="hold">
-                                          <p:stCondLst>
-                                            <p:cond delay="0"/>
-                                          </p:stCondLst>
-                                        </p:cTn>
-                                        <p:tgtEl>
-                                          <p:spTgt spid="42"/>
-                                        </p:tgtEl>
-                                        <p:attrNameLst>
-                                          <p:attrName>style.visibility</p:attrName>
-                                        </p:attrNameLst>
-                                      </p:cBhvr>
-                                      <p:to>
-                                        <p:strVal val="visible"/>
-                                      </p:to>
-                                    </p:set>
-                                  </p:childTnLst>
-                                </p:cTn>
-                              </p:par>
-                            </p:childTnLst>
-                          </p:cTn>
-                        </p:par>
-                      </p:childTnLst>
-                    </p:cTn>
-                  </p:par>
-                  <p:par>
-                    <p:cTn id="29" fill="hold">
-                      <p:stCondLst>
-                        <p:cond delay="indefinite"/>
-                      </p:stCondLst>
-                      <p:childTnLst>
-                        <p:par>
-                          <p:cTn id="30" fill="hold">
-                            <p:stCondLst>
-                              <p:cond delay="0"/>
-                            </p:stCondLst>
-                            <p:childTnLst>
-                              <p:par>
-                                <p:cTn id="31" presetID="1" presetClass="entr" presetSubtype="0" fill="hold" grpId="0" nodeType="clickEffect">
-                                  <p:stCondLst>
-                                    <p:cond delay="0"/>
-                                  </p:stCondLst>
-                                  <p:childTnLst>
-                                    <p:set>
-                                      <p:cBhvr>
-                                        <p:cTn id="32" dur="1" fill="hold">
-                                          <p:stCondLst>
-                                            <p:cond delay="0"/>
-                                          </p:stCondLst>
-                                        </p:cTn>
-                                        <p:tgtEl>
-                                          <p:spTgt spid="3">
-                                            <p:txEl>
-                                              <p:pRg st="6" end="6"/>
-                                            </p:txEl>
-                                          </p:spTgt>
-                                        </p:tgtEl>
-                                        <p:attrNameLst>
-                                          <p:attrName>style.visibility</p:attrName>
-                                        </p:attrNameLst>
-                                      </p:cBhvr>
-                                      <p:to>
-                                        <p:strVal val="visible"/>
-                                      </p:to>
-                                    </p:set>
-                                  </p:childTnLst>
-                                </p:cTn>
-                              </p:par>
-                              <p:par>
-                                <p:cTn id="33" presetID="1" presetClass="entr" presetSubtype="0" fill="hold" grpId="0" nodeType="withEffect">
-                                  <p:stCondLst>
-                                    <p:cond delay="0"/>
-                                  </p:stCondLst>
-                                  <p:childTnLst>
-                                    <p:set>
-                                      <p:cBhvr>
-                                        <p:cTn id="34" dur="1" fill="hold">
-                                          <p:stCondLst>
-                                            <p:cond delay="0"/>
-                                          </p:stCondLst>
-                                        </p:cTn>
-                                        <p:tgtEl>
-                                          <p:spTgt spid="32"/>
-                                        </p:tgtEl>
-                                        <p:attrNameLst>
-                                          <p:attrName>style.visibility</p:attrName>
-                                        </p:attrNameLst>
-                                      </p:cBhvr>
-                                      <p:to>
-                                        <p:strVal val="visible"/>
-                                      </p:to>
-                                    </p:set>
-                                  </p:childTnLst>
-                                </p:cTn>
-                              </p:par>
-                            </p:childTnLst>
-                          </p:cTn>
-                        </p:par>
-                      </p:childTnLst>
-                    </p:cTn>
-                  </p:par>
-                  <p:par>
-                    <p:cTn id="35" fill="hold">
-                      <p:stCondLst>
-                        <p:cond delay="indefinite"/>
-                      </p:stCondLst>
-                      <p:childTnLst>
-                        <p:par>
-                          <p:cTn id="36" fill="hold">
-                            <p:stCondLst>
-                              <p:cond delay="0"/>
-                            </p:stCondLst>
-                            <p:childTnLst>
-                              <p:par>
-                                <p:cTn id="37" presetID="1" presetClass="entr" presetSubtype="0" fill="hold" grpId="0" nodeType="clickEffect">
-                                  <p:stCondLst>
-                                    <p:cond delay="0"/>
-                                  </p:stCondLst>
-                                  <p:childTnLst>
-                                    <p:set>
-                                      <p:cBhvr>
-                                        <p:cTn id="38" dur="1" fill="hold">
-                                          <p:stCondLst>
-                                            <p:cond delay="0"/>
-                                          </p:stCondLst>
-                                        </p:cTn>
-                                        <p:tgtEl>
-                                          <p:spTgt spid="3">
-                                            <p:txEl>
-                                              <p:pRg st="7" end="7"/>
-                                            </p:txEl>
-                                          </p:spTgt>
-                                        </p:tgtEl>
-                                        <p:attrNameLst>
-                                          <p:attrName>style.visibility</p:attrName>
-                                        </p:attrNameLst>
-                                      </p:cBhvr>
-                                      <p:to>
-                                        <p:strVal val="visible"/>
-                                      </p:to>
-                                    </p:set>
-                                  </p:childTnLst>
-                                </p:cTn>
-                              </p:par>
-                              <p:par>
-                                <p:cTn id="39" presetID="1" presetClass="entr" presetSubtype="0" fill="hold" grpId="0" nodeType="withEffect">
-                                  <p:stCondLst>
-                                    <p:cond delay="0"/>
-                                  </p:stCondLst>
-                                  <p:childTnLst>
-                                    <p:set>
-                                      <p:cBhvr>
-                                        <p:cTn id="40" dur="1" fill="hold">
+                                        <p:cTn id="20" dur="1" fill="hold">
                                           <p:stCondLst>
                                             <p:cond delay="0"/>
                                           </p:stCondLst>
@@ -14009,14 +15270,14 @@
                                 </p:cTn>
                               </p:par>
                               <p:par>
-                                <p:cTn id="41" presetID="1" presetClass="entr" presetSubtype="0" fill="hold" grpId="0" nodeType="withEffect">
+                                <p:cTn id="21" presetID="1" presetClass="entr" presetSubtype="0" fill="hold" grpId="0" nodeType="withEffect">
                                   <p:stCondLst>
                                     <p:cond delay="0"/>
                                   </p:stCondLst>
                                   <p:childTnLst>
                                     <p:set>
                                       <p:cBhvr>
-                                        <p:cTn id="42" dur="1" fill="hold">
+                                        <p:cTn id="22" dur="1" fill="hold">
                                           <p:stCondLst>
                                             <p:cond delay="0"/>
                                           </p:stCondLst>
@@ -14063,7 +15324,6 @@
       </p:par>
     </p:tnLst>
     <p:bldLst>
-      <p:bldP spid="3" grpId="0" uiExpand="1" build="p"/>
       <p:bldP spid="18" grpId="0"/>
       <p:bldP spid="32" grpId="0" animBg="1"/>
       <p:bldP spid="33" grpId="0" animBg="1"/>
@@ -14076,7 +15336,7 @@
 </p:sld>
 </file>
 
-<file path=ppt/slides/slide7.xml><?xml version="1.0" encoding="utf-8"?>
+<file path=ppt/slides/slide8.xml><?xml version="1.0" encoding="utf-8"?>
 <p:sld xmlns:a="http://schemas.openxmlformats.org/drawingml/2006/main" xmlns:r="http://schemas.openxmlformats.org/officeDocument/2006/relationships" xmlns:p="http://schemas.openxmlformats.org/presentationml/2006/main">
   <p:cSld>
     <p:spTree>
@@ -14648,8 +15908,8 @@
               </a:p>
             </p:txBody>
           </p:sp>
-          <mc:AlternateContent xmlns:mc="http://schemas.openxmlformats.org/markup-compatibility/2006">
-            <mc:Choice xmlns:a14="http://schemas.microsoft.com/office/drawing/2010/main" Requires="a14">
+          <mc:AlternateContent xmlns:mc="http://schemas.openxmlformats.org/markup-compatibility/2006" xmlns:a14="http://schemas.microsoft.com/office/drawing/2010/main">
+            <mc:Choice Requires="a14">
               <p:sp>
                 <p:nvSpPr>
                   <p:cNvPr id="57" name="TextBox 56">
@@ -14703,7 +15963,7 @@
                 </p:txBody>
               </p:sp>
             </mc:Choice>
-            <mc:Fallback>
+            <mc:Fallback xmlns="">
               <p:sp>
                 <p:nvSpPr>
                   <p:cNvPr id="57" name="TextBox 56">
@@ -15222,8 +16482,8 @@
             </a:p>
           </p:txBody>
         </p:sp>
-        <mc:AlternateContent xmlns:mc="http://schemas.openxmlformats.org/markup-compatibility/2006">
-          <mc:Choice xmlns:a14="http://schemas.microsoft.com/office/drawing/2010/main" Requires="a14">
+        <mc:AlternateContent xmlns:mc="http://schemas.openxmlformats.org/markup-compatibility/2006" xmlns:a14="http://schemas.microsoft.com/office/drawing/2010/main">
+          <mc:Choice Requires="a14">
             <p:sp>
               <p:nvSpPr>
                 <p:cNvPr id="34" name="TextBox 33">
@@ -15252,6 +16512,7 @@
                 </a:bodyPr>
                 <a:lstStyle/>
                 <a:p>
+                  <a:pPr/>
                   <a14:m>
                     <m:oMathPara xmlns:m="http://schemas.openxmlformats.org/officeDocument/2006/math">
                       <m:oMathParaPr>
@@ -15292,7 +16553,13 @@
                                     <a:rPr lang="en-US" sz="1400" b="0" i="1" smtClean="0">
                                       <a:latin typeface="Cambria Math" panose="02040503050406030204" pitchFamily="18" charset="0"/>
                                     </a:rPr>
-                                    <m:t>13.12</m:t>
+                                    <m:t>1</m:t>
+                                  </m:r>
+                                  <m:r>
+                                    <a:rPr lang="en-US" sz="1400" b="0" i="1" smtClean="0">
+                                      <a:latin typeface="Cambria Math" panose="02040503050406030204" pitchFamily="18" charset="0"/>
+                                    </a:rPr>
+                                    <m:t>3.12</m:t>
                                   </m:r>
                                 </m:e>
                                 <m:e>
@@ -15375,7 +16642,7 @@
               </p:txBody>
             </p:sp>
           </mc:Choice>
-          <mc:Fallback>
+          <mc:Fallback xmlns="">
             <p:sp>
               <p:nvSpPr>
                 <p:cNvPr id="34" name="TextBox 33">
@@ -15420,8 +16687,8 @@
             </p:sp>
           </mc:Fallback>
         </mc:AlternateContent>
-        <mc:AlternateContent xmlns:mc="http://schemas.openxmlformats.org/markup-compatibility/2006">
-          <mc:Choice xmlns:a14="http://schemas.microsoft.com/office/drawing/2010/main" Requires="a14">
+        <mc:AlternateContent xmlns:mc="http://schemas.openxmlformats.org/markup-compatibility/2006" xmlns:a14="http://schemas.microsoft.com/office/drawing/2010/main">
+          <mc:Choice Requires="a14">
             <p:sp>
               <p:nvSpPr>
                 <p:cNvPr id="35" name="TextBox 34">
@@ -15450,6 +16717,7 @@
                 </a:bodyPr>
                 <a:lstStyle/>
                 <a:p>
+                  <a:pPr/>
                   <a14:m>
                     <m:oMathPara xmlns:m="http://schemas.openxmlformats.org/officeDocument/2006/math">
                       <m:oMathParaPr>
@@ -15472,13 +16740,7 @@
                           <a:rPr lang="en-US" b="0" i="1" dirty="0" smtClean="0">
                             <a:latin typeface="Cambria Math" panose="02040503050406030204" pitchFamily="18" charset="0"/>
                           </a:rPr>
-                          <m:t>0</m:t>
-                        </m:r>
-                        <m:r>
-                          <a:rPr lang="en-US" b="0" i="1" dirty="0" smtClean="0">
-                            <a:latin typeface="Cambria Math" panose="02040503050406030204" pitchFamily="18" charset="0"/>
-                          </a:rPr>
-                          <m:t>)</m:t>
+                          <m:t>0)</m:t>
                         </m:r>
                       </m:oMath>
                     </m:oMathPara>
@@ -15488,7 +16750,7 @@
               </p:txBody>
             </p:sp>
           </mc:Choice>
-          <mc:Fallback>
+          <mc:Fallback xmlns="">
             <p:sp>
               <p:nvSpPr>
                 <p:cNvPr id="35" name="TextBox 34">
@@ -15533,8 +16795,8 @@
             </p:sp>
           </mc:Fallback>
         </mc:AlternateContent>
-        <mc:AlternateContent xmlns:mc="http://schemas.openxmlformats.org/markup-compatibility/2006">
-          <mc:Choice xmlns:a14="http://schemas.microsoft.com/office/drawing/2010/main" Requires="a14">
+        <mc:AlternateContent xmlns:mc="http://schemas.openxmlformats.org/markup-compatibility/2006" xmlns:a14="http://schemas.microsoft.com/office/drawing/2010/main">
+          <mc:Choice Requires="a14">
             <p:sp>
               <p:nvSpPr>
                 <p:cNvPr id="43" name="TextBox 42">
@@ -15563,6 +16825,7 @@
                 </a:bodyPr>
                 <a:lstStyle/>
                 <a:p>
+                  <a:pPr/>
                   <a14:m>
                     <m:oMathPara xmlns:m="http://schemas.openxmlformats.org/officeDocument/2006/math">
                       <m:oMathParaPr>
@@ -15579,13 +16842,7 @@
                           <a:rPr lang="en-US" i="1" dirty="0" smtClean="0">
                             <a:latin typeface="Cambria Math" panose="02040503050406030204" pitchFamily="18" charset="0"/>
                           </a:rPr>
-                          <m:t> 89</m:t>
-                        </m:r>
-                        <m:r>
-                          <a:rPr lang="en-US" i="1" dirty="0" smtClean="0">
-                            <a:latin typeface="Cambria Math" panose="02040503050406030204" pitchFamily="18" charset="0"/>
-                          </a:rPr>
-                          <m:t>9</m:t>
+                          <m:t> 899</m:t>
                         </m:r>
                         <m:r>
                           <a:rPr lang="en-US" b="0" i="1" dirty="0" smtClean="0">
@@ -15601,7 +16858,7 @@
               </p:txBody>
             </p:sp>
           </mc:Choice>
-          <mc:Fallback>
+          <mc:Fallback xmlns="">
             <p:sp>
               <p:nvSpPr>
                 <p:cNvPr id="43" name="TextBox 42">
@@ -15879,8 +17136,8 @@
               </a:p>
             </p:txBody>
           </p:sp>
-          <mc:AlternateContent xmlns:mc="http://schemas.openxmlformats.org/markup-compatibility/2006">
-            <mc:Choice xmlns:a14="http://schemas.microsoft.com/office/drawing/2010/main" Requires="a14">
+          <mc:AlternateContent xmlns:mc="http://schemas.openxmlformats.org/markup-compatibility/2006" xmlns:a14="http://schemas.microsoft.com/office/drawing/2010/main">
+            <mc:Choice Requires="a14">
               <p:sp>
                 <p:nvSpPr>
                   <p:cNvPr id="73" name="TextBox 72">
@@ -15934,7 +17191,7 @@
                 </p:txBody>
               </p:sp>
             </mc:Choice>
-            <mc:Fallback>
+            <mc:Fallback xmlns="">
               <p:sp>
                 <p:nvSpPr>
                   <p:cNvPr id="73" name="TextBox 72">
@@ -16419,7 +17676,7 @@
 </p:sld>
 </file>
 
-<file path=ppt/slides/slide8.xml><?xml version="1.0" encoding="utf-8"?>
+<file path=ppt/slides/slide9.xml><?xml version="1.0" encoding="utf-8"?>
 <p:sld xmlns:a="http://schemas.openxmlformats.org/drawingml/2006/main" xmlns:r="http://schemas.openxmlformats.org/officeDocument/2006/relationships" xmlns:p="http://schemas.openxmlformats.org/presentationml/2006/main">
   <p:cSld>
     <p:spTree>
@@ -16546,7 +17803,15 @@
             </a:r>
             <a:r>
               <a:rPr lang="en-US" dirty="0"/>
-              <a:t>Many modern chatbots include chain-of-thought into the system prompt and call this reasoning models! </a:t>
+              <a:t>Many modern chatbots include chain-of-thought into the system prompt and call this </a:t>
+            </a:r>
+            <a:r>
+              <a:rPr lang="en-US" b="1" dirty="0"/>
+              <a:t>reasoning models</a:t>
+            </a:r>
+            <a:r>
+              <a:rPr lang="en-US" dirty="0"/>
+              <a:t>! </a:t>
             </a:r>
           </a:p>
         </p:txBody>
@@ -16788,442 +18053,6 @@
     <p:extLst>
       <p:ext uri="{BB962C8B-B14F-4D97-AF65-F5344CB8AC3E}">
         <p14:creationId xmlns:p14="http://schemas.microsoft.com/office/powerpoint/2010/main" val="883930596"/>
-      </p:ext>
-    </p:extLst>
-  </p:cSld>
-  <p:clrMapOvr>
-    <a:masterClrMapping/>
-  </p:clrMapOvr>
-  <p:timing>
-    <p:tnLst>
-      <p:par>
-        <p:cTn id="1" dur="indefinite" restart="never" nodeType="tmRoot">
-          <p:childTnLst>
-            <p:seq concurrent="1" nextAc="seek">
-              <p:cTn id="2" dur="indefinite" nodeType="mainSeq">
-                <p:childTnLst>
-                  <p:par>
-                    <p:cTn id="3" fill="hold">
-                      <p:stCondLst>
-                        <p:cond delay="indefinite"/>
-                      </p:stCondLst>
-                      <p:childTnLst>
-                        <p:par>
-                          <p:cTn id="4" fill="hold">
-                            <p:stCondLst>
-                              <p:cond delay="0"/>
-                            </p:stCondLst>
-                            <p:childTnLst>
-                              <p:par>
-                                <p:cTn id="5" presetID="1" presetClass="entr" presetSubtype="0" fill="hold" nodeType="clickEffect">
-                                  <p:stCondLst>
-                                    <p:cond delay="0"/>
-                                  </p:stCondLst>
-                                  <p:childTnLst>
-                                    <p:set>
-                                      <p:cBhvr>
-                                        <p:cTn id="6" dur="1" fill="hold">
-                                          <p:stCondLst>
-                                            <p:cond delay="0"/>
-                                          </p:stCondLst>
-                                        </p:cTn>
-                                        <p:tgtEl>
-                                          <p:spTgt spid="3">
-                                            <p:txEl>
-                                              <p:pRg st="3" end="3"/>
-                                            </p:txEl>
-                                          </p:spTgt>
-                                        </p:tgtEl>
-                                        <p:attrNameLst>
-                                          <p:attrName>style.visibility</p:attrName>
-                                        </p:attrNameLst>
-                                      </p:cBhvr>
-                                      <p:to>
-                                        <p:strVal val="visible"/>
-                                      </p:to>
-                                    </p:set>
-                                  </p:childTnLst>
-                                </p:cTn>
-                              </p:par>
-                            </p:childTnLst>
-                          </p:cTn>
-                        </p:par>
-                      </p:childTnLst>
-                    </p:cTn>
-                  </p:par>
-                </p:childTnLst>
-              </p:cTn>
-              <p:prevCondLst>
-                <p:cond evt="onPrev" delay="0">
-                  <p:tgtEl>
-                    <p:sldTgt/>
-                  </p:tgtEl>
-                </p:cond>
-              </p:prevCondLst>
-              <p:nextCondLst>
-                <p:cond evt="onNext" delay="0">
-                  <p:tgtEl>
-                    <p:sldTgt/>
-                  </p:tgtEl>
-                </p:cond>
-              </p:nextCondLst>
-            </p:seq>
-          </p:childTnLst>
-        </p:cTn>
-      </p:par>
-    </p:tnLst>
-  </p:timing>
-</p:sld>
-</file>
-
-<file path=ppt/slides/slide9.xml><?xml version="1.0" encoding="utf-8"?>
-<p:sld xmlns:a="http://schemas.openxmlformats.org/drawingml/2006/main" xmlns:r="http://schemas.openxmlformats.org/officeDocument/2006/relationships" xmlns:p="http://schemas.openxmlformats.org/presentationml/2006/main">
-  <p:cSld>
-    <p:spTree>
-      <p:nvGrpSpPr>
-        <p:cNvPr id="1" name=""/>
-        <p:cNvGrpSpPr/>
-        <p:nvPr/>
-      </p:nvGrpSpPr>
-      <p:grpSpPr>
-        <a:xfrm>
-          <a:off x="0" y="0"/>
-          <a:ext cx="0" cy="0"/>
-          <a:chOff x="0" y="0"/>
-          <a:chExt cx="0" cy="0"/>
-        </a:xfrm>
-      </p:grpSpPr>
-      <p:sp>
-        <p:nvSpPr>
-          <p:cNvPr id="2" name="Title 1">
-            <a:extLst>
-              <a:ext uri="{FF2B5EF4-FFF2-40B4-BE49-F238E27FC236}">
-                <a16:creationId xmlns:a16="http://schemas.microsoft.com/office/drawing/2014/main" id="{90D10DB1-D016-962B-05B5-14E467C87273}"/>
-              </a:ext>
-            </a:extLst>
-          </p:cNvPr>
-          <p:cNvSpPr>
-            <a:spLocks noGrp="1"/>
-          </p:cNvSpPr>
-          <p:nvPr>
-            <p:ph type="title"/>
-          </p:nvPr>
-        </p:nvSpPr>
-        <p:spPr/>
-        <p:txBody>
-          <a:bodyPr/>
-          <a:lstStyle/>
-          <a:p>
-            <a:r>
-              <a:rPr lang="en-US" dirty="0"/>
-              <a:t>Retrieval Augmented Generation (RAG)</a:t>
-            </a:r>
-          </a:p>
-        </p:txBody>
-      </p:sp>
-      <p:sp>
-        <p:nvSpPr>
-          <p:cNvPr id="3" name="Content Placeholder 2">
-            <a:extLst>
-              <a:ext uri="{FF2B5EF4-FFF2-40B4-BE49-F238E27FC236}">
-                <a16:creationId xmlns:a16="http://schemas.microsoft.com/office/drawing/2014/main" id="{8627F2F3-19BA-9759-7B24-F24A77190033}"/>
-              </a:ext>
-            </a:extLst>
-          </p:cNvPr>
-          <p:cNvSpPr>
-            <a:spLocks noGrp="1"/>
-          </p:cNvSpPr>
-          <p:nvPr>
-            <p:ph idx="1"/>
-          </p:nvPr>
-        </p:nvSpPr>
-        <p:spPr>
-          <a:xfrm>
-            <a:off x="838200" y="1825625"/>
-            <a:ext cx="4358640" cy="4351338"/>
-          </a:xfrm>
-        </p:spPr>
-        <p:txBody>
-          <a:bodyPr>
-            <a:normAutofit fontScale="62500" lnSpcReduction="20000"/>
-          </a:bodyPr>
-          <a:lstStyle/>
-          <a:p>
-            <a:r>
-              <a:rPr lang="en-US" dirty="0"/>
-              <a:t>RAG combines an information retrieval component with a text generator model.</a:t>
-            </a:r>
-          </a:p>
-          <a:p>
-            <a:r>
-              <a:rPr lang="en-US" dirty="0"/>
-              <a:t>Approach:</a:t>
-            </a:r>
-          </a:p>
-          <a:p>
-            <a:pPr marL="914400" lvl="1" indent="-457200">
-              <a:buFont typeface="+mj-lt"/>
-              <a:buAutoNum type="arabicPeriod"/>
-            </a:pPr>
-            <a:r>
-              <a:rPr lang="en-US" dirty="0"/>
-              <a:t>RAG takes an input and retrieves a set of relevant/supporting documents given a source (e.g., Wikipedia). </a:t>
-            </a:r>
-          </a:p>
-          <a:p>
-            <a:pPr marL="914400" lvl="1" indent="-457200">
-              <a:buFont typeface="+mj-lt"/>
-              <a:buAutoNum type="arabicPeriod"/>
-            </a:pPr>
-            <a:r>
-              <a:rPr lang="en-US" dirty="0"/>
-              <a:t>The documents are concatenated as context with the original input prompt and fed to the text generator LLM.</a:t>
-            </a:r>
-          </a:p>
-          <a:p>
-            <a:pPr marL="914400" lvl="1" indent="-457200">
-              <a:buFont typeface="+mj-lt"/>
-              <a:buAutoNum type="arabicPeriod"/>
-            </a:pPr>
-            <a:r>
-              <a:rPr lang="en-US" dirty="0"/>
-              <a:t>The LLM produces the final output.</a:t>
-            </a:r>
-          </a:p>
-          <a:p>
-            <a:endParaRPr lang="en-US" dirty="0"/>
-          </a:p>
-          <a:p>
-            <a:r>
-              <a:rPr lang="en-US" dirty="0"/>
-              <a:t>This approach can reduce issues with hallucination and introduce information that was not in the training data.</a:t>
-            </a:r>
-          </a:p>
-          <a:p>
-            <a:r>
-              <a:rPr lang="en-US" dirty="0"/>
-              <a:t>Tools: </a:t>
-            </a:r>
-            <a:r>
-              <a:rPr lang="en-US" dirty="0" err="1"/>
-              <a:t>LangChain</a:t>
-            </a:r>
-            <a:r>
-              <a:rPr lang="en-US" dirty="0"/>
-              <a:t>, </a:t>
-            </a:r>
-            <a:r>
-              <a:rPr lang="en-US" dirty="0" err="1"/>
-              <a:t>LambdaIndex</a:t>
-            </a:r>
-            <a:r>
-              <a:rPr lang="en-US" dirty="0"/>
-              <a:t>, </a:t>
-            </a:r>
-            <a:r>
-              <a:rPr lang="en-US" dirty="0" err="1"/>
-              <a:t>Flowise</a:t>
-            </a:r>
-            <a:r>
-              <a:rPr lang="en-US" dirty="0"/>
-              <a:t>,…</a:t>
-            </a:r>
-          </a:p>
-        </p:txBody>
-      </p:sp>
-      <p:grpSp>
-        <p:nvGrpSpPr>
-          <p:cNvPr id="8" name="Group 7">
-            <a:extLst>
-              <a:ext uri="{FF2B5EF4-FFF2-40B4-BE49-F238E27FC236}">
-                <a16:creationId xmlns:a16="http://schemas.microsoft.com/office/drawing/2014/main" id="{70EF5B99-7F95-309B-1CF2-9CA200AF629D}"/>
-              </a:ext>
-            </a:extLst>
-          </p:cNvPr>
-          <p:cNvGrpSpPr/>
-          <p:nvPr/>
-        </p:nvGrpSpPr>
-        <p:grpSpPr>
-          <a:xfrm>
-            <a:off x="5312845" y="1825625"/>
-            <a:ext cx="6281189" cy="3563053"/>
-            <a:chOff x="5312845" y="1825625"/>
-            <a:chExt cx="6281189" cy="3563053"/>
-          </a:xfrm>
-        </p:grpSpPr>
-        <p:grpSp>
-          <p:nvGrpSpPr>
-            <p:cNvPr id="6" name="Group 5">
-              <a:extLst>
-                <a:ext uri="{FF2B5EF4-FFF2-40B4-BE49-F238E27FC236}">
-                  <a16:creationId xmlns:a16="http://schemas.microsoft.com/office/drawing/2014/main" id="{C23B5F4B-997E-0996-C305-70B36523ADA0}"/>
-                </a:ext>
-              </a:extLst>
-            </p:cNvPr>
-            <p:cNvGrpSpPr/>
-            <p:nvPr/>
-          </p:nvGrpSpPr>
-          <p:grpSpPr>
-            <a:xfrm>
-              <a:off x="5312845" y="1965379"/>
-              <a:ext cx="6156960" cy="3243731"/>
-              <a:chOff x="5312845" y="1965379"/>
-              <a:chExt cx="6156960" cy="3243731"/>
-            </a:xfrm>
-          </p:grpSpPr>
-          <p:pic>
-            <p:nvPicPr>
-              <p:cNvPr id="1026" name="Picture 2" descr="llamaindex_rag_overview">
-                <a:extLst>
-                  <a:ext uri="{FF2B5EF4-FFF2-40B4-BE49-F238E27FC236}">
-                    <a16:creationId xmlns:a16="http://schemas.microsoft.com/office/drawing/2014/main" id="{732BDF57-20DA-B85C-D52B-C3DF4DFC7D23}"/>
-                  </a:ext>
-                </a:extLst>
-              </p:cNvPr>
-              <p:cNvPicPr>
-                <a:picLocks noChangeAspect="1" noChangeArrowheads="1"/>
-              </p:cNvPicPr>
-              <p:nvPr/>
-            </p:nvPicPr>
-            <p:blipFill>
-              <a:blip r:embed="rId2">
-                <a:extLst>
-                  <a:ext uri="{28A0092B-C50C-407E-A947-70E740481C1C}">
-                    <a14:useLocalDpi xmlns:a14="http://schemas.microsoft.com/office/drawing/2010/main" val="0"/>
-                  </a:ext>
-                </a:extLst>
-              </a:blip>
-              <a:srcRect/>
-              <a:stretch>
-                <a:fillRect/>
-              </a:stretch>
-            </p:blipFill>
-            <p:spPr bwMode="auto">
-              <a:xfrm>
-                <a:off x="5312845" y="1965379"/>
-                <a:ext cx="6156960" cy="2997510"/>
-              </a:xfrm>
-              <a:prstGeom prst="rect">
-                <a:avLst/>
-              </a:prstGeom>
-              <a:noFill/>
-              <a:extLst>
-                <a:ext uri="{909E8E84-426E-40DD-AFC4-6F175D3DCCD1}">
-                  <a14:hiddenFill xmlns:a14="http://schemas.microsoft.com/office/drawing/2010/main">
-                    <a:solidFill>
-                      <a:srgbClr val="FFFFFF"/>
-                    </a:solidFill>
-                  </a14:hiddenFill>
-                </a:ext>
-              </a:extLst>
-            </p:spPr>
-          </p:pic>
-          <p:sp>
-            <p:nvSpPr>
-              <p:cNvPr id="4" name="TextBox 3">
-                <a:extLst>
-                  <a:ext uri="{FF2B5EF4-FFF2-40B4-BE49-F238E27FC236}">
-                    <a16:creationId xmlns:a16="http://schemas.microsoft.com/office/drawing/2014/main" id="{588E5CA6-37FB-00E5-8826-C2474404AB5E}"/>
-                  </a:ext>
-                </a:extLst>
-              </p:cNvPr>
-              <p:cNvSpPr txBox="1"/>
-              <p:nvPr/>
-            </p:nvSpPr>
-            <p:spPr>
-              <a:xfrm>
-                <a:off x="5598082" y="4962889"/>
-                <a:ext cx="5755718" cy="246221"/>
-              </a:xfrm>
-              <a:prstGeom prst="rect">
-                <a:avLst/>
-              </a:prstGeom>
-              <a:noFill/>
-            </p:spPr>
-            <p:txBody>
-              <a:bodyPr wrap="square" rtlCol="0">
-                <a:spAutoFit/>
-              </a:bodyPr>
-              <a:lstStyle/>
-              <a:p>
-                <a:pPr algn="ctr"/>
-                <a:r>
-                  <a:rPr lang="en-US" sz="1000" dirty="0"/>
-                  <a:t>Source: </a:t>
-                </a:r>
-                <a:r>
-                  <a:rPr lang="en-US" sz="1000" dirty="0">
-                    <a:hlinkClick r:id="rId3"/>
-                  </a:rPr>
-                  <a:t>https://codingscape.com/blog/rag-101-what-is-rag-and-why-does-it-matter</a:t>
-                </a:r>
-                <a:r>
-                  <a:rPr lang="en-US" sz="1000" dirty="0"/>
-                  <a:t> </a:t>
-                </a:r>
-              </a:p>
-            </p:txBody>
-          </p:sp>
-        </p:grpSp>
-        <p:sp>
-          <p:nvSpPr>
-            <p:cNvPr id="7" name="Rectangle 6">
-              <a:extLst>
-                <a:ext uri="{FF2B5EF4-FFF2-40B4-BE49-F238E27FC236}">
-                  <a16:creationId xmlns:a16="http://schemas.microsoft.com/office/drawing/2014/main" id="{B0C3515D-D1E4-C2A4-BFE8-9B360FD83283}"/>
-                </a:ext>
-              </a:extLst>
-            </p:cNvPr>
-            <p:cNvSpPr/>
-            <p:nvPr/>
-          </p:nvSpPr>
-          <p:spPr>
-            <a:xfrm>
-              <a:off x="5312845" y="1825625"/>
-              <a:ext cx="6281189" cy="3563053"/>
-            </a:xfrm>
-            <a:prstGeom prst="rect">
-              <a:avLst/>
-            </a:prstGeom>
-            <a:noFill/>
-            <a:ln w="9525" cap="flat" cmpd="sng" algn="ctr">
-              <a:solidFill>
-                <a:schemeClr val="dk1"/>
-              </a:solidFill>
-              <a:prstDash val="solid"/>
-              <a:round/>
-              <a:headEnd type="none" w="med" len="med"/>
-              <a:tailEnd type="none" w="med" len="med"/>
-            </a:ln>
-          </p:spPr>
-          <p:style>
-            <a:lnRef idx="0">
-              <a:scrgbClr r="0" g="0" b="0"/>
-            </a:lnRef>
-            <a:fillRef idx="0">
-              <a:scrgbClr r="0" g="0" b="0"/>
-            </a:fillRef>
-            <a:effectRef idx="0">
-              <a:scrgbClr r="0" g="0" b="0"/>
-            </a:effectRef>
-            <a:fontRef idx="minor">
-              <a:schemeClr val="dk1"/>
-            </a:fontRef>
-          </p:style>
-          <p:txBody>
-            <a:bodyPr rtlCol="0" anchor="ctr"/>
-            <a:lstStyle/>
-            <a:p>
-              <a:pPr algn="ctr"/>
-              <a:endParaRPr lang="en-US"/>
-            </a:p>
-          </p:txBody>
-        </p:sp>
-      </p:grpSp>
-    </p:spTree>
-    <p:extLst>
-      <p:ext uri="{BB962C8B-B14F-4D97-AF65-F5344CB8AC3E}">
-        <p14:creationId xmlns:p14="http://schemas.microsoft.com/office/powerpoint/2010/main" val="3742212942"/>
       </p:ext>
     </p:extLst>
   </p:cSld>
@@ -17549,23 +18378,6 @@
 </file>
 
 <file path=customXml/item1.xml><?xml version="1.0" encoding="utf-8"?>
-<?mso-contentType ?>
-<FormTemplates xmlns="http://schemas.microsoft.com/sharepoint/v3/contenttype/forms">
-  <Display>DocumentLibraryForm</Display>
-  <Edit>DocumentLibraryForm</Edit>
-  <New>DocumentLibraryForm</New>
-</FormTemplates>
-</file>
-
-<file path=customXml/item2.xml><?xml version="1.0" encoding="utf-8"?>
-<p:properties xmlns:p="http://schemas.microsoft.com/office/2006/metadata/properties" xmlns:xsi="http://www.w3.org/2001/XMLSchema-instance" xmlns:pc="http://schemas.microsoft.com/office/infopath/2007/PartnerControls">
-  <documentManagement>
-    <_activity xmlns="49eab711-90d1-4c0f-9775-bfb7f5e5a799" xsi:nil="true"/>
-  </documentManagement>
-</p:properties>
-</file>
-
-<file path=customXml/item3.xml><?xml version="1.0" encoding="utf-8"?>
 <ct:contentTypeSchema xmlns:ct="http://schemas.microsoft.com/office/2006/metadata/contentType" xmlns:ma="http://schemas.microsoft.com/office/2006/metadata/properties/metaAttributes" ct:_="" ma:_="" ma:contentTypeName="Document" ma:contentTypeID="0x010100E62C0C88D39C234FAEC96AAE0F671565" ma:contentTypeVersion="14" ma:contentTypeDescription="Create a new document." ma:contentTypeScope="" ma:versionID="aacf67911b4e5100e6e89812ee2bd0a3">
   <xsd:schema xmlns:xsd="http://www.w3.org/2001/XMLSchema" xmlns:xs="http://www.w3.org/2001/XMLSchema" xmlns:p="http://schemas.microsoft.com/office/2006/metadata/properties" xmlns:ns3="49eab711-90d1-4c0f-9775-bfb7f5e5a799" xmlns:ns4="609867d6-2629-4535-86dd-ac3b97a3ffd8" targetNamespace="http://schemas.microsoft.com/office/2006/metadata/properties" ma:root="true" ma:fieldsID="8f1a028f5fcafea802f1bbbd0ccd48f9" ns3:_="" ns4:_="">
     <xsd:import namespace="49eab711-90d1-4c0f-9775-bfb7f5e5a799"/>
@@ -17790,10 +18602,38 @@
 </ct:contentTypeSchema>
 </file>
 
+<file path=customXml/item2.xml><?xml version="1.0" encoding="utf-8"?>
+<p:properties xmlns:p="http://schemas.microsoft.com/office/2006/metadata/properties" xmlns:xsi="http://www.w3.org/2001/XMLSchema-instance" xmlns:pc="http://schemas.microsoft.com/office/infopath/2007/PartnerControls">
+  <documentManagement>
+    <_activity xmlns="49eab711-90d1-4c0f-9775-bfb7f5e5a799" xsi:nil="true"/>
+  </documentManagement>
+</p:properties>
+</file>
+
+<file path=customXml/item3.xml><?xml version="1.0" encoding="utf-8"?>
+<?mso-contentType ?>
+<FormTemplates xmlns="http://schemas.microsoft.com/sharepoint/v3/contenttype/forms">
+  <Display>DocumentLibraryForm</Display>
+  <Edit>DocumentLibraryForm</Edit>
+  <New>DocumentLibraryForm</New>
+</FormTemplates>
+</file>
+
 <file path=customXml/itemProps1.xml><?xml version="1.0" encoding="utf-8"?>
-<ds:datastoreItem xmlns:ds="http://schemas.openxmlformats.org/officeDocument/2006/customXml" ds:itemID="{7EAB5880-6DEB-490E-8068-CD3C9FC7A3FA}">
+<ds:datastoreItem xmlns:ds="http://schemas.openxmlformats.org/officeDocument/2006/customXml" ds:itemID="{C9830ED9-A146-440C-B934-C557D3AC1812}">
   <ds:schemaRefs>
-    <ds:schemaRef ds:uri="http://schemas.microsoft.com/sharepoint/v3/contenttype/forms"/>
+    <ds:schemaRef ds:uri="http://schemas.microsoft.com/office/2006/metadata/contentType"/>
+    <ds:schemaRef ds:uri="http://schemas.microsoft.com/office/2006/metadata/properties/metaAttributes"/>
+    <ds:schemaRef ds:uri="http://www.w3.org/2001/XMLSchema"/>
+    <ds:schemaRef ds:uri="http://schemas.microsoft.com/office/2006/metadata/properties"/>
+    <ds:schemaRef ds:uri="49eab711-90d1-4c0f-9775-bfb7f5e5a799"/>
+    <ds:schemaRef ds:uri="609867d6-2629-4535-86dd-ac3b97a3ffd8"/>
+    <ds:schemaRef ds:uri="http://schemas.microsoft.com/office/2006/documentManagement/types"/>
+    <ds:schemaRef ds:uri="http://schemas.microsoft.com/office/infopath/2007/PartnerControls"/>
+    <ds:schemaRef ds:uri="http://schemas.openxmlformats.org/package/2006/metadata/core-properties"/>
+    <ds:schemaRef ds:uri="http://purl.org/dc/elements/1.1/"/>
+    <ds:schemaRef ds:uri="http://purl.org/dc/terms/"/>
+    <ds:schemaRef ds:uri="http://schemas.microsoft.com/internal/obd"/>
   </ds:schemaRefs>
 </ds:datastoreItem>
 </file>
@@ -17816,20 +18656,9 @@
 </file>
 
 <file path=customXml/itemProps3.xml><?xml version="1.0" encoding="utf-8"?>
-<ds:datastoreItem xmlns:ds="http://schemas.openxmlformats.org/officeDocument/2006/customXml" ds:itemID="{C9830ED9-A146-440C-B934-C557D3AC1812}">
+<ds:datastoreItem xmlns:ds="http://schemas.openxmlformats.org/officeDocument/2006/customXml" ds:itemID="{7EAB5880-6DEB-490E-8068-CD3C9FC7A3FA}">
   <ds:schemaRefs>
-    <ds:schemaRef ds:uri="http://schemas.microsoft.com/office/2006/metadata/contentType"/>
-    <ds:schemaRef ds:uri="http://schemas.microsoft.com/office/2006/metadata/properties/metaAttributes"/>
-    <ds:schemaRef ds:uri="http://www.w3.org/2001/XMLSchema"/>
-    <ds:schemaRef ds:uri="http://schemas.microsoft.com/office/2006/metadata/properties"/>
-    <ds:schemaRef ds:uri="49eab711-90d1-4c0f-9775-bfb7f5e5a799"/>
-    <ds:schemaRef ds:uri="609867d6-2629-4535-86dd-ac3b97a3ffd8"/>
-    <ds:schemaRef ds:uri="http://schemas.microsoft.com/office/2006/documentManagement/types"/>
-    <ds:schemaRef ds:uri="http://schemas.microsoft.com/office/infopath/2007/PartnerControls"/>
-    <ds:schemaRef ds:uri="http://schemas.openxmlformats.org/package/2006/metadata/core-properties"/>
-    <ds:schemaRef ds:uri="http://purl.org/dc/elements/1.1/"/>
-    <ds:schemaRef ds:uri="http://purl.org/dc/terms/"/>
-    <ds:schemaRef ds:uri="http://schemas.microsoft.com/internal/obd"/>
+    <ds:schemaRef ds:uri="http://schemas.microsoft.com/sharepoint/v3/contenttype/forms"/>
   </ds:schemaRefs>
 </ds:datastoreItem>
 </file>
--- a/slides/07_LLM_discussion.pptx
+++ b/slides/07_LLM_discussion.pptx
@@ -273,7 +273,7 @@
           <a:p>
             <a:fld id="{A0CF861B-2947-4E74-AAE0-E351222E926D}" type="datetimeFigureOut">
               <a:rPr lang="en-US" smtClean="0"/>
-              <a:t>11/6/2025</a:t>
+              <a:t>11/10/2025</a:t>
             </a:fld>
             <a:endParaRPr lang="en-US"/>
           </a:p>
@@ -471,7 +471,7 @@
           <a:p>
             <a:fld id="{A0CF861B-2947-4E74-AAE0-E351222E926D}" type="datetimeFigureOut">
               <a:rPr lang="en-US" smtClean="0"/>
-              <a:t>11/6/2025</a:t>
+              <a:t>11/10/2025</a:t>
             </a:fld>
             <a:endParaRPr lang="en-US"/>
           </a:p>
@@ -679,7 +679,7 @@
           <a:p>
             <a:fld id="{A0CF861B-2947-4E74-AAE0-E351222E926D}" type="datetimeFigureOut">
               <a:rPr lang="en-US" smtClean="0"/>
-              <a:t>11/6/2025</a:t>
+              <a:t>11/10/2025</a:t>
             </a:fld>
             <a:endParaRPr lang="en-US"/>
           </a:p>
@@ -877,7 +877,7 @@
           <a:p>
             <a:fld id="{A0CF861B-2947-4E74-AAE0-E351222E926D}" type="datetimeFigureOut">
               <a:rPr lang="en-US" smtClean="0"/>
-              <a:t>11/6/2025</a:t>
+              <a:t>11/10/2025</a:t>
             </a:fld>
             <a:endParaRPr lang="en-US"/>
           </a:p>
@@ -1152,7 +1152,7 @@
           <a:p>
             <a:fld id="{A0CF861B-2947-4E74-AAE0-E351222E926D}" type="datetimeFigureOut">
               <a:rPr lang="en-US" smtClean="0"/>
-              <a:t>11/6/2025</a:t>
+              <a:t>11/10/2025</a:t>
             </a:fld>
             <a:endParaRPr lang="en-US"/>
           </a:p>
@@ -1417,7 +1417,7 @@
           <a:p>
             <a:fld id="{A0CF861B-2947-4E74-AAE0-E351222E926D}" type="datetimeFigureOut">
               <a:rPr lang="en-US" smtClean="0"/>
-              <a:t>11/6/2025</a:t>
+              <a:t>11/10/2025</a:t>
             </a:fld>
             <a:endParaRPr lang="en-US"/>
           </a:p>
@@ -1829,7 +1829,7 @@
           <a:p>
             <a:fld id="{A0CF861B-2947-4E74-AAE0-E351222E926D}" type="datetimeFigureOut">
               <a:rPr lang="en-US" smtClean="0"/>
-              <a:t>11/6/2025</a:t>
+              <a:t>11/10/2025</a:t>
             </a:fld>
             <a:endParaRPr lang="en-US"/>
           </a:p>
@@ -1970,7 +1970,7 @@
           <a:p>
             <a:fld id="{A0CF861B-2947-4E74-AAE0-E351222E926D}" type="datetimeFigureOut">
               <a:rPr lang="en-US" smtClean="0"/>
-              <a:t>11/6/2025</a:t>
+              <a:t>11/10/2025</a:t>
             </a:fld>
             <a:endParaRPr lang="en-US"/>
           </a:p>
@@ -2083,7 +2083,7 @@
           <a:p>
             <a:fld id="{A0CF861B-2947-4E74-AAE0-E351222E926D}" type="datetimeFigureOut">
               <a:rPr lang="en-US" smtClean="0"/>
-              <a:t>11/6/2025</a:t>
+              <a:t>11/10/2025</a:t>
             </a:fld>
             <a:endParaRPr lang="en-US"/>
           </a:p>
@@ -2394,7 +2394,7 @@
           <a:p>
             <a:fld id="{A0CF861B-2947-4E74-AAE0-E351222E926D}" type="datetimeFigureOut">
               <a:rPr lang="en-US" smtClean="0"/>
-              <a:t>11/6/2025</a:t>
+              <a:t>11/10/2025</a:t>
             </a:fld>
             <a:endParaRPr lang="en-US"/>
           </a:p>
@@ -2682,7 +2682,7 @@
           <a:p>
             <a:fld id="{A0CF861B-2947-4E74-AAE0-E351222E926D}" type="datetimeFigureOut">
               <a:rPr lang="en-US" smtClean="0"/>
-              <a:t>11/6/2025</a:t>
+              <a:t>11/10/2025</a:t>
             </a:fld>
             <a:endParaRPr lang="en-US"/>
           </a:p>
@@ -2923,7 +2923,7 @@
           <a:p>
             <a:fld id="{A0CF861B-2947-4E74-AAE0-E351222E926D}" type="datetimeFigureOut">
               <a:rPr lang="en-US" smtClean="0"/>
-              <a:t>11/6/2025</a:t>
+              <a:t>11/10/2025</a:t>
             </a:fld>
             <a:endParaRPr lang="en-US"/>
           </a:p>
@@ -6413,15 +6413,7 @@
             </a:r>
             <a:r>
               <a:rPr lang="en-US" sz="1400" dirty="0"/>
-              <a:t>: It is easy to avoid guardrails (i.e., </a:t>
-            </a:r>
-            <a:r>
-              <a:rPr lang="en-US" sz="1400" dirty="0" err="1"/>
-              <a:t>jailbrake</a:t>
-            </a:r>
-            <a:r>
-              <a:rPr lang="en-US" sz="1400" dirty="0"/>
-              <a:t>) leading to unsafe responses.</a:t>
+              <a:t>: It is easy to avoid guardrails (i.e., jailbreak) leading to unsafe responses.</a:t>
             </a:r>
           </a:p>
           <a:p>
@@ -11481,37 +11473,30 @@
                 </a:r>
                 <a:r>
                   <a:rPr lang="en-US" sz="2000" dirty="0"/>
-                  <a:t>: </a:t>
-                </a:r>
-              </a:p>
-              <a:p>
-                <a:pPr lvl="1"/>
-                <a:r>
-                  <a:rPr lang="en-US" sz="1600" dirty="0"/>
-                  <a:t>Naïve version: </a:t>
+                  <a:t> uses </a:t>
                 </a:r>
                 <a14:m>
                   <m:oMath xmlns:m="http://schemas.openxmlformats.org/officeDocument/2006/math">
                     <m:r>
-                      <a:rPr lang="en-US" sz="1600" i="1" dirty="0" smtClean="0">
+                      <a:rPr lang="en-US" sz="2000" i="1" dirty="0">
                         <a:latin typeface="Cambria Math" panose="02040503050406030204" pitchFamily="18" charset="0"/>
                       </a:rPr>
                       <m:t>𝑑</m:t>
                     </m:r>
                     <m:r>
-                      <a:rPr lang="en-US" sz="1600" i="1" dirty="0" smtClean="0">
+                      <a:rPr lang="en-US" sz="2000" i="1" dirty="0">
                         <a:latin typeface="Cambria Math" panose="02040503050406030204" pitchFamily="18" charset="0"/>
                       </a:rPr>
                       <m:t> = 50,000, </m:t>
                     </m:r>
                     <m:r>
-                      <a:rPr lang="en-US" sz="1600" i="1" dirty="0" smtClean="0">
+                      <a:rPr lang="en-US" sz="2000" i="1" dirty="0">
                         <a:latin typeface="Cambria Math" panose="02040503050406030204" pitchFamily="18" charset="0"/>
                       </a:rPr>
                       <m:t>𝑙</m:t>
                     </m:r>
                     <m:r>
-                      <a:rPr lang="en-US" sz="1600" i="1" dirty="0" smtClean="0">
+                      <a:rPr lang="en-US" sz="2000" i="1" dirty="0">
                         <a:latin typeface="Cambria Math" panose="02040503050406030204" pitchFamily="18" charset="0"/>
                       </a:rPr>
                       <m:t> = 2000</m:t>
@@ -11519,22 +11504,15 @@
                   </m:oMath>
                 </a14:m>
                 <a:r>
-                  <a:rPr lang="en-US" sz="1600" dirty="0"/>
+                  <a:rPr lang="en-US" sz="2000" dirty="0"/>
                   <a:t> </a:t>
                 </a:r>
-                <a14:m>
-                  <m:oMath xmlns:m="http://schemas.openxmlformats.org/officeDocument/2006/math">
-                    <m:r>
-                      <a:rPr lang="en-US" sz="1600" i="1" dirty="0">
-                        <a:latin typeface="Cambria Math" panose="02040503050406030204" pitchFamily="18" charset="0"/>
-                      </a:rPr>
-                      <m:t>→</m:t>
-                    </m:r>
-                  </m:oMath>
-                </a14:m>
+              </a:p>
+              <a:p>
+                <a:pPr lvl="1"/>
                 <a:r>
                   <a:rPr lang="en-US" sz="1600" dirty="0"/>
-                  <a:t> </a:t>
+                  <a:t>Bayesian classifier : </a:t>
                 </a:r>
                 <a14:m>
                   <m:oMath xmlns:m="http://schemas.openxmlformats.org/officeDocument/2006/math">
@@ -12819,13 +12797,13 @@
         </p:nvSpPr>
         <p:spPr>
           <a:xfrm>
-            <a:off x="7238419" y="4453338"/>
+            <a:off x="7128284" y="4703536"/>
             <a:ext cx="1696177" cy="663114"/>
           </a:xfrm>
           <a:prstGeom prst="wedgeRoundRectCallout">
             <a:avLst>
-              <a:gd name="adj1" fmla="val -57198"/>
-              <a:gd name="adj2" fmla="val 49181"/>
+              <a:gd name="adj1" fmla="val -130485"/>
+              <a:gd name="adj2" fmla="val 31388"/>
               <a:gd name="adj3" fmla="val 16667"/>
             </a:avLst>
           </a:prstGeom>
@@ -12907,8 +12885,8 @@
           </a:p>
         </p:txBody>
       </p:sp>
-      <mc:AlternateContent xmlns:mc="http://schemas.openxmlformats.org/markup-compatibility/2006">
-        <mc:Choice xmlns:a14="http://schemas.microsoft.com/office/drawing/2010/main" Requires="a14">
+      <mc:AlternateContent xmlns:mc="http://schemas.openxmlformats.org/markup-compatibility/2006" xmlns:a14="http://schemas.microsoft.com/office/drawing/2010/main">
+        <mc:Choice Requires="a14">
           <p:graphicFrame>
             <p:nvGraphicFramePr>
               <p:cNvPr id="35" name="Table 34">
@@ -13705,7 +13683,7 @@
             </a:graphic>
           </p:graphicFrame>
         </mc:Choice>
-        <mc:Fallback>
+        <mc:Fallback xmlns="">
           <p:graphicFrame>
             <p:nvGraphicFramePr>
               <p:cNvPr id="35" name="Table 34">
@@ -14226,8 +14204,8 @@
           </p:graphicFrame>
         </mc:Fallback>
       </mc:AlternateContent>
-      <mc:AlternateContent xmlns:mc="http://schemas.openxmlformats.org/markup-compatibility/2006">
-        <mc:Choice xmlns:a14="http://schemas.microsoft.com/office/drawing/2010/main" Requires="a14">
+      <mc:AlternateContent xmlns:mc="http://schemas.openxmlformats.org/markup-compatibility/2006" xmlns:a14="http://schemas.microsoft.com/office/drawing/2010/main">
+        <mc:Choice Requires="a14">
           <p:sp>
             <p:nvSpPr>
               <p:cNvPr id="42" name="TextBox 41">
@@ -14513,7 +14491,7 @@
             </p:txBody>
           </p:sp>
         </mc:Choice>
-        <mc:Fallback>
+        <mc:Fallback xmlns="">
           <p:sp>
             <p:nvSpPr>
               <p:cNvPr id="42" name="TextBox 41">
@@ -14558,8 +14536,8 @@
           </p:sp>
         </mc:Fallback>
       </mc:AlternateContent>
-      <mc:AlternateContent xmlns:mc="http://schemas.openxmlformats.org/markup-compatibility/2006">
-        <mc:Choice xmlns:a14="http://schemas.microsoft.com/office/drawing/2010/main" Requires="a14">
+      <mc:AlternateContent xmlns:mc="http://schemas.openxmlformats.org/markup-compatibility/2006" xmlns:a14="http://schemas.microsoft.com/office/drawing/2010/main">
+        <mc:Choice Requires="a14">
           <p:sp>
             <p:nvSpPr>
               <p:cNvPr id="43" name="TextBox 42">
@@ -14657,7 +14635,7 @@
             </p:txBody>
           </p:sp>
         </mc:Choice>
-        <mc:Fallback>
+        <mc:Fallback xmlns="">
           <p:sp>
             <p:nvSpPr>
               <p:cNvPr id="43" name="TextBox 42">
@@ -15042,9 +15020,6 @@
                     <p:cTn id="3" fill="hold">
                       <p:stCondLst>
                         <p:cond delay="indefinite"/>
-                        <p:cond evt="onBegin" delay="0">
-                          <p:tn val="2"/>
-                        </p:cond>
                       </p:stCondLst>
                       <p:childTnLst>
                         <p:par>
@@ -15054,7 +15029,7 @@
                             </p:stCondLst>
                             <p:childTnLst>
                               <p:par>
-                                <p:cTn id="5" presetID="1" presetClass="entr" presetSubtype="0" fill="hold" grpId="0" nodeType="withEffect">
+                                <p:cTn id="5" presetID="1" presetClass="entr" presetSubtype="0" fill="hold" grpId="0" nodeType="clickEffect">
                                   <p:stCondLst>
                                     <p:cond delay="0"/>
                                   </p:stCondLst>
@@ -15107,21 +15082,43 @@
                                   </p:childTnLst>
                                 </p:cTn>
                               </p:par>
+                            </p:childTnLst>
+                          </p:cTn>
+                        </p:par>
+                      </p:childTnLst>
+                    </p:cTn>
+                  </p:par>
+                  <p:par>
+                    <p:cTn id="9" fill="hold">
+                      <p:stCondLst>
+                        <p:cond delay="indefinite"/>
+                      </p:stCondLst>
+                      <p:childTnLst>
+                        <p:par>
+                          <p:cTn id="10" fill="hold">
+                            <p:stCondLst>
+                              <p:cond delay="0"/>
+                            </p:stCondLst>
+                            <p:childTnLst>
                               <p:par>
-                                <p:cTn id="9" presetID="1" presetClass="entr" presetSubtype="0" fill="hold" grpId="0" nodeType="withEffect">
+                                <p:cTn id="11" presetID="1" presetClass="entr" presetSubtype="0" fill="hold" nodeType="clickEffect">
                                   <p:stCondLst>
                                     <p:cond delay="0"/>
                                   </p:stCondLst>
                                   <p:childTnLst>
                                     <p:set>
                                       <p:cBhvr>
-                                        <p:cTn id="10" dur="1" fill="hold">
+                                        <p:cTn id="12" dur="1" fill="hold">
                                           <p:stCondLst>
                                             <p:cond delay="0"/>
                                           </p:stCondLst>
                                         </p:cTn>
                                         <p:tgtEl>
-                                          <p:spTgt spid="42"/>
+                                          <p:spTgt spid="3">
+                                            <p:txEl>
+                                              <p:pRg st="2" end="2"/>
+                                            </p:txEl>
+                                          </p:spTgt>
                                         </p:tgtEl>
                                         <p:attrNameLst>
                                           <p:attrName>style.visibility</p:attrName>
@@ -15134,62 +15131,26 @@
                                   </p:childTnLst>
                                 </p:cTn>
                               </p:par>
+                            </p:childTnLst>
+                          </p:cTn>
+                        </p:par>
+                      </p:childTnLst>
+                    </p:cTn>
+                  </p:par>
+                  <p:par>
+                    <p:cTn id="13" fill="hold">
+                      <p:stCondLst>
+                        <p:cond delay="indefinite"/>
+                      </p:stCondLst>
+                      <p:childTnLst>
+                        <p:par>
+                          <p:cTn id="14" fill="hold">
+                            <p:stCondLst>
+                              <p:cond delay="0"/>
+                            </p:stCondLst>
+                            <p:childTnLst>
                               <p:par>
-                                <p:cTn id="11" presetID="1" presetClass="entr" presetSubtype="0" fill="hold" nodeType="withEffect">
-                                  <p:stCondLst>
-                                    <p:cond delay="0"/>
-                                  </p:stCondLst>
-                                  <p:childTnLst>
-                                    <p:set>
-                                      <p:cBhvr>
-                                        <p:cTn id="12" dur="1" fill="hold">
-                                          <p:stCondLst>
-                                            <p:cond delay="0"/>
-                                          </p:stCondLst>
-                                        </p:cTn>
-                                        <p:tgtEl>
-                                          <p:spTgt spid="35"/>
-                                        </p:tgtEl>
-                                        <p:attrNameLst>
-                                          <p:attrName>style.visibility</p:attrName>
-                                        </p:attrNameLst>
-                                      </p:cBhvr>
-                                      <p:to>
-                                        <p:strVal val="visible"/>
-                                      </p:to>
-                                    </p:set>
-                                  </p:childTnLst>
-                                </p:cTn>
-                              </p:par>
-                              <p:par>
-                                <p:cTn id="13" presetID="1" presetClass="entr" presetSubtype="0" fill="hold" grpId="0" nodeType="withEffect">
-                                  <p:stCondLst>
-                                    <p:cond delay="0"/>
-                                  </p:stCondLst>
-                                  <p:childTnLst>
-                                    <p:set>
-                                      <p:cBhvr>
-                                        <p:cTn id="14" dur="1" fill="hold">
-                                          <p:stCondLst>
-                                            <p:cond delay="0"/>
-                                          </p:stCondLst>
-                                        </p:cTn>
-                                        <p:tgtEl>
-                                          <p:spTgt spid="44"/>
-                                        </p:tgtEl>
-                                        <p:attrNameLst>
-                                          <p:attrName>style.visibility</p:attrName>
-                                        </p:attrNameLst>
-                                      </p:cBhvr>
-                                      <p:to>
-                                        <p:strVal val="visible"/>
-                                      </p:to>
-                                    </p:set>
-                                  </p:childTnLst>
-                                </p:cTn>
-                              </p:par>
-                              <p:par>
-                                <p:cTn id="15" presetID="1" presetClass="entr" presetSubtype="0" fill="hold" grpId="0" nodeType="withEffect">
+                                <p:cTn id="15" presetID="1" presetClass="entr" presetSubtype="0" fill="hold" nodeType="clickEffect">
                                   <p:stCondLst>
                                     <p:cond delay="0"/>
                                   </p:stCondLst>
@@ -15202,7 +15163,11 @@
                                           </p:stCondLst>
                                         </p:cTn>
                                         <p:tgtEl>
-                                          <p:spTgt spid="43"/>
+                                          <p:spTgt spid="3">
+                                            <p:txEl>
+                                              <p:pRg st="4" end="4"/>
+                                            </p:txEl>
+                                          </p:spTgt>
                                         </p:tgtEl>
                                         <p:attrNameLst>
                                           <p:attrName>style.visibility</p:attrName>
@@ -15229,6 +15194,274 @@
                                           </p:stCondLst>
                                         </p:cTn>
                                         <p:tgtEl>
+                                          <p:spTgt spid="44"/>
+                                        </p:tgtEl>
+                                        <p:attrNameLst>
+                                          <p:attrName>style.visibility</p:attrName>
+                                        </p:attrNameLst>
+                                      </p:cBhvr>
+                                      <p:to>
+                                        <p:strVal val="visible"/>
+                                      </p:to>
+                                    </p:set>
+                                  </p:childTnLst>
+                                </p:cTn>
+                              </p:par>
+                            </p:childTnLst>
+                          </p:cTn>
+                        </p:par>
+                      </p:childTnLst>
+                    </p:cTn>
+                  </p:par>
+                  <p:par>
+                    <p:cTn id="19" fill="hold">
+                      <p:stCondLst>
+                        <p:cond delay="indefinite"/>
+                      </p:stCondLst>
+                      <p:childTnLst>
+                        <p:par>
+                          <p:cTn id="20" fill="hold">
+                            <p:stCondLst>
+                              <p:cond delay="0"/>
+                            </p:stCondLst>
+                            <p:childTnLst>
+                              <p:par>
+                                <p:cTn id="21" presetID="1" presetClass="entr" presetSubtype="0" fill="hold" grpId="0" nodeType="clickEffect">
+                                  <p:stCondLst>
+                                    <p:cond delay="0"/>
+                                  </p:stCondLst>
+                                  <p:childTnLst>
+                                    <p:set>
+                                      <p:cBhvr>
+                                        <p:cTn id="22" dur="1" fill="hold">
+                                          <p:stCondLst>
+                                            <p:cond delay="0"/>
+                                          </p:stCondLst>
+                                        </p:cTn>
+                                        <p:tgtEl>
+                                          <p:spTgt spid="42"/>
+                                        </p:tgtEl>
+                                        <p:attrNameLst>
+                                          <p:attrName>style.visibility</p:attrName>
+                                        </p:attrNameLst>
+                                      </p:cBhvr>
+                                      <p:to>
+                                        <p:strVal val="visible"/>
+                                      </p:to>
+                                    </p:set>
+                                  </p:childTnLst>
+                                </p:cTn>
+                              </p:par>
+                              <p:par>
+                                <p:cTn id="23" presetID="1" presetClass="entr" presetSubtype="0" fill="hold" nodeType="withEffect">
+                                  <p:stCondLst>
+                                    <p:cond delay="0"/>
+                                  </p:stCondLst>
+                                  <p:childTnLst>
+                                    <p:set>
+                                      <p:cBhvr>
+                                        <p:cTn id="24" dur="1" fill="hold">
+                                          <p:stCondLst>
+                                            <p:cond delay="0"/>
+                                          </p:stCondLst>
+                                        </p:cTn>
+                                        <p:tgtEl>
+                                          <p:spTgt spid="35"/>
+                                        </p:tgtEl>
+                                        <p:attrNameLst>
+                                          <p:attrName>style.visibility</p:attrName>
+                                        </p:attrNameLst>
+                                      </p:cBhvr>
+                                      <p:to>
+                                        <p:strVal val="visible"/>
+                                      </p:to>
+                                    </p:set>
+                                  </p:childTnLst>
+                                </p:cTn>
+                              </p:par>
+                            </p:childTnLst>
+                          </p:cTn>
+                        </p:par>
+                      </p:childTnLst>
+                    </p:cTn>
+                  </p:par>
+                  <p:par>
+                    <p:cTn id="25" fill="hold">
+                      <p:stCondLst>
+                        <p:cond delay="indefinite"/>
+                      </p:stCondLst>
+                      <p:childTnLst>
+                        <p:par>
+                          <p:cTn id="26" fill="hold">
+                            <p:stCondLst>
+                              <p:cond delay="0"/>
+                            </p:stCondLst>
+                            <p:childTnLst>
+                              <p:par>
+                                <p:cTn id="27" presetID="1" presetClass="entr" presetSubtype="0" fill="hold" nodeType="clickEffect">
+                                  <p:stCondLst>
+                                    <p:cond delay="0"/>
+                                  </p:stCondLst>
+                                  <p:childTnLst>
+                                    <p:set>
+                                      <p:cBhvr>
+                                        <p:cTn id="28" dur="1" fill="hold">
+                                          <p:stCondLst>
+                                            <p:cond delay="0"/>
+                                          </p:stCondLst>
+                                        </p:cTn>
+                                        <p:tgtEl>
+                                          <p:spTgt spid="3">
+                                            <p:txEl>
+                                              <p:pRg st="5" end="5"/>
+                                            </p:txEl>
+                                          </p:spTgt>
+                                        </p:tgtEl>
+                                        <p:attrNameLst>
+                                          <p:attrName>style.visibility</p:attrName>
+                                        </p:attrNameLst>
+                                      </p:cBhvr>
+                                      <p:to>
+                                        <p:strVal val="visible"/>
+                                      </p:to>
+                                    </p:set>
+                                  </p:childTnLst>
+                                </p:cTn>
+                              </p:par>
+                              <p:par>
+                                <p:cTn id="29" presetID="1" presetClass="entr" presetSubtype="0" fill="hold" grpId="0" nodeType="withEffect">
+                                  <p:stCondLst>
+                                    <p:cond delay="0"/>
+                                  </p:stCondLst>
+                                  <p:childTnLst>
+                                    <p:set>
+                                      <p:cBhvr>
+                                        <p:cTn id="30" dur="1" fill="hold">
+                                          <p:stCondLst>
+                                            <p:cond delay="0"/>
+                                          </p:stCondLst>
+                                        </p:cTn>
+                                        <p:tgtEl>
+                                          <p:spTgt spid="43"/>
+                                        </p:tgtEl>
+                                        <p:attrNameLst>
+                                          <p:attrName>style.visibility</p:attrName>
+                                        </p:attrNameLst>
+                                      </p:cBhvr>
+                                      <p:to>
+                                        <p:strVal val="visible"/>
+                                      </p:to>
+                                    </p:set>
+                                  </p:childTnLst>
+                                </p:cTn>
+                              </p:par>
+                              <p:par>
+                                <p:cTn id="31" presetID="1" presetClass="entr" presetSubtype="0" fill="hold" nodeType="withEffect">
+                                  <p:stCondLst>
+                                    <p:cond delay="0"/>
+                                  </p:stCondLst>
+                                  <p:childTnLst>
+                                    <p:set>
+                                      <p:cBhvr>
+                                        <p:cTn id="32" dur="1" fill="hold">
+                                          <p:stCondLst>
+                                            <p:cond delay="0"/>
+                                          </p:stCondLst>
+                                        </p:cTn>
+                                        <p:tgtEl>
+                                          <p:spTgt spid="3">
+                                            <p:txEl>
+                                              <p:pRg st="6" end="6"/>
+                                            </p:txEl>
+                                          </p:spTgt>
+                                        </p:tgtEl>
+                                        <p:attrNameLst>
+                                          <p:attrName>style.visibility</p:attrName>
+                                        </p:attrNameLst>
+                                      </p:cBhvr>
+                                      <p:to>
+                                        <p:strVal val="visible"/>
+                                      </p:to>
+                                    </p:set>
+                                  </p:childTnLst>
+                                </p:cTn>
+                              </p:par>
+                              <p:par>
+                                <p:cTn id="33" presetID="1" presetClass="entr" presetSubtype="0" fill="hold" nodeType="withEffect">
+                                  <p:stCondLst>
+                                    <p:cond delay="0"/>
+                                  </p:stCondLst>
+                                  <p:childTnLst>
+                                    <p:set>
+                                      <p:cBhvr>
+                                        <p:cTn id="34" dur="1" fill="hold">
+                                          <p:stCondLst>
+                                            <p:cond delay="0"/>
+                                          </p:stCondLst>
+                                        </p:cTn>
+                                        <p:tgtEl>
+                                          <p:spTgt spid="3">
+                                            <p:txEl>
+                                              <p:pRg st="7" end="7"/>
+                                            </p:txEl>
+                                          </p:spTgt>
+                                        </p:tgtEl>
+                                        <p:attrNameLst>
+                                          <p:attrName>style.visibility</p:attrName>
+                                        </p:attrNameLst>
+                                      </p:cBhvr>
+                                      <p:to>
+                                        <p:strVal val="visible"/>
+                                      </p:to>
+                                    </p:set>
+                                  </p:childTnLst>
+                                </p:cTn>
+                              </p:par>
+                              <p:par>
+                                <p:cTn id="35" presetID="1" presetClass="entr" presetSubtype="0" fill="hold" nodeType="withEffect">
+                                  <p:stCondLst>
+                                    <p:cond delay="0"/>
+                                  </p:stCondLst>
+                                  <p:childTnLst>
+                                    <p:set>
+                                      <p:cBhvr>
+                                        <p:cTn id="36" dur="1" fill="hold">
+                                          <p:stCondLst>
+                                            <p:cond delay="0"/>
+                                          </p:stCondLst>
+                                        </p:cTn>
+                                        <p:tgtEl>
+                                          <p:spTgt spid="3">
+                                            <p:txEl>
+                                              <p:pRg st="8" end="8"/>
+                                            </p:txEl>
+                                          </p:spTgt>
+                                        </p:tgtEl>
+                                        <p:attrNameLst>
+                                          <p:attrName>style.visibility</p:attrName>
+                                        </p:attrNameLst>
+                                      </p:cBhvr>
+                                      <p:to>
+                                        <p:strVal val="visible"/>
+                                      </p:to>
+                                    </p:set>
+                                  </p:childTnLst>
+                                </p:cTn>
+                              </p:par>
+                              <p:par>
+                                <p:cTn id="37" presetID="1" presetClass="entr" presetSubtype="0" fill="hold" grpId="0" nodeType="withEffect">
+                                  <p:stCondLst>
+                                    <p:cond delay="0"/>
+                                  </p:stCondLst>
+                                  <p:childTnLst>
+                                    <p:set>
+                                      <p:cBhvr>
+                                        <p:cTn id="38" dur="1" fill="hold">
+                                          <p:stCondLst>
+                                            <p:cond delay="0"/>
+                                          </p:stCondLst>
+                                        </p:cTn>
+                                        <p:tgtEl>
                                           <p:spTgt spid="32"/>
                                         </p:tgtEl>
                                         <p:attrNameLst>
@@ -15243,14 +15476,14 @@
                                 </p:cTn>
                               </p:par>
                               <p:par>
-                                <p:cTn id="19" presetID="1" presetClass="entr" presetSubtype="0" fill="hold" grpId="0" nodeType="withEffect">
+                                <p:cTn id="39" presetID="1" presetClass="entr" presetSubtype="0" fill="hold" grpId="0" nodeType="withEffect">
                                   <p:stCondLst>
                                     <p:cond delay="0"/>
                                   </p:stCondLst>
                                   <p:childTnLst>
                                     <p:set>
                                       <p:cBhvr>
-                                        <p:cTn id="20" dur="1" fill="hold">
+                                        <p:cTn id="40" dur="1" fill="hold">
                                           <p:stCondLst>
                                             <p:cond delay="0"/>
                                           </p:stCondLst>
@@ -15270,14 +15503,14 @@
                                 </p:cTn>
                               </p:par>
                               <p:par>
-                                <p:cTn id="21" presetID="1" presetClass="entr" presetSubtype="0" fill="hold" grpId="0" nodeType="withEffect">
+                                <p:cTn id="41" presetID="1" presetClass="entr" presetSubtype="0" fill="hold" grpId="0" nodeType="withEffect">
                                   <p:stCondLst>
                                     <p:cond delay="0"/>
                                   </p:stCondLst>
                                   <p:childTnLst>
                                     <p:set>
                                       <p:cBhvr>
-                                        <p:cTn id="22" dur="1" fill="hold">
+                                        <p:cTn id="42" dur="1" fill="hold">
                                           <p:stCondLst>
                                             <p:cond delay="0"/>
                                           </p:stCondLst>
@@ -18378,6 +18611,23 @@
 </file>
 
 <file path=customXml/item1.xml><?xml version="1.0" encoding="utf-8"?>
+<?mso-contentType ?>
+<FormTemplates xmlns="http://schemas.microsoft.com/sharepoint/v3/contenttype/forms">
+  <Display>DocumentLibraryForm</Display>
+  <Edit>DocumentLibraryForm</Edit>
+  <New>DocumentLibraryForm</New>
+</FormTemplates>
+</file>
+
+<file path=customXml/item2.xml><?xml version="1.0" encoding="utf-8"?>
+<p:properties xmlns:p="http://schemas.microsoft.com/office/2006/metadata/properties" xmlns:xsi="http://www.w3.org/2001/XMLSchema-instance" xmlns:pc="http://schemas.microsoft.com/office/infopath/2007/PartnerControls">
+  <documentManagement>
+    <_activity xmlns="49eab711-90d1-4c0f-9775-bfb7f5e5a799" xsi:nil="true"/>
+  </documentManagement>
+</p:properties>
+</file>
+
+<file path=customXml/item3.xml><?xml version="1.0" encoding="utf-8"?>
 <ct:contentTypeSchema xmlns:ct="http://schemas.microsoft.com/office/2006/metadata/contentType" xmlns:ma="http://schemas.microsoft.com/office/2006/metadata/properties/metaAttributes" ct:_="" ma:_="" ma:contentTypeName="Document" ma:contentTypeID="0x010100E62C0C88D39C234FAEC96AAE0F671565" ma:contentTypeVersion="14" ma:contentTypeDescription="Create a new document." ma:contentTypeScope="" ma:versionID="aacf67911b4e5100e6e89812ee2bd0a3">
   <xsd:schema xmlns:xsd="http://www.w3.org/2001/XMLSchema" xmlns:xs="http://www.w3.org/2001/XMLSchema" xmlns:p="http://schemas.microsoft.com/office/2006/metadata/properties" xmlns:ns3="49eab711-90d1-4c0f-9775-bfb7f5e5a799" xmlns:ns4="609867d6-2629-4535-86dd-ac3b97a3ffd8" targetNamespace="http://schemas.microsoft.com/office/2006/metadata/properties" ma:root="true" ma:fieldsID="8f1a028f5fcafea802f1bbbd0ccd48f9" ns3:_="" ns4:_="">
     <xsd:import namespace="49eab711-90d1-4c0f-9775-bfb7f5e5a799"/>
@@ -18602,38 +18852,10 @@
 </ct:contentTypeSchema>
 </file>
 
-<file path=customXml/item2.xml><?xml version="1.0" encoding="utf-8"?>
-<p:properties xmlns:p="http://schemas.microsoft.com/office/2006/metadata/properties" xmlns:xsi="http://www.w3.org/2001/XMLSchema-instance" xmlns:pc="http://schemas.microsoft.com/office/infopath/2007/PartnerControls">
-  <documentManagement>
-    <_activity xmlns="49eab711-90d1-4c0f-9775-bfb7f5e5a799" xsi:nil="true"/>
-  </documentManagement>
-</p:properties>
-</file>
-
-<file path=customXml/item3.xml><?xml version="1.0" encoding="utf-8"?>
-<?mso-contentType ?>
-<FormTemplates xmlns="http://schemas.microsoft.com/sharepoint/v3/contenttype/forms">
-  <Display>DocumentLibraryForm</Display>
-  <Edit>DocumentLibraryForm</Edit>
-  <New>DocumentLibraryForm</New>
-</FormTemplates>
-</file>
-
 <file path=customXml/itemProps1.xml><?xml version="1.0" encoding="utf-8"?>
-<ds:datastoreItem xmlns:ds="http://schemas.openxmlformats.org/officeDocument/2006/customXml" ds:itemID="{C9830ED9-A146-440C-B934-C557D3AC1812}">
+<ds:datastoreItem xmlns:ds="http://schemas.openxmlformats.org/officeDocument/2006/customXml" ds:itemID="{7EAB5880-6DEB-490E-8068-CD3C9FC7A3FA}">
   <ds:schemaRefs>
-    <ds:schemaRef ds:uri="http://schemas.microsoft.com/office/2006/metadata/contentType"/>
-    <ds:schemaRef ds:uri="http://schemas.microsoft.com/office/2006/metadata/properties/metaAttributes"/>
-    <ds:schemaRef ds:uri="http://www.w3.org/2001/XMLSchema"/>
-    <ds:schemaRef ds:uri="http://schemas.microsoft.com/office/2006/metadata/properties"/>
-    <ds:schemaRef ds:uri="49eab711-90d1-4c0f-9775-bfb7f5e5a799"/>
-    <ds:schemaRef ds:uri="609867d6-2629-4535-86dd-ac3b97a3ffd8"/>
-    <ds:schemaRef ds:uri="http://schemas.microsoft.com/office/2006/documentManagement/types"/>
-    <ds:schemaRef ds:uri="http://schemas.microsoft.com/office/infopath/2007/PartnerControls"/>
-    <ds:schemaRef ds:uri="http://schemas.openxmlformats.org/package/2006/metadata/core-properties"/>
-    <ds:schemaRef ds:uri="http://purl.org/dc/elements/1.1/"/>
-    <ds:schemaRef ds:uri="http://purl.org/dc/terms/"/>
-    <ds:schemaRef ds:uri="http://schemas.microsoft.com/internal/obd"/>
+    <ds:schemaRef ds:uri="http://schemas.microsoft.com/sharepoint/v3/contenttype/forms"/>
   </ds:schemaRefs>
 </ds:datastoreItem>
 </file>
@@ -18656,9 +18878,20 @@
 </file>
 
 <file path=customXml/itemProps3.xml><?xml version="1.0" encoding="utf-8"?>
-<ds:datastoreItem xmlns:ds="http://schemas.openxmlformats.org/officeDocument/2006/customXml" ds:itemID="{7EAB5880-6DEB-490E-8068-CD3C9FC7A3FA}">
+<ds:datastoreItem xmlns:ds="http://schemas.openxmlformats.org/officeDocument/2006/customXml" ds:itemID="{C9830ED9-A146-440C-B934-C557D3AC1812}">
   <ds:schemaRefs>
-    <ds:schemaRef ds:uri="http://schemas.microsoft.com/sharepoint/v3/contenttype/forms"/>
+    <ds:schemaRef ds:uri="http://schemas.microsoft.com/office/2006/metadata/contentType"/>
+    <ds:schemaRef ds:uri="http://schemas.microsoft.com/office/2006/metadata/properties/metaAttributes"/>
+    <ds:schemaRef ds:uri="http://www.w3.org/2001/XMLSchema"/>
+    <ds:schemaRef ds:uri="http://schemas.microsoft.com/office/2006/metadata/properties"/>
+    <ds:schemaRef ds:uri="49eab711-90d1-4c0f-9775-bfb7f5e5a799"/>
+    <ds:schemaRef ds:uri="609867d6-2629-4535-86dd-ac3b97a3ffd8"/>
+    <ds:schemaRef ds:uri="http://schemas.microsoft.com/office/2006/documentManagement/types"/>
+    <ds:schemaRef ds:uri="http://schemas.microsoft.com/office/infopath/2007/PartnerControls"/>
+    <ds:schemaRef ds:uri="http://schemas.openxmlformats.org/package/2006/metadata/core-properties"/>
+    <ds:schemaRef ds:uri="http://purl.org/dc/elements/1.1/"/>
+    <ds:schemaRef ds:uri="http://purl.org/dc/terms/"/>
+    <ds:schemaRef ds:uri="http://schemas.microsoft.com/internal/obd"/>
   </ds:schemaRefs>
 </ds:datastoreItem>
 </file>